--- a/documents/T1_Restify.pptx
+++ b/documents/T1_Restify.pptx
@@ -221,7 +221,7 @@
           <a:p>
             <a:fld id="{A930B388-303A-7841-B305-11C117731671}" type="datetimeFigureOut">
               <a:rPr lang="en-US" smtClean="0"/>
-              <a:t>02-Jan-17</a:t>
+              <a:t>05-Jan-17</a:t>
             </a:fld>
             <a:endParaRPr lang="en-US" dirty="0"/>
           </a:p>
@@ -389,7 +389,7 @@
             <a:fld id="{A8ADFD5B-A66C-449C-B6E8-FB716D07777D}" type="datetimeFigureOut">
               <a:rPr lang="en-US" smtClean="0"/>
               <a:pPr/>
-              <a:t>02-Jan-17</a:t>
+              <a:t>05-Jan-17</a:t>
             </a:fld>
             <a:endParaRPr lang="en-US" dirty="0"/>
           </a:p>
@@ -1411,7 +1411,7 @@
                 </a:solidFill>
               </a:rPr>
               <a:pPr algn="ctr"/>
-              <a:t>02-Jan-17</a:t>
+              <a:t>05-Jan-17</a:t>
             </a:fld>
             <a:endParaRPr lang="en-US" sz="2000" dirty="0">
               <a:solidFill>
@@ -1913,7 +1913,7 @@
             <a:fld id="{E4606EA6-EFEA-4C30-9264-4F9291A5780D}" type="datetime1">
               <a:rPr lang="en-US" smtClean="0"/>
               <a:pPr/>
-              <a:t>02-Jan-17</a:t>
+              <a:t>05-Jan-17</a:t>
             </a:fld>
             <a:endParaRPr lang="en-US" dirty="0"/>
           </a:p>
@@ -2048,7 +2048,7 @@
             <a:fld id="{E4606EA6-EFEA-4C30-9264-4F9291A5780D}" type="datetime1">
               <a:rPr lang="en-US" smtClean="0"/>
               <a:pPr/>
-              <a:t>02-Jan-17</a:t>
+              <a:t>05-Jan-17</a:t>
             </a:fld>
             <a:endParaRPr lang="en-US" dirty="0"/>
           </a:p>
@@ -2463,7 +2463,7 @@
             <a:fld id="{6FCF9F07-3BC7-4570-B054-79111B0A380C}" type="datetime1">
               <a:rPr lang="en-US" smtClean="0"/>
               <a:pPr/>
-              <a:t>02-Jan-17</a:t>
+              <a:t>05-Jan-17</a:t>
             </a:fld>
             <a:endParaRPr lang="en-US" dirty="0"/>
           </a:p>
@@ -2603,7 +2603,7 @@
             <a:fld id="{E4606EA6-EFEA-4C30-9264-4F9291A5780D}" type="datetime1">
               <a:rPr lang="en-US" smtClean="0"/>
               <a:pPr/>
-              <a:t>02-Jan-17</a:t>
+              <a:t>05-Jan-17</a:t>
             </a:fld>
             <a:endParaRPr lang="en-US" sz="1400" dirty="0">
               <a:solidFill>
@@ -2912,7 +2912,7 @@
             <a:fld id="{E4606EA6-EFEA-4C30-9264-4F9291A5780D}" type="datetime1">
               <a:rPr lang="en-US" smtClean="0"/>
               <a:pPr/>
-              <a:t>02-Jan-17</a:t>
+              <a:t>05-Jan-17</a:t>
             </a:fld>
             <a:endParaRPr lang="en-US" dirty="0"/>
           </a:p>
@@ -3156,7 +3156,7 @@
             <a:fld id="{E4606EA6-EFEA-4C30-9264-4F9291A5780D}" type="datetime1">
               <a:rPr lang="en-US" smtClean="0"/>
               <a:pPr/>
-              <a:t>02-Jan-17</a:t>
+              <a:t>05-Jan-17</a:t>
             </a:fld>
             <a:endParaRPr lang="en-US" dirty="0"/>
           </a:p>
@@ -3360,7 +3360,7 @@
             <a:fld id="{6DFADB5D-B7A0-47E3-AD2D-B1A6F8614213}" type="datetime1">
               <a:rPr lang="en-US" smtClean="0"/>
               <a:pPr/>
-              <a:t>02-Jan-17</a:t>
+              <a:t>05-Jan-17</a:t>
             </a:fld>
             <a:endParaRPr lang="en-US" dirty="0"/>
           </a:p>
@@ -3469,7 +3469,7 @@
             <a:fld id="{72968126-03FC-49C0-B9B8-2B561CCC3D90}" type="datetime1">
               <a:rPr lang="en-US" smtClean="0"/>
               <a:pPr/>
-              <a:t>02-Jan-17</a:t>
+              <a:t>05-Jan-17</a:t>
             </a:fld>
             <a:endParaRPr lang="en-US" dirty="0"/>
           </a:p>
@@ -3617,7 +3617,7 @@
             <a:fld id="{F49A8198-4617-485E-9585-4840B69DBBA6}" type="datetime1">
               <a:rPr lang="en-US" smtClean="0"/>
               <a:pPr/>
-              <a:t>02-Jan-17</a:t>
+              <a:t>05-Jan-17</a:t>
             </a:fld>
             <a:endParaRPr lang="en-US" dirty="0"/>
           </a:p>
@@ -3942,7 +3942,7 @@
             <a:fld id="{E4606EA6-EFEA-4C30-9264-4F9291A5780D}" type="datetime1">
               <a:rPr lang="en-US" smtClean="0"/>
               <a:pPr/>
-              <a:t>02-Jan-17</a:t>
+              <a:t>05-Jan-17</a:t>
             </a:fld>
             <a:endParaRPr lang="en-US" sz="1400" dirty="0">
               <a:solidFill>
@@ -5302,6 +5302,28 @@
             </a:r>
           </a:p>
           <a:p>
+            <a:pPr lvl="1"/>
+            <a:r>
+              <a:rPr lang="pt-PT" dirty="0"/>
+              <a:t> </a:t>
+            </a:r>
+            <a:r>
+              <a:rPr lang="pt-PT" dirty="0"/>
+              <a:t>C:\data\db</a:t>
+            </a:r>
+          </a:p>
+          <a:p>
+            <a:r>
+              <a:rPr lang="pt-PT" dirty="0"/>
+              <a:t>Criar a base de dados </a:t>
+            </a:r>
+            <a:r>
+              <a:rPr lang="pt-PT" dirty="0" err="1"/>
+              <a:t>MongoDB</a:t>
+            </a:r>
+            <a:endParaRPr lang="pt-PT" dirty="0"/>
+          </a:p>
+          <a:p>
             <a:r>
               <a:rPr lang="pt-PT" dirty="0"/>
               <a:t>Iniciar os ficheiros javascript da Base de Dados</a:t>
@@ -5349,8 +5371,8 @@
         </p:blipFill>
         <p:spPr>
           <a:xfrm>
-            <a:off x="3124200" y="4876800"/>
-            <a:ext cx="2895600" cy="1661786"/>
+            <a:off x="4038600" y="5867400"/>
+            <a:ext cx="1295400" cy="743431"/>
           </a:xfrm>
           <a:prstGeom prst="rect">
             <a:avLst/>
@@ -10061,19 +10083,55 @@
           <a:p>
             <a:r>
               <a:rPr lang="pt-PT" dirty="0"/>
-              <a:t>/Users/{UserID}/Datasets/{DatasetID}/Stats</a:t>
-            </a:r>
-          </a:p>
-          <a:p>
+              <a:t>/Users/{UserID}/Datasets/{DatasetID}/</a:t>
+            </a:r>
+            <a:r>
+              <a:rPr lang="pt-PT" dirty="0" err="1"/>
+              <a:t>Stats?StaId</a:t>
+            </a:r>
             <a:r>
               <a:rPr lang="pt-PT" dirty="0"/>
-              <a:t>/Users/{UserID}/Datasets/{DatasetID}/Trnsf</a:t>
+              <a:t>=1</a:t>
             </a:r>
           </a:p>
           <a:p>
             <a:r>
               <a:rPr lang="pt-PT" dirty="0"/>
-              <a:t>/Users/{UserID}/Datasets/{DatasetID}/{MacroID}/</a:t>
+              <a:t>/Users/{UserID}/Datasets/{DatasetID}/</a:t>
+            </a:r>
+            <a:r>
+              <a:rPr lang="pt-PT"/>
+              <a:t>Transfs?</a:t>
+            </a:r>
+            <a:r>
+              <a:rPr lang="pt-PT" dirty="0" err="1"/>
+              <a:t>Transf</a:t>
+            </a:r>
+            <a:r>
+              <a:rPr lang="pt-PT" dirty="0"/>
+              <a:t>=1</a:t>
+            </a:r>
+          </a:p>
+          <a:p>
+            <a:r>
+              <a:rPr lang="pt-PT" dirty="0"/>
+              <a:t>/Users/{UserID}/Datasets/{</a:t>
+            </a:r>
+            <a:r>
+              <a:rPr lang="pt-PT" dirty="0" err="1"/>
+              <a:t>DatasetID</a:t>
+            </a:r>
+            <a:r>
+              <a:rPr lang="pt-PT" dirty="0"/>
+              <a:t>}/</a:t>
+            </a:r>
+            <a:r>
+              <a:rPr lang="pt-PT" dirty="0" err="1"/>
+              <a:t>Macro?MacroId</a:t>
+            </a:r>
+            <a:r>
+              <a:rPr lang="pt-PT" dirty="0"/>
+              <a:t>=1</a:t>
             </a:r>
           </a:p>
           <a:p>

--- a/documents/T1_Restify.pptx
+++ b/documents/T1_Restify.pptx
@@ -221,7 +221,7 @@
           <a:p>
             <a:fld id="{A930B388-303A-7841-B305-11C117731671}" type="datetimeFigureOut">
               <a:rPr lang="en-US" smtClean="0"/>
-              <a:t>05-Jan-17</a:t>
+              <a:t>02-Jan-17</a:t>
             </a:fld>
             <a:endParaRPr lang="en-US" dirty="0"/>
           </a:p>
@@ -389,7 +389,7 @@
             <a:fld id="{A8ADFD5B-A66C-449C-B6E8-FB716D07777D}" type="datetimeFigureOut">
               <a:rPr lang="en-US" smtClean="0"/>
               <a:pPr/>
-              <a:t>05-Jan-17</a:t>
+              <a:t>02-Jan-17</a:t>
             </a:fld>
             <a:endParaRPr lang="en-US" dirty="0"/>
           </a:p>
@@ -1411,7 +1411,7 @@
                 </a:solidFill>
               </a:rPr>
               <a:pPr algn="ctr"/>
-              <a:t>05-Jan-17</a:t>
+              <a:t>02-Jan-17</a:t>
             </a:fld>
             <a:endParaRPr lang="en-US" sz="2000" dirty="0">
               <a:solidFill>
@@ -1913,7 +1913,7 @@
             <a:fld id="{E4606EA6-EFEA-4C30-9264-4F9291A5780D}" type="datetime1">
               <a:rPr lang="en-US" smtClean="0"/>
               <a:pPr/>
-              <a:t>05-Jan-17</a:t>
+              <a:t>02-Jan-17</a:t>
             </a:fld>
             <a:endParaRPr lang="en-US" dirty="0"/>
           </a:p>
@@ -2048,7 +2048,7 @@
             <a:fld id="{E4606EA6-EFEA-4C30-9264-4F9291A5780D}" type="datetime1">
               <a:rPr lang="en-US" smtClean="0"/>
               <a:pPr/>
-              <a:t>05-Jan-17</a:t>
+              <a:t>02-Jan-17</a:t>
             </a:fld>
             <a:endParaRPr lang="en-US" dirty="0"/>
           </a:p>
@@ -2463,7 +2463,7 @@
             <a:fld id="{6FCF9F07-3BC7-4570-B054-79111B0A380C}" type="datetime1">
               <a:rPr lang="en-US" smtClean="0"/>
               <a:pPr/>
-              <a:t>05-Jan-17</a:t>
+              <a:t>02-Jan-17</a:t>
             </a:fld>
             <a:endParaRPr lang="en-US" dirty="0"/>
           </a:p>
@@ -2603,7 +2603,7 @@
             <a:fld id="{E4606EA6-EFEA-4C30-9264-4F9291A5780D}" type="datetime1">
               <a:rPr lang="en-US" smtClean="0"/>
               <a:pPr/>
-              <a:t>05-Jan-17</a:t>
+              <a:t>02-Jan-17</a:t>
             </a:fld>
             <a:endParaRPr lang="en-US" sz="1400" dirty="0">
               <a:solidFill>
@@ -2912,7 +2912,7 @@
             <a:fld id="{E4606EA6-EFEA-4C30-9264-4F9291A5780D}" type="datetime1">
               <a:rPr lang="en-US" smtClean="0"/>
               <a:pPr/>
-              <a:t>05-Jan-17</a:t>
+              <a:t>02-Jan-17</a:t>
             </a:fld>
             <a:endParaRPr lang="en-US" dirty="0"/>
           </a:p>
@@ -3156,7 +3156,7 @@
             <a:fld id="{E4606EA6-EFEA-4C30-9264-4F9291A5780D}" type="datetime1">
               <a:rPr lang="en-US" smtClean="0"/>
               <a:pPr/>
-              <a:t>05-Jan-17</a:t>
+              <a:t>02-Jan-17</a:t>
             </a:fld>
             <a:endParaRPr lang="en-US" dirty="0"/>
           </a:p>
@@ -3360,7 +3360,7 @@
             <a:fld id="{6DFADB5D-B7A0-47E3-AD2D-B1A6F8614213}" type="datetime1">
               <a:rPr lang="en-US" smtClean="0"/>
               <a:pPr/>
-              <a:t>05-Jan-17</a:t>
+              <a:t>02-Jan-17</a:t>
             </a:fld>
             <a:endParaRPr lang="en-US" dirty="0"/>
           </a:p>
@@ -3469,7 +3469,7 @@
             <a:fld id="{72968126-03FC-49C0-B9B8-2B561CCC3D90}" type="datetime1">
               <a:rPr lang="en-US" smtClean="0"/>
               <a:pPr/>
-              <a:t>05-Jan-17</a:t>
+              <a:t>02-Jan-17</a:t>
             </a:fld>
             <a:endParaRPr lang="en-US" dirty="0"/>
           </a:p>
@@ -3617,7 +3617,7 @@
             <a:fld id="{F49A8198-4617-485E-9585-4840B69DBBA6}" type="datetime1">
               <a:rPr lang="en-US" smtClean="0"/>
               <a:pPr/>
-              <a:t>05-Jan-17</a:t>
+              <a:t>02-Jan-17</a:t>
             </a:fld>
             <a:endParaRPr lang="en-US" dirty="0"/>
           </a:p>
@@ -3942,7 +3942,7 @@
             <a:fld id="{E4606EA6-EFEA-4C30-9264-4F9291A5780D}" type="datetime1">
               <a:rPr lang="en-US" smtClean="0"/>
               <a:pPr/>
-              <a:t>05-Jan-17</a:t>
+              <a:t>02-Jan-17</a:t>
             </a:fld>
             <a:endParaRPr lang="en-US" sz="1400" dirty="0">
               <a:solidFill>
@@ -5302,28 +5302,6 @@
             </a:r>
           </a:p>
           <a:p>
-            <a:pPr lvl="1"/>
-            <a:r>
-              <a:rPr lang="pt-PT" dirty="0"/>
-              <a:t> </a:t>
-            </a:r>
-            <a:r>
-              <a:rPr lang="pt-PT" dirty="0"/>
-              <a:t>C:\data\db</a:t>
-            </a:r>
-          </a:p>
-          <a:p>
-            <a:r>
-              <a:rPr lang="pt-PT" dirty="0"/>
-              <a:t>Criar a base de dados </a:t>
-            </a:r>
-            <a:r>
-              <a:rPr lang="pt-PT" dirty="0" err="1"/>
-              <a:t>MongoDB</a:t>
-            </a:r>
-            <a:endParaRPr lang="pt-PT" dirty="0"/>
-          </a:p>
-          <a:p>
             <a:r>
               <a:rPr lang="pt-PT" dirty="0"/>
               <a:t>Iniciar os ficheiros javascript da Base de Dados</a:t>
@@ -5371,8 +5349,8 @@
         </p:blipFill>
         <p:spPr>
           <a:xfrm>
-            <a:off x="4038600" y="5867400"/>
-            <a:ext cx="1295400" cy="743431"/>
+            <a:off x="3124200" y="4876800"/>
+            <a:ext cx="2895600" cy="1661786"/>
           </a:xfrm>
           <a:prstGeom prst="rect">
             <a:avLst/>
@@ -10083,55 +10061,19 @@
           <a:p>
             <a:r>
               <a:rPr lang="pt-PT" dirty="0"/>
-              <a:t>/Users/{UserID}/Datasets/{DatasetID}/</a:t>
-            </a:r>
-            <a:r>
-              <a:rPr lang="pt-PT" dirty="0" err="1"/>
-              <a:t>Stats?StaId</a:t>
-            </a:r>
+              <a:t>/Users/{UserID}/Datasets/{DatasetID}/Stats</a:t>
+            </a:r>
+          </a:p>
+          <a:p>
             <a:r>
               <a:rPr lang="pt-PT" dirty="0"/>
-              <a:t>=1</a:t>
+              <a:t>/Users/{UserID}/Datasets/{DatasetID}/Trnsf</a:t>
             </a:r>
           </a:p>
           <a:p>
             <a:r>
               <a:rPr lang="pt-PT" dirty="0"/>
-              <a:t>/Users/{UserID}/Datasets/{DatasetID}/</a:t>
-            </a:r>
-            <a:r>
-              <a:rPr lang="pt-PT"/>
-              <a:t>Transfs?</a:t>
-            </a:r>
-            <a:r>
-              <a:rPr lang="pt-PT" dirty="0" err="1"/>
-              <a:t>Transf</a:t>
-            </a:r>
-            <a:r>
-              <a:rPr lang="pt-PT" dirty="0"/>
-              <a:t>=1</a:t>
-            </a:r>
-          </a:p>
-          <a:p>
-            <a:r>
-              <a:rPr lang="pt-PT" dirty="0"/>
-              <a:t>/Users/{UserID}/Datasets/{</a:t>
-            </a:r>
-            <a:r>
-              <a:rPr lang="pt-PT" dirty="0" err="1"/>
-              <a:t>DatasetID</a:t>
-            </a:r>
-            <a:r>
-              <a:rPr lang="pt-PT" dirty="0"/>
-              <a:t>}/</a:t>
-            </a:r>
-            <a:r>
-              <a:rPr lang="pt-PT" dirty="0" err="1"/>
-              <a:t>Macro?MacroId</a:t>
-            </a:r>
-            <a:r>
-              <a:rPr lang="pt-PT" dirty="0"/>
-              <a:t>=1</a:t>
+              <a:t>/Users/{UserID}/Datasets/{DatasetID}/{MacroID}/</a:t>
             </a:r>
           </a:p>
           <a:p>

--- a/documents/T1_Restify.pptx
+++ b/documents/T1_Restify.pptx
@@ -16,8 +16,8 @@
     <p:sldId id="263" r:id="rId4"/>
     <p:sldId id="265" r:id="rId5"/>
     <p:sldId id="266" r:id="rId6"/>
-    <p:sldId id="267" r:id="rId7"/>
-    <p:sldId id="270" r:id="rId8"/>
+    <p:sldId id="270" r:id="rId7"/>
+    <p:sldId id="267" r:id="rId8"/>
     <p:sldId id="269" r:id="rId9"/>
     <p:sldId id="272" r:id="rId10"/>
     <p:sldId id="274" r:id="rId11"/>
@@ -188,7 +188,7 @@
             </a:lvl1pPr>
           </a:lstStyle>
           <a:p>
-            <a:endParaRPr lang="en-US" dirty="0"/>
+            <a:endParaRPr lang="en-US"/>
           </a:p>
         </p:txBody>
       </p:sp>
@@ -221,9 +221,9 @@
           <a:p>
             <a:fld id="{A930B388-303A-7841-B305-11C117731671}" type="datetimeFigureOut">
               <a:rPr lang="en-US" smtClean="0"/>
-              <a:t>02-Jan-17</a:t>
+              <a:t>1/5/2017</a:t>
             </a:fld>
-            <a:endParaRPr lang="en-US" dirty="0"/>
+            <a:endParaRPr lang="en-US"/>
           </a:p>
         </p:txBody>
       </p:sp>
@@ -254,7 +254,7 @@
             </a:lvl1pPr>
           </a:lstStyle>
           <a:p>
-            <a:endParaRPr lang="en-US" dirty="0"/>
+            <a:endParaRPr lang="en-US"/>
           </a:p>
         </p:txBody>
       </p:sp>
@@ -289,7 +289,7 @@
               <a:rPr lang="en-US" smtClean="0"/>
               <a:t>‹#›</a:t>
             </a:fld>
-            <a:endParaRPr lang="en-US" dirty="0"/>
+            <a:endParaRPr lang="en-US"/>
           </a:p>
         </p:txBody>
       </p:sp>
@@ -354,7 +354,7 @@
             <a:extLst/>
           </a:lstStyle>
           <a:p>
-            <a:endParaRPr lang="en-US" dirty="0"/>
+            <a:endParaRPr lang="en-US"/>
           </a:p>
         </p:txBody>
       </p:sp>
@@ -389,9 +389,9 @@
             <a:fld id="{A8ADFD5B-A66C-449C-B6E8-FB716D07777D}" type="datetimeFigureOut">
               <a:rPr lang="en-US" smtClean="0"/>
               <a:pPr/>
-              <a:t>02-Jan-17</a:t>
+              <a:t>1/5/2017</a:t>
             </a:fld>
-            <a:endParaRPr lang="en-US" dirty="0"/>
+            <a:endParaRPr lang="en-US"/>
           </a:p>
         </p:txBody>
       </p:sp>
@@ -422,9 +422,11 @@
         </p:spPr>
         <p:txBody>
           <a:bodyPr vert="horz" rtlCol="0" anchor="ctr"/>
-          <a:lstStyle/>
-          <a:p>
-            <a:endParaRPr lang="en-US" dirty="0"/>
+          <a:lstStyle>
+            <a:extLst/>
+          </a:lstStyle>
+          <a:p>
+            <a:endParaRPr lang="en-US"/>
           </a:p>
         </p:txBody>
       </p:sp>
@@ -451,41 +453,45 @@
           <a:bodyPr vert="horz" rtlCol="0">
             <a:normAutofit/>
           </a:bodyPr>
-          <a:lstStyle/>
+          <a:lstStyle>
+            <a:extLst/>
+          </a:lstStyle>
           <a:p>
             <a:pPr lvl="0"/>
             <a:r>
-              <a:rPr lang="en-US"/>
+              <a:rPr lang="en-US" smtClean="0"/>
               <a:t>Click to edit Master text styles</a:t>
             </a:r>
+            <a:endParaRPr lang="en-US"/>
           </a:p>
           <a:p>
             <a:pPr lvl="1"/>
             <a:r>
-              <a:rPr lang="en-US"/>
+              <a:rPr lang="en-US" smtClean="0"/>
               <a:t>Second level</a:t>
             </a:r>
           </a:p>
           <a:p>
             <a:pPr lvl="2"/>
             <a:r>
-              <a:rPr lang="en-US"/>
+              <a:rPr lang="en-US" smtClean="0"/>
               <a:t>Third level</a:t>
             </a:r>
           </a:p>
           <a:p>
             <a:pPr lvl="3"/>
             <a:r>
-              <a:rPr lang="en-US"/>
+              <a:rPr lang="en-US" smtClean="0"/>
               <a:t>Fourth level</a:t>
             </a:r>
           </a:p>
           <a:p>
             <a:pPr lvl="4"/>
             <a:r>
-              <a:rPr lang="en-US"/>
+              <a:rPr lang="en-US" smtClean="0"/>
               <a:t>Fifth level</a:t>
             </a:r>
+            <a:endParaRPr lang="en-US"/>
           </a:p>
         </p:txBody>
       </p:sp>
@@ -517,7 +523,7 @@
             <a:extLst/>
           </a:lstStyle>
           <a:p>
-            <a:endParaRPr lang="en-US" dirty="0"/>
+            <a:endParaRPr lang="en-US"/>
           </a:p>
         </p:txBody>
       </p:sp>
@@ -554,7 +560,7 @@
               <a:pPr/>
               <a:t>‹#›</a:t>
             </a:fld>
-            <a:endParaRPr lang="en-US" dirty="0"/>
+            <a:endParaRPr lang="en-US"/>
           </a:p>
         </p:txBody>
       </p:sp>
@@ -709,7 +715,9 @@
         <p:spPr/>
         <p:txBody>
           <a:bodyPr/>
-          <a:lstStyle/>
+          <a:lstStyle>
+            <a:extLst/>
+          </a:lstStyle>
           <a:p>
             <a:endParaRPr lang="en-US" dirty="0"/>
           </a:p>
@@ -728,14 +736,16 @@
         <p:spPr/>
         <p:txBody>
           <a:bodyPr/>
-          <a:lstStyle/>
+          <a:lstStyle>
+            <a:extLst/>
+          </a:lstStyle>
           <a:p>
             <a:fld id="{CA5D3BF3-D352-46FC-8343-31F56E6730EA}" type="slidenum">
               <a:rPr lang="en-US" smtClean="0"/>
               <a:pPr/>
               <a:t>1</a:t>
             </a:fld>
-            <a:endParaRPr lang="en-US" dirty="0"/>
+            <a:endParaRPr lang="en-US"/>
           </a:p>
         </p:txBody>
       </p:sp>
@@ -814,7 +824,7 @@
               <a:defRPr/>
             </a:pPr>
             <a:r>
-              <a:rPr lang="pt-PT" sz="1200" dirty="0"/>
+              <a:rPr lang="pt-PT" sz="1200" dirty="0" smtClean="0"/>
               <a:t>Geralmente os clientes e servidores comunicam através de uma rede de computadores em computadores distintos, mas tanto o cliente como o servidor podem estar no mesmo computador.</a:t>
             </a:r>
           </a:p>
@@ -836,7 +846,7 @@
               <a:tabLst/>
               <a:defRPr/>
             </a:pPr>
-            <a:endParaRPr lang="pt-PT" dirty="0"/>
+            <a:endParaRPr lang="pt-PT" dirty="0" smtClean="0"/>
           </a:p>
           <a:p>
             <a:pPr marL="171450" marR="0" lvl="0" indent="-171450" algn="l" defTabSz="914400" rtl="0" eaLnBrk="1" fontAlgn="auto" latinLnBrk="0" hangingPunct="1">
@@ -856,7 +866,7 @@
               <a:tabLst/>
               <a:defRPr/>
             </a:pPr>
-            <a:endParaRPr lang="pt-PT" dirty="0"/>
+            <a:endParaRPr lang="pt-PT" dirty="0" smtClean="0"/>
           </a:p>
           <a:p>
             <a:pPr marL="171450" marR="0" lvl="0" indent="-171450" algn="l" defTabSz="914400" rtl="0" eaLnBrk="1" fontAlgn="auto" latinLnBrk="0" hangingPunct="1">
@@ -877,7 +887,7 @@
               <a:defRPr/>
             </a:pPr>
             <a:r>
-              <a:rPr lang="pt-PT" dirty="0"/>
+              <a:rPr lang="pt-PT" dirty="0" smtClean="0"/>
               <a:t>A Aplicação-cliente só apresentará:</a:t>
             </a:r>
           </a:p>
@@ -900,7 +910,7 @@
               <a:defRPr/>
             </a:pPr>
             <a:r>
-              <a:rPr lang="pt-PT" dirty="0"/>
+              <a:rPr lang="pt-PT" dirty="0" smtClean="0"/>
               <a:t>as funcionalidades para o utilizador</a:t>
             </a:r>
           </a:p>
@@ -923,7 +933,7 @@
               <a:defRPr/>
             </a:pPr>
             <a:r>
-              <a:rPr lang="pt-PT" dirty="0"/>
+              <a:rPr lang="pt-PT" dirty="0" smtClean="0"/>
               <a:t>os seus resultados, enquanto os servidores irão lidar com tudo o resto desde </a:t>
             </a:r>
           </a:p>
@@ -946,7 +956,7 @@
               <a:defRPr/>
             </a:pPr>
             <a:r>
-              <a:rPr lang="pt-PT" dirty="0"/>
+              <a:rPr lang="pt-PT" dirty="0" smtClean="0"/>
               <a:t>a lógica de negócios</a:t>
             </a:r>
           </a:p>
@@ -969,7 +979,7 @@
               <a:defRPr/>
             </a:pPr>
             <a:r>
-              <a:rPr lang="pt-PT" dirty="0"/>
+              <a:rPr lang="pt-PT" dirty="0" smtClean="0"/>
               <a:t>persistência...</a:t>
             </a:r>
           </a:p>
@@ -1015,7 +1025,7 @@
               <a:pPr/>
               <a:t>2</a:t>
             </a:fld>
-            <a:endParaRPr lang="en-US" dirty="0"/>
+            <a:endParaRPr lang="en-US"/>
           </a:p>
         </p:txBody>
       </p:sp>
@@ -1077,17 +1087,17 @@
           <a:lstStyle/>
           <a:p>
             <a:r>
-              <a:rPr lang="pt-PT" dirty="0"/>
+              <a:rPr lang="pt-PT" dirty="0" smtClean="0"/>
               <a:t>A</a:t>
             </a:r>
             <a:r>
-              <a:rPr lang="pt-PT" baseline="0" dirty="0"/>
+              <a:rPr lang="pt-PT" baseline="0" dirty="0" smtClean="0"/>
               <a:t> Arquitetura de Sistema é constituída por 5 intervenientes fundamentais. </a:t>
             </a:r>
           </a:p>
           <a:p>
             <a:r>
-              <a:rPr lang="pt-PT" baseline="0" dirty="0"/>
+              <a:rPr lang="pt-PT" baseline="0" dirty="0" smtClean="0"/>
               <a:t>São eles:</a:t>
             </a:r>
           </a:p>
@@ -1097,7 +1107,7 @@
               <a:buChar char="-"/>
             </a:pPr>
             <a:r>
-              <a:rPr lang="pt-PT" baseline="0" dirty="0"/>
+              <a:rPr lang="pt-PT" baseline="0" dirty="0" smtClean="0"/>
               <a:t>O web Client</a:t>
             </a:r>
           </a:p>
@@ -1107,7 +1117,7 @@
               <a:buChar char="-"/>
             </a:pPr>
             <a:r>
-              <a:rPr lang="pt-PT" baseline="0" dirty="0"/>
+              <a:rPr lang="pt-PT" baseline="0" dirty="0" smtClean="0"/>
               <a:t>O worksheet Service</a:t>
             </a:r>
           </a:p>
@@ -1117,7 +1127,7 @@
               <a:buChar char="-"/>
             </a:pPr>
             <a:r>
-              <a:rPr lang="pt-PT" baseline="0" dirty="0"/>
+              <a:rPr lang="pt-PT" baseline="0" dirty="0" smtClean="0"/>
               <a:t>O Dataset</a:t>
             </a:r>
           </a:p>
@@ -1127,7 +1137,7 @@
               <a:buChar char="-"/>
             </a:pPr>
             <a:r>
-              <a:rPr lang="pt-PT" baseline="0" dirty="0"/>
+              <a:rPr lang="pt-PT" baseline="0" dirty="0" smtClean="0"/>
               <a:t>As Macros</a:t>
             </a:r>
           </a:p>
@@ -1137,7 +1147,7 @@
               <a:buChar char="-"/>
             </a:pPr>
             <a:r>
-              <a:rPr lang="pt-PT" baseline="0" dirty="0"/>
+              <a:rPr lang="pt-PT" baseline="0" dirty="0" smtClean="0"/>
               <a:t>As Operations Service</a:t>
             </a:r>
             <a:endParaRPr lang="pt-PT" dirty="0"/>
@@ -1164,7 +1174,7 @@
               <a:pPr/>
               <a:t>3</a:t>
             </a:fld>
-            <a:endParaRPr lang="en-US" dirty="0"/>
+            <a:endParaRPr lang="en-US"/>
           </a:p>
         </p:txBody>
       </p:sp>
@@ -1247,9 +1257,9 @@
             <a:fld id="{CA5D3BF3-D352-46FC-8343-31F56E6730EA}" type="slidenum">
               <a:rPr lang="en-US" smtClean="0"/>
               <a:pPr/>
-              <a:t>7</a:t>
+              <a:t>6</a:t>
             </a:fld>
-            <a:endParaRPr lang="en-US" dirty="0"/>
+            <a:endParaRPr lang="en-US"/>
           </a:p>
         </p:txBody>
       </p:sp>
@@ -1366,9 +1376,10 @@
           </a:lstStyle>
           <a:p>
             <a:r>
-              <a:rPr lang="en-US" dirty="0"/>
+              <a:rPr lang="en-US" dirty="0" smtClean="0"/>
               <a:t>Click to edit Master subtitle style</a:t>
             </a:r>
+            <a:endParaRPr lang="en-US" dirty="0"/>
           </a:p>
         </p:txBody>
       </p:sp>
@@ -1411,7 +1422,7 @@
                 </a:solidFill>
               </a:rPr>
               <a:pPr algn="ctr"/>
-              <a:t>02-Jan-17</a:t>
+              <a:t>1/5/2017</a:t>
             </a:fld>
             <a:endParaRPr lang="en-US" sz="2000" dirty="0">
               <a:solidFill>
@@ -1531,7 +1542,7 @@
           </a:lstStyle>
           <a:p>
             <a:r>
-              <a:rPr lang="en-US"/>
+              <a:rPr lang="en-US" smtClean="0"/>
               <a:t>Click to edit Master title style</a:t>
             </a:r>
             <a:endParaRPr lang="en-US" dirty="0"/>
@@ -1603,9 +1614,10 @@
           </a:lstStyle>
           <a:p>
             <a:r>
-              <a:rPr lang="en-US" dirty="0"/>
+              <a:rPr lang="en-US" smtClean="0"/>
               <a:t>Click icon to add picture</a:t>
             </a:r>
+            <a:endParaRPr lang="en-US" dirty="0"/>
           </a:p>
         </p:txBody>
       </p:sp>
@@ -1658,7 +1670,7 @@
           <a:p>
             <a:pPr lvl="0"/>
             <a:r>
-              <a:rPr lang="en-US"/>
+              <a:rPr lang="en-US" smtClean="0"/>
               <a:t>Click to edit Master text styles</a:t>
             </a:r>
           </a:p>
@@ -1703,10 +1715,12 @@
         </p:style>
         <p:txBody>
           <a:bodyPr anchor="ctr"/>
-          <a:lstStyle/>
+          <a:lstStyle>
+            <a:extLst/>
+          </a:lstStyle>
           <a:p>
             <a:pPr algn="ctr"/>
-            <a:endParaRPr lang="en-US" dirty="0"/>
+            <a:endParaRPr lang="en-US"/>
           </a:p>
         </p:txBody>
       </p:sp>
@@ -1751,10 +1765,12 @@
         </p:style>
         <p:txBody>
           <a:bodyPr anchor="ctr"/>
-          <a:lstStyle/>
+          <a:lstStyle>
+            <a:extLst/>
+          </a:lstStyle>
           <a:p>
             <a:pPr algn="ctr"/>
-            <a:endParaRPr lang="en-US" dirty="0"/>
+            <a:endParaRPr lang="en-US"/>
           </a:p>
         </p:txBody>
       </p:sp>
@@ -1799,10 +1815,12 @@
         </p:style>
         <p:txBody>
           <a:bodyPr anchor="ctr"/>
-          <a:lstStyle/>
+          <a:lstStyle>
+            <a:extLst/>
+          </a:lstStyle>
           <a:p>
             <a:pPr algn="ctr"/>
-            <a:endParaRPr lang="en-US" dirty="0"/>
+            <a:endParaRPr lang="en-US"/>
           </a:p>
         </p:txBody>
       </p:sp>
@@ -1837,7 +1855,7 @@
           </a:lstStyle>
           <a:p>
             <a:r>
-              <a:rPr lang="en-US"/>
+              <a:rPr lang="en-US" smtClean="0"/>
               <a:t>Click to edit Master title style</a:t>
             </a:r>
             <a:endParaRPr lang="en-US" dirty="0"/>
@@ -1883,10 +1901,12 @@
         </p:style>
         <p:txBody>
           <a:bodyPr anchor="ctr"/>
-          <a:lstStyle/>
+          <a:lstStyle>
+            <a:extLst/>
+          </a:lstStyle>
           <a:p>
             <a:pPr algn="ctr"/>
-            <a:endParaRPr lang="en-US" dirty="0"/>
+            <a:endParaRPr lang="en-US"/>
           </a:p>
         </p:txBody>
       </p:sp>
@@ -1908,14 +1928,16 @@
         </p:spPr>
         <p:txBody>
           <a:bodyPr rtlCol="0"/>
-          <a:lstStyle/>
+          <a:lstStyle>
+            <a:extLst/>
+          </a:lstStyle>
           <a:p>
             <a:fld id="{E4606EA6-EFEA-4C30-9264-4F9291A5780D}" type="datetime1">
               <a:rPr lang="en-US" smtClean="0"/>
               <a:pPr/>
-              <a:t>02-Jan-17</a:t>
+              <a:t>1/5/2017</a:t>
             </a:fld>
-            <a:endParaRPr lang="en-US" dirty="0"/>
+            <a:endParaRPr lang="en-US"/>
           </a:p>
         </p:txBody>
       </p:sp>
@@ -1976,7 +1998,9 @@
         </p:spPr>
         <p:txBody>
           <a:bodyPr rtlCol="0"/>
-          <a:lstStyle/>
+          <a:lstStyle>
+            <a:extLst/>
+          </a:lstStyle>
           <a:p>
             <a:endParaRPr lang="en-US" dirty="0"/>
           </a:p>
@@ -2020,10 +2044,12 @@
         <p:spPr/>
         <p:txBody>
           <a:bodyPr/>
-          <a:lstStyle/>
-          <a:p>
-            <a:r>
-              <a:rPr lang="en-US"/>
+          <a:lstStyle>
+            <a:extLst/>
+          </a:lstStyle>
+          <a:p>
+            <a:r>
+              <a:rPr lang="en-US" smtClean="0"/>
               <a:t>Click to edit Master title style</a:t>
             </a:r>
             <a:endParaRPr lang="en-US" dirty="0"/>
@@ -2043,14 +2069,16 @@
         <p:spPr/>
         <p:txBody>
           <a:bodyPr/>
-          <a:lstStyle/>
+          <a:lstStyle>
+            <a:extLst/>
+          </a:lstStyle>
           <a:p>
             <a:fld id="{E4606EA6-EFEA-4C30-9264-4F9291A5780D}" type="datetime1">
               <a:rPr lang="en-US" smtClean="0"/>
               <a:pPr/>
-              <a:t>02-Jan-17</a:t>
+              <a:t>1/5/2017</a:t>
             </a:fld>
-            <a:endParaRPr lang="en-US" dirty="0"/>
+            <a:endParaRPr lang="en-US"/>
           </a:p>
         </p:txBody>
       </p:sp>
@@ -2067,9 +2095,11 @@
         <p:spPr/>
         <p:txBody>
           <a:bodyPr/>
-          <a:lstStyle/>
-          <a:p>
-            <a:endParaRPr lang="en-US" dirty="0"/>
+          <a:lstStyle>
+            <a:extLst/>
+          </a:lstStyle>
+          <a:p>
+            <a:endParaRPr lang="en-US"/>
           </a:p>
         </p:txBody>
       </p:sp>
@@ -2086,7 +2116,9 @@
         <p:spPr/>
         <p:txBody>
           <a:bodyPr/>
-          <a:lstStyle/>
+          <a:lstStyle>
+            <a:extLst/>
+          </a:lstStyle>
           <a:p>
             <a:pPr algn="ctr"/>
             <a:fld id="{8F82E0A0-C266-4798-8C8F-B9F91E9DA37E}" type="slidenum">
@@ -2098,7 +2130,7 @@
               <a:pPr algn="ctr"/>
               <a:t>‹#›</a:t>
             </a:fld>
-            <a:endParaRPr lang="en-US" dirty="0"/>
+            <a:endParaRPr lang="en-US"/>
           </a:p>
         </p:txBody>
       </p:sp>
@@ -2120,41 +2152,44 @@
         </p:spPr>
         <p:txBody>
           <a:bodyPr/>
-          <a:lstStyle/>
+          <a:lstStyle>
+            <a:extLst/>
+          </a:lstStyle>
           <a:p>
             <a:pPr lvl="0"/>
             <a:r>
-              <a:rPr lang="en-US"/>
+              <a:rPr lang="en-US" smtClean="0"/>
               <a:t>Click to edit Master text styles</a:t>
             </a:r>
           </a:p>
           <a:p>
             <a:pPr lvl="1"/>
             <a:r>
-              <a:rPr lang="en-US"/>
+              <a:rPr lang="en-US" smtClean="0"/>
               <a:t>Second level</a:t>
             </a:r>
           </a:p>
           <a:p>
             <a:pPr lvl="2"/>
             <a:r>
-              <a:rPr lang="en-US"/>
+              <a:rPr lang="en-US" smtClean="0"/>
               <a:t>Third level</a:t>
             </a:r>
           </a:p>
           <a:p>
             <a:pPr lvl="3"/>
             <a:r>
-              <a:rPr lang="en-US"/>
+              <a:rPr lang="en-US" smtClean="0"/>
               <a:t>Fourth level</a:t>
             </a:r>
           </a:p>
           <a:p>
             <a:pPr lvl="4"/>
             <a:r>
-              <a:rPr lang="en-US"/>
+              <a:rPr lang="en-US" smtClean="0"/>
               <a:t>Fifth level</a:t>
             </a:r>
+            <a:endParaRPr lang="en-US"/>
           </a:p>
         </p:txBody>
       </p:sp>
@@ -2260,7 +2295,7 @@
           <a:p>
             <a:pPr lvl="0"/>
             <a:r>
-              <a:rPr lang="en-US"/>
+              <a:rPr lang="en-US" smtClean="0"/>
               <a:t>Click to edit Master text styles</a:t>
             </a:r>
           </a:p>
@@ -2305,10 +2340,12 @@
         </p:style>
         <p:txBody>
           <a:bodyPr anchor="ctr"/>
-          <a:lstStyle/>
+          <a:lstStyle>
+            <a:extLst/>
+          </a:lstStyle>
           <a:p>
             <a:pPr algn="ctr"/>
-            <a:endParaRPr lang="en-US" dirty="0"/>
+            <a:endParaRPr lang="en-US"/>
           </a:p>
         </p:txBody>
       </p:sp>
@@ -2353,10 +2390,12 @@
         </p:style>
         <p:txBody>
           <a:bodyPr anchor="ctr"/>
-          <a:lstStyle/>
+          <a:lstStyle>
+            <a:extLst/>
+          </a:lstStyle>
           <a:p>
             <a:pPr algn="ctr"/>
-            <a:endParaRPr lang="en-US" dirty="0"/>
+            <a:endParaRPr lang="en-US"/>
           </a:p>
         </p:txBody>
       </p:sp>
@@ -2401,10 +2440,12 @@
         </p:style>
         <p:txBody>
           <a:bodyPr anchor="ctr"/>
-          <a:lstStyle/>
+          <a:lstStyle>
+            <a:extLst/>
+          </a:lstStyle>
           <a:p>
             <a:pPr algn="ctr"/>
-            <a:endParaRPr lang="en-US" dirty="0"/>
+            <a:endParaRPr lang="en-US"/>
           </a:p>
         </p:txBody>
       </p:sp>
@@ -2439,9 +2480,10 @@
           </a:lstStyle>
           <a:p>
             <a:r>
-              <a:rPr lang="en-US" dirty="0"/>
+              <a:rPr lang="en-US" dirty="0" smtClean="0"/>
               <a:t>Click to edit master title style</a:t>
             </a:r>
+            <a:endParaRPr lang="en-US" dirty="0"/>
           </a:p>
         </p:txBody>
       </p:sp>
@@ -2458,14 +2500,16 @@
         <p:spPr/>
         <p:txBody>
           <a:bodyPr/>
-          <a:lstStyle/>
+          <a:lstStyle>
+            <a:extLst/>
+          </a:lstStyle>
           <a:p>
             <a:fld id="{6FCF9F07-3BC7-4570-B054-79111B0A380C}" type="datetime1">
               <a:rPr lang="en-US" smtClean="0"/>
               <a:pPr/>
-              <a:t>02-Jan-17</a:t>
+              <a:t>1/5/2017</a:t>
             </a:fld>
-            <a:endParaRPr lang="en-US" dirty="0"/>
+            <a:endParaRPr lang="en-US"/>
           </a:p>
         </p:txBody>
       </p:sp>
@@ -2531,9 +2575,11 @@
         <p:spPr/>
         <p:txBody>
           <a:bodyPr/>
-          <a:lstStyle/>
-          <a:p>
-            <a:endParaRPr lang="en-US" dirty="0"/>
+          <a:lstStyle>
+            <a:extLst/>
+          </a:lstStyle>
+          <a:p>
+            <a:endParaRPr lang="en-US"/>
           </a:p>
         </p:txBody>
       </p:sp>
@@ -2578,7 +2624,7 @@
           <a:lstStyle/>
           <a:p>
             <a:r>
-              <a:rPr lang="pt-PT"/>
+              <a:rPr lang="pt-PT" smtClean="0"/>
               <a:t>Click to edit Master title style</a:t>
             </a:r>
             <a:endParaRPr lang="en-US"/>
@@ -2603,7 +2649,7 @@
             <a:fld id="{E4606EA6-EFEA-4C30-9264-4F9291A5780D}" type="datetime1">
               <a:rPr lang="en-US" smtClean="0"/>
               <a:pPr/>
-              <a:t>02-Jan-17</a:t>
+              <a:t>1/5/2017</a:t>
             </a:fld>
             <a:endParaRPr lang="en-US" sz="1400" dirty="0">
               <a:solidFill>
@@ -2688,39 +2734,41 @@
         </p:spPr>
         <p:txBody>
           <a:bodyPr/>
-          <a:lstStyle/>
+          <a:lstStyle>
+            <a:extLst/>
+          </a:lstStyle>
           <a:p>
             <a:pPr lvl="0"/>
             <a:r>
-              <a:rPr lang="en-US"/>
+              <a:rPr lang="en-US" smtClean="0"/>
               <a:t>Click to edit Master text styles</a:t>
             </a:r>
           </a:p>
           <a:p>
             <a:pPr lvl="1"/>
             <a:r>
-              <a:rPr lang="en-US"/>
+              <a:rPr lang="en-US" smtClean="0"/>
               <a:t>Second level</a:t>
             </a:r>
           </a:p>
           <a:p>
             <a:pPr lvl="2"/>
             <a:r>
-              <a:rPr lang="en-US"/>
+              <a:rPr lang="en-US" smtClean="0"/>
               <a:t>Third level</a:t>
             </a:r>
           </a:p>
           <a:p>
             <a:pPr lvl="3"/>
             <a:r>
-              <a:rPr lang="en-US"/>
+              <a:rPr lang="en-US" smtClean="0"/>
               <a:t>Fourth level</a:t>
             </a:r>
           </a:p>
           <a:p>
             <a:pPr lvl="4"/>
             <a:r>
-              <a:rPr lang="en-US"/>
+              <a:rPr lang="en-US" smtClean="0"/>
               <a:t>Fifth level</a:t>
             </a:r>
             <a:endParaRPr lang="en-US" dirty="0"/>
@@ -2770,10 +2818,12 @@
         <p:spPr/>
         <p:txBody>
           <a:bodyPr/>
-          <a:lstStyle/>
-          <a:p>
-            <a:r>
-              <a:rPr lang="en-US"/>
+          <a:lstStyle>
+            <a:extLst/>
+          </a:lstStyle>
+          <a:p>
+            <a:r>
+              <a:rPr lang="en-US" smtClean="0"/>
               <a:t>Click to edit Master title style</a:t>
             </a:r>
             <a:endParaRPr lang="en-US" dirty="0"/>
@@ -2798,39 +2848,41 @@
         </p:spPr>
         <p:txBody>
           <a:bodyPr/>
-          <a:lstStyle/>
+          <a:lstStyle>
+            <a:extLst/>
+          </a:lstStyle>
           <a:p>
             <a:pPr lvl="0"/>
             <a:r>
-              <a:rPr lang="en-US"/>
+              <a:rPr lang="en-US" smtClean="0"/>
               <a:t>Click to edit Master text styles</a:t>
             </a:r>
           </a:p>
           <a:p>
             <a:pPr lvl="1"/>
             <a:r>
-              <a:rPr lang="en-US"/>
+              <a:rPr lang="en-US" smtClean="0"/>
               <a:t>Second level</a:t>
             </a:r>
           </a:p>
           <a:p>
             <a:pPr lvl="2"/>
             <a:r>
-              <a:rPr lang="en-US"/>
+              <a:rPr lang="en-US" smtClean="0"/>
               <a:t>Third level</a:t>
             </a:r>
           </a:p>
           <a:p>
             <a:pPr lvl="3"/>
             <a:r>
-              <a:rPr lang="en-US"/>
+              <a:rPr lang="en-US" smtClean="0"/>
               <a:t>Fourth level</a:t>
             </a:r>
           </a:p>
           <a:p>
             <a:pPr lvl="4"/>
             <a:r>
-              <a:rPr lang="en-US"/>
+              <a:rPr lang="en-US" smtClean="0"/>
               <a:t>Fifth level</a:t>
             </a:r>
             <a:endParaRPr lang="en-US" dirty="0"/>
@@ -2855,39 +2907,41 @@
         </p:spPr>
         <p:txBody>
           <a:bodyPr/>
-          <a:lstStyle/>
+          <a:lstStyle>
+            <a:extLst/>
+          </a:lstStyle>
           <a:p>
             <a:pPr lvl="0"/>
             <a:r>
-              <a:rPr lang="en-US"/>
+              <a:rPr lang="en-US" smtClean="0"/>
               <a:t>Click to edit Master text styles</a:t>
             </a:r>
           </a:p>
           <a:p>
             <a:pPr lvl="1"/>
             <a:r>
-              <a:rPr lang="en-US"/>
+              <a:rPr lang="en-US" smtClean="0"/>
               <a:t>Second level</a:t>
             </a:r>
           </a:p>
           <a:p>
             <a:pPr lvl="2"/>
             <a:r>
-              <a:rPr lang="en-US"/>
+              <a:rPr lang="en-US" smtClean="0"/>
               <a:t>Third level</a:t>
             </a:r>
           </a:p>
           <a:p>
             <a:pPr lvl="3"/>
             <a:r>
-              <a:rPr lang="en-US"/>
+              <a:rPr lang="en-US" smtClean="0"/>
               <a:t>Fourth level</a:t>
             </a:r>
           </a:p>
           <a:p>
             <a:pPr lvl="4"/>
             <a:r>
-              <a:rPr lang="en-US"/>
+              <a:rPr lang="en-US" smtClean="0"/>
               <a:t>Fifth level</a:t>
             </a:r>
             <a:endParaRPr lang="en-US" dirty="0"/>
@@ -2907,14 +2961,16 @@
         <p:spPr/>
         <p:txBody>
           <a:bodyPr rtlCol="0"/>
-          <a:lstStyle/>
+          <a:lstStyle>
+            <a:extLst/>
+          </a:lstStyle>
           <a:p>
             <a:fld id="{E4606EA6-EFEA-4C30-9264-4F9291A5780D}" type="datetime1">
               <a:rPr lang="en-US" smtClean="0"/>
               <a:pPr/>
-              <a:t>02-Jan-17</a:t>
+              <a:t>1/5/2017</a:t>
             </a:fld>
-            <a:endParaRPr lang="en-US" dirty="0"/>
+            <a:endParaRPr lang="en-US"/>
           </a:p>
         </p:txBody>
       </p:sp>
@@ -2931,7 +2987,9 @@
         <p:spPr/>
         <p:txBody>
           <a:bodyPr rtlCol="0"/>
-          <a:lstStyle/>
+          <a:lstStyle>
+            <a:extLst/>
+          </a:lstStyle>
           <a:p>
             <a:pPr algn="ctr"/>
             <a:fld id="{8F82E0A0-C266-4798-8C8F-B9F91E9DA37E}" type="slidenum">
@@ -2943,7 +3001,7 @@
               <a:pPr algn="ctr"/>
               <a:t>‹#›</a:t>
             </a:fld>
-            <a:endParaRPr lang="en-US" dirty="0"/>
+            <a:endParaRPr lang="en-US"/>
           </a:p>
         </p:txBody>
       </p:sp>
@@ -2960,9 +3018,11 @@
         <p:spPr/>
         <p:txBody>
           <a:bodyPr rtlCol="0"/>
-          <a:lstStyle/>
-          <a:p>
-            <a:endParaRPr lang="en-US" dirty="0"/>
+          <a:lstStyle>
+            <a:extLst/>
+          </a:lstStyle>
+          <a:p>
+            <a:endParaRPr lang="en-US"/>
           </a:p>
         </p:txBody>
       </p:sp>
@@ -3017,7 +3077,7 @@
           </a:lstStyle>
           <a:p>
             <a:r>
-              <a:rPr lang="en-US"/>
+              <a:rPr lang="en-US" smtClean="0"/>
               <a:t>Click to edit Master title style</a:t>
             </a:r>
             <a:endParaRPr lang="en-US" dirty="0"/>
@@ -3042,39 +3102,41 @@
         </p:spPr>
         <p:txBody>
           <a:bodyPr/>
-          <a:lstStyle/>
+          <a:lstStyle>
+            <a:extLst/>
+          </a:lstStyle>
           <a:p>
             <a:pPr lvl="0"/>
             <a:r>
-              <a:rPr lang="en-US"/>
+              <a:rPr lang="en-US" smtClean="0"/>
               <a:t>Click to edit Master text styles</a:t>
             </a:r>
           </a:p>
           <a:p>
             <a:pPr lvl="1"/>
             <a:r>
-              <a:rPr lang="en-US"/>
+              <a:rPr lang="en-US" smtClean="0"/>
               <a:t>Second level</a:t>
             </a:r>
           </a:p>
           <a:p>
             <a:pPr lvl="2"/>
             <a:r>
-              <a:rPr lang="en-US"/>
+              <a:rPr lang="en-US" smtClean="0"/>
               <a:t>Third level</a:t>
             </a:r>
           </a:p>
           <a:p>
             <a:pPr lvl="3"/>
             <a:r>
-              <a:rPr lang="en-US"/>
+              <a:rPr lang="en-US" smtClean="0"/>
               <a:t>Fourth level</a:t>
             </a:r>
           </a:p>
           <a:p>
             <a:pPr lvl="4"/>
             <a:r>
-              <a:rPr lang="en-US"/>
+              <a:rPr lang="en-US" smtClean="0"/>
               <a:t>Fifth level</a:t>
             </a:r>
             <a:endParaRPr lang="en-US" dirty="0"/>
@@ -3099,39 +3161,41 @@
         </p:spPr>
         <p:txBody>
           <a:bodyPr/>
-          <a:lstStyle/>
+          <a:lstStyle>
+            <a:extLst/>
+          </a:lstStyle>
           <a:p>
             <a:pPr lvl="0"/>
             <a:r>
-              <a:rPr lang="en-US"/>
+              <a:rPr lang="en-US" smtClean="0"/>
               <a:t>Click to edit Master text styles</a:t>
             </a:r>
           </a:p>
           <a:p>
             <a:pPr lvl="1"/>
             <a:r>
-              <a:rPr lang="en-US"/>
+              <a:rPr lang="en-US" smtClean="0"/>
               <a:t>Second level</a:t>
             </a:r>
           </a:p>
           <a:p>
             <a:pPr lvl="2"/>
             <a:r>
-              <a:rPr lang="en-US"/>
+              <a:rPr lang="en-US" smtClean="0"/>
               <a:t>Third level</a:t>
             </a:r>
           </a:p>
           <a:p>
             <a:pPr lvl="3"/>
             <a:r>
-              <a:rPr lang="en-US"/>
+              <a:rPr lang="en-US" smtClean="0"/>
               <a:t>Fourth level</a:t>
             </a:r>
           </a:p>
           <a:p>
             <a:pPr lvl="4"/>
             <a:r>
-              <a:rPr lang="en-US"/>
+              <a:rPr lang="en-US" smtClean="0"/>
               <a:t>Fifth level</a:t>
             </a:r>
             <a:endParaRPr lang="en-US" dirty="0"/>
@@ -3151,14 +3215,16 @@
         <p:spPr/>
         <p:txBody>
           <a:bodyPr rtlCol="0"/>
-          <a:lstStyle/>
+          <a:lstStyle>
+            <a:extLst/>
+          </a:lstStyle>
           <a:p>
             <a:fld id="{E4606EA6-EFEA-4C30-9264-4F9291A5780D}" type="datetime1">
               <a:rPr lang="en-US" smtClean="0"/>
               <a:pPr/>
-              <a:t>02-Jan-17</a:t>
+              <a:t>1/5/2017</a:t>
             </a:fld>
-            <a:endParaRPr lang="en-US" dirty="0"/>
+            <a:endParaRPr lang="en-US"/>
           </a:p>
         </p:txBody>
       </p:sp>
@@ -3175,7 +3241,9 @@
         <p:spPr/>
         <p:txBody>
           <a:bodyPr rtlCol="0"/>
-          <a:lstStyle/>
+          <a:lstStyle>
+            <a:extLst/>
+          </a:lstStyle>
           <a:p>
             <a:pPr algn="ctr"/>
             <a:fld id="{8F82E0A0-C266-4798-8C8F-B9F91E9DA37E}" type="slidenum">
@@ -3187,7 +3255,7 @@
               <a:pPr algn="ctr"/>
               <a:t>‹#›</a:t>
             </a:fld>
-            <a:endParaRPr lang="en-US" dirty="0"/>
+            <a:endParaRPr lang="en-US"/>
           </a:p>
         </p:txBody>
       </p:sp>
@@ -3204,9 +3272,11 @@
         <p:spPr/>
         <p:txBody>
           <a:bodyPr rtlCol="0"/>
-          <a:lstStyle/>
-          <a:p>
-            <a:endParaRPr lang="en-US" dirty="0"/>
+          <a:lstStyle>
+            <a:extLst/>
+          </a:lstStyle>
+          <a:p>
+            <a:endParaRPr lang="en-US"/>
           </a:p>
         </p:txBody>
       </p:sp>
@@ -3246,7 +3316,7 @@
           <a:p>
             <a:pPr lvl="0"/>
             <a:r>
-              <a:rPr lang="en-US"/>
+              <a:rPr lang="en-US" smtClean="0"/>
               <a:t>Click to edit Master text styles</a:t>
             </a:r>
           </a:p>
@@ -3288,7 +3358,7 @@
           <a:p>
             <a:pPr lvl="0"/>
             <a:r>
-              <a:rPr lang="en-US"/>
+              <a:rPr lang="en-US" smtClean="0"/>
               <a:t>Click to edit Master text styles</a:t>
             </a:r>
           </a:p>
@@ -3332,10 +3402,12 @@
         <p:spPr/>
         <p:txBody>
           <a:bodyPr/>
-          <a:lstStyle/>
-          <a:p>
-            <a:r>
-              <a:rPr lang="en-US"/>
+          <a:lstStyle>
+            <a:extLst/>
+          </a:lstStyle>
+          <a:p>
+            <a:r>
+              <a:rPr lang="en-US" smtClean="0"/>
               <a:t>Click to edit Master title style</a:t>
             </a:r>
             <a:endParaRPr lang="en-US" dirty="0"/>
@@ -3355,14 +3427,16 @@
         <p:spPr/>
         <p:txBody>
           <a:bodyPr/>
-          <a:lstStyle/>
+          <a:lstStyle>
+            <a:extLst/>
+          </a:lstStyle>
           <a:p>
             <a:fld id="{6DFADB5D-B7A0-47E3-AD2D-B1A6F8614213}" type="datetime1">
               <a:rPr lang="en-US" smtClean="0"/>
               <a:pPr/>
-              <a:t>02-Jan-17</a:t>
+              <a:t>1/5/2017</a:t>
             </a:fld>
-            <a:endParaRPr lang="en-US" dirty="0"/>
+            <a:endParaRPr lang="en-US"/>
           </a:p>
         </p:txBody>
       </p:sp>
@@ -3379,9 +3453,11 @@
         <p:spPr/>
         <p:txBody>
           <a:bodyPr/>
-          <a:lstStyle/>
-          <a:p>
-            <a:endParaRPr lang="en-US" dirty="0"/>
+          <a:lstStyle>
+            <a:extLst/>
+          </a:lstStyle>
+          <a:p>
+            <a:endParaRPr lang="en-US"/>
           </a:p>
         </p:txBody>
       </p:sp>
@@ -3464,14 +3540,16 @@
         <p:spPr/>
         <p:txBody>
           <a:bodyPr/>
-          <a:lstStyle/>
+          <a:lstStyle>
+            <a:extLst/>
+          </a:lstStyle>
           <a:p>
             <a:fld id="{72968126-03FC-49C0-B9B8-2B561CCC3D90}" type="datetime1">
               <a:rPr lang="en-US" smtClean="0"/>
               <a:pPr/>
-              <a:t>02-Jan-17</a:t>
+              <a:t>1/5/2017</a:t>
             </a:fld>
-            <a:endParaRPr lang="en-US" dirty="0"/>
+            <a:endParaRPr lang="en-US"/>
           </a:p>
         </p:txBody>
       </p:sp>
@@ -3488,7 +3566,9 @@
         <p:spPr/>
         <p:txBody>
           <a:bodyPr/>
-          <a:lstStyle/>
+          <a:lstStyle>
+            <a:extLst/>
+          </a:lstStyle>
           <a:p>
             <a:endParaRPr lang="en-US" dirty="0"/>
           </a:p>
@@ -3592,7 +3672,7 @@
           </a:lstStyle>
           <a:p>
             <a:r>
-              <a:rPr lang="en-US"/>
+              <a:rPr lang="en-US" smtClean="0"/>
               <a:t>Click to edit Master title style</a:t>
             </a:r>
             <a:endParaRPr lang="en-US" dirty="0"/>
@@ -3612,14 +3692,16 @@
         <p:spPr/>
         <p:txBody>
           <a:bodyPr/>
-          <a:lstStyle/>
+          <a:lstStyle>
+            <a:extLst/>
+          </a:lstStyle>
           <a:p>
             <a:fld id="{F49A8198-4617-485E-9585-4840B69DBBA6}" type="datetime1">
               <a:rPr lang="en-US" smtClean="0"/>
               <a:pPr/>
-              <a:t>02-Jan-17</a:t>
+              <a:t>1/5/2017</a:t>
             </a:fld>
-            <a:endParaRPr lang="en-US" dirty="0"/>
+            <a:endParaRPr lang="en-US"/>
           </a:p>
         </p:txBody>
       </p:sp>
@@ -3636,9 +3718,11 @@
         <p:spPr/>
         <p:txBody>
           <a:bodyPr/>
-          <a:lstStyle/>
-          <a:p>
-            <a:endParaRPr lang="en-US" dirty="0"/>
+          <a:lstStyle>
+            <a:extLst/>
+          </a:lstStyle>
+          <a:p>
+            <a:endParaRPr lang="en-US"/>
           </a:p>
         </p:txBody>
       </p:sp>
@@ -3752,7 +3836,7 @@
           <a:p>
             <a:pPr lvl="0"/>
             <a:r>
-              <a:rPr lang="en-US"/>
+              <a:rPr lang="en-US" smtClean="0"/>
               <a:t>Click to edit Master text styles</a:t>
             </a:r>
           </a:p>
@@ -3776,39 +3860,41 @@
         </p:spPr>
         <p:txBody>
           <a:bodyPr/>
-          <a:lstStyle/>
+          <a:lstStyle>
+            <a:extLst/>
+          </a:lstStyle>
           <a:p>
             <a:pPr lvl="0"/>
             <a:r>
-              <a:rPr lang="en-US"/>
+              <a:rPr lang="en-US" smtClean="0"/>
               <a:t>Click to edit Master text styles</a:t>
             </a:r>
           </a:p>
           <a:p>
             <a:pPr lvl="1"/>
             <a:r>
-              <a:rPr lang="en-US"/>
+              <a:rPr lang="en-US" smtClean="0"/>
               <a:t>Second level</a:t>
             </a:r>
           </a:p>
           <a:p>
             <a:pPr lvl="2"/>
             <a:r>
-              <a:rPr lang="en-US"/>
+              <a:rPr lang="en-US" smtClean="0"/>
               <a:t>Third level</a:t>
             </a:r>
           </a:p>
           <a:p>
             <a:pPr lvl="3"/>
             <a:r>
-              <a:rPr lang="en-US"/>
+              <a:rPr lang="en-US" smtClean="0"/>
               <a:t>Fourth level</a:t>
             </a:r>
           </a:p>
           <a:p>
             <a:pPr lvl="4"/>
             <a:r>
-              <a:rPr lang="en-US"/>
+              <a:rPr lang="en-US" smtClean="0"/>
               <a:t>Fifth level</a:t>
             </a:r>
             <a:endParaRPr lang="en-US" dirty="0"/>
@@ -3868,39 +3954,41 @@
           <a:bodyPr vert="horz">
             <a:normAutofit/>
           </a:bodyPr>
-          <a:lstStyle/>
+          <a:lstStyle>
+            <a:extLst/>
+          </a:lstStyle>
           <a:p>
             <a:pPr lvl="0"/>
             <a:r>
-              <a:rPr lang="en-US"/>
+              <a:rPr lang="en-US" smtClean="0"/>
               <a:t>Click to edit Master text styles</a:t>
             </a:r>
           </a:p>
           <a:p>
             <a:pPr lvl="1"/>
             <a:r>
-              <a:rPr lang="en-US"/>
+              <a:rPr lang="en-US" smtClean="0"/>
               <a:t>Second level</a:t>
             </a:r>
           </a:p>
           <a:p>
             <a:pPr lvl="2"/>
             <a:r>
-              <a:rPr lang="en-US"/>
+              <a:rPr lang="en-US" smtClean="0"/>
               <a:t>Third level</a:t>
             </a:r>
           </a:p>
           <a:p>
             <a:pPr lvl="3"/>
             <a:r>
-              <a:rPr lang="en-US"/>
+              <a:rPr lang="en-US" smtClean="0"/>
               <a:t>Fourth level</a:t>
             </a:r>
           </a:p>
           <a:p>
             <a:pPr lvl="4"/>
             <a:r>
-              <a:rPr lang="en-US"/>
+              <a:rPr lang="en-US" smtClean="0"/>
               <a:t>Fifth level</a:t>
             </a:r>
             <a:endParaRPr lang="en-US" dirty="0"/>
@@ -3942,7 +4030,7 @@
             <a:fld id="{E4606EA6-EFEA-4C30-9264-4F9291A5780D}" type="datetime1">
               <a:rPr lang="en-US" smtClean="0"/>
               <a:pPr/>
-              <a:t>02-Jan-17</a:t>
+              <a:t>1/5/2017</a:t>
             </a:fld>
             <a:endParaRPr lang="en-US" sz="1400" dirty="0">
               <a:solidFill>
@@ -4032,10 +4120,12 @@
         </p:style>
         <p:txBody>
           <a:bodyPr anchor="ctr"/>
-          <a:lstStyle/>
+          <a:lstStyle>
+            <a:extLst/>
+          </a:lstStyle>
           <a:p>
             <a:pPr algn="ctr"/>
-            <a:endParaRPr lang="en-US" dirty="0"/>
+            <a:endParaRPr lang="en-US"/>
           </a:p>
         </p:txBody>
       </p:sp>
@@ -4080,10 +4170,12 @@
         </p:style>
         <p:txBody>
           <a:bodyPr anchor="ctr"/>
-          <a:lstStyle/>
+          <a:lstStyle>
+            <a:extLst/>
+          </a:lstStyle>
           <a:p>
             <a:pPr algn="ctr"/>
-            <a:endParaRPr lang="en-US" dirty="0"/>
+            <a:endParaRPr lang="en-US"/>
           </a:p>
         </p:txBody>
       </p:sp>
@@ -4128,10 +4220,12 @@
         </p:style>
         <p:txBody>
           <a:bodyPr anchor="ctr"/>
-          <a:lstStyle/>
+          <a:lstStyle>
+            <a:extLst/>
+          </a:lstStyle>
           <a:p>
             <a:pPr algn="ctr"/>
-            <a:endParaRPr lang="en-US" dirty="0"/>
+            <a:endParaRPr lang="en-US"/>
           </a:p>
         </p:txBody>
       </p:sp>
@@ -4210,10 +4304,12 @@
           <a:bodyPr vert="horz" anchor="b">
             <a:normAutofit/>
           </a:bodyPr>
-          <a:lstStyle/>
-          <a:p>
-            <a:r>
-              <a:rPr lang="en-US"/>
+          <a:lstStyle>
+            <a:extLst/>
+          </a:lstStyle>
+          <a:p>
+            <a:r>
+              <a:rPr lang="en-US" smtClean="0"/>
               <a:t>Click to edit Master title style</a:t>
             </a:r>
             <a:endParaRPr lang="en-US" dirty="0"/>
@@ -4557,28 +4653,46 @@
           <a:bodyPr>
             <a:normAutofit fontScale="90000"/>
           </a:bodyPr>
-          <a:lstStyle/>
+          <a:lstStyle>
+            <a:extLst/>
+          </a:lstStyle>
           <a:p>
             <a:pPr algn="ctr"/>
             <a:r>
-              <a:rPr lang="en-US" sz="4800" cap="none" dirty="0"/>
+              <a:rPr lang="en-US" sz="4800" cap="none" dirty="0" smtClean="0"/>
               <a:t>PROGRAMAÇÃO DE SISTEMAS DISTRIBUÍDOS</a:t>
             </a:r>
             <a:br>
-              <a:rPr lang="en-US" sz="4800" cap="none" dirty="0"/>
+              <a:rPr lang="en-US" sz="4800" cap="none" dirty="0" smtClean="0"/>
             </a:br>
+            <a:r>
+              <a:rPr lang="en-US" sz="4800" cap="none" dirty="0" smtClean="0"/>
+              <a:t/>
+            </a:r>
             <a:br>
-              <a:rPr lang="en-US" sz="4800" cap="none" dirty="0"/>
+              <a:rPr lang="en-US" sz="4800" cap="none" dirty="0" smtClean="0"/>
             </a:br>
             <a:r>
               <a:rPr lang="pt-PT" sz="3600" cap="none" dirty="0"/>
-              <a:t>Análise estatística simples de conjuntos de dados de uma Tabela</a:t>
+              <a:t>Análise estatística simples de conjuntos de </a:t>
+            </a:r>
+            <a:r>
+              <a:rPr lang="pt-PT" sz="3600" cap="none" dirty="0" smtClean="0"/>
+              <a:t>dados de uma Tabela</a:t>
+            </a:r>
+            <a:r>
+              <a:rPr lang="en-US" dirty="0" smtClean="0"/>
+              <a:t/>
             </a:r>
             <a:br>
-              <a:rPr lang="en-US" dirty="0"/>
+              <a:rPr lang="en-US" dirty="0" smtClean="0"/>
             </a:br>
+            <a:r>
+              <a:rPr lang="en-US" sz="2000" cap="none" dirty="0" smtClean="0"/>
+              <a:t/>
+            </a:r>
             <a:br>
-              <a:rPr lang="en-US" sz="2000" cap="none" dirty="0"/>
+              <a:rPr lang="en-US" sz="2000" cap="none" dirty="0" smtClean="0"/>
             </a:br>
             <a:endParaRPr lang="en-US" sz="2000" cap="none" dirty="0"/>
           </a:p>
@@ -4604,13 +4718,16 @@
           <a:bodyPr>
             <a:normAutofit/>
           </a:bodyPr>
-          <a:lstStyle/>
+          <a:lstStyle>
+            <a:extLst/>
+          </a:lstStyle>
           <a:p>
             <a:pPr algn="ctr"/>
             <a:r>
-              <a:rPr lang="en-US" dirty="0"/>
+              <a:rPr lang="en-US" dirty="0" smtClean="0"/>
               <a:t>Apresentação de PSIDI</a:t>
             </a:r>
+            <a:endParaRPr lang="en-US" dirty="0"/>
           </a:p>
         </p:txBody>
       </p:sp>
@@ -4637,22 +4754,50 @@
           <a:p>
             <a:pPr algn="r"/>
             <a:r>
+              <a:rPr lang="en-US" dirty="0" smtClean="0"/>
+              <a:t>Apresentação de:</a:t>
+            </a:r>
+            <a:r>
               <a:rPr lang="en-US" dirty="0"/>
-              <a:t>Apresentação de:</a:t>
+              <a:t/>
             </a:r>
             <a:br>
               <a:rPr lang="en-US" dirty="0"/>
             </a:br>
             <a:r>
               <a:rPr lang="en-US" dirty="0"/>
-              <a:t>  &lt;1161660; Daniel Afonso&gt;</a:t>
+              <a:t>  </a:t>
+            </a:r>
+            <a:r>
+              <a:rPr lang="en-US" dirty="0" smtClean="0"/>
+              <a:t>&lt;1161660; Daniel </a:t>
+            </a:r>
+            <a:r>
+              <a:rPr lang="en-US" dirty="0" err="1" smtClean="0"/>
+              <a:t>Afonso</a:t>
+            </a:r>
+            <a:r>
+              <a:rPr lang="en-US" dirty="0" smtClean="0"/>
+              <a:t>&gt;</a:t>
+            </a:r>
+            <a:r>
+              <a:rPr lang="en-US" dirty="0"/>
+              <a:t/>
             </a:r>
             <a:br>
               <a:rPr lang="en-US" dirty="0"/>
             </a:br>
             <a:r>
               <a:rPr lang="en-US" dirty="0"/>
-              <a:t>  &lt;1160091; Leonardo Andrade&gt;</a:t>
+              <a:t>  </a:t>
+            </a:r>
+            <a:r>
+              <a:rPr lang="en-US" dirty="0" smtClean="0"/>
+              <a:t>&lt;1160091; Leonardo Andrade&gt;</a:t>
+            </a:r>
+            <a:r>
+              <a:rPr lang="en-US" dirty="0"/>
+              <a:t/>
             </a:r>
             <a:br>
               <a:rPr lang="en-US" dirty="0"/>
@@ -4670,6 +4815,13 @@
   <p:clrMapOvr>
     <a:masterClrMapping/>
   </p:clrMapOvr>
+  <p:timing>
+    <p:tnLst>
+      <p:par>
+        <p:cTn id="1" dur="indefinite" restart="never" nodeType="tmRoot"/>
+      </p:par>
+    </p:tnLst>
+  </p:timing>
 </p:sld>
 </file>
 
@@ -4732,22 +4884,19 @@
         <p:spPr/>
         <p:txBody>
           <a:bodyPr>
-            <a:normAutofit/>
+            <a:normAutofit fontScale="90000"/>
           </a:bodyPr>
           <a:lstStyle/>
           <a:p>
             <a:r>
               <a:rPr lang="pt-PT" dirty="0"/>
-              <a:t>Descrição dos pedidos (</a:t>
-            </a:r>
-            <a:r>
-              <a:rPr lang="pt-PT" dirty="0" err="1"/>
-              <a:t>HeavyOps</a:t>
-            </a:r>
-            <a:r>
-              <a:rPr lang="pt-PT" dirty="0"/>
-              <a:t>)</a:t>
-            </a:r>
+              <a:t>Descrição dos </a:t>
+            </a:r>
+            <a:r>
+              <a:rPr lang="pt-PT" dirty="0" smtClean="0"/>
+              <a:t>pedidos (Transformation)</a:t>
+            </a:r>
+            <a:endParaRPr lang="pt-PT" dirty="0"/>
           </a:p>
         </p:txBody>
       </p:sp>
@@ -5031,17 +5180,10 @@
           <a:lstStyle/>
           <a:p>
             <a:r>
-              <a:rPr lang="pt-PT" dirty="0"/>
-              <a:t>Modelos (</a:t>
-            </a:r>
-            <a:r>
-              <a:rPr lang="pt-PT" dirty="0" err="1"/>
-              <a:t>HeavyOps</a:t>
-            </a:r>
-            <a:r>
-              <a:rPr lang="pt-PT" dirty="0"/>
-              <a:t> Service)</a:t>
-            </a:r>
+              <a:rPr lang="pt-PT" dirty="0" smtClean="0"/>
+              <a:t>Modelos (Transformations Service)</a:t>
+            </a:r>
+            <a:endParaRPr lang="pt-PT" dirty="0"/>
           </a:p>
         </p:txBody>
       </p:sp>
@@ -5091,9 +5233,10 @@
           <a:lstStyle/>
           <a:p>
             <a:r>
-              <a:rPr lang="pt-PT" dirty="0"/>
+              <a:rPr lang="pt-PT" dirty="0" smtClean="0"/>
               <a:t>Demonstração</a:t>
             </a:r>
+            <a:endParaRPr lang="pt-PT" dirty="0"/>
           </a:p>
         </p:txBody>
       </p:sp>
@@ -5290,40 +5433,73 @@
           </a:lstStyle>
           <a:p>
             <a:r>
+              <a:rPr lang="pt-PT" dirty="0" smtClean="0"/>
+              <a:t>Aceder à pasta do projeto:</a:t>
+            </a:r>
+          </a:p>
+          <a:p>
+            <a:pPr lvl="1"/>
+            <a:r>
+              <a:rPr lang="pt-PT" dirty="0" smtClean="0"/>
+              <a:t>Cd </a:t>
+            </a:r>
+            <a:r>
               <a:rPr lang="pt-PT" dirty="0"/>
-              <a:t>Aceder à pasta do projeto:</a:t>
-            </a:r>
-          </a:p>
-          <a:p>
-            <a:pPr lvl="1"/>
+              <a:t>C:\</a:t>
+            </a:r>
+            <a:r>
+              <a:rPr lang="pt-PT" dirty="0" smtClean="0"/>
+              <a:t>Users\User\Documents\TRABALHO_RESTIFY</a:t>
+            </a:r>
+          </a:p>
+          <a:p>
+            <a:r>
+              <a:rPr lang="pt-PT" dirty="0" smtClean="0"/>
+              <a:t>Iniciar os ficheiros javascript da Base de Dados</a:t>
+            </a:r>
+          </a:p>
+          <a:p>
+            <a:r>
+              <a:rPr lang="pt-PT" dirty="0" smtClean="0"/>
+              <a:t>Iniciar os ficheiros javascript </a:t>
+            </a:r>
+            <a:r>
+              <a:rPr lang="pt-PT" i="1" dirty="0" smtClean="0"/>
+              <a:t>Datasheet_srv.js</a:t>
+            </a:r>
+            <a:r>
+              <a:rPr lang="pt-PT" dirty="0" smtClean="0"/>
+              <a:t> </a:t>
+            </a:r>
             <a:r>
               <a:rPr lang="pt-PT" dirty="0"/>
-              <a:t>cd C:\Users\User\Documents\TRABALHO_RESTIFY</a:t>
-            </a:r>
-          </a:p>
-          <a:p>
-            <a:r>
-              <a:rPr lang="pt-PT" dirty="0"/>
-              <a:t>Iniciar os ficheiros javascript da Base de Dados</a:t>
-            </a:r>
-          </a:p>
-          <a:p>
-            <a:r>
-              <a:rPr lang="pt-PT" dirty="0"/>
-              <a:t>Iniciar os ficheiros javascript Datasheet_srv.js e HeavyOps_srv.js</a:t>
-            </a:r>
-          </a:p>
-          <a:p>
-            <a:r>
-              <a:rPr lang="pt-PT" dirty="0"/>
-              <a:t>Abrir a extensão do google Chrome “Postman”</a:t>
+              <a:t>e </a:t>
+            </a:r>
+            <a:r>
+              <a:rPr lang="pt-PT" i="1" dirty="0"/>
+              <a:t>HeavyOps_srv.js</a:t>
+            </a:r>
+            <a:endParaRPr lang="pt-PT" i="1" dirty="0" smtClean="0"/>
+          </a:p>
+          <a:p>
+            <a:r>
+              <a:rPr lang="pt-PT" dirty="0" smtClean="0"/>
+              <a:t>Abrir a extensão do google Chrome “</a:t>
+            </a:r>
+            <a:r>
+              <a:rPr lang="pt-PT" i="1" dirty="0" smtClean="0"/>
+              <a:t>Postman</a:t>
+            </a:r>
+            <a:r>
+              <a:rPr lang="pt-PT" dirty="0" smtClean="0"/>
+              <a:t>”</a:t>
             </a:r>
           </a:p>
           <a:p>
             <a:pPr marL="0" indent="0">
               <a:buNone/>
             </a:pPr>
-            <a:endParaRPr lang="pt-PT" dirty="0"/>
+            <a:endParaRPr lang="pt-PT" dirty="0" smtClean="0"/>
           </a:p>
         </p:txBody>
       </p:sp>
@@ -5403,9 +5579,10 @@
           <a:lstStyle/>
           <a:p>
             <a:r>
-              <a:rPr lang="pt-PT" dirty="0"/>
+              <a:rPr lang="pt-PT" dirty="0" smtClean="0"/>
               <a:t>Agradecimento	</a:t>
             </a:r>
+            <a:endParaRPr lang="pt-PT" dirty="0"/>
           </a:p>
         </p:txBody>
       </p:sp>
@@ -5425,7 +5602,7 @@
           <a:lstStyle/>
           <a:p>
             <a:r>
-              <a:rPr lang="pt-PT" dirty="0"/>
+              <a:rPr lang="pt-PT" dirty="0" smtClean="0"/>
               <a:t>Obrigado pela vossa atenção.</a:t>
             </a:r>
           </a:p>
@@ -5435,30 +5612,31 @@
           <a:p>
             <a:pPr lvl="1"/>
             <a:r>
-              <a:rPr lang="pt-PT" dirty="0"/>
+              <a:rPr lang="pt-PT" dirty="0" smtClean="0"/>
               <a:t>Os membros do Grupo</a:t>
             </a:r>
           </a:p>
           <a:p>
             <a:pPr lvl="2"/>
             <a:r>
-              <a:rPr lang="pt-PT" dirty="0"/>
+              <a:rPr lang="pt-PT" dirty="0" smtClean="0"/>
               <a:t>Daniel Afonso</a:t>
             </a:r>
           </a:p>
           <a:p>
             <a:pPr lvl="2"/>
             <a:r>
-              <a:rPr lang="pt-PT" dirty="0"/>
+              <a:rPr lang="pt-PT" dirty="0" smtClean="0"/>
               <a:t>Leonardo Andrade</a:t>
             </a:r>
           </a:p>
           <a:p>
             <a:pPr lvl="2"/>
             <a:r>
-              <a:rPr lang="pt-PT" dirty="0"/>
+              <a:rPr lang="pt-PT" dirty="0" smtClean="0"/>
               <a:t>Paulo Russo</a:t>
             </a:r>
+            <a:endParaRPr lang="pt-PT" dirty="0"/>
           </a:p>
         </p:txBody>
       </p:sp>
@@ -5472,6 +5650,13 @@
   <p:clrMapOvr>
     <a:masterClrMapping/>
   </p:clrMapOvr>
+  <p:timing>
+    <p:tnLst>
+      <p:par>
+        <p:cTn id="1" dur="indefinite" restart="never" nodeType="tmRoot"/>
+      </p:par>
+    </p:tnLst>
+  </p:timing>
 </p:sld>
 </file>
 
@@ -5512,7 +5697,15 @@
             <a:pPr algn="just"/>
             <a:r>
               <a:rPr lang="pt-PT" sz="2400" dirty="0"/>
-              <a:t>O presente Sistema utilizará a Arquitetura Cliente-Servidor. Na nossa arquitectura, optamos por desenhar dois serviços, uma interface publica em que disponibiliza todas as operações numa matriz, e outro serviço privado que será utilizado para obter as transformações na matriz.</a:t>
+              <a:t>O presente Sistema utilizará a </a:t>
+            </a:r>
+            <a:r>
+              <a:rPr lang="pt-PT" sz="2400" dirty="0" smtClean="0"/>
+              <a:t>Arquitetura Cliente-Servidor</a:t>
+            </a:r>
+            <a:r>
+              <a:rPr lang="pt-PT" sz="2400" dirty="0"/>
+              <a:t>. Na nossa arquitectura, optamos por desenhar dois serviços, uma interface publica em que disponibiliza todas as operações numa matriz, e outro serviço privado que será utilizado para obter as transformações na matriz.</a:t>
             </a:r>
           </a:p>
         </p:txBody>
@@ -5533,9 +5726,10 @@
           <a:lstStyle/>
           <a:p>
             <a:r>
-              <a:rPr lang="pt-PT" dirty="0"/>
+              <a:rPr lang="pt-PT" dirty="0" smtClean="0"/>
               <a:t>Arquitetura de Sistema</a:t>
             </a:r>
+            <a:endParaRPr lang="pt-PT" dirty="0"/>
           </a:p>
         </p:txBody>
       </p:sp>
@@ -5579,6 +5773,13 @@
   <p:clrMapOvr>
     <a:masterClrMapping/>
   </p:clrMapOvr>
+  <p:timing>
+    <p:tnLst>
+      <p:par>
+        <p:cTn id="1" dur="indefinite" restart="never" nodeType="tmRoot"/>
+      </p:par>
+    </p:tnLst>
+  </p:timing>
 </p:sld>
 </file>
 
@@ -5615,9 +5816,10 @@
           <a:lstStyle/>
           <a:p>
             <a:r>
-              <a:rPr lang="pt-PT" dirty="0"/>
+              <a:rPr lang="pt-PT" dirty="0" smtClean="0"/>
               <a:t>Arquitetura de Sistema (Parte II)</a:t>
             </a:r>
+            <a:endParaRPr lang="pt-PT" dirty="0"/>
           </a:p>
         </p:txBody>
       </p:sp>
@@ -5660,6 +5862,13 @@
   <p:clrMapOvr>
     <a:masterClrMapping/>
   </p:clrMapOvr>
+  <p:timing>
+    <p:tnLst>
+      <p:par>
+        <p:cTn id="1" dur="indefinite" restart="never" nodeType="tmRoot"/>
+      </p:par>
+    </p:tnLst>
+  </p:timing>
 </p:sld>
 </file>
 
@@ -5696,9 +5905,10 @@
           <a:lstStyle/>
           <a:p>
             <a:r>
-              <a:rPr lang="pt-PT" dirty="0"/>
-              <a:t>Decisões</a:t>
-            </a:r>
+              <a:rPr lang="pt-PT" dirty="0" smtClean="0"/>
+              <a:t>Decisoes</a:t>
+            </a:r>
+            <a:endParaRPr lang="pt-PT" dirty="0"/>
           </a:p>
         </p:txBody>
       </p:sp>
@@ -5719,10 +5929,24 @@
           </a:bodyPr>
           <a:lstStyle/>
           <a:p>
+            <a:r>
+              <a:rPr lang="pt-PT" dirty="0" smtClean="0"/>
+              <a:t>Definição do Protocolo</a:t>
+            </a:r>
+          </a:p>
+          <a:p>
             <a:pPr lvl="1"/>
             <a:r>
+              <a:rPr lang="pt-PT" dirty="0" smtClean="0"/>
+              <a:t>Escolha </a:t>
+            </a:r>
+            <a:r>
               <a:rPr lang="pt-PT" dirty="0"/>
-              <a:t>Arquitetura com chamadas assíncronas, para operações “pesadas” (Callbacks)</a:t>
+              <a:t>de chamadas assíncronas, para operações de </a:t>
+            </a:r>
+            <a:r>
+              <a:rPr lang="pt-PT" dirty="0" smtClean="0"/>
+              <a:t>transformação (Callbacks)</a:t>
             </a:r>
           </a:p>
           <a:p>
@@ -5732,32 +5956,41 @@
           <a:p>
             <a:pPr lvl="1"/>
             <a:r>
+              <a:rPr lang="pt-PT" dirty="0" smtClean="0"/>
+              <a:t>Definição do domínio URI (Endpoints)</a:t>
+            </a:r>
+          </a:p>
+          <a:p>
+            <a:pPr lvl="1"/>
+            <a:r>
+              <a:rPr lang="pt-PT" dirty="0" smtClean="0"/>
+              <a:t>/</a:t>
+            </a:r>
+            <a:r>
               <a:rPr lang="pt-PT" dirty="0"/>
-              <a:t>Definição do domínio URI (Endpoints)</a:t>
+              <a:t>Users/{UserID}/Datasets/{DatasetID}/Stats</a:t>
             </a:r>
           </a:p>
           <a:p>
             <a:pPr lvl="1"/>
             <a:r>
+              <a:rPr lang="pt-PT" dirty="0" smtClean="0"/>
+              <a:t>/</a:t>
+            </a:r>
+            <a:r>
               <a:rPr lang="pt-PT" dirty="0"/>
-              <a:t>/Users/{UserID}/Datasets/{DatasetID}/Stats</a:t>
-            </a:r>
-          </a:p>
-          <a:p>
-            <a:pPr lvl="1"/>
-            <a:r>
-              <a:rPr lang="pt-PT" dirty="0"/>
-              <a:t>/Users/{UserID}/Datasets/{DatasetID}/Trnsf</a:t>
-            </a:r>
-          </a:p>
-          <a:p>
-            <a:r>
-              <a:rPr lang="pt-PT" dirty="0"/>
+              <a:t>Users/{UserID}/Datasets/{DatasetID}/Trnsf</a:t>
+            </a:r>
+            <a:endParaRPr lang="pt-PT" dirty="0" smtClean="0"/>
+          </a:p>
+          <a:p>
+            <a:r>
+              <a:rPr lang="pt-PT" dirty="0" smtClean="0"/>
               <a:t>Escolha dos recursos</a:t>
             </a:r>
           </a:p>
           <a:p>
-            <a:endParaRPr lang="pt-PT" dirty="0"/>
+            <a:endParaRPr lang="pt-PT" dirty="0" smtClean="0"/>
           </a:p>
         </p:txBody>
       </p:sp>
@@ -5809,9 +6042,10 @@
           <a:lstStyle/>
           <a:p>
             <a:r>
-              <a:rPr lang="pt-PT" dirty="0"/>
+              <a:rPr lang="pt-PT" dirty="0" smtClean="0"/>
               <a:t>Desafios</a:t>
             </a:r>
+            <a:endParaRPr lang="pt-PT" dirty="0"/>
           </a:p>
         </p:txBody>
       </p:sp>
@@ -5831,36 +6065,16 @@
           <a:lstStyle/>
           <a:p>
             <a:r>
-              <a:rPr lang="pt-PT" dirty="0"/>
-              <a:t>Definição da Arquitetura REST</a:t>
-            </a:r>
-          </a:p>
-          <a:p>
-            <a:r>
-              <a:rPr lang="pt-PT" dirty="0"/>
-              <a:t>Definição do Protocolo</a:t>
-            </a:r>
-          </a:p>
-          <a:p>
-            <a:r>
-              <a:rPr lang="pt-PT" dirty="0"/>
-              <a:t>HTML</a:t>
-            </a:r>
-          </a:p>
-          <a:p>
-            <a:r>
-              <a:rPr lang="pt-PT" dirty="0"/>
-              <a:t>JSON</a:t>
-            </a:r>
-          </a:p>
-          <a:p>
+              <a:rPr lang="pt-PT" dirty="0" smtClean="0"/>
+              <a:t>Definição da Arquitetura Rest</a:t>
+            </a:r>
             <a:endParaRPr lang="pt-PT" dirty="0"/>
           </a:p>
           <a:p>
             <a:pPr marL="0" indent="0">
               <a:buNone/>
             </a:pPr>
-            <a:endParaRPr lang="pt-PT" dirty="0"/>
+            <a:endParaRPr lang="pt-PT" dirty="0" smtClean="0"/>
           </a:p>
         </p:txBody>
       </p:sp>
@@ -5886,7 +6100,7 @@
         </p:blipFill>
         <p:spPr>
           <a:xfrm>
-            <a:off x="2133600" y="2819400"/>
+            <a:off x="1752600" y="2438400"/>
             <a:ext cx="6096000" cy="3612722"/>
           </a:xfrm>
           <a:prstGeom prst="rect">
@@ -5940,9 +6154,10 @@
           <a:lstStyle/>
           <a:p>
             <a:r>
-              <a:rPr lang="pt-PT" dirty="0"/>
-              <a:t>Aprendizagem</a:t>
-            </a:r>
+              <a:rPr lang="pt-PT" dirty="0" smtClean="0"/>
+              <a:t>API</a:t>
+            </a:r>
+            <a:endParaRPr lang="pt-PT" dirty="0"/>
           </a:p>
         </p:txBody>
       </p:sp>
@@ -5962,18 +6177,3578 @@
           <a:lstStyle/>
           <a:p>
             <a:r>
+              <a:rPr lang="pt-PT" dirty="0" smtClean="0"/>
+              <a:t>Datasheet Service vs. Transformation Service </a:t>
+            </a:r>
+            <a:endParaRPr lang="pt-PT" dirty="0"/>
+          </a:p>
+          <a:p>
+            <a:endParaRPr lang="pt-PT" dirty="0" smtClean="0"/>
+          </a:p>
+          <a:p>
+            <a:pPr lvl="5"/>
+            <a:r>
               <a:rPr lang="pt-PT" dirty="0"/>
+              <a:t>	</a:t>
+            </a:r>
+            <a:r>
+              <a:rPr lang="pt-PT" dirty="0" smtClean="0"/>
+              <a:t>			</a:t>
+            </a:r>
+          </a:p>
+          <a:p>
+            <a:pPr marL="0" indent="0">
+              <a:buNone/>
+            </a:pPr>
+            <a:endParaRPr lang="pt-PT" dirty="0"/>
+          </a:p>
+          <a:p>
+            <a:endParaRPr lang="pt-PT" dirty="0"/>
+          </a:p>
+        </p:txBody>
+      </p:sp>
+      <p:graphicFrame>
+        <p:nvGraphicFramePr>
+          <p:cNvPr id="5" name="Table 4"/>
+          <p:cNvGraphicFramePr>
+            <a:graphicFrameLocks noGrp="1"/>
+          </p:cNvGraphicFramePr>
+          <p:nvPr>
+            <p:extLst>
+              <p:ext uri="{D42A27DB-BD31-4B8C-83A1-F6EECF244321}">
+                <p14:modId xmlns:p14="http://schemas.microsoft.com/office/powerpoint/2010/main" val="3752215786"/>
+              </p:ext>
+            </p:extLst>
+          </p:nvPr>
+        </p:nvGraphicFramePr>
+        <p:xfrm>
+          <a:off x="1066800" y="2286000"/>
+          <a:ext cx="3048927" cy="4464286"/>
+        </p:xfrm>
+        <a:graphic>
+          <a:graphicData uri="http://schemas.openxmlformats.org/drawingml/2006/table">
+            <a:tbl>
+              <a:tblPr/>
+              <a:tblGrid>
+                <a:gridCol w="1329020"/>
+                <a:gridCol w="459868"/>
+                <a:gridCol w="1260039"/>
+              </a:tblGrid>
+              <a:tr h="150837">
+                <a:tc>
+                  <a:txBody>
+                    <a:bodyPr/>
+                    <a:lstStyle/>
+                    <a:p>
+                      <a:pPr rtl="0" fontAlgn="b"/>
+                      <a:r>
+                        <a:rPr lang="pt-PT" sz="900" dirty="0">
+                          <a:effectLst/>
+                        </a:rPr>
+                        <a:t>URL</a:t>
+                      </a:r>
+                    </a:p>
+                  </a:txBody>
+                  <a:tcPr marL="13796" marR="13796" marT="9197" marB="9197" anchor="b">
+                    <a:lnL w="9525" cap="flat" cmpd="sng" algn="ctr">
+                      <a:solidFill>
+                        <a:srgbClr val="000000"/>
+                      </a:solidFill>
+                      <a:prstDash val="solid"/>
+                      <a:round/>
+                      <a:headEnd type="none" w="med" len="med"/>
+                      <a:tailEnd type="none" w="med" len="med"/>
+                    </a:lnL>
+                    <a:lnR w="9525" cap="flat" cmpd="sng" algn="ctr">
+                      <a:solidFill>
+                        <a:srgbClr val="CCCCCC"/>
+                      </a:solidFill>
+                      <a:prstDash val="solid"/>
+                      <a:round/>
+                      <a:headEnd type="none" w="med" len="med"/>
+                      <a:tailEnd type="none" w="med" len="med"/>
+                    </a:lnR>
+                    <a:lnT w="9525" cap="flat" cmpd="sng" algn="ctr">
+                      <a:solidFill>
+                        <a:srgbClr val="000000"/>
+                      </a:solidFill>
+                      <a:prstDash val="solid"/>
+                      <a:round/>
+                      <a:headEnd type="none" w="med" len="med"/>
+                      <a:tailEnd type="none" w="med" len="med"/>
+                    </a:lnT>
+                    <a:lnB w="9525" cap="flat" cmpd="sng" algn="ctr">
+                      <a:solidFill>
+                        <a:srgbClr val="CCCCCC"/>
+                      </a:solidFill>
+                      <a:prstDash val="solid"/>
+                      <a:round/>
+                      <a:headEnd type="none" w="med" len="med"/>
+                      <a:tailEnd type="none" w="med" len="med"/>
+                    </a:lnB>
+                    <a:solidFill>
+                      <a:srgbClr val="FF9900"/>
+                    </a:solidFill>
+                  </a:tcPr>
+                </a:tc>
+                <a:tc>
+                  <a:txBody>
+                    <a:bodyPr/>
+                    <a:lstStyle/>
+                    <a:p>
+                      <a:pPr rtl="0" fontAlgn="b"/>
+                      <a:r>
+                        <a:rPr lang="pt-PT" sz="900">
+                          <a:effectLst/>
+                        </a:rPr>
+                        <a:t>VERB</a:t>
+                      </a:r>
+                    </a:p>
+                  </a:txBody>
+                  <a:tcPr marL="13796" marR="13796" marT="9197" marB="9197" anchor="b">
+                    <a:lnL w="9525" cap="flat" cmpd="sng" algn="ctr">
+                      <a:solidFill>
+                        <a:srgbClr val="CCCCCC"/>
+                      </a:solidFill>
+                      <a:prstDash val="solid"/>
+                      <a:round/>
+                      <a:headEnd type="none" w="med" len="med"/>
+                      <a:tailEnd type="none" w="med" len="med"/>
+                    </a:lnL>
+                    <a:lnR w="9525" cap="flat" cmpd="sng" algn="ctr">
+                      <a:solidFill>
+                        <a:srgbClr val="CCCCCC"/>
+                      </a:solidFill>
+                      <a:prstDash val="solid"/>
+                      <a:round/>
+                      <a:headEnd type="none" w="med" len="med"/>
+                      <a:tailEnd type="none" w="med" len="med"/>
+                    </a:lnR>
+                    <a:lnT w="9525" cap="flat" cmpd="sng" algn="ctr">
+                      <a:solidFill>
+                        <a:srgbClr val="000000"/>
+                      </a:solidFill>
+                      <a:prstDash val="solid"/>
+                      <a:round/>
+                      <a:headEnd type="none" w="med" len="med"/>
+                      <a:tailEnd type="none" w="med" len="med"/>
+                    </a:lnT>
+                    <a:lnB w="9525" cap="flat" cmpd="sng" algn="ctr">
+                      <a:solidFill>
+                        <a:srgbClr val="CCCCCC"/>
+                      </a:solidFill>
+                      <a:prstDash val="solid"/>
+                      <a:round/>
+                      <a:headEnd type="none" w="med" len="med"/>
+                      <a:tailEnd type="none" w="med" len="med"/>
+                    </a:lnB>
+                    <a:solidFill>
+                      <a:srgbClr val="FF9900"/>
+                    </a:solidFill>
+                  </a:tcPr>
+                </a:tc>
+                <a:tc>
+                  <a:txBody>
+                    <a:bodyPr/>
+                    <a:lstStyle/>
+                    <a:p>
+                      <a:pPr rtl="0" fontAlgn="b"/>
+                      <a:r>
+                        <a:rPr lang="pt-PT" sz="900" dirty="0">
+                          <a:effectLst/>
+                        </a:rPr>
+                        <a:t>DESCRIPTION</a:t>
+                      </a:r>
+                    </a:p>
+                  </a:txBody>
+                  <a:tcPr marL="13796" marR="13796" marT="9197" marB="9197" anchor="b">
+                    <a:lnL w="9525" cap="flat" cmpd="sng" algn="ctr">
+                      <a:solidFill>
+                        <a:srgbClr val="CCCCCC"/>
+                      </a:solidFill>
+                      <a:prstDash val="solid"/>
+                      <a:round/>
+                      <a:headEnd type="none" w="med" len="med"/>
+                      <a:tailEnd type="none" w="med" len="med"/>
+                    </a:lnL>
+                    <a:lnR w="9525" cap="flat" cmpd="sng" algn="ctr">
+                      <a:solidFill>
+                        <a:srgbClr val="000000"/>
+                      </a:solidFill>
+                      <a:prstDash val="solid"/>
+                      <a:round/>
+                      <a:headEnd type="none" w="med" len="med"/>
+                      <a:tailEnd type="none" w="med" len="med"/>
+                    </a:lnR>
+                    <a:lnT w="9525" cap="flat" cmpd="sng" algn="ctr">
+                      <a:solidFill>
+                        <a:srgbClr val="000000"/>
+                      </a:solidFill>
+                      <a:prstDash val="solid"/>
+                      <a:round/>
+                      <a:headEnd type="none" w="med" len="med"/>
+                      <a:tailEnd type="none" w="med" len="med"/>
+                    </a:lnT>
+                    <a:lnB w="9525" cap="flat" cmpd="sng" algn="ctr">
+                      <a:solidFill>
+                        <a:srgbClr val="CCCCCC"/>
+                      </a:solidFill>
+                      <a:prstDash val="solid"/>
+                      <a:round/>
+                      <a:headEnd type="none" w="med" len="med"/>
+                      <a:tailEnd type="none" w="med" len="med"/>
+                    </a:lnB>
+                    <a:solidFill>
+                      <a:srgbClr val="FF9900"/>
+                    </a:solidFill>
+                  </a:tcPr>
+                </a:tc>
+              </a:tr>
+              <a:tr h="150837">
+                <a:tc>
+                  <a:txBody>
+                    <a:bodyPr/>
+                    <a:lstStyle/>
+                    <a:p>
+                      <a:pPr rtl="0" fontAlgn="b"/>
+                      <a:r>
+                        <a:rPr lang="pt-PT" sz="900" dirty="0">
+                          <a:effectLst/>
+                        </a:rPr>
+                        <a:t>/Users</a:t>
+                      </a:r>
+                    </a:p>
+                  </a:txBody>
+                  <a:tcPr marL="13796" marR="13796" marT="9197" marB="9197" anchor="b">
+                    <a:lnL w="9525" cap="flat" cmpd="sng" algn="ctr">
+                      <a:solidFill>
+                        <a:srgbClr val="000000"/>
+                      </a:solidFill>
+                      <a:prstDash val="solid"/>
+                      <a:round/>
+                      <a:headEnd type="none" w="med" len="med"/>
+                      <a:tailEnd type="none" w="med" len="med"/>
+                    </a:lnL>
+                    <a:lnR w="9525" cap="flat" cmpd="sng" algn="ctr">
+                      <a:solidFill>
+                        <a:srgbClr val="CCCCCC"/>
+                      </a:solidFill>
+                      <a:prstDash val="solid"/>
+                      <a:round/>
+                      <a:headEnd type="none" w="med" len="med"/>
+                      <a:tailEnd type="none" w="med" len="med"/>
+                    </a:lnR>
+                    <a:lnT w="9525" cap="flat" cmpd="sng" algn="ctr">
+                      <a:solidFill>
+                        <a:srgbClr val="CCCCCC"/>
+                      </a:solidFill>
+                      <a:prstDash val="solid"/>
+                      <a:round/>
+                      <a:headEnd type="none" w="med" len="med"/>
+                      <a:tailEnd type="none" w="med" len="med"/>
+                    </a:lnT>
+                    <a:lnB w="9525" cap="flat" cmpd="sng" algn="ctr">
+                      <a:solidFill>
+                        <a:srgbClr val="CCCCCC"/>
+                      </a:solidFill>
+                      <a:prstDash val="solid"/>
+                      <a:round/>
+                      <a:headEnd type="none" w="med" len="med"/>
+                      <a:tailEnd type="none" w="med" len="med"/>
+                    </a:lnB>
+                  </a:tcPr>
+                </a:tc>
+                <a:tc>
+                  <a:txBody>
+                    <a:bodyPr/>
+                    <a:lstStyle/>
+                    <a:p>
+                      <a:pPr rtl="0" fontAlgn="b"/>
+                      <a:r>
+                        <a:rPr lang="pt-PT" sz="900">
+                          <a:effectLst/>
+                        </a:rPr>
+                        <a:t>POST</a:t>
+                      </a:r>
+                    </a:p>
+                  </a:txBody>
+                  <a:tcPr marL="13796" marR="13796" marT="9197" marB="9197" anchor="b">
+                    <a:lnL w="9525" cap="flat" cmpd="sng" algn="ctr">
+                      <a:solidFill>
+                        <a:srgbClr val="CCCCCC"/>
+                      </a:solidFill>
+                      <a:prstDash val="solid"/>
+                      <a:round/>
+                      <a:headEnd type="none" w="med" len="med"/>
+                      <a:tailEnd type="none" w="med" len="med"/>
+                    </a:lnL>
+                    <a:lnR w="9525" cap="flat" cmpd="sng" algn="ctr">
+                      <a:solidFill>
+                        <a:srgbClr val="CCCCCC"/>
+                      </a:solidFill>
+                      <a:prstDash val="solid"/>
+                      <a:round/>
+                      <a:headEnd type="none" w="med" len="med"/>
+                      <a:tailEnd type="none" w="med" len="med"/>
+                    </a:lnR>
+                    <a:lnT w="9525" cap="flat" cmpd="sng" algn="ctr">
+                      <a:solidFill>
+                        <a:srgbClr val="CCCCCC"/>
+                      </a:solidFill>
+                      <a:prstDash val="solid"/>
+                      <a:round/>
+                      <a:headEnd type="none" w="med" len="med"/>
+                      <a:tailEnd type="none" w="med" len="med"/>
+                    </a:lnT>
+                    <a:lnB w="9525" cap="flat" cmpd="sng" algn="ctr">
+                      <a:solidFill>
+                        <a:srgbClr val="CCCCCC"/>
+                      </a:solidFill>
+                      <a:prstDash val="solid"/>
+                      <a:round/>
+                      <a:headEnd type="none" w="med" len="med"/>
+                      <a:tailEnd type="none" w="med" len="med"/>
+                    </a:lnB>
+                  </a:tcPr>
+                </a:tc>
+                <a:tc>
+                  <a:txBody>
+                    <a:bodyPr/>
+                    <a:lstStyle/>
+                    <a:p>
+                      <a:pPr rtl="0" fontAlgn="b"/>
+                      <a:r>
+                        <a:rPr lang="pt-PT" sz="900">
+                          <a:effectLst/>
+                        </a:rPr>
+                        <a:t>Criar user</a:t>
+                      </a:r>
+                    </a:p>
+                  </a:txBody>
+                  <a:tcPr marL="13796" marR="13796" marT="9197" marB="9197" anchor="b">
+                    <a:lnL w="9525" cap="flat" cmpd="sng" algn="ctr">
+                      <a:solidFill>
+                        <a:srgbClr val="CCCCCC"/>
+                      </a:solidFill>
+                      <a:prstDash val="solid"/>
+                      <a:round/>
+                      <a:headEnd type="none" w="med" len="med"/>
+                      <a:tailEnd type="none" w="med" len="med"/>
+                    </a:lnL>
+                    <a:lnR w="9525" cap="flat" cmpd="sng" algn="ctr">
+                      <a:solidFill>
+                        <a:srgbClr val="000000"/>
+                      </a:solidFill>
+                      <a:prstDash val="solid"/>
+                      <a:round/>
+                      <a:headEnd type="none" w="med" len="med"/>
+                      <a:tailEnd type="none" w="med" len="med"/>
+                    </a:lnR>
+                    <a:lnT w="9525" cap="flat" cmpd="sng" algn="ctr">
+                      <a:solidFill>
+                        <a:srgbClr val="CCCCCC"/>
+                      </a:solidFill>
+                      <a:prstDash val="solid"/>
+                      <a:round/>
+                      <a:headEnd type="none" w="med" len="med"/>
+                      <a:tailEnd type="none" w="med" len="med"/>
+                    </a:lnT>
+                    <a:lnB w="9525" cap="flat" cmpd="sng" algn="ctr">
+                      <a:solidFill>
+                        <a:srgbClr val="CCCCCC"/>
+                      </a:solidFill>
+                      <a:prstDash val="solid"/>
+                      <a:round/>
+                      <a:headEnd type="none" w="med" len="med"/>
+                      <a:tailEnd type="none" w="med" len="med"/>
+                    </a:lnB>
+                  </a:tcPr>
+                </a:tc>
+              </a:tr>
+              <a:tr h="150837">
+                <a:tc>
+                  <a:txBody>
+                    <a:bodyPr/>
+                    <a:lstStyle/>
+                    <a:p>
+                      <a:pPr rtl="0" fontAlgn="b"/>
+                      <a:r>
+                        <a:rPr lang="pt-PT" sz="900">
+                          <a:effectLst/>
+                        </a:rPr>
+                        <a:t>/Users</a:t>
+                      </a:r>
+                    </a:p>
+                  </a:txBody>
+                  <a:tcPr marL="13796" marR="13796" marT="9197" marB="9197" anchor="b">
+                    <a:lnL w="9525" cap="flat" cmpd="sng" algn="ctr">
+                      <a:solidFill>
+                        <a:srgbClr val="000000"/>
+                      </a:solidFill>
+                      <a:prstDash val="solid"/>
+                      <a:round/>
+                      <a:headEnd type="none" w="med" len="med"/>
+                      <a:tailEnd type="none" w="med" len="med"/>
+                    </a:lnL>
+                    <a:lnR w="9525" cap="flat" cmpd="sng" algn="ctr">
+                      <a:solidFill>
+                        <a:srgbClr val="CCCCCC"/>
+                      </a:solidFill>
+                      <a:prstDash val="solid"/>
+                      <a:round/>
+                      <a:headEnd type="none" w="med" len="med"/>
+                      <a:tailEnd type="none" w="med" len="med"/>
+                    </a:lnR>
+                    <a:lnT w="9525" cap="flat" cmpd="sng" algn="ctr">
+                      <a:solidFill>
+                        <a:srgbClr val="CCCCCC"/>
+                      </a:solidFill>
+                      <a:prstDash val="solid"/>
+                      <a:round/>
+                      <a:headEnd type="none" w="med" len="med"/>
+                      <a:tailEnd type="none" w="med" len="med"/>
+                    </a:lnT>
+                    <a:lnB w="9525" cap="flat" cmpd="sng" algn="ctr">
+                      <a:solidFill>
+                        <a:srgbClr val="CCCCCC"/>
+                      </a:solidFill>
+                      <a:prstDash val="solid"/>
+                      <a:round/>
+                      <a:headEnd type="none" w="med" len="med"/>
+                      <a:tailEnd type="none" w="med" len="med"/>
+                    </a:lnB>
+                  </a:tcPr>
+                </a:tc>
+                <a:tc>
+                  <a:txBody>
+                    <a:bodyPr/>
+                    <a:lstStyle/>
+                    <a:p>
+                      <a:pPr rtl="0" fontAlgn="b"/>
+                      <a:r>
+                        <a:rPr lang="pt-PT" sz="900">
+                          <a:effectLst/>
+                        </a:rPr>
+                        <a:t>GET</a:t>
+                      </a:r>
+                    </a:p>
+                  </a:txBody>
+                  <a:tcPr marL="13796" marR="13796" marT="9197" marB="9197" anchor="b">
+                    <a:lnL w="9525" cap="flat" cmpd="sng" algn="ctr">
+                      <a:solidFill>
+                        <a:srgbClr val="CCCCCC"/>
+                      </a:solidFill>
+                      <a:prstDash val="solid"/>
+                      <a:round/>
+                      <a:headEnd type="none" w="med" len="med"/>
+                      <a:tailEnd type="none" w="med" len="med"/>
+                    </a:lnL>
+                    <a:lnR w="9525" cap="flat" cmpd="sng" algn="ctr">
+                      <a:solidFill>
+                        <a:srgbClr val="CCCCCC"/>
+                      </a:solidFill>
+                      <a:prstDash val="solid"/>
+                      <a:round/>
+                      <a:headEnd type="none" w="med" len="med"/>
+                      <a:tailEnd type="none" w="med" len="med"/>
+                    </a:lnR>
+                    <a:lnT w="9525" cap="flat" cmpd="sng" algn="ctr">
+                      <a:solidFill>
+                        <a:srgbClr val="CCCCCC"/>
+                      </a:solidFill>
+                      <a:prstDash val="solid"/>
+                      <a:round/>
+                      <a:headEnd type="none" w="med" len="med"/>
+                      <a:tailEnd type="none" w="med" len="med"/>
+                    </a:lnT>
+                    <a:lnB w="9525" cap="flat" cmpd="sng" algn="ctr">
+                      <a:solidFill>
+                        <a:srgbClr val="CCCCCC"/>
+                      </a:solidFill>
+                      <a:prstDash val="solid"/>
+                      <a:round/>
+                      <a:headEnd type="none" w="med" len="med"/>
+                      <a:tailEnd type="none" w="med" len="med"/>
+                    </a:lnB>
+                  </a:tcPr>
+                </a:tc>
+                <a:tc>
+                  <a:txBody>
+                    <a:bodyPr/>
+                    <a:lstStyle/>
+                    <a:p>
+                      <a:pPr rtl="0" fontAlgn="b"/>
+                      <a:r>
+                        <a:rPr lang="pt-PT" sz="900">
+                          <a:effectLst/>
+                        </a:rPr>
+                        <a:t>Listar todos users</a:t>
+                      </a:r>
+                    </a:p>
+                  </a:txBody>
+                  <a:tcPr marL="13796" marR="13796" marT="9197" marB="9197" anchor="b">
+                    <a:lnL w="9525" cap="flat" cmpd="sng" algn="ctr">
+                      <a:solidFill>
+                        <a:srgbClr val="CCCCCC"/>
+                      </a:solidFill>
+                      <a:prstDash val="solid"/>
+                      <a:round/>
+                      <a:headEnd type="none" w="med" len="med"/>
+                      <a:tailEnd type="none" w="med" len="med"/>
+                    </a:lnL>
+                    <a:lnR w="9525" cap="flat" cmpd="sng" algn="ctr">
+                      <a:solidFill>
+                        <a:srgbClr val="000000"/>
+                      </a:solidFill>
+                      <a:prstDash val="solid"/>
+                      <a:round/>
+                      <a:headEnd type="none" w="med" len="med"/>
+                      <a:tailEnd type="none" w="med" len="med"/>
+                    </a:lnR>
+                    <a:lnT w="9525" cap="flat" cmpd="sng" algn="ctr">
+                      <a:solidFill>
+                        <a:srgbClr val="CCCCCC"/>
+                      </a:solidFill>
+                      <a:prstDash val="solid"/>
+                      <a:round/>
+                      <a:headEnd type="none" w="med" len="med"/>
+                      <a:tailEnd type="none" w="med" len="med"/>
+                    </a:lnT>
+                    <a:lnB w="9525" cap="flat" cmpd="sng" algn="ctr">
+                      <a:solidFill>
+                        <a:srgbClr val="CCCCCC"/>
+                      </a:solidFill>
+                      <a:prstDash val="solid"/>
+                      <a:round/>
+                      <a:headEnd type="none" w="med" len="med"/>
+                      <a:tailEnd type="none" w="med" len="med"/>
+                    </a:lnB>
+                  </a:tcPr>
+                </a:tc>
+              </a:tr>
+              <a:tr h="150837">
+                <a:tc>
+                  <a:txBody>
+                    <a:bodyPr/>
+                    <a:lstStyle/>
+                    <a:p>
+                      <a:pPr rtl="0" fontAlgn="b"/>
+                      <a:r>
+                        <a:rPr lang="pt-PT" sz="900">
+                          <a:effectLst/>
+                        </a:rPr>
+                        <a:t>/Users/{UserID}</a:t>
+                      </a:r>
+                    </a:p>
+                  </a:txBody>
+                  <a:tcPr marL="13796" marR="13796" marT="9197" marB="9197" anchor="b">
+                    <a:lnL w="9525" cap="flat" cmpd="sng" algn="ctr">
+                      <a:solidFill>
+                        <a:srgbClr val="000000"/>
+                      </a:solidFill>
+                      <a:prstDash val="solid"/>
+                      <a:round/>
+                      <a:headEnd type="none" w="med" len="med"/>
+                      <a:tailEnd type="none" w="med" len="med"/>
+                    </a:lnL>
+                    <a:lnR w="9525" cap="flat" cmpd="sng" algn="ctr">
+                      <a:solidFill>
+                        <a:srgbClr val="CCCCCC"/>
+                      </a:solidFill>
+                      <a:prstDash val="solid"/>
+                      <a:round/>
+                      <a:headEnd type="none" w="med" len="med"/>
+                      <a:tailEnd type="none" w="med" len="med"/>
+                    </a:lnR>
+                    <a:lnT w="9525" cap="flat" cmpd="sng" algn="ctr">
+                      <a:solidFill>
+                        <a:srgbClr val="CCCCCC"/>
+                      </a:solidFill>
+                      <a:prstDash val="solid"/>
+                      <a:round/>
+                      <a:headEnd type="none" w="med" len="med"/>
+                      <a:tailEnd type="none" w="med" len="med"/>
+                    </a:lnT>
+                    <a:lnB w="9525" cap="flat" cmpd="sng" algn="ctr">
+                      <a:solidFill>
+                        <a:srgbClr val="CCCCCC"/>
+                      </a:solidFill>
+                      <a:prstDash val="solid"/>
+                      <a:round/>
+                      <a:headEnd type="none" w="med" len="med"/>
+                      <a:tailEnd type="none" w="med" len="med"/>
+                    </a:lnB>
+                  </a:tcPr>
+                </a:tc>
+                <a:tc>
+                  <a:txBody>
+                    <a:bodyPr/>
+                    <a:lstStyle/>
+                    <a:p>
+                      <a:pPr rtl="0" fontAlgn="b"/>
+                      <a:r>
+                        <a:rPr lang="pt-PT" sz="900">
+                          <a:effectLst/>
+                        </a:rPr>
+                        <a:t>GET</a:t>
+                      </a:r>
+                    </a:p>
+                  </a:txBody>
+                  <a:tcPr marL="13796" marR="13796" marT="9197" marB="9197" anchor="b">
+                    <a:lnL w="9525" cap="flat" cmpd="sng" algn="ctr">
+                      <a:solidFill>
+                        <a:srgbClr val="CCCCCC"/>
+                      </a:solidFill>
+                      <a:prstDash val="solid"/>
+                      <a:round/>
+                      <a:headEnd type="none" w="med" len="med"/>
+                      <a:tailEnd type="none" w="med" len="med"/>
+                    </a:lnL>
+                    <a:lnR w="9525" cap="flat" cmpd="sng" algn="ctr">
+                      <a:solidFill>
+                        <a:srgbClr val="CCCCCC"/>
+                      </a:solidFill>
+                      <a:prstDash val="solid"/>
+                      <a:round/>
+                      <a:headEnd type="none" w="med" len="med"/>
+                      <a:tailEnd type="none" w="med" len="med"/>
+                    </a:lnR>
+                    <a:lnT w="9525" cap="flat" cmpd="sng" algn="ctr">
+                      <a:solidFill>
+                        <a:srgbClr val="CCCCCC"/>
+                      </a:solidFill>
+                      <a:prstDash val="solid"/>
+                      <a:round/>
+                      <a:headEnd type="none" w="med" len="med"/>
+                      <a:tailEnd type="none" w="med" len="med"/>
+                    </a:lnT>
+                    <a:lnB w="9525" cap="flat" cmpd="sng" algn="ctr">
+                      <a:solidFill>
+                        <a:srgbClr val="CCCCCC"/>
+                      </a:solidFill>
+                      <a:prstDash val="solid"/>
+                      <a:round/>
+                      <a:headEnd type="none" w="med" len="med"/>
+                      <a:tailEnd type="none" w="med" len="med"/>
+                    </a:lnB>
+                  </a:tcPr>
+                </a:tc>
+                <a:tc>
+                  <a:txBody>
+                    <a:bodyPr/>
+                    <a:lstStyle/>
+                    <a:p>
+                      <a:pPr rtl="0" fontAlgn="b"/>
+                      <a:r>
+                        <a:rPr lang="pt-PT" sz="900">
+                          <a:effectLst/>
+                        </a:rPr>
+                        <a:t>Obter user</a:t>
+                      </a:r>
+                    </a:p>
+                  </a:txBody>
+                  <a:tcPr marL="13796" marR="13796" marT="9197" marB="9197" anchor="b">
+                    <a:lnL w="9525" cap="flat" cmpd="sng" algn="ctr">
+                      <a:solidFill>
+                        <a:srgbClr val="CCCCCC"/>
+                      </a:solidFill>
+                      <a:prstDash val="solid"/>
+                      <a:round/>
+                      <a:headEnd type="none" w="med" len="med"/>
+                      <a:tailEnd type="none" w="med" len="med"/>
+                    </a:lnL>
+                    <a:lnR w="9525" cap="flat" cmpd="sng" algn="ctr">
+                      <a:solidFill>
+                        <a:srgbClr val="000000"/>
+                      </a:solidFill>
+                      <a:prstDash val="solid"/>
+                      <a:round/>
+                      <a:headEnd type="none" w="med" len="med"/>
+                      <a:tailEnd type="none" w="med" len="med"/>
+                    </a:lnR>
+                    <a:lnT w="9525" cap="flat" cmpd="sng" algn="ctr">
+                      <a:solidFill>
+                        <a:srgbClr val="CCCCCC"/>
+                      </a:solidFill>
+                      <a:prstDash val="solid"/>
+                      <a:round/>
+                      <a:headEnd type="none" w="med" len="med"/>
+                      <a:tailEnd type="none" w="med" len="med"/>
+                    </a:lnT>
+                    <a:lnB w="9525" cap="flat" cmpd="sng" algn="ctr">
+                      <a:solidFill>
+                        <a:srgbClr val="CCCCCC"/>
+                      </a:solidFill>
+                      <a:prstDash val="solid"/>
+                      <a:round/>
+                      <a:headEnd type="none" w="med" len="med"/>
+                      <a:tailEnd type="none" w="med" len="med"/>
+                    </a:lnB>
+                  </a:tcPr>
+                </a:tc>
+              </a:tr>
+              <a:tr h="150837">
+                <a:tc>
+                  <a:txBody>
+                    <a:bodyPr/>
+                    <a:lstStyle/>
+                    <a:p>
+                      <a:pPr rtl="0" fontAlgn="b"/>
+                      <a:r>
+                        <a:rPr lang="pt-PT" sz="900">
+                          <a:effectLst/>
+                        </a:rPr>
+                        <a:t>/Users/{UserID}</a:t>
+                      </a:r>
+                    </a:p>
+                  </a:txBody>
+                  <a:tcPr marL="13796" marR="13796" marT="9197" marB="9197" anchor="b">
+                    <a:lnL w="9525" cap="flat" cmpd="sng" algn="ctr">
+                      <a:solidFill>
+                        <a:srgbClr val="000000"/>
+                      </a:solidFill>
+                      <a:prstDash val="solid"/>
+                      <a:round/>
+                      <a:headEnd type="none" w="med" len="med"/>
+                      <a:tailEnd type="none" w="med" len="med"/>
+                    </a:lnL>
+                    <a:lnR w="9525" cap="flat" cmpd="sng" algn="ctr">
+                      <a:solidFill>
+                        <a:srgbClr val="CCCCCC"/>
+                      </a:solidFill>
+                      <a:prstDash val="solid"/>
+                      <a:round/>
+                      <a:headEnd type="none" w="med" len="med"/>
+                      <a:tailEnd type="none" w="med" len="med"/>
+                    </a:lnR>
+                    <a:lnT w="9525" cap="flat" cmpd="sng" algn="ctr">
+                      <a:solidFill>
+                        <a:srgbClr val="CCCCCC"/>
+                      </a:solidFill>
+                      <a:prstDash val="solid"/>
+                      <a:round/>
+                      <a:headEnd type="none" w="med" len="med"/>
+                      <a:tailEnd type="none" w="med" len="med"/>
+                    </a:lnT>
+                    <a:lnB w="9525" cap="flat" cmpd="sng" algn="ctr">
+                      <a:solidFill>
+                        <a:srgbClr val="CCCCCC"/>
+                      </a:solidFill>
+                      <a:prstDash val="solid"/>
+                      <a:round/>
+                      <a:headEnd type="none" w="med" len="med"/>
+                      <a:tailEnd type="none" w="med" len="med"/>
+                    </a:lnB>
+                  </a:tcPr>
+                </a:tc>
+                <a:tc>
+                  <a:txBody>
+                    <a:bodyPr/>
+                    <a:lstStyle/>
+                    <a:p>
+                      <a:pPr rtl="0" fontAlgn="b"/>
+                      <a:r>
+                        <a:rPr lang="pt-PT" sz="900">
+                          <a:effectLst/>
+                        </a:rPr>
+                        <a:t>PUT</a:t>
+                      </a:r>
+                    </a:p>
+                  </a:txBody>
+                  <a:tcPr marL="13796" marR="13796" marT="9197" marB="9197" anchor="b">
+                    <a:lnL w="9525" cap="flat" cmpd="sng" algn="ctr">
+                      <a:solidFill>
+                        <a:srgbClr val="CCCCCC"/>
+                      </a:solidFill>
+                      <a:prstDash val="solid"/>
+                      <a:round/>
+                      <a:headEnd type="none" w="med" len="med"/>
+                      <a:tailEnd type="none" w="med" len="med"/>
+                    </a:lnL>
+                    <a:lnR w="9525" cap="flat" cmpd="sng" algn="ctr">
+                      <a:solidFill>
+                        <a:srgbClr val="CCCCCC"/>
+                      </a:solidFill>
+                      <a:prstDash val="solid"/>
+                      <a:round/>
+                      <a:headEnd type="none" w="med" len="med"/>
+                      <a:tailEnd type="none" w="med" len="med"/>
+                    </a:lnR>
+                    <a:lnT w="9525" cap="flat" cmpd="sng" algn="ctr">
+                      <a:solidFill>
+                        <a:srgbClr val="CCCCCC"/>
+                      </a:solidFill>
+                      <a:prstDash val="solid"/>
+                      <a:round/>
+                      <a:headEnd type="none" w="med" len="med"/>
+                      <a:tailEnd type="none" w="med" len="med"/>
+                    </a:lnT>
+                    <a:lnB w="9525" cap="flat" cmpd="sng" algn="ctr">
+                      <a:solidFill>
+                        <a:srgbClr val="CCCCCC"/>
+                      </a:solidFill>
+                      <a:prstDash val="solid"/>
+                      <a:round/>
+                      <a:headEnd type="none" w="med" len="med"/>
+                      <a:tailEnd type="none" w="med" len="med"/>
+                    </a:lnB>
+                  </a:tcPr>
+                </a:tc>
+                <a:tc>
+                  <a:txBody>
+                    <a:bodyPr/>
+                    <a:lstStyle/>
+                    <a:p>
+                      <a:pPr rtl="0" fontAlgn="b"/>
+                      <a:r>
+                        <a:rPr lang="pt-PT" sz="900">
+                          <a:effectLst/>
+                        </a:rPr>
+                        <a:t>Modificar user</a:t>
+                      </a:r>
+                    </a:p>
+                  </a:txBody>
+                  <a:tcPr marL="13796" marR="13796" marT="9197" marB="9197" anchor="b">
+                    <a:lnL w="9525" cap="flat" cmpd="sng" algn="ctr">
+                      <a:solidFill>
+                        <a:srgbClr val="CCCCCC"/>
+                      </a:solidFill>
+                      <a:prstDash val="solid"/>
+                      <a:round/>
+                      <a:headEnd type="none" w="med" len="med"/>
+                      <a:tailEnd type="none" w="med" len="med"/>
+                    </a:lnL>
+                    <a:lnR w="9525" cap="flat" cmpd="sng" algn="ctr">
+                      <a:solidFill>
+                        <a:srgbClr val="000000"/>
+                      </a:solidFill>
+                      <a:prstDash val="solid"/>
+                      <a:round/>
+                      <a:headEnd type="none" w="med" len="med"/>
+                      <a:tailEnd type="none" w="med" len="med"/>
+                    </a:lnR>
+                    <a:lnT w="9525" cap="flat" cmpd="sng" algn="ctr">
+                      <a:solidFill>
+                        <a:srgbClr val="CCCCCC"/>
+                      </a:solidFill>
+                      <a:prstDash val="solid"/>
+                      <a:round/>
+                      <a:headEnd type="none" w="med" len="med"/>
+                      <a:tailEnd type="none" w="med" len="med"/>
+                    </a:lnT>
+                    <a:lnB w="9525" cap="flat" cmpd="sng" algn="ctr">
+                      <a:solidFill>
+                        <a:srgbClr val="CCCCCC"/>
+                      </a:solidFill>
+                      <a:prstDash val="solid"/>
+                      <a:round/>
+                      <a:headEnd type="none" w="med" len="med"/>
+                      <a:tailEnd type="none" w="med" len="med"/>
+                    </a:lnB>
+                  </a:tcPr>
+                </a:tc>
+              </a:tr>
+              <a:tr h="150837">
+                <a:tc>
+                  <a:txBody>
+                    <a:bodyPr/>
+                    <a:lstStyle/>
+                    <a:p>
+                      <a:pPr rtl="0" fontAlgn="b"/>
+                      <a:r>
+                        <a:rPr lang="pt-PT" sz="900">
+                          <a:effectLst/>
+                        </a:rPr>
+                        <a:t>/Users/{UserID}/Datasets</a:t>
+                      </a:r>
+                    </a:p>
+                  </a:txBody>
+                  <a:tcPr marL="13796" marR="13796" marT="9197" marB="9197" anchor="b">
+                    <a:lnL w="9525" cap="flat" cmpd="sng" algn="ctr">
+                      <a:solidFill>
+                        <a:srgbClr val="000000"/>
+                      </a:solidFill>
+                      <a:prstDash val="solid"/>
+                      <a:round/>
+                      <a:headEnd type="none" w="med" len="med"/>
+                      <a:tailEnd type="none" w="med" len="med"/>
+                    </a:lnL>
+                    <a:lnR w="9525" cap="flat" cmpd="sng" algn="ctr">
+                      <a:solidFill>
+                        <a:srgbClr val="CCCCCC"/>
+                      </a:solidFill>
+                      <a:prstDash val="solid"/>
+                      <a:round/>
+                      <a:headEnd type="none" w="med" len="med"/>
+                      <a:tailEnd type="none" w="med" len="med"/>
+                    </a:lnR>
+                    <a:lnT w="9525" cap="flat" cmpd="sng" algn="ctr">
+                      <a:solidFill>
+                        <a:srgbClr val="CCCCCC"/>
+                      </a:solidFill>
+                      <a:prstDash val="solid"/>
+                      <a:round/>
+                      <a:headEnd type="none" w="med" len="med"/>
+                      <a:tailEnd type="none" w="med" len="med"/>
+                    </a:lnT>
+                    <a:lnB w="9525" cap="flat" cmpd="sng" algn="ctr">
+                      <a:solidFill>
+                        <a:srgbClr val="CCCCCC"/>
+                      </a:solidFill>
+                      <a:prstDash val="solid"/>
+                      <a:round/>
+                      <a:headEnd type="none" w="med" len="med"/>
+                      <a:tailEnd type="none" w="med" len="med"/>
+                    </a:lnB>
+                  </a:tcPr>
+                </a:tc>
+                <a:tc>
+                  <a:txBody>
+                    <a:bodyPr/>
+                    <a:lstStyle/>
+                    <a:p>
+                      <a:pPr rtl="0" fontAlgn="b"/>
+                      <a:r>
+                        <a:rPr lang="pt-PT" sz="900">
+                          <a:effectLst/>
+                        </a:rPr>
+                        <a:t>POST</a:t>
+                      </a:r>
+                    </a:p>
+                  </a:txBody>
+                  <a:tcPr marL="13796" marR="13796" marT="9197" marB="9197" anchor="b">
+                    <a:lnL w="9525" cap="flat" cmpd="sng" algn="ctr">
+                      <a:solidFill>
+                        <a:srgbClr val="CCCCCC"/>
+                      </a:solidFill>
+                      <a:prstDash val="solid"/>
+                      <a:round/>
+                      <a:headEnd type="none" w="med" len="med"/>
+                      <a:tailEnd type="none" w="med" len="med"/>
+                    </a:lnL>
+                    <a:lnR w="9525" cap="flat" cmpd="sng" algn="ctr">
+                      <a:solidFill>
+                        <a:srgbClr val="CCCCCC"/>
+                      </a:solidFill>
+                      <a:prstDash val="solid"/>
+                      <a:round/>
+                      <a:headEnd type="none" w="med" len="med"/>
+                      <a:tailEnd type="none" w="med" len="med"/>
+                    </a:lnR>
+                    <a:lnT w="9525" cap="flat" cmpd="sng" algn="ctr">
+                      <a:solidFill>
+                        <a:srgbClr val="CCCCCC"/>
+                      </a:solidFill>
+                      <a:prstDash val="solid"/>
+                      <a:round/>
+                      <a:headEnd type="none" w="med" len="med"/>
+                      <a:tailEnd type="none" w="med" len="med"/>
+                    </a:lnT>
+                    <a:lnB w="9525" cap="flat" cmpd="sng" algn="ctr">
+                      <a:solidFill>
+                        <a:srgbClr val="CCCCCC"/>
+                      </a:solidFill>
+                      <a:prstDash val="solid"/>
+                      <a:round/>
+                      <a:headEnd type="none" w="med" len="med"/>
+                      <a:tailEnd type="none" w="med" len="med"/>
+                    </a:lnB>
+                  </a:tcPr>
+                </a:tc>
+                <a:tc>
+                  <a:txBody>
+                    <a:bodyPr/>
+                    <a:lstStyle/>
+                    <a:p>
+                      <a:pPr rtl="0" fontAlgn="b"/>
+                      <a:r>
+                        <a:rPr lang="pt-PT" sz="900">
+                          <a:effectLst/>
+                        </a:rPr>
+                        <a:t>Criar dataset</a:t>
+                      </a:r>
+                    </a:p>
+                  </a:txBody>
+                  <a:tcPr marL="13796" marR="13796" marT="9197" marB="9197" anchor="b">
+                    <a:lnL w="9525" cap="flat" cmpd="sng" algn="ctr">
+                      <a:solidFill>
+                        <a:srgbClr val="CCCCCC"/>
+                      </a:solidFill>
+                      <a:prstDash val="solid"/>
+                      <a:round/>
+                      <a:headEnd type="none" w="med" len="med"/>
+                      <a:tailEnd type="none" w="med" len="med"/>
+                    </a:lnL>
+                    <a:lnR w="9525" cap="flat" cmpd="sng" algn="ctr">
+                      <a:solidFill>
+                        <a:srgbClr val="000000"/>
+                      </a:solidFill>
+                      <a:prstDash val="solid"/>
+                      <a:round/>
+                      <a:headEnd type="none" w="med" len="med"/>
+                      <a:tailEnd type="none" w="med" len="med"/>
+                    </a:lnR>
+                    <a:lnT w="9525" cap="flat" cmpd="sng" algn="ctr">
+                      <a:solidFill>
+                        <a:srgbClr val="CCCCCC"/>
+                      </a:solidFill>
+                      <a:prstDash val="solid"/>
+                      <a:round/>
+                      <a:headEnd type="none" w="med" len="med"/>
+                      <a:tailEnd type="none" w="med" len="med"/>
+                    </a:lnT>
+                    <a:lnB w="9525" cap="flat" cmpd="sng" algn="ctr">
+                      <a:solidFill>
+                        <a:srgbClr val="CCCCCC"/>
+                      </a:solidFill>
+                      <a:prstDash val="solid"/>
+                      <a:round/>
+                      <a:headEnd type="none" w="med" len="med"/>
+                      <a:tailEnd type="none" w="med" len="med"/>
+                    </a:lnB>
+                  </a:tcPr>
+                </a:tc>
+              </a:tr>
+              <a:tr h="283279">
+                <a:tc>
+                  <a:txBody>
+                    <a:bodyPr/>
+                    <a:lstStyle/>
+                    <a:p>
+                      <a:pPr rtl="0" fontAlgn="b"/>
+                      <a:r>
+                        <a:rPr lang="pt-PT" sz="900">
+                          <a:effectLst/>
+                        </a:rPr>
+                        <a:t>/Users/{UserID}/Datasets</a:t>
+                      </a:r>
+                    </a:p>
+                  </a:txBody>
+                  <a:tcPr marL="13796" marR="13796" marT="9197" marB="9197" anchor="b">
+                    <a:lnL w="9525" cap="flat" cmpd="sng" algn="ctr">
+                      <a:solidFill>
+                        <a:srgbClr val="000000"/>
+                      </a:solidFill>
+                      <a:prstDash val="solid"/>
+                      <a:round/>
+                      <a:headEnd type="none" w="med" len="med"/>
+                      <a:tailEnd type="none" w="med" len="med"/>
+                    </a:lnL>
+                    <a:lnR w="9525" cap="flat" cmpd="sng" algn="ctr">
+                      <a:solidFill>
+                        <a:srgbClr val="CCCCCC"/>
+                      </a:solidFill>
+                      <a:prstDash val="solid"/>
+                      <a:round/>
+                      <a:headEnd type="none" w="med" len="med"/>
+                      <a:tailEnd type="none" w="med" len="med"/>
+                    </a:lnR>
+                    <a:lnT w="9525" cap="flat" cmpd="sng" algn="ctr">
+                      <a:solidFill>
+                        <a:srgbClr val="CCCCCC"/>
+                      </a:solidFill>
+                      <a:prstDash val="solid"/>
+                      <a:round/>
+                      <a:headEnd type="none" w="med" len="med"/>
+                      <a:tailEnd type="none" w="med" len="med"/>
+                    </a:lnT>
+                    <a:lnB w="9525" cap="flat" cmpd="sng" algn="ctr">
+                      <a:solidFill>
+                        <a:srgbClr val="CCCCCC"/>
+                      </a:solidFill>
+                      <a:prstDash val="solid"/>
+                      <a:round/>
+                      <a:headEnd type="none" w="med" len="med"/>
+                      <a:tailEnd type="none" w="med" len="med"/>
+                    </a:lnB>
+                  </a:tcPr>
+                </a:tc>
+                <a:tc>
+                  <a:txBody>
+                    <a:bodyPr/>
+                    <a:lstStyle/>
+                    <a:p>
+                      <a:pPr rtl="0" fontAlgn="b"/>
+                      <a:r>
+                        <a:rPr lang="pt-PT" sz="900">
+                          <a:effectLst/>
+                        </a:rPr>
+                        <a:t>GET</a:t>
+                      </a:r>
+                    </a:p>
+                  </a:txBody>
+                  <a:tcPr marL="13796" marR="13796" marT="9197" marB="9197" anchor="b">
+                    <a:lnL w="9525" cap="flat" cmpd="sng" algn="ctr">
+                      <a:solidFill>
+                        <a:srgbClr val="CCCCCC"/>
+                      </a:solidFill>
+                      <a:prstDash val="solid"/>
+                      <a:round/>
+                      <a:headEnd type="none" w="med" len="med"/>
+                      <a:tailEnd type="none" w="med" len="med"/>
+                    </a:lnL>
+                    <a:lnR w="9525" cap="flat" cmpd="sng" algn="ctr">
+                      <a:solidFill>
+                        <a:srgbClr val="CCCCCC"/>
+                      </a:solidFill>
+                      <a:prstDash val="solid"/>
+                      <a:round/>
+                      <a:headEnd type="none" w="med" len="med"/>
+                      <a:tailEnd type="none" w="med" len="med"/>
+                    </a:lnR>
+                    <a:lnT w="9525" cap="flat" cmpd="sng" algn="ctr">
+                      <a:solidFill>
+                        <a:srgbClr val="CCCCCC"/>
+                      </a:solidFill>
+                      <a:prstDash val="solid"/>
+                      <a:round/>
+                      <a:headEnd type="none" w="med" len="med"/>
+                      <a:tailEnd type="none" w="med" len="med"/>
+                    </a:lnT>
+                    <a:lnB w="9525" cap="flat" cmpd="sng" algn="ctr">
+                      <a:solidFill>
+                        <a:srgbClr val="CCCCCC"/>
+                      </a:solidFill>
+                      <a:prstDash val="solid"/>
+                      <a:round/>
+                      <a:headEnd type="none" w="med" len="med"/>
+                      <a:tailEnd type="none" w="med" len="med"/>
+                    </a:lnB>
+                  </a:tcPr>
+                </a:tc>
+                <a:tc>
+                  <a:txBody>
+                    <a:bodyPr/>
+                    <a:lstStyle/>
+                    <a:p>
+                      <a:pPr rtl="0" fontAlgn="b"/>
+                      <a:r>
+                        <a:rPr lang="pt-PT" sz="900" dirty="0">
+                          <a:effectLst/>
+                        </a:rPr>
+                        <a:t>Listar todos datasets do user</a:t>
+                      </a:r>
+                    </a:p>
+                  </a:txBody>
+                  <a:tcPr marL="13796" marR="13796" marT="9197" marB="9197" anchor="b">
+                    <a:lnL w="9525" cap="flat" cmpd="sng" algn="ctr">
+                      <a:solidFill>
+                        <a:srgbClr val="CCCCCC"/>
+                      </a:solidFill>
+                      <a:prstDash val="solid"/>
+                      <a:round/>
+                      <a:headEnd type="none" w="med" len="med"/>
+                      <a:tailEnd type="none" w="med" len="med"/>
+                    </a:lnL>
+                    <a:lnR w="9525" cap="flat" cmpd="sng" algn="ctr">
+                      <a:solidFill>
+                        <a:srgbClr val="000000"/>
+                      </a:solidFill>
+                      <a:prstDash val="solid"/>
+                      <a:round/>
+                      <a:headEnd type="none" w="med" len="med"/>
+                      <a:tailEnd type="none" w="med" len="med"/>
+                    </a:lnR>
+                    <a:lnT w="9525" cap="flat" cmpd="sng" algn="ctr">
+                      <a:solidFill>
+                        <a:srgbClr val="CCCCCC"/>
+                      </a:solidFill>
+                      <a:prstDash val="solid"/>
+                      <a:round/>
+                      <a:headEnd type="none" w="med" len="med"/>
+                      <a:tailEnd type="none" w="med" len="med"/>
+                    </a:lnT>
+                    <a:lnB w="9525" cap="flat" cmpd="sng" algn="ctr">
+                      <a:solidFill>
+                        <a:srgbClr val="CCCCCC"/>
+                      </a:solidFill>
+                      <a:prstDash val="solid"/>
+                      <a:round/>
+                      <a:headEnd type="none" w="med" len="med"/>
+                      <a:tailEnd type="none" w="med" len="med"/>
+                    </a:lnB>
+                  </a:tcPr>
+                </a:tc>
+              </a:tr>
+              <a:tr h="283279">
+                <a:tc>
+                  <a:txBody>
+                    <a:bodyPr/>
+                    <a:lstStyle/>
+                    <a:p>
+                      <a:pPr rtl="0" fontAlgn="b"/>
+                      <a:r>
+                        <a:rPr lang="pt-PT" sz="900">
+                          <a:effectLst/>
+                        </a:rPr>
+                        <a:t>/Users/{UserID}/Datasets/{DatasetID}</a:t>
+                      </a:r>
+                    </a:p>
+                  </a:txBody>
+                  <a:tcPr marL="13796" marR="13796" marT="9197" marB="9197" anchor="b">
+                    <a:lnL w="9525" cap="flat" cmpd="sng" algn="ctr">
+                      <a:solidFill>
+                        <a:srgbClr val="000000"/>
+                      </a:solidFill>
+                      <a:prstDash val="solid"/>
+                      <a:round/>
+                      <a:headEnd type="none" w="med" len="med"/>
+                      <a:tailEnd type="none" w="med" len="med"/>
+                    </a:lnL>
+                    <a:lnR w="9525" cap="flat" cmpd="sng" algn="ctr">
+                      <a:solidFill>
+                        <a:srgbClr val="CCCCCC"/>
+                      </a:solidFill>
+                      <a:prstDash val="solid"/>
+                      <a:round/>
+                      <a:headEnd type="none" w="med" len="med"/>
+                      <a:tailEnd type="none" w="med" len="med"/>
+                    </a:lnR>
+                    <a:lnT w="9525" cap="flat" cmpd="sng" algn="ctr">
+                      <a:solidFill>
+                        <a:srgbClr val="CCCCCC"/>
+                      </a:solidFill>
+                      <a:prstDash val="solid"/>
+                      <a:round/>
+                      <a:headEnd type="none" w="med" len="med"/>
+                      <a:tailEnd type="none" w="med" len="med"/>
+                    </a:lnT>
+                    <a:lnB w="9525" cap="flat" cmpd="sng" algn="ctr">
+                      <a:solidFill>
+                        <a:srgbClr val="CCCCCC"/>
+                      </a:solidFill>
+                      <a:prstDash val="solid"/>
+                      <a:round/>
+                      <a:headEnd type="none" w="med" len="med"/>
+                      <a:tailEnd type="none" w="med" len="med"/>
+                    </a:lnB>
+                  </a:tcPr>
+                </a:tc>
+                <a:tc>
+                  <a:txBody>
+                    <a:bodyPr/>
+                    <a:lstStyle/>
+                    <a:p>
+                      <a:pPr rtl="0" fontAlgn="b"/>
+                      <a:r>
+                        <a:rPr lang="pt-PT" sz="900">
+                          <a:effectLst/>
+                        </a:rPr>
+                        <a:t>GET</a:t>
+                      </a:r>
+                    </a:p>
+                  </a:txBody>
+                  <a:tcPr marL="13796" marR="13796" marT="9197" marB="9197" anchor="b">
+                    <a:lnL w="9525" cap="flat" cmpd="sng" algn="ctr">
+                      <a:solidFill>
+                        <a:srgbClr val="CCCCCC"/>
+                      </a:solidFill>
+                      <a:prstDash val="solid"/>
+                      <a:round/>
+                      <a:headEnd type="none" w="med" len="med"/>
+                      <a:tailEnd type="none" w="med" len="med"/>
+                    </a:lnL>
+                    <a:lnR w="9525" cap="flat" cmpd="sng" algn="ctr">
+                      <a:solidFill>
+                        <a:srgbClr val="CCCCCC"/>
+                      </a:solidFill>
+                      <a:prstDash val="solid"/>
+                      <a:round/>
+                      <a:headEnd type="none" w="med" len="med"/>
+                      <a:tailEnd type="none" w="med" len="med"/>
+                    </a:lnR>
+                    <a:lnT w="9525" cap="flat" cmpd="sng" algn="ctr">
+                      <a:solidFill>
+                        <a:srgbClr val="CCCCCC"/>
+                      </a:solidFill>
+                      <a:prstDash val="solid"/>
+                      <a:round/>
+                      <a:headEnd type="none" w="med" len="med"/>
+                      <a:tailEnd type="none" w="med" len="med"/>
+                    </a:lnT>
+                    <a:lnB w="9525" cap="flat" cmpd="sng" algn="ctr">
+                      <a:solidFill>
+                        <a:srgbClr val="CCCCCC"/>
+                      </a:solidFill>
+                      <a:prstDash val="solid"/>
+                      <a:round/>
+                      <a:headEnd type="none" w="med" len="med"/>
+                      <a:tailEnd type="none" w="med" len="med"/>
+                    </a:lnB>
+                  </a:tcPr>
+                </a:tc>
+                <a:tc>
+                  <a:txBody>
+                    <a:bodyPr/>
+                    <a:lstStyle/>
+                    <a:p>
+                      <a:pPr rtl="0" fontAlgn="b"/>
+                      <a:r>
+                        <a:rPr lang="pt-PT" sz="900">
+                          <a:effectLst/>
+                        </a:rPr>
+                        <a:t>Obter dataset</a:t>
+                      </a:r>
+                    </a:p>
+                  </a:txBody>
+                  <a:tcPr marL="13796" marR="13796" marT="9197" marB="9197" anchor="b">
+                    <a:lnL w="9525" cap="flat" cmpd="sng" algn="ctr">
+                      <a:solidFill>
+                        <a:srgbClr val="CCCCCC"/>
+                      </a:solidFill>
+                      <a:prstDash val="solid"/>
+                      <a:round/>
+                      <a:headEnd type="none" w="med" len="med"/>
+                      <a:tailEnd type="none" w="med" len="med"/>
+                    </a:lnL>
+                    <a:lnR w="9525" cap="flat" cmpd="sng" algn="ctr">
+                      <a:solidFill>
+                        <a:srgbClr val="000000"/>
+                      </a:solidFill>
+                      <a:prstDash val="solid"/>
+                      <a:round/>
+                      <a:headEnd type="none" w="med" len="med"/>
+                      <a:tailEnd type="none" w="med" len="med"/>
+                    </a:lnR>
+                    <a:lnT w="9525" cap="flat" cmpd="sng" algn="ctr">
+                      <a:solidFill>
+                        <a:srgbClr val="CCCCCC"/>
+                      </a:solidFill>
+                      <a:prstDash val="solid"/>
+                      <a:round/>
+                      <a:headEnd type="none" w="med" len="med"/>
+                      <a:tailEnd type="none" w="med" len="med"/>
+                    </a:lnT>
+                    <a:lnB w="9525" cap="flat" cmpd="sng" algn="ctr">
+                      <a:solidFill>
+                        <a:srgbClr val="CCCCCC"/>
+                      </a:solidFill>
+                      <a:prstDash val="solid"/>
+                      <a:round/>
+                      <a:headEnd type="none" w="med" len="med"/>
+                      <a:tailEnd type="none" w="med" len="med"/>
+                    </a:lnB>
+                  </a:tcPr>
+                </a:tc>
+              </a:tr>
+              <a:tr h="283279">
+                <a:tc>
+                  <a:txBody>
+                    <a:bodyPr/>
+                    <a:lstStyle/>
+                    <a:p>
+                      <a:pPr rtl="0" fontAlgn="b"/>
+                      <a:r>
+                        <a:rPr lang="pt-PT" sz="900">
+                          <a:effectLst/>
+                        </a:rPr>
+                        <a:t>/Users/{UserID}/Datasets/{DatasetID}</a:t>
+                      </a:r>
+                    </a:p>
+                  </a:txBody>
+                  <a:tcPr marL="13796" marR="13796" marT="9197" marB="9197" anchor="b">
+                    <a:lnL w="9525" cap="flat" cmpd="sng" algn="ctr">
+                      <a:solidFill>
+                        <a:srgbClr val="000000"/>
+                      </a:solidFill>
+                      <a:prstDash val="solid"/>
+                      <a:round/>
+                      <a:headEnd type="none" w="med" len="med"/>
+                      <a:tailEnd type="none" w="med" len="med"/>
+                    </a:lnL>
+                    <a:lnR w="9525" cap="flat" cmpd="sng" algn="ctr">
+                      <a:solidFill>
+                        <a:srgbClr val="CCCCCC"/>
+                      </a:solidFill>
+                      <a:prstDash val="solid"/>
+                      <a:round/>
+                      <a:headEnd type="none" w="med" len="med"/>
+                      <a:tailEnd type="none" w="med" len="med"/>
+                    </a:lnR>
+                    <a:lnT w="9525" cap="flat" cmpd="sng" algn="ctr">
+                      <a:solidFill>
+                        <a:srgbClr val="CCCCCC"/>
+                      </a:solidFill>
+                      <a:prstDash val="solid"/>
+                      <a:round/>
+                      <a:headEnd type="none" w="med" len="med"/>
+                      <a:tailEnd type="none" w="med" len="med"/>
+                    </a:lnT>
+                    <a:lnB w="9525" cap="flat" cmpd="sng" algn="ctr">
+                      <a:solidFill>
+                        <a:srgbClr val="CCCCCC"/>
+                      </a:solidFill>
+                      <a:prstDash val="solid"/>
+                      <a:round/>
+                      <a:headEnd type="none" w="med" len="med"/>
+                      <a:tailEnd type="none" w="med" len="med"/>
+                    </a:lnB>
+                  </a:tcPr>
+                </a:tc>
+                <a:tc>
+                  <a:txBody>
+                    <a:bodyPr/>
+                    <a:lstStyle/>
+                    <a:p>
+                      <a:pPr rtl="0" fontAlgn="b"/>
+                      <a:r>
+                        <a:rPr lang="pt-PT" sz="900">
+                          <a:effectLst/>
+                        </a:rPr>
+                        <a:t>PUT</a:t>
+                      </a:r>
+                    </a:p>
+                  </a:txBody>
+                  <a:tcPr marL="13796" marR="13796" marT="9197" marB="9197" anchor="b">
+                    <a:lnL w="9525" cap="flat" cmpd="sng" algn="ctr">
+                      <a:solidFill>
+                        <a:srgbClr val="CCCCCC"/>
+                      </a:solidFill>
+                      <a:prstDash val="solid"/>
+                      <a:round/>
+                      <a:headEnd type="none" w="med" len="med"/>
+                      <a:tailEnd type="none" w="med" len="med"/>
+                    </a:lnL>
+                    <a:lnR w="9525" cap="flat" cmpd="sng" algn="ctr">
+                      <a:solidFill>
+                        <a:srgbClr val="CCCCCC"/>
+                      </a:solidFill>
+                      <a:prstDash val="solid"/>
+                      <a:round/>
+                      <a:headEnd type="none" w="med" len="med"/>
+                      <a:tailEnd type="none" w="med" len="med"/>
+                    </a:lnR>
+                    <a:lnT w="9525" cap="flat" cmpd="sng" algn="ctr">
+                      <a:solidFill>
+                        <a:srgbClr val="CCCCCC"/>
+                      </a:solidFill>
+                      <a:prstDash val="solid"/>
+                      <a:round/>
+                      <a:headEnd type="none" w="med" len="med"/>
+                      <a:tailEnd type="none" w="med" len="med"/>
+                    </a:lnT>
+                    <a:lnB w="9525" cap="flat" cmpd="sng" algn="ctr">
+                      <a:solidFill>
+                        <a:srgbClr val="CCCCCC"/>
+                      </a:solidFill>
+                      <a:prstDash val="solid"/>
+                      <a:round/>
+                      <a:headEnd type="none" w="med" len="med"/>
+                      <a:tailEnd type="none" w="med" len="med"/>
+                    </a:lnB>
+                  </a:tcPr>
+                </a:tc>
+                <a:tc>
+                  <a:txBody>
+                    <a:bodyPr/>
+                    <a:lstStyle/>
+                    <a:p>
+                      <a:pPr rtl="0" fontAlgn="b"/>
+                      <a:r>
+                        <a:rPr lang="pt-PT" sz="900">
+                          <a:effectLst/>
+                        </a:rPr>
+                        <a:t>Modificar dataset</a:t>
+                      </a:r>
+                    </a:p>
+                  </a:txBody>
+                  <a:tcPr marL="13796" marR="13796" marT="9197" marB="9197" anchor="b">
+                    <a:lnL w="9525" cap="flat" cmpd="sng" algn="ctr">
+                      <a:solidFill>
+                        <a:srgbClr val="CCCCCC"/>
+                      </a:solidFill>
+                      <a:prstDash val="solid"/>
+                      <a:round/>
+                      <a:headEnd type="none" w="med" len="med"/>
+                      <a:tailEnd type="none" w="med" len="med"/>
+                    </a:lnL>
+                    <a:lnR w="9525" cap="flat" cmpd="sng" algn="ctr">
+                      <a:solidFill>
+                        <a:srgbClr val="000000"/>
+                      </a:solidFill>
+                      <a:prstDash val="solid"/>
+                      <a:round/>
+                      <a:headEnd type="none" w="med" len="med"/>
+                      <a:tailEnd type="none" w="med" len="med"/>
+                    </a:lnR>
+                    <a:lnT w="9525" cap="flat" cmpd="sng" algn="ctr">
+                      <a:solidFill>
+                        <a:srgbClr val="CCCCCC"/>
+                      </a:solidFill>
+                      <a:prstDash val="solid"/>
+                      <a:round/>
+                      <a:headEnd type="none" w="med" len="med"/>
+                      <a:tailEnd type="none" w="med" len="med"/>
+                    </a:lnT>
+                    <a:lnB w="9525" cap="flat" cmpd="sng" algn="ctr">
+                      <a:solidFill>
+                        <a:srgbClr val="CCCCCC"/>
+                      </a:solidFill>
+                      <a:prstDash val="solid"/>
+                      <a:round/>
+                      <a:headEnd type="none" w="med" len="med"/>
+                      <a:tailEnd type="none" w="med" len="med"/>
+                    </a:lnB>
+                  </a:tcPr>
+                </a:tc>
+              </a:tr>
+              <a:tr h="283279">
+                <a:tc>
+                  <a:txBody>
+                    <a:bodyPr/>
+                    <a:lstStyle/>
+                    <a:p>
+                      <a:pPr rtl="0" fontAlgn="b"/>
+                      <a:r>
+                        <a:rPr lang="pt-PT" sz="900">
+                          <a:effectLst/>
+                        </a:rPr>
+                        <a:t>/Users/{UserID}/Datasets/{DatasetID}</a:t>
+                      </a:r>
+                    </a:p>
+                  </a:txBody>
+                  <a:tcPr marL="13796" marR="13796" marT="9197" marB="9197" anchor="b">
+                    <a:lnL w="9525" cap="flat" cmpd="sng" algn="ctr">
+                      <a:solidFill>
+                        <a:srgbClr val="000000"/>
+                      </a:solidFill>
+                      <a:prstDash val="solid"/>
+                      <a:round/>
+                      <a:headEnd type="none" w="med" len="med"/>
+                      <a:tailEnd type="none" w="med" len="med"/>
+                    </a:lnL>
+                    <a:lnR w="9525" cap="flat" cmpd="sng" algn="ctr">
+                      <a:solidFill>
+                        <a:srgbClr val="CCCCCC"/>
+                      </a:solidFill>
+                      <a:prstDash val="solid"/>
+                      <a:round/>
+                      <a:headEnd type="none" w="med" len="med"/>
+                      <a:tailEnd type="none" w="med" len="med"/>
+                    </a:lnR>
+                    <a:lnT w="9525" cap="flat" cmpd="sng" algn="ctr">
+                      <a:solidFill>
+                        <a:srgbClr val="CCCCCC"/>
+                      </a:solidFill>
+                      <a:prstDash val="solid"/>
+                      <a:round/>
+                      <a:headEnd type="none" w="med" len="med"/>
+                      <a:tailEnd type="none" w="med" len="med"/>
+                    </a:lnT>
+                    <a:lnB w="9525" cap="flat" cmpd="sng" algn="ctr">
+                      <a:solidFill>
+                        <a:srgbClr val="CCCCCC"/>
+                      </a:solidFill>
+                      <a:prstDash val="solid"/>
+                      <a:round/>
+                      <a:headEnd type="none" w="med" len="med"/>
+                      <a:tailEnd type="none" w="med" len="med"/>
+                    </a:lnB>
+                  </a:tcPr>
+                </a:tc>
+                <a:tc>
+                  <a:txBody>
+                    <a:bodyPr/>
+                    <a:lstStyle/>
+                    <a:p>
+                      <a:pPr rtl="0" fontAlgn="b"/>
+                      <a:r>
+                        <a:rPr lang="pt-PT" sz="900">
+                          <a:effectLst/>
+                        </a:rPr>
+                        <a:t>DELETE</a:t>
+                      </a:r>
+                    </a:p>
+                  </a:txBody>
+                  <a:tcPr marL="13796" marR="13796" marT="9197" marB="9197" anchor="b">
+                    <a:lnL w="9525" cap="flat" cmpd="sng" algn="ctr">
+                      <a:solidFill>
+                        <a:srgbClr val="CCCCCC"/>
+                      </a:solidFill>
+                      <a:prstDash val="solid"/>
+                      <a:round/>
+                      <a:headEnd type="none" w="med" len="med"/>
+                      <a:tailEnd type="none" w="med" len="med"/>
+                    </a:lnL>
+                    <a:lnR w="9525" cap="flat" cmpd="sng" algn="ctr">
+                      <a:solidFill>
+                        <a:srgbClr val="CCCCCC"/>
+                      </a:solidFill>
+                      <a:prstDash val="solid"/>
+                      <a:round/>
+                      <a:headEnd type="none" w="med" len="med"/>
+                      <a:tailEnd type="none" w="med" len="med"/>
+                    </a:lnR>
+                    <a:lnT w="9525" cap="flat" cmpd="sng" algn="ctr">
+                      <a:solidFill>
+                        <a:srgbClr val="CCCCCC"/>
+                      </a:solidFill>
+                      <a:prstDash val="solid"/>
+                      <a:round/>
+                      <a:headEnd type="none" w="med" len="med"/>
+                      <a:tailEnd type="none" w="med" len="med"/>
+                    </a:lnT>
+                    <a:lnB w="9525" cap="flat" cmpd="sng" algn="ctr">
+                      <a:solidFill>
+                        <a:srgbClr val="CCCCCC"/>
+                      </a:solidFill>
+                      <a:prstDash val="solid"/>
+                      <a:round/>
+                      <a:headEnd type="none" w="med" len="med"/>
+                      <a:tailEnd type="none" w="med" len="med"/>
+                    </a:lnB>
+                  </a:tcPr>
+                </a:tc>
+                <a:tc>
+                  <a:txBody>
+                    <a:bodyPr/>
+                    <a:lstStyle/>
+                    <a:p>
+                      <a:pPr rtl="0" fontAlgn="b"/>
+                      <a:r>
+                        <a:rPr lang="pt-PT" sz="900">
+                          <a:effectLst/>
+                        </a:rPr>
+                        <a:t>Eliminar dataset</a:t>
+                      </a:r>
+                    </a:p>
+                  </a:txBody>
+                  <a:tcPr marL="13796" marR="13796" marT="9197" marB="9197" anchor="b">
+                    <a:lnL w="9525" cap="flat" cmpd="sng" algn="ctr">
+                      <a:solidFill>
+                        <a:srgbClr val="CCCCCC"/>
+                      </a:solidFill>
+                      <a:prstDash val="solid"/>
+                      <a:round/>
+                      <a:headEnd type="none" w="med" len="med"/>
+                      <a:tailEnd type="none" w="med" len="med"/>
+                    </a:lnL>
+                    <a:lnR w="9525" cap="flat" cmpd="sng" algn="ctr">
+                      <a:solidFill>
+                        <a:srgbClr val="000000"/>
+                      </a:solidFill>
+                      <a:prstDash val="solid"/>
+                      <a:round/>
+                      <a:headEnd type="none" w="med" len="med"/>
+                      <a:tailEnd type="none" w="med" len="med"/>
+                    </a:lnR>
+                    <a:lnT w="9525" cap="flat" cmpd="sng" algn="ctr">
+                      <a:solidFill>
+                        <a:srgbClr val="CCCCCC"/>
+                      </a:solidFill>
+                      <a:prstDash val="solid"/>
+                      <a:round/>
+                      <a:headEnd type="none" w="med" len="med"/>
+                      <a:tailEnd type="none" w="med" len="med"/>
+                    </a:lnT>
+                    <a:lnB w="9525" cap="flat" cmpd="sng" algn="ctr">
+                      <a:solidFill>
+                        <a:srgbClr val="CCCCCC"/>
+                      </a:solidFill>
+                      <a:prstDash val="solid"/>
+                      <a:round/>
+                      <a:headEnd type="none" w="med" len="med"/>
+                      <a:tailEnd type="none" w="med" len="med"/>
+                    </a:lnB>
+                  </a:tcPr>
+                </a:tc>
+              </a:tr>
+              <a:tr h="150837">
+                <a:tc>
+                  <a:txBody>
+                    <a:bodyPr/>
+                    <a:lstStyle/>
+                    <a:p>
+                      <a:pPr rtl="0" fontAlgn="b"/>
+                      <a:r>
+                        <a:rPr lang="pt-PT" sz="900">
+                          <a:effectLst/>
+                        </a:rPr>
+                        <a:t>/Users/{UserID}/Macros</a:t>
+                      </a:r>
+                    </a:p>
+                  </a:txBody>
+                  <a:tcPr marL="13796" marR="13796" marT="9197" marB="9197" anchor="b">
+                    <a:lnL w="9525" cap="flat" cmpd="sng" algn="ctr">
+                      <a:solidFill>
+                        <a:srgbClr val="000000"/>
+                      </a:solidFill>
+                      <a:prstDash val="solid"/>
+                      <a:round/>
+                      <a:headEnd type="none" w="med" len="med"/>
+                      <a:tailEnd type="none" w="med" len="med"/>
+                    </a:lnL>
+                    <a:lnR w="9525" cap="flat" cmpd="sng" algn="ctr">
+                      <a:solidFill>
+                        <a:srgbClr val="CCCCCC"/>
+                      </a:solidFill>
+                      <a:prstDash val="solid"/>
+                      <a:round/>
+                      <a:headEnd type="none" w="med" len="med"/>
+                      <a:tailEnd type="none" w="med" len="med"/>
+                    </a:lnR>
+                    <a:lnT w="9525" cap="flat" cmpd="sng" algn="ctr">
+                      <a:solidFill>
+                        <a:srgbClr val="CCCCCC"/>
+                      </a:solidFill>
+                      <a:prstDash val="solid"/>
+                      <a:round/>
+                      <a:headEnd type="none" w="med" len="med"/>
+                      <a:tailEnd type="none" w="med" len="med"/>
+                    </a:lnT>
+                    <a:lnB w="9525" cap="flat" cmpd="sng" algn="ctr">
+                      <a:solidFill>
+                        <a:srgbClr val="CCCCCC"/>
+                      </a:solidFill>
+                      <a:prstDash val="solid"/>
+                      <a:round/>
+                      <a:headEnd type="none" w="med" len="med"/>
+                      <a:tailEnd type="none" w="med" len="med"/>
+                    </a:lnB>
+                  </a:tcPr>
+                </a:tc>
+                <a:tc>
+                  <a:txBody>
+                    <a:bodyPr/>
+                    <a:lstStyle/>
+                    <a:p>
+                      <a:pPr rtl="0" fontAlgn="b"/>
+                      <a:r>
+                        <a:rPr lang="pt-PT" sz="900">
+                          <a:effectLst/>
+                        </a:rPr>
+                        <a:t>POST</a:t>
+                      </a:r>
+                    </a:p>
+                  </a:txBody>
+                  <a:tcPr marL="13796" marR="13796" marT="9197" marB="9197" anchor="b">
+                    <a:lnL w="9525" cap="flat" cmpd="sng" algn="ctr">
+                      <a:solidFill>
+                        <a:srgbClr val="CCCCCC"/>
+                      </a:solidFill>
+                      <a:prstDash val="solid"/>
+                      <a:round/>
+                      <a:headEnd type="none" w="med" len="med"/>
+                      <a:tailEnd type="none" w="med" len="med"/>
+                    </a:lnL>
+                    <a:lnR w="9525" cap="flat" cmpd="sng" algn="ctr">
+                      <a:solidFill>
+                        <a:srgbClr val="CCCCCC"/>
+                      </a:solidFill>
+                      <a:prstDash val="solid"/>
+                      <a:round/>
+                      <a:headEnd type="none" w="med" len="med"/>
+                      <a:tailEnd type="none" w="med" len="med"/>
+                    </a:lnR>
+                    <a:lnT w="9525" cap="flat" cmpd="sng" algn="ctr">
+                      <a:solidFill>
+                        <a:srgbClr val="CCCCCC"/>
+                      </a:solidFill>
+                      <a:prstDash val="solid"/>
+                      <a:round/>
+                      <a:headEnd type="none" w="med" len="med"/>
+                      <a:tailEnd type="none" w="med" len="med"/>
+                    </a:lnT>
+                    <a:lnB w="9525" cap="flat" cmpd="sng" algn="ctr">
+                      <a:solidFill>
+                        <a:srgbClr val="CCCCCC"/>
+                      </a:solidFill>
+                      <a:prstDash val="solid"/>
+                      <a:round/>
+                      <a:headEnd type="none" w="med" len="med"/>
+                      <a:tailEnd type="none" w="med" len="med"/>
+                    </a:lnB>
+                  </a:tcPr>
+                </a:tc>
+                <a:tc>
+                  <a:txBody>
+                    <a:bodyPr/>
+                    <a:lstStyle/>
+                    <a:p>
+                      <a:pPr rtl="0" fontAlgn="b"/>
+                      <a:r>
+                        <a:rPr lang="pt-PT" sz="900">
+                          <a:effectLst/>
+                        </a:rPr>
+                        <a:t>Criar macro</a:t>
+                      </a:r>
+                    </a:p>
+                  </a:txBody>
+                  <a:tcPr marL="13796" marR="13796" marT="9197" marB="9197" anchor="b">
+                    <a:lnL w="9525" cap="flat" cmpd="sng" algn="ctr">
+                      <a:solidFill>
+                        <a:srgbClr val="CCCCCC"/>
+                      </a:solidFill>
+                      <a:prstDash val="solid"/>
+                      <a:round/>
+                      <a:headEnd type="none" w="med" len="med"/>
+                      <a:tailEnd type="none" w="med" len="med"/>
+                    </a:lnL>
+                    <a:lnR w="9525" cap="flat" cmpd="sng" algn="ctr">
+                      <a:solidFill>
+                        <a:srgbClr val="000000"/>
+                      </a:solidFill>
+                      <a:prstDash val="solid"/>
+                      <a:round/>
+                      <a:headEnd type="none" w="med" len="med"/>
+                      <a:tailEnd type="none" w="med" len="med"/>
+                    </a:lnR>
+                    <a:lnT w="9525" cap="flat" cmpd="sng" algn="ctr">
+                      <a:solidFill>
+                        <a:srgbClr val="CCCCCC"/>
+                      </a:solidFill>
+                      <a:prstDash val="solid"/>
+                      <a:round/>
+                      <a:headEnd type="none" w="med" len="med"/>
+                      <a:tailEnd type="none" w="med" len="med"/>
+                    </a:lnT>
+                    <a:lnB w="9525" cap="flat" cmpd="sng" algn="ctr">
+                      <a:solidFill>
+                        <a:srgbClr val="CCCCCC"/>
+                      </a:solidFill>
+                      <a:prstDash val="solid"/>
+                      <a:round/>
+                      <a:headEnd type="none" w="med" len="med"/>
+                      <a:tailEnd type="none" w="med" len="med"/>
+                    </a:lnB>
+                  </a:tcPr>
+                </a:tc>
+              </a:tr>
+              <a:tr h="150837">
+                <a:tc>
+                  <a:txBody>
+                    <a:bodyPr/>
+                    <a:lstStyle/>
+                    <a:p>
+                      <a:pPr rtl="0" fontAlgn="b"/>
+                      <a:r>
+                        <a:rPr lang="pt-PT" sz="900">
+                          <a:effectLst/>
+                        </a:rPr>
+                        <a:t>/Users/{UserID}/Macros</a:t>
+                      </a:r>
+                    </a:p>
+                  </a:txBody>
+                  <a:tcPr marL="13796" marR="13796" marT="9197" marB="9197" anchor="b">
+                    <a:lnL w="9525" cap="flat" cmpd="sng" algn="ctr">
+                      <a:solidFill>
+                        <a:srgbClr val="000000"/>
+                      </a:solidFill>
+                      <a:prstDash val="solid"/>
+                      <a:round/>
+                      <a:headEnd type="none" w="med" len="med"/>
+                      <a:tailEnd type="none" w="med" len="med"/>
+                    </a:lnL>
+                    <a:lnR w="9525" cap="flat" cmpd="sng" algn="ctr">
+                      <a:solidFill>
+                        <a:srgbClr val="CCCCCC"/>
+                      </a:solidFill>
+                      <a:prstDash val="solid"/>
+                      <a:round/>
+                      <a:headEnd type="none" w="med" len="med"/>
+                      <a:tailEnd type="none" w="med" len="med"/>
+                    </a:lnR>
+                    <a:lnT w="9525" cap="flat" cmpd="sng" algn="ctr">
+                      <a:solidFill>
+                        <a:srgbClr val="CCCCCC"/>
+                      </a:solidFill>
+                      <a:prstDash val="solid"/>
+                      <a:round/>
+                      <a:headEnd type="none" w="med" len="med"/>
+                      <a:tailEnd type="none" w="med" len="med"/>
+                    </a:lnT>
+                    <a:lnB w="9525" cap="flat" cmpd="sng" algn="ctr">
+                      <a:solidFill>
+                        <a:srgbClr val="CCCCCC"/>
+                      </a:solidFill>
+                      <a:prstDash val="solid"/>
+                      <a:round/>
+                      <a:headEnd type="none" w="med" len="med"/>
+                      <a:tailEnd type="none" w="med" len="med"/>
+                    </a:lnB>
+                  </a:tcPr>
+                </a:tc>
+                <a:tc>
+                  <a:txBody>
+                    <a:bodyPr/>
+                    <a:lstStyle/>
+                    <a:p>
+                      <a:pPr rtl="0" fontAlgn="b"/>
+                      <a:r>
+                        <a:rPr lang="pt-PT" sz="900">
+                          <a:effectLst/>
+                        </a:rPr>
+                        <a:t>GET</a:t>
+                      </a:r>
+                    </a:p>
+                  </a:txBody>
+                  <a:tcPr marL="13796" marR="13796" marT="9197" marB="9197" anchor="b">
+                    <a:lnL w="9525" cap="flat" cmpd="sng" algn="ctr">
+                      <a:solidFill>
+                        <a:srgbClr val="CCCCCC"/>
+                      </a:solidFill>
+                      <a:prstDash val="solid"/>
+                      <a:round/>
+                      <a:headEnd type="none" w="med" len="med"/>
+                      <a:tailEnd type="none" w="med" len="med"/>
+                    </a:lnL>
+                    <a:lnR w="9525" cap="flat" cmpd="sng" algn="ctr">
+                      <a:solidFill>
+                        <a:srgbClr val="CCCCCC"/>
+                      </a:solidFill>
+                      <a:prstDash val="solid"/>
+                      <a:round/>
+                      <a:headEnd type="none" w="med" len="med"/>
+                      <a:tailEnd type="none" w="med" len="med"/>
+                    </a:lnR>
+                    <a:lnT w="9525" cap="flat" cmpd="sng" algn="ctr">
+                      <a:solidFill>
+                        <a:srgbClr val="CCCCCC"/>
+                      </a:solidFill>
+                      <a:prstDash val="solid"/>
+                      <a:round/>
+                      <a:headEnd type="none" w="med" len="med"/>
+                      <a:tailEnd type="none" w="med" len="med"/>
+                    </a:lnT>
+                    <a:lnB w="9525" cap="flat" cmpd="sng" algn="ctr">
+                      <a:solidFill>
+                        <a:srgbClr val="CCCCCC"/>
+                      </a:solidFill>
+                      <a:prstDash val="solid"/>
+                      <a:round/>
+                      <a:headEnd type="none" w="med" len="med"/>
+                      <a:tailEnd type="none" w="med" len="med"/>
+                    </a:lnB>
+                  </a:tcPr>
+                </a:tc>
+                <a:tc>
+                  <a:txBody>
+                    <a:bodyPr/>
+                    <a:lstStyle/>
+                    <a:p>
+                      <a:pPr rtl="0" fontAlgn="b"/>
+                      <a:r>
+                        <a:rPr lang="pt-PT" sz="900">
+                          <a:effectLst/>
+                        </a:rPr>
+                        <a:t>Listar macros do user</a:t>
+                      </a:r>
+                    </a:p>
+                  </a:txBody>
+                  <a:tcPr marL="13796" marR="13796" marT="9197" marB="9197" anchor="b">
+                    <a:lnL w="9525" cap="flat" cmpd="sng" algn="ctr">
+                      <a:solidFill>
+                        <a:srgbClr val="CCCCCC"/>
+                      </a:solidFill>
+                      <a:prstDash val="solid"/>
+                      <a:round/>
+                      <a:headEnd type="none" w="med" len="med"/>
+                      <a:tailEnd type="none" w="med" len="med"/>
+                    </a:lnL>
+                    <a:lnR w="9525" cap="flat" cmpd="sng" algn="ctr">
+                      <a:solidFill>
+                        <a:srgbClr val="000000"/>
+                      </a:solidFill>
+                      <a:prstDash val="solid"/>
+                      <a:round/>
+                      <a:headEnd type="none" w="med" len="med"/>
+                      <a:tailEnd type="none" w="med" len="med"/>
+                    </a:lnR>
+                    <a:lnT w="9525" cap="flat" cmpd="sng" algn="ctr">
+                      <a:solidFill>
+                        <a:srgbClr val="CCCCCC"/>
+                      </a:solidFill>
+                      <a:prstDash val="solid"/>
+                      <a:round/>
+                      <a:headEnd type="none" w="med" len="med"/>
+                      <a:tailEnd type="none" w="med" len="med"/>
+                    </a:lnT>
+                    <a:lnB w="9525" cap="flat" cmpd="sng" algn="ctr">
+                      <a:solidFill>
+                        <a:srgbClr val="CCCCCC"/>
+                      </a:solidFill>
+                      <a:prstDash val="solid"/>
+                      <a:round/>
+                      <a:headEnd type="none" w="med" len="med"/>
+                      <a:tailEnd type="none" w="med" len="med"/>
+                    </a:lnB>
+                  </a:tcPr>
+                </a:tc>
+              </a:tr>
+              <a:tr h="283279">
+                <a:tc>
+                  <a:txBody>
+                    <a:bodyPr/>
+                    <a:lstStyle/>
+                    <a:p>
+                      <a:pPr rtl="0" fontAlgn="b"/>
+                      <a:r>
+                        <a:rPr lang="pt-PT" sz="900">
+                          <a:effectLst/>
+                        </a:rPr>
+                        <a:t>/Users/{UserID}/Macros/{MarcoID}</a:t>
+                      </a:r>
+                    </a:p>
+                  </a:txBody>
+                  <a:tcPr marL="13796" marR="13796" marT="9197" marB="9197" anchor="b">
+                    <a:lnL w="9525" cap="flat" cmpd="sng" algn="ctr">
+                      <a:solidFill>
+                        <a:srgbClr val="000000"/>
+                      </a:solidFill>
+                      <a:prstDash val="solid"/>
+                      <a:round/>
+                      <a:headEnd type="none" w="med" len="med"/>
+                      <a:tailEnd type="none" w="med" len="med"/>
+                    </a:lnL>
+                    <a:lnR w="9525" cap="flat" cmpd="sng" algn="ctr">
+                      <a:solidFill>
+                        <a:srgbClr val="CCCCCC"/>
+                      </a:solidFill>
+                      <a:prstDash val="solid"/>
+                      <a:round/>
+                      <a:headEnd type="none" w="med" len="med"/>
+                      <a:tailEnd type="none" w="med" len="med"/>
+                    </a:lnR>
+                    <a:lnT w="9525" cap="flat" cmpd="sng" algn="ctr">
+                      <a:solidFill>
+                        <a:srgbClr val="CCCCCC"/>
+                      </a:solidFill>
+                      <a:prstDash val="solid"/>
+                      <a:round/>
+                      <a:headEnd type="none" w="med" len="med"/>
+                      <a:tailEnd type="none" w="med" len="med"/>
+                    </a:lnT>
+                    <a:lnB w="9525" cap="flat" cmpd="sng" algn="ctr">
+                      <a:solidFill>
+                        <a:srgbClr val="CCCCCC"/>
+                      </a:solidFill>
+                      <a:prstDash val="solid"/>
+                      <a:round/>
+                      <a:headEnd type="none" w="med" len="med"/>
+                      <a:tailEnd type="none" w="med" len="med"/>
+                    </a:lnB>
+                  </a:tcPr>
+                </a:tc>
+                <a:tc>
+                  <a:txBody>
+                    <a:bodyPr/>
+                    <a:lstStyle/>
+                    <a:p>
+                      <a:pPr rtl="0" fontAlgn="b"/>
+                      <a:r>
+                        <a:rPr lang="pt-PT" sz="900">
+                          <a:effectLst/>
+                        </a:rPr>
+                        <a:t>GET</a:t>
+                      </a:r>
+                    </a:p>
+                  </a:txBody>
+                  <a:tcPr marL="13796" marR="13796" marT="9197" marB="9197" anchor="b">
+                    <a:lnL w="9525" cap="flat" cmpd="sng" algn="ctr">
+                      <a:solidFill>
+                        <a:srgbClr val="CCCCCC"/>
+                      </a:solidFill>
+                      <a:prstDash val="solid"/>
+                      <a:round/>
+                      <a:headEnd type="none" w="med" len="med"/>
+                      <a:tailEnd type="none" w="med" len="med"/>
+                    </a:lnL>
+                    <a:lnR w="9525" cap="flat" cmpd="sng" algn="ctr">
+                      <a:solidFill>
+                        <a:srgbClr val="CCCCCC"/>
+                      </a:solidFill>
+                      <a:prstDash val="solid"/>
+                      <a:round/>
+                      <a:headEnd type="none" w="med" len="med"/>
+                      <a:tailEnd type="none" w="med" len="med"/>
+                    </a:lnR>
+                    <a:lnT w="9525" cap="flat" cmpd="sng" algn="ctr">
+                      <a:solidFill>
+                        <a:srgbClr val="CCCCCC"/>
+                      </a:solidFill>
+                      <a:prstDash val="solid"/>
+                      <a:round/>
+                      <a:headEnd type="none" w="med" len="med"/>
+                      <a:tailEnd type="none" w="med" len="med"/>
+                    </a:lnT>
+                    <a:lnB w="9525" cap="flat" cmpd="sng" algn="ctr">
+                      <a:solidFill>
+                        <a:srgbClr val="CCCCCC"/>
+                      </a:solidFill>
+                      <a:prstDash val="solid"/>
+                      <a:round/>
+                      <a:headEnd type="none" w="med" len="med"/>
+                      <a:tailEnd type="none" w="med" len="med"/>
+                    </a:lnB>
+                  </a:tcPr>
+                </a:tc>
+                <a:tc>
+                  <a:txBody>
+                    <a:bodyPr/>
+                    <a:lstStyle/>
+                    <a:p>
+                      <a:pPr rtl="0" fontAlgn="b"/>
+                      <a:r>
+                        <a:rPr lang="pt-PT" sz="900">
+                          <a:effectLst/>
+                        </a:rPr>
+                        <a:t>Obter macro</a:t>
+                      </a:r>
+                    </a:p>
+                  </a:txBody>
+                  <a:tcPr marL="13796" marR="13796" marT="9197" marB="9197" anchor="b">
+                    <a:lnL w="9525" cap="flat" cmpd="sng" algn="ctr">
+                      <a:solidFill>
+                        <a:srgbClr val="CCCCCC"/>
+                      </a:solidFill>
+                      <a:prstDash val="solid"/>
+                      <a:round/>
+                      <a:headEnd type="none" w="med" len="med"/>
+                      <a:tailEnd type="none" w="med" len="med"/>
+                    </a:lnL>
+                    <a:lnR w="9525" cap="flat" cmpd="sng" algn="ctr">
+                      <a:solidFill>
+                        <a:srgbClr val="000000"/>
+                      </a:solidFill>
+                      <a:prstDash val="solid"/>
+                      <a:round/>
+                      <a:headEnd type="none" w="med" len="med"/>
+                      <a:tailEnd type="none" w="med" len="med"/>
+                    </a:lnR>
+                    <a:lnT w="9525" cap="flat" cmpd="sng" algn="ctr">
+                      <a:solidFill>
+                        <a:srgbClr val="CCCCCC"/>
+                      </a:solidFill>
+                      <a:prstDash val="solid"/>
+                      <a:round/>
+                      <a:headEnd type="none" w="med" len="med"/>
+                      <a:tailEnd type="none" w="med" len="med"/>
+                    </a:lnT>
+                    <a:lnB w="9525" cap="flat" cmpd="sng" algn="ctr">
+                      <a:solidFill>
+                        <a:srgbClr val="CCCCCC"/>
+                      </a:solidFill>
+                      <a:prstDash val="solid"/>
+                      <a:round/>
+                      <a:headEnd type="none" w="med" len="med"/>
+                      <a:tailEnd type="none" w="med" len="med"/>
+                    </a:lnB>
+                  </a:tcPr>
+                </a:tc>
+              </a:tr>
+              <a:tr h="283279">
+                <a:tc>
+                  <a:txBody>
+                    <a:bodyPr/>
+                    <a:lstStyle/>
+                    <a:p>
+                      <a:pPr rtl="0" fontAlgn="b"/>
+                      <a:r>
+                        <a:rPr lang="pt-PT" sz="900">
+                          <a:effectLst/>
+                        </a:rPr>
+                        <a:t>/Users/{UserID}/Macros/{MarcoID}</a:t>
+                      </a:r>
+                    </a:p>
+                  </a:txBody>
+                  <a:tcPr marL="13796" marR="13796" marT="9197" marB="9197" anchor="b">
+                    <a:lnL w="9525" cap="flat" cmpd="sng" algn="ctr">
+                      <a:solidFill>
+                        <a:srgbClr val="000000"/>
+                      </a:solidFill>
+                      <a:prstDash val="solid"/>
+                      <a:round/>
+                      <a:headEnd type="none" w="med" len="med"/>
+                      <a:tailEnd type="none" w="med" len="med"/>
+                    </a:lnL>
+                    <a:lnR w="9525" cap="flat" cmpd="sng" algn="ctr">
+                      <a:solidFill>
+                        <a:srgbClr val="CCCCCC"/>
+                      </a:solidFill>
+                      <a:prstDash val="solid"/>
+                      <a:round/>
+                      <a:headEnd type="none" w="med" len="med"/>
+                      <a:tailEnd type="none" w="med" len="med"/>
+                    </a:lnR>
+                    <a:lnT w="9525" cap="flat" cmpd="sng" algn="ctr">
+                      <a:solidFill>
+                        <a:srgbClr val="CCCCCC"/>
+                      </a:solidFill>
+                      <a:prstDash val="solid"/>
+                      <a:round/>
+                      <a:headEnd type="none" w="med" len="med"/>
+                      <a:tailEnd type="none" w="med" len="med"/>
+                    </a:lnT>
+                    <a:lnB w="9525" cap="flat" cmpd="sng" algn="ctr">
+                      <a:solidFill>
+                        <a:srgbClr val="CCCCCC"/>
+                      </a:solidFill>
+                      <a:prstDash val="solid"/>
+                      <a:round/>
+                      <a:headEnd type="none" w="med" len="med"/>
+                      <a:tailEnd type="none" w="med" len="med"/>
+                    </a:lnB>
+                  </a:tcPr>
+                </a:tc>
+                <a:tc>
+                  <a:txBody>
+                    <a:bodyPr/>
+                    <a:lstStyle/>
+                    <a:p>
+                      <a:pPr rtl="0" fontAlgn="b"/>
+                      <a:r>
+                        <a:rPr lang="pt-PT" sz="900">
+                          <a:effectLst/>
+                        </a:rPr>
+                        <a:t>PUT</a:t>
+                      </a:r>
+                    </a:p>
+                  </a:txBody>
+                  <a:tcPr marL="13796" marR="13796" marT="9197" marB="9197" anchor="b">
+                    <a:lnL w="9525" cap="flat" cmpd="sng" algn="ctr">
+                      <a:solidFill>
+                        <a:srgbClr val="CCCCCC"/>
+                      </a:solidFill>
+                      <a:prstDash val="solid"/>
+                      <a:round/>
+                      <a:headEnd type="none" w="med" len="med"/>
+                      <a:tailEnd type="none" w="med" len="med"/>
+                    </a:lnL>
+                    <a:lnR w="9525" cap="flat" cmpd="sng" algn="ctr">
+                      <a:solidFill>
+                        <a:srgbClr val="CCCCCC"/>
+                      </a:solidFill>
+                      <a:prstDash val="solid"/>
+                      <a:round/>
+                      <a:headEnd type="none" w="med" len="med"/>
+                      <a:tailEnd type="none" w="med" len="med"/>
+                    </a:lnR>
+                    <a:lnT w="9525" cap="flat" cmpd="sng" algn="ctr">
+                      <a:solidFill>
+                        <a:srgbClr val="CCCCCC"/>
+                      </a:solidFill>
+                      <a:prstDash val="solid"/>
+                      <a:round/>
+                      <a:headEnd type="none" w="med" len="med"/>
+                      <a:tailEnd type="none" w="med" len="med"/>
+                    </a:lnT>
+                    <a:lnB w="9525" cap="flat" cmpd="sng" algn="ctr">
+                      <a:solidFill>
+                        <a:srgbClr val="CCCCCC"/>
+                      </a:solidFill>
+                      <a:prstDash val="solid"/>
+                      <a:round/>
+                      <a:headEnd type="none" w="med" len="med"/>
+                      <a:tailEnd type="none" w="med" len="med"/>
+                    </a:lnB>
+                  </a:tcPr>
+                </a:tc>
+                <a:tc>
+                  <a:txBody>
+                    <a:bodyPr/>
+                    <a:lstStyle/>
+                    <a:p>
+                      <a:pPr rtl="0" fontAlgn="b"/>
+                      <a:r>
+                        <a:rPr lang="pt-PT" sz="900">
+                          <a:effectLst/>
+                        </a:rPr>
+                        <a:t>Modificar macro</a:t>
+                      </a:r>
+                    </a:p>
+                  </a:txBody>
+                  <a:tcPr marL="13796" marR="13796" marT="9197" marB="9197" anchor="b">
+                    <a:lnL w="9525" cap="flat" cmpd="sng" algn="ctr">
+                      <a:solidFill>
+                        <a:srgbClr val="CCCCCC"/>
+                      </a:solidFill>
+                      <a:prstDash val="solid"/>
+                      <a:round/>
+                      <a:headEnd type="none" w="med" len="med"/>
+                      <a:tailEnd type="none" w="med" len="med"/>
+                    </a:lnL>
+                    <a:lnR w="9525" cap="flat" cmpd="sng" algn="ctr">
+                      <a:solidFill>
+                        <a:srgbClr val="000000"/>
+                      </a:solidFill>
+                      <a:prstDash val="solid"/>
+                      <a:round/>
+                      <a:headEnd type="none" w="med" len="med"/>
+                      <a:tailEnd type="none" w="med" len="med"/>
+                    </a:lnR>
+                    <a:lnT w="9525" cap="flat" cmpd="sng" algn="ctr">
+                      <a:solidFill>
+                        <a:srgbClr val="CCCCCC"/>
+                      </a:solidFill>
+                      <a:prstDash val="solid"/>
+                      <a:round/>
+                      <a:headEnd type="none" w="med" len="med"/>
+                      <a:tailEnd type="none" w="med" len="med"/>
+                    </a:lnT>
+                    <a:lnB w="9525" cap="flat" cmpd="sng" algn="ctr">
+                      <a:solidFill>
+                        <a:srgbClr val="CCCCCC"/>
+                      </a:solidFill>
+                      <a:prstDash val="solid"/>
+                      <a:round/>
+                      <a:headEnd type="none" w="med" len="med"/>
+                      <a:tailEnd type="none" w="med" len="med"/>
+                    </a:lnB>
+                  </a:tcPr>
+                </a:tc>
+              </a:tr>
+              <a:tr h="283279">
+                <a:tc>
+                  <a:txBody>
+                    <a:bodyPr/>
+                    <a:lstStyle/>
+                    <a:p>
+                      <a:pPr rtl="0" fontAlgn="b"/>
+                      <a:r>
+                        <a:rPr lang="pt-PT" sz="900">
+                          <a:effectLst/>
+                        </a:rPr>
+                        <a:t>/Stats</a:t>
+                      </a:r>
+                    </a:p>
+                  </a:txBody>
+                  <a:tcPr marL="13796" marR="13796" marT="9197" marB="9197" anchor="b">
+                    <a:lnL w="9525" cap="flat" cmpd="sng" algn="ctr">
+                      <a:solidFill>
+                        <a:srgbClr val="000000"/>
+                      </a:solidFill>
+                      <a:prstDash val="solid"/>
+                      <a:round/>
+                      <a:headEnd type="none" w="med" len="med"/>
+                      <a:tailEnd type="none" w="med" len="med"/>
+                    </a:lnL>
+                    <a:lnR w="9525" cap="flat" cmpd="sng" algn="ctr">
+                      <a:solidFill>
+                        <a:srgbClr val="CCCCCC"/>
+                      </a:solidFill>
+                      <a:prstDash val="solid"/>
+                      <a:round/>
+                      <a:headEnd type="none" w="med" len="med"/>
+                      <a:tailEnd type="none" w="med" len="med"/>
+                    </a:lnR>
+                    <a:lnT w="9525" cap="flat" cmpd="sng" algn="ctr">
+                      <a:solidFill>
+                        <a:srgbClr val="CCCCCC"/>
+                      </a:solidFill>
+                      <a:prstDash val="solid"/>
+                      <a:round/>
+                      <a:headEnd type="none" w="med" len="med"/>
+                      <a:tailEnd type="none" w="med" len="med"/>
+                    </a:lnT>
+                    <a:lnB w="9525" cap="flat" cmpd="sng" algn="ctr">
+                      <a:solidFill>
+                        <a:srgbClr val="CCCCCC"/>
+                      </a:solidFill>
+                      <a:prstDash val="solid"/>
+                      <a:round/>
+                      <a:headEnd type="none" w="med" len="med"/>
+                      <a:tailEnd type="none" w="med" len="med"/>
+                    </a:lnB>
+                  </a:tcPr>
+                </a:tc>
+                <a:tc>
+                  <a:txBody>
+                    <a:bodyPr/>
+                    <a:lstStyle/>
+                    <a:p>
+                      <a:pPr rtl="0" fontAlgn="b"/>
+                      <a:r>
+                        <a:rPr lang="pt-PT" sz="900">
+                          <a:effectLst/>
+                        </a:rPr>
+                        <a:t>GET</a:t>
+                      </a:r>
+                    </a:p>
+                  </a:txBody>
+                  <a:tcPr marL="13796" marR="13796" marT="9197" marB="9197" anchor="b">
+                    <a:lnL w="9525" cap="flat" cmpd="sng" algn="ctr">
+                      <a:solidFill>
+                        <a:srgbClr val="CCCCCC"/>
+                      </a:solidFill>
+                      <a:prstDash val="solid"/>
+                      <a:round/>
+                      <a:headEnd type="none" w="med" len="med"/>
+                      <a:tailEnd type="none" w="med" len="med"/>
+                    </a:lnL>
+                    <a:lnR w="9525" cap="flat" cmpd="sng" algn="ctr">
+                      <a:solidFill>
+                        <a:srgbClr val="CCCCCC"/>
+                      </a:solidFill>
+                      <a:prstDash val="solid"/>
+                      <a:round/>
+                      <a:headEnd type="none" w="med" len="med"/>
+                      <a:tailEnd type="none" w="med" len="med"/>
+                    </a:lnR>
+                    <a:lnT w="9525" cap="flat" cmpd="sng" algn="ctr">
+                      <a:solidFill>
+                        <a:srgbClr val="CCCCCC"/>
+                      </a:solidFill>
+                      <a:prstDash val="solid"/>
+                      <a:round/>
+                      <a:headEnd type="none" w="med" len="med"/>
+                      <a:tailEnd type="none" w="med" len="med"/>
+                    </a:lnT>
+                    <a:lnB w="9525" cap="flat" cmpd="sng" algn="ctr">
+                      <a:solidFill>
+                        <a:srgbClr val="CCCCCC"/>
+                      </a:solidFill>
+                      <a:prstDash val="solid"/>
+                      <a:round/>
+                      <a:headEnd type="none" w="med" len="med"/>
+                      <a:tailEnd type="none" w="med" len="med"/>
+                    </a:lnB>
+                  </a:tcPr>
+                </a:tc>
+                <a:tc>
+                  <a:txBody>
+                    <a:bodyPr/>
+                    <a:lstStyle/>
+                    <a:p>
+                      <a:pPr rtl="0" fontAlgn="b"/>
+                      <a:r>
+                        <a:rPr lang="pt-PT" sz="900">
+                          <a:effectLst/>
+                        </a:rPr>
+                        <a:t>Listar estastisticas disponiveis</a:t>
+                      </a:r>
+                    </a:p>
+                  </a:txBody>
+                  <a:tcPr marL="13796" marR="13796" marT="9197" marB="9197" anchor="b">
+                    <a:lnL w="9525" cap="flat" cmpd="sng" algn="ctr">
+                      <a:solidFill>
+                        <a:srgbClr val="CCCCCC"/>
+                      </a:solidFill>
+                      <a:prstDash val="solid"/>
+                      <a:round/>
+                      <a:headEnd type="none" w="med" len="med"/>
+                      <a:tailEnd type="none" w="med" len="med"/>
+                    </a:lnL>
+                    <a:lnR w="9525" cap="flat" cmpd="sng" algn="ctr">
+                      <a:solidFill>
+                        <a:srgbClr val="000000"/>
+                      </a:solidFill>
+                      <a:prstDash val="solid"/>
+                      <a:round/>
+                      <a:headEnd type="none" w="med" len="med"/>
+                      <a:tailEnd type="none" w="med" len="med"/>
+                    </a:lnR>
+                    <a:lnT w="9525" cap="flat" cmpd="sng" algn="ctr">
+                      <a:solidFill>
+                        <a:srgbClr val="CCCCCC"/>
+                      </a:solidFill>
+                      <a:prstDash val="solid"/>
+                      <a:round/>
+                      <a:headEnd type="none" w="med" len="med"/>
+                      <a:tailEnd type="none" w="med" len="med"/>
+                    </a:lnT>
+                    <a:lnB w="9525" cap="flat" cmpd="sng" algn="ctr">
+                      <a:solidFill>
+                        <a:srgbClr val="CCCCCC"/>
+                      </a:solidFill>
+                      <a:prstDash val="solid"/>
+                      <a:round/>
+                      <a:headEnd type="none" w="med" len="med"/>
+                      <a:tailEnd type="none" w="med" len="med"/>
+                    </a:lnB>
+                  </a:tcPr>
+                </a:tc>
+              </a:tr>
+              <a:tr h="283279">
+                <a:tc>
+                  <a:txBody>
+                    <a:bodyPr/>
+                    <a:lstStyle/>
+                    <a:p>
+                      <a:pPr rtl="0" fontAlgn="b"/>
+                      <a:r>
+                        <a:rPr lang="pt-PT" sz="900">
+                          <a:effectLst/>
+                        </a:rPr>
+                        <a:t>/Trnsf</a:t>
+                      </a:r>
+                    </a:p>
+                  </a:txBody>
+                  <a:tcPr marL="13796" marR="13796" marT="9197" marB="9197" anchor="b">
+                    <a:lnL w="9525" cap="flat" cmpd="sng" algn="ctr">
+                      <a:solidFill>
+                        <a:srgbClr val="000000"/>
+                      </a:solidFill>
+                      <a:prstDash val="solid"/>
+                      <a:round/>
+                      <a:headEnd type="none" w="med" len="med"/>
+                      <a:tailEnd type="none" w="med" len="med"/>
+                    </a:lnL>
+                    <a:lnR w="9525" cap="flat" cmpd="sng" algn="ctr">
+                      <a:solidFill>
+                        <a:srgbClr val="CCCCCC"/>
+                      </a:solidFill>
+                      <a:prstDash val="solid"/>
+                      <a:round/>
+                      <a:headEnd type="none" w="med" len="med"/>
+                      <a:tailEnd type="none" w="med" len="med"/>
+                    </a:lnR>
+                    <a:lnT w="9525" cap="flat" cmpd="sng" algn="ctr">
+                      <a:solidFill>
+                        <a:srgbClr val="CCCCCC"/>
+                      </a:solidFill>
+                      <a:prstDash val="solid"/>
+                      <a:round/>
+                      <a:headEnd type="none" w="med" len="med"/>
+                      <a:tailEnd type="none" w="med" len="med"/>
+                    </a:lnT>
+                    <a:lnB w="9525" cap="flat" cmpd="sng" algn="ctr">
+                      <a:solidFill>
+                        <a:srgbClr val="CCCCCC"/>
+                      </a:solidFill>
+                      <a:prstDash val="solid"/>
+                      <a:round/>
+                      <a:headEnd type="none" w="med" len="med"/>
+                      <a:tailEnd type="none" w="med" len="med"/>
+                    </a:lnB>
+                  </a:tcPr>
+                </a:tc>
+                <a:tc>
+                  <a:txBody>
+                    <a:bodyPr/>
+                    <a:lstStyle/>
+                    <a:p>
+                      <a:pPr rtl="0" fontAlgn="b"/>
+                      <a:r>
+                        <a:rPr lang="pt-PT" sz="900">
+                          <a:effectLst/>
+                        </a:rPr>
+                        <a:t>GET</a:t>
+                      </a:r>
+                    </a:p>
+                  </a:txBody>
+                  <a:tcPr marL="13796" marR="13796" marT="9197" marB="9197" anchor="b">
+                    <a:lnL w="9525" cap="flat" cmpd="sng" algn="ctr">
+                      <a:solidFill>
+                        <a:srgbClr val="CCCCCC"/>
+                      </a:solidFill>
+                      <a:prstDash val="solid"/>
+                      <a:round/>
+                      <a:headEnd type="none" w="med" len="med"/>
+                      <a:tailEnd type="none" w="med" len="med"/>
+                    </a:lnL>
+                    <a:lnR w="9525" cap="flat" cmpd="sng" algn="ctr">
+                      <a:solidFill>
+                        <a:srgbClr val="CCCCCC"/>
+                      </a:solidFill>
+                      <a:prstDash val="solid"/>
+                      <a:round/>
+                      <a:headEnd type="none" w="med" len="med"/>
+                      <a:tailEnd type="none" w="med" len="med"/>
+                    </a:lnR>
+                    <a:lnT w="9525" cap="flat" cmpd="sng" algn="ctr">
+                      <a:solidFill>
+                        <a:srgbClr val="CCCCCC"/>
+                      </a:solidFill>
+                      <a:prstDash val="solid"/>
+                      <a:round/>
+                      <a:headEnd type="none" w="med" len="med"/>
+                      <a:tailEnd type="none" w="med" len="med"/>
+                    </a:lnT>
+                    <a:lnB w="9525" cap="flat" cmpd="sng" algn="ctr">
+                      <a:solidFill>
+                        <a:srgbClr val="CCCCCC"/>
+                      </a:solidFill>
+                      <a:prstDash val="solid"/>
+                      <a:round/>
+                      <a:headEnd type="none" w="med" len="med"/>
+                      <a:tailEnd type="none" w="med" len="med"/>
+                    </a:lnB>
+                  </a:tcPr>
+                </a:tc>
+                <a:tc>
+                  <a:txBody>
+                    <a:bodyPr/>
+                    <a:lstStyle/>
+                    <a:p>
+                      <a:pPr rtl="0" fontAlgn="b"/>
+                      <a:r>
+                        <a:rPr lang="pt-PT" sz="900">
+                          <a:effectLst/>
+                        </a:rPr>
+                        <a:t>Listar tranformações disponiveis</a:t>
+                      </a:r>
+                    </a:p>
+                  </a:txBody>
+                  <a:tcPr marL="13796" marR="13796" marT="9197" marB="9197" anchor="b">
+                    <a:lnL w="9525" cap="flat" cmpd="sng" algn="ctr">
+                      <a:solidFill>
+                        <a:srgbClr val="CCCCCC"/>
+                      </a:solidFill>
+                      <a:prstDash val="solid"/>
+                      <a:round/>
+                      <a:headEnd type="none" w="med" len="med"/>
+                      <a:tailEnd type="none" w="med" len="med"/>
+                    </a:lnL>
+                    <a:lnR w="9525" cap="flat" cmpd="sng" algn="ctr">
+                      <a:solidFill>
+                        <a:srgbClr val="000000"/>
+                      </a:solidFill>
+                      <a:prstDash val="solid"/>
+                      <a:round/>
+                      <a:headEnd type="none" w="med" len="med"/>
+                      <a:tailEnd type="none" w="med" len="med"/>
+                    </a:lnR>
+                    <a:lnT w="9525" cap="flat" cmpd="sng" algn="ctr">
+                      <a:solidFill>
+                        <a:srgbClr val="CCCCCC"/>
+                      </a:solidFill>
+                      <a:prstDash val="solid"/>
+                      <a:round/>
+                      <a:headEnd type="none" w="med" len="med"/>
+                      <a:tailEnd type="none" w="med" len="med"/>
+                    </a:lnT>
+                    <a:lnB w="9525" cap="flat" cmpd="sng" algn="ctr">
+                      <a:solidFill>
+                        <a:srgbClr val="CCCCCC"/>
+                      </a:solidFill>
+                      <a:prstDash val="solid"/>
+                      <a:round/>
+                      <a:headEnd type="none" w="med" len="med"/>
+                      <a:tailEnd type="none" w="med" len="med"/>
+                    </a:lnB>
+                  </a:tcPr>
+                </a:tc>
+              </a:tr>
+              <a:tr h="283279">
+                <a:tc>
+                  <a:txBody>
+                    <a:bodyPr/>
+                    <a:lstStyle/>
+                    <a:p>
+                      <a:pPr rtl="0" fontAlgn="b"/>
+                      <a:r>
+                        <a:rPr lang="pt-PT" sz="900">
+                          <a:effectLst/>
+                        </a:rPr>
+                        <a:t>/Users/{UserID}/Datasets/{DatasetID}/Stats</a:t>
+                      </a:r>
+                    </a:p>
+                  </a:txBody>
+                  <a:tcPr marL="13796" marR="13796" marT="9197" marB="9197" anchor="b">
+                    <a:lnL w="9525" cap="flat" cmpd="sng" algn="ctr">
+                      <a:solidFill>
+                        <a:srgbClr val="000000"/>
+                      </a:solidFill>
+                      <a:prstDash val="solid"/>
+                      <a:round/>
+                      <a:headEnd type="none" w="med" len="med"/>
+                      <a:tailEnd type="none" w="med" len="med"/>
+                    </a:lnL>
+                    <a:lnR w="9525" cap="flat" cmpd="sng" algn="ctr">
+                      <a:solidFill>
+                        <a:srgbClr val="CCCCCC"/>
+                      </a:solidFill>
+                      <a:prstDash val="solid"/>
+                      <a:round/>
+                      <a:headEnd type="none" w="med" len="med"/>
+                      <a:tailEnd type="none" w="med" len="med"/>
+                    </a:lnR>
+                    <a:lnT w="9525" cap="flat" cmpd="sng" algn="ctr">
+                      <a:solidFill>
+                        <a:srgbClr val="CCCCCC"/>
+                      </a:solidFill>
+                      <a:prstDash val="solid"/>
+                      <a:round/>
+                      <a:headEnd type="none" w="med" len="med"/>
+                      <a:tailEnd type="none" w="med" len="med"/>
+                    </a:lnT>
+                    <a:lnB w="9525" cap="flat" cmpd="sng" algn="ctr">
+                      <a:solidFill>
+                        <a:srgbClr val="CCCCCC"/>
+                      </a:solidFill>
+                      <a:prstDash val="solid"/>
+                      <a:round/>
+                      <a:headEnd type="none" w="med" len="med"/>
+                      <a:tailEnd type="none" w="med" len="med"/>
+                    </a:lnB>
+                  </a:tcPr>
+                </a:tc>
+                <a:tc>
+                  <a:txBody>
+                    <a:bodyPr/>
+                    <a:lstStyle/>
+                    <a:p>
+                      <a:pPr rtl="0" fontAlgn="b"/>
+                      <a:r>
+                        <a:rPr lang="pt-PT" sz="900">
+                          <a:effectLst/>
+                        </a:rPr>
+                        <a:t>GET</a:t>
+                      </a:r>
+                    </a:p>
+                  </a:txBody>
+                  <a:tcPr marL="13796" marR="13796" marT="9197" marB="9197" anchor="b">
+                    <a:lnL w="9525" cap="flat" cmpd="sng" algn="ctr">
+                      <a:solidFill>
+                        <a:srgbClr val="CCCCCC"/>
+                      </a:solidFill>
+                      <a:prstDash val="solid"/>
+                      <a:round/>
+                      <a:headEnd type="none" w="med" len="med"/>
+                      <a:tailEnd type="none" w="med" len="med"/>
+                    </a:lnL>
+                    <a:lnR w="9525" cap="flat" cmpd="sng" algn="ctr">
+                      <a:solidFill>
+                        <a:srgbClr val="CCCCCC"/>
+                      </a:solidFill>
+                      <a:prstDash val="solid"/>
+                      <a:round/>
+                      <a:headEnd type="none" w="med" len="med"/>
+                      <a:tailEnd type="none" w="med" len="med"/>
+                    </a:lnR>
+                    <a:lnT w="9525" cap="flat" cmpd="sng" algn="ctr">
+                      <a:solidFill>
+                        <a:srgbClr val="CCCCCC"/>
+                      </a:solidFill>
+                      <a:prstDash val="solid"/>
+                      <a:round/>
+                      <a:headEnd type="none" w="med" len="med"/>
+                      <a:tailEnd type="none" w="med" len="med"/>
+                    </a:lnT>
+                    <a:lnB w="9525" cap="flat" cmpd="sng" algn="ctr">
+                      <a:solidFill>
+                        <a:srgbClr val="CCCCCC"/>
+                      </a:solidFill>
+                      <a:prstDash val="solid"/>
+                      <a:round/>
+                      <a:headEnd type="none" w="med" len="med"/>
+                      <a:tailEnd type="none" w="med" len="med"/>
+                    </a:lnB>
+                  </a:tcPr>
+                </a:tc>
+                <a:tc>
+                  <a:txBody>
+                    <a:bodyPr/>
+                    <a:lstStyle/>
+                    <a:p>
+                      <a:pPr rtl="0" fontAlgn="b"/>
+                      <a:r>
+                        <a:rPr lang="pt-PT" sz="900">
+                          <a:effectLst/>
+                        </a:rPr>
+                        <a:t>Obter estatisticas do dataset</a:t>
+                      </a:r>
+                    </a:p>
+                  </a:txBody>
+                  <a:tcPr marL="13796" marR="13796" marT="9197" marB="9197" anchor="b">
+                    <a:lnL w="9525" cap="flat" cmpd="sng" algn="ctr">
+                      <a:solidFill>
+                        <a:srgbClr val="CCCCCC"/>
+                      </a:solidFill>
+                      <a:prstDash val="solid"/>
+                      <a:round/>
+                      <a:headEnd type="none" w="med" len="med"/>
+                      <a:tailEnd type="none" w="med" len="med"/>
+                    </a:lnL>
+                    <a:lnR w="9525" cap="flat" cmpd="sng" algn="ctr">
+                      <a:solidFill>
+                        <a:srgbClr val="000000"/>
+                      </a:solidFill>
+                      <a:prstDash val="solid"/>
+                      <a:round/>
+                      <a:headEnd type="none" w="med" len="med"/>
+                      <a:tailEnd type="none" w="med" len="med"/>
+                    </a:lnR>
+                    <a:lnT w="9525" cap="flat" cmpd="sng" algn="ctr">
+                      <a:solidFill>
+                        <a:srgbClr val="CCCCCC"/>
+                      </a:solidFill>
+                      <a:prstDash val="solid"/>
+                      <a:round/>
+                      <a:headEnd type="none" w="med" len="med"/>
+                      <a:tailEnd type="none" w="med" len="med"/>
+                    </a:lnT>
+                    <a:lnB w="9525" cap="flat" cmpd="sng" algn="ctr">
+                      <a:solidFill>
+                        <a:srgbClr val="CCCCCC"/>
+                      </a:solidFill>
+                      <a:prstDash val="solid"/>
+                      <a:round/>
+                      <a:headEnd type="none" w="med" len="med"/>
+                      <a:tailEnd type="none" w="med" len="med"/>
+                    </a:lnB>
+                  </a:tcPr>
+                </a:tc>
+              </a:tr>
+              <a:tr h="283279">
+                <a:tc>
+                  <a:txBody>
+                    <a:bodyPr/>
+                    <a:lstStyle/>
+                    <a:p>
+                      <a:pPr rtl="0" fontAlgn="b"/>
+                      <a:r>
+                        <a:rPr lang="pt-PT" sz="900">
+                          <a:effectLst/>
+                        </a:rPr>
+                        <a:t>/Users/{UserID}/Datasets/{DatasetID}/Trnsf</a:t>
+                      </a:r>
+                    </a:p>
+                  </a:txBody>
+                  <a:tcPr marL="13796" marR="13796" marT="9197" marB="9197" anchor="b">
+                    <a:lnL w="9525" cap="flat" cmpd="sng" algn="ctr">
+                      <a:solidFill>
+                        <a:srgbClr val="000000"/>
+                      </a:solidFill>
+                      <a:prstDash val="solid"/>
+                      <a:round/>
+                      <a:headEnd type="none" w="med" len="med"/>
+                      <a:tailEnd type="none" w="med" len="med"/>
+                    </a:lnL>
+                    <a:lnR w="9525" cap="flat" cmpd="sng" algn="ctr">
+                      <a:solidFill>
+                        <a:srgbClr val="CCCCCC"/>
+                      </a:solidFill>
+                      <a:prstDash val="solid"/>
+                      <a:round/>
+                      <a:headEnd type="none" w="med" len="med"/>
+                      <a:tailEnd type="none" w="med" len="med"/>
+                    </a:lnR>
+                    <a:lnT w="9525" cap="flat" cmpd="sng" algn="ctr">
+                      <a:solidFill>
+                        <a:srgbClr val="CCCCCC"/>
+                      </a:solidFill>
+                      <a:prstDash val="solid"/>
+                      <a:round/>
+                      <a:headEnd type="none" w="med" len="med"/>
+                      <a:tailEnd type="none" w="med" len="med"/>
+                    </a:lnT>
+                    <a:lnB w="9525" cap="flat" cmpd="sng" algn="ctr">
+                      <a:solidFill>
+                        <a:srgbClr val="CCCCCC"/>
+                      </a:solidFill>
+                      <a:prstDash val="solid"/>
+                      <a:round/>
+                      <a:headEnd type="none" w="med" len="med"/>
+                      <a:tailEnd type="none" w="med" len="med"/>
+                    </a:lnB>
+                  </a:tcPr>
+                </a:tc>
+                <a:tc>
+                  <a:txBody>
+                    <a:bodyPr/>
+                    <a:lstStyle/>
+                    <a:p>
+                      <a:pPr rtl="0" fontAlgn="b"/>
+                      <a:r>
+                        <a:rPr lang="pt-PT" sz="900">
+                          <a:effectLst/>
+                        </a:rPr>
+                        <a:t>GET</a:t>
+                      </a:r>
+                    </a:p>
+                  </a:txBody>
+                  <a:tcPr marL="13796" marR="13796" marT="9197" marB="9197" anchor="b">
+                    <a:lnL w="9525" cap="flat" cmpd="sng" algn="ctr">
+                      <a:solidFill>
+                        <a:srgbClr val="CCCCCC"/>
+                      </a:solidFill>
+                      <a:prstDash val="solid"/>
+                      <a:round/>
+                      <a:headEnd type="none" w="med" len="med"/>
+                      <a:tailEnd type="none" w="med" len="med"/>
+                    </a:lnL>
+                    <a:lnR w="9525" cap="flat" cmpd="sng" algn="ctr">
+                      <a:solidFill>
+                        <a:srgbClr val="CCCCCC"/>
+                      </a:solidFill>
+                      <a:prstDash val="solid"/>
+                      <a:round/>
+                      <a:headEnd type="none" w="med" len="med"/>
+                      <a:tailEnd type="none" w="med" len="med"/>
+                    </a:lnR>
+                    <a:lnT w="9525" cap="flat" cmpd="sng" algn="ctr">
+                      <a:solidFill>
+                        <a:srgbClr val="CCCCCC"/>
+                      </a:solidFill>
+                      <a:prstDash val="solid"/>
+                      <a:round/>
+                      <a:headEnd type="none" w="med" len="med"/>
+                      <a:tailEnd type="none" w="med" len="med"/>
+                    </a:lnT>
+                    <a:lnB w="9525" cap="flat" cmpd="sng" algn="ctr">
+                      <a:solidFill>
+                        <a:srgbClr val="CCCCCC"/>
+                      </a:solidFill>
+                      <a:prstDash val="solid"/>
+                      <a:round/>
+                      <a:headEnd type="none" w="med" len="med"/>
+                      <a:tailEnd type="none" w="med" len="med"/>
+                    </a:lnB>
+                  </a:tcPr>
+                </a:tc>
+                <a:tc>
+                  <a:txBody>
+                    <a:bodyPr/>
+                    <a:lstStyle/>
+                    <a:p>
+                      <a:pPr rtl="0" fontAlgn="b"/>
+                      <a:r>
+                        <a:rPr lang="pt-PT" sz="900">
+                          <a:effectLst/>
+                        </a:rPr>
+                        <a:t>Obter transformações do dataset</a:t>
+                      </a:r>
+                    </a:p>
+                  </a:txBody>
+                  <a:tcPr marL="13796" marR="13796" marT="9197" marB="9197" anchor="b">
+                    <a:lnL w="9525" cap="flat" cmpd="sng" algn="ctr">
+                      <a:solidFill>
+                        <a:srgbClr val="CCCCCC"/>
+                      </a:solidFill>
+                      <a:prstDash val="solid"/>
+                      <a:round/>
+                      <a:headEnd type="none" w="med" len="med"/>
+                      <a:tailEnd type="none" w="med" len="med"/>
+                    </a:lnL>
+                    <a:lnR w="9525" cap="flat" cmpd="sng" algn="ctr">
+                      <a:solidFill>
+                        <a:srgbClr val="000000"/>
+                      </a:solidFill>
+                      <a:prstDash val="solid"/>
+                      <a:round/>
+                      <a:headEnd type="none" w="med" len="med"/>
+                      <a:tailEnd type="none" w="med" len="med"/>
+                    </a:lnR>
+                    <a:lnT w="9525" cap="flat" cmpd="sng" algn="ctr">
+                      <a:solidFill>
+                        <a:srgbClr val="CCCCCC"/>
+                      </a:solidFill>
+                      <a:prstDash val="solid"/>
+                      <a:round/>
+                      <a:headEnd type="none" w="med" len="med"/>
+                      <a:tailEnd type="none" w="med" len="med"/>
+                    </a:lnT>
+                    <a:lnB w="9525" cap="flat" cmpd="sng" algn="ctr">
+                      <a:solidFill>
+                        <a:srgbClr val="CCCCCC"/>
+                      </a:solidFill>
+                      <a:prstDash val="solid"/>
+                      <a:round/>
+                      <a:headEnd type="none" w="med" len="med"/>
+                      <a:tailEnd type="none" w="med" len="med"/>
+                    </a:lnB>
+                  </a:tcPr>
+                </a:tc>
+              </a:tr>
+              <a:tr h="283279">
+                <a:tc>
+                  <a:txBody>
+                    <a:bodyPr/>
+                    <a:lstStyle/>
+                    <a:p>
+                      <a:pPr rtl="0" fontAlgn="b"/>
+                      <a:r>
+                        <a:rPr lang="pt-PT" sz="900">
+                          <a:effectLst/>
+                        </a:rPr>
+                        <a:t>/Users/{UserID}/Datasets/{DatasetID}/{MacroID}/</a:t>
+                      </a:r>
+                    </a:p>
+                  </a:txBody>
+                  <a:tcPr marL="13796" marR="13796" marT="9197" marB="9197" anchor="b">
+                    <a:lnL w="9525" cap="flat" cmpd="sng" algn="ctr">
+                      <a:solidFill>
+                        <a:srgbClr val="000000"/>
+                      </a:solidFill>
+                      <a:prstDash val="solid"/>
+                      <a:round/>
+                      <a:headEnd type="none" w="med" len="med"/>
+                      <a:tailEnd type="none" w="med" len="med"/>
+                    </a:lnL>
+                    <a:lnR w="9525" cap="flat" cmpd="sng" algn="ctr">
+                      <a:solidFill>
+                        <a:srgbClr val="CCCCCC"/>
+                      </a:solidFill>
+                      <a:prstDash val="solid"/>
+                      <a:round/>
+                      <a:headEnd type="none" w="med" len="med"/>
+                      <a:tailEnd type="none" w="med" len="med"/>
+                    </a:lnR>
+                    <a:lnT w="9525" cap="flat" cmpd="sng" algn="ctr">
+                      <a:solidFill>
+                        <a:srgbClr val="CCCCCC"/>
+                      </a:solidFill>
+                      <a:prstDash val="solid"/>
+                      <a:round/>
+                      <a:headEnd type="none" w="med" len="med"/>
+                      <a:tailEnd type="none" w="med" len="med"/>
+                    </a:lnT>
+                    <a:lnB w="9525" cap="flat" cmpd="sng" algn="ctr">
+                      <a:solidFill>
+                        <a:srgbClr val="000000"/>
+                      </a:solidFill>
+                      <a:prstDash val="solid"/>
+                      <a:round/>
+                      <a:headEnd type="none" w="med" len="med"/>
+                      <a:tailEnd type="none" w="med" len="med"/>
+                    </a:lnB>
+                  </a:tcPr>
+                </a:tc>
+                <a:tc>
+                  <a:txBody>
+                    <a:bodyPr/>
+                    <a:lstStyle/>
+                    <a:p>
+                      <a:pPr rtl="0" fontAlgn="b"/>
+                      <a:r>
+                        <a:rPr lang="pt-PT" sz="900">
+                          <a:effectLst/>
+                        </a:rPr>
+                        <a:t>GET</a:t>
+                      </a:r>
+                    </a:p>
+                  </a:txBody>
+                  <a:tcPr marL="13796" marR="13796" marT="9197" marB="9197" anchor="b">
+                    <a:lnL w="9525" cap="flat" cmpd="sng" algn="ctr">
+                      <a:solidFill>
+                        <a:srgbClr val="CCCCCC"/>
+                      </a:solidFill>
+                      <a:prstDash val="solid"/>
+                      <a:round/>
+                      <a:headEnd type="none" w="med" len="med"/>
+                      <a:tailEnd type="none" w="med" len="med"/>
+                    </a:lnL>
+                    <a:lnR w="9525" cap="flat" cmpd="sng" algn="ctr">
+                      <a:solidFill>
+                        <a:srgbClr val="CCCCCC"/>
+                      </a:solidFill>
+                      <a:prstDash val="solid"/>
+                      <a:round/>
+                      <a:headEnd type="none" w="med" len="med"/>
+                      <a:tailEnd type="none" w="med" len="med"/>
+                    </a:lnR>
+                    <a:lnT w="9525" cap="flat" cmpd="sng" algn="ctr">
+                      <a:solidFill>
+                        <a:srgbClr val="CCCCCC"/>
+                      </a:solidFill>
+                      <a:prstDash val="solid"/>
+                      <a:round/>
+                      <a:headEnd type="none" w="med" len="med"/>
+                      <a:tailEnd type="none" w="med" len="med"/>
+                    </a:lnT>
+                    <a:lnB w="9525" cap="flat" cmpd="sng" algn="ctr">
+                      <a:solidFill>
+                        <a:srgbClr val="000000"/>
+                      </a:solidFill>
+                      <a:prstDash val="solid"/>
+                      <a:round/>
+                      <a:headEnd type="none" w="med" len="med"/>
+                      <a:tailEnd type="none" w="med" len="med"/>
+                    </a:lnB>
+                  </a:tcPr>
+                </a:tc>
+                <a:tc>
+                  <a:txBody>
+                    <a:bodyPr/>
+                    <a:lstStyle/>
+                    <a:p>
+                      <a:pPr rtl="0" fontAlgn="b"/>
+                      <a:r>
+                        <a:rPr lang="pt-PT" sz="900" dirty="0">
+                          <a:effectLst/>
+                        </a:rPr>
+                        <a:t>Obter aplicação de macro a um dataset</a:t>
+                      </a:r>
+                    </a:p>
+                  </a:txBody>
+                  <a:tcPr marL="13796" marR="13796" marT="9197" marB="9197" anchor="b">
+                    <a:lnL w="9525" cap="flat" cmpd="sng" algn="ctr">
+                      <a:solidFill>
+                        <a:srgbClr val="CCCCCC"/>
+                      </a:solidFill>
+                      <a:prstDash val="solid"/>
+                      <a:round/>
+                      <a:headEnd type="none" w="med" len="med"/>
+                      <a:tailEnd type="none" w="med" len="med"/>
+                    </a:lnL>
+                    <a:lnR w="9525" cap="flat" cmpd="sng" algn="ctr">
+                      <a:solidFill>
+                        <a:srgbClr val="000000"/>
+                      </a:solidFill>
+                      <a:prstDash val="solid"/>
+                      <a:round/>
+                      <a:headEnd type="none" w="med" len="med"/>
+                      <a:tailEnd type="none" w="med" len="med"/>
+                    </a:lnR>
+                    <a:lnT w="9525" cap="flat" cmpd="sng" algn="ctr">
+                      <a:solidFill>
+                        <a:srgbClr val="CCCCCC"/>
+                      </a:solidFill>
+                      <a:prstDash val="solid"/>
+                      <a:round/>
+                      <a:headEnd type="none" w="med" len="med"/>
+                      <a:tailEnd type="none" w="med" len="med"/>
+                    </a:lnT>
+                    <a:lnB w="9525" cap="flat" cmpd="sng" algn="ctr">
+                      <a:solidFill>
+                        <a:srgbClr val="000000"/>
+                      </a:solidFill>
+                      <a:prstDash val="solid"/>
+                      <a:round/>
+                      <a:headEnd type="none" w="med" len="med"/>
+                      <a:tailEnd type="none" w="med" len="med"/>
+                    </a:lnB>
+                  </a:tcPr>
+                </a:tc>
+              </a:tr>
+            </a:tbl>
+          </a:graphicData>
+        </a:graphic>
+      </p:graphicFrame>
+      <p:graphicFrame>
+        <p:nvGraphicFramePr>
+          <p:cNvPr id="6" name="Table 5"/>
+          <p:cNvGraphicFramePr>
+            <a:graphicFrameLocks noGrp="1"/>
+          </p:cNvGraphicFramePr>
+          <p:nvPr>
+            <p:extLst>
+              <p:ext uri="{D42A27DB-BD31-4B8C-83A1-F6EECF244321}">
+                <p14:modId xmlns:p14="http://schemas.microsoft.com/office/powerpoint/2010/main" val="743984823"/>
+              </p:ext>
+            </p:extLst>
+          </p:nvPr>
+        </p:nvGraphicFramePr>
+        <p:xfrm>
+          <a:off x="4343400" y="2286000"/>
+          <a:ext cx="3428999" cy="357898"/>
+        </p:xfrm>
+        <a:graphic>
+          <a:graphicData uri="http://schemas.openxmlformats.org/drawingml/2006/table">
+            <a:tbl>
+              <a:tblPr/>
+              <a:tblGrid>
+                <a:gridCol w="642937"/>
+                <a:gridCol w="428625"/>
+                <a:gridCol w="2357437"/>
+              </a:tblGrid>
+              <a:tr h="178949">
+                <a:tc>
+                  <a:txBody>
+                    <a:bodyPr/>
+                    <a:lstStyle/>
+                    <a:p>
+                      <a:pPr rtl="0" fontAlgn="b"/>
+                      <a:r>
+                        <a:rPr lang="pt-PT" sz="1000" dirty="0">
+                          <a:effectLst/>
+                        </a:rPr>
+                        <a:t>URL</a:t>
+                      </a:r>
+                    </a:p>
+                  </a:txBody>
+                  <a:tcPr marL="15516" marR="15516" marT="10344" marB="10344" anchor="b">
+                    <a:lnL w="9525" cap="flat" cmpd="sng" algn="ctr">
+                      <a:solidFill>
+                        <a:srgbClr val="000000"/>
+                      </a:solidFill>
+                      <a:prstDash val="solid"/>
+                      <a:round/>
+                      <a:headEnd type="none" w="med" len="med"/>
+                      <a:tailEnd type="none" w="med" len="med"/>
+                    </a:lnL>
+                    <a:lnR w="9525" cap="flat" cmpd="sng" algn="ctr">
+                      <a:solidFill>
+                        <a:srgbClr val="CCCCCC"/>
+                      </a:solidFill>
+                      <a:prstDash val="solid"/>
+                      <a:round/>
+                      <a:headEnd type="none" w="med" len="med"/>
+                      <a:tailEnd type="none" w="med" len="med"/>
+                    </a:lnR>
+                    <a:lnT w="9525" cap="flat" cmpd="sng" algn="ctr">
+                      <a:solidFill>
+                        <a:srgbClr val="000000"/>
+                      </a:solidFill>
+                      <a:prstDash val="solid"/>
+                      <a:round/>
+                      <a:headEnd type="none" w="med" len="med"/>
+                      <a:tailEnd type="none" w="med" len="med"/>
+                    </a:lnT>
+                    <a:lnB w="9525" cap="flat" cmpd="sng" algn="ctr">
+                      <a:solidFill>
+                        <a:srgbClr val="CCCCCC"/>
+                      </a:solidFill>
+                      <a:prstDash val="solid"/>
+                      <a:round/>
+                      <a:headEnd type="none" w="med" len="med"/>
+                      <a:tailEnd type="none" w="med" len="med"/>
+                    </a:lnB>
+                    <a:solidFill>
+                      <a:srgbClr val="FF9900"/>
+                    </a:solidFill>
+                  </a:tcPr>
+                </a:tc>
+                <a:tc>
+                  <a:txBody>
+                    <a:bodyPr/>
+                    <a:lstStyle/>
+                    <a:p>
+                      <a:pPr rtl="0" fontAlgn="b"/>
+                      <a:r>
+                        <a:rPr lang="pt-PT" sz="1000">
+                          <a:effectLst/>
+                        </a:rPr>
+                        <a:t>VERB</a:t>
+                      </a:r>
+                    </a:p>
+                  </a:txBody>
+                  <a:tcPr marL="15516" marR="15516" marT="10344" marB="10344" anchor="b">
+                    <a:lnL w="9525" cap="flat" cmpd="sng" algn="ctr">
+                      <a:solidFill>
+                        <a:srgbClr val="CCCCCC"/>
+                      </a:solidFill>
+                      <a:prstDash val="solid"/>
+                      <a:round/>
+                      <a:headEnd type="none" w="med" len="med"/>
+                      <a:tailEnd type="none" w="med" len="med"/>
+                    </a:lnL>
+                    <a:lnR w="9525" cap="flat" cmpd="sng" algn="ctr">
+                      <a:solidFill>
+                        <a:srgbClr val="CCCCCC"/>
+                      </a:solidFill>
+                      <a:prstDash val="solid"/>
+                      <a:round/>
+                      <a:headEnd type="none" w="med" len="med"/>
+                      <a:tailEnd type="none" w="med" len="med"/>
+                    </a:lnR>
+                    <a:lnT w="9525" cap="flat" cmpd="sng" algn="ctr">
+                      <a:solidFill>
+                        <a:srgbClr val="000000"/>
+                      </a:solidFill>
+                      <a:prstDash val="solid"/>
+                      <a:round/>
+                      <a:headEnd type="none" w="med" len="med"/>
+                      <a:tailEnd type="none" w="med" len="med"/>
+                    </a:lnT>
+                    <a:lnB w="9525" cap="flat" cmpd="sng" algn="ctr">
+                      <a:solidFill>
+                        <a:srgbClr val="CCCCCC"/>
+                      </a:solidFill>
+                      <a:prstDash val="solid"/>
+                      <a:round/>
+                      <a:headEnd type="none" w="med" len="med"/>
+                      <a:tailEnd type="none" w="med" len="med"/>
+                    </a:lnB>
+                    <a:solidFill>
+                      <a:srgbClr val="FF9900"/>
+                    </a:solidFill>
+                  </a:tcPr>
+                </a:tc>
+                <a:tc>
+                  <a:txBody>
+                    <a:bodyPr/>
+                    <a:lstStyle/>
+                    <a:p>
+                      <a:pPr rtl="0" fontAlgn="b"/>
+                      <a:r>
+                        <a:rPr lang="pt-PT" sz="1000">
+                          <a:effectLst/>
+                        </a:rPr>
+                        <a:t>DESCRIPTION</a:t>
+                      </a:r>
+                    </a:p>
+                  </a:txBody>
+                  <a:tcPr marL="15516" marR="15516" marT="10344" marB="10344" anchor="b">
+                    <a:lnL w="9525" cap="flat" cmpd="sng" algn="ctr">
+                      <a:solidFill>
+                        <a:srgbClr val="CCCCCC"/>
+                      </a:solidFill>
+                      <a:prstDash val="solid"/>
+                      <a:round/>
+                      <a:headEnd type="none" w="med" len="med"/>
+                      <a:tailEnd type="none" w="med" len="med"/>
+                    </a:lnL>
+                    <a:lnR w="9525" cap="flat" cmpd="sng" algn="ctr">
+                      <a:solidFill>
+                        <a:srgbClr val="000000"/>
+                      </a:solidFill>
+                      <a:prstDash val="solid"/>
+                      <a:round/>
+                      <a:headEnd type="none" w="med" len="med"/>
+                      <a:tailEnd type="none" w="med" len="med"/>
+                    </a:lnR>
+                    <a:lnT w="9525" cap="flat" cmpd="sng" algn="ctr">
+                      <a:solidFill>
+                        <a:srgbClr val="000000"/>
+                      </a:solidFill>
+                      <a:prstDash val="solid"/>
+                      <a:round/>
+                      <a:headEnd type="none" w="med" len="med"/>
+                      <a:tailEnd type="none" w="med" len="med"/>
+                    </a:lnT>
+                    <a:lnB w="9525" cap="flat" cmpd="sng" algn="ctr">
+                      <a:solidFill>
+                        <a:srgbClr val="CCCCCC"/>
+                      </a:solidFill>
+                      <a:prstDash val="solid"/>
+                      <a:round/>
+                      <a:headEnd type="none" w="med" len="med"/>
+                      <a:tailEnd type="none" w="med" len="med"/>
+                    </a:lnB>
+                    <a:solidFill>
+                      <a:srgbClr val="FF9900"/>
+                    </a:solidFill>
+                  </a:tcPr>
+                </a:tc>
+              </a:tr>
+              <a:tr h="178949">
+                <a:tc>
+                  <a:txBody>
+                    <a:bodyPr/>
+                    <a:lstStyle/>
+                    <a:p>
+                      <a:pPr rtl="0" fontAlgn="b"/>
+                      <a:r>
+                        <a:rPr lang="pt-PT" sz="1000" dirty="0">
+                          <a:effectLst/>
+                        </a:rPr>
+                        <a:t>/Trnsf/</a:t>
+                      </a:r>
+                    </a:p>
+                  </a:txBody>
+                  <a:tcPr marL="15516" marR="15516" marT="10344" marB="10344" anchor="b">
+                    <a:lnL w="9525" cap="flat" cmpd="sng" algn="ctr">
+                      <a:solidFill>
+                        <a:srgbClr val="000000"/>
+                      </a:solidFill>
+                      <a:prstDash val="solid"/>
+                      <a:round/>
+                      <a:headEnd type="none" w="med" len="med"/>
+                      <a:tailEnd type="none" w="med" len="med"/>
+                    </a:lnL>
+                    <a:lnR w="9525" cap="flat" cmpd="sng" algn="ctr">
+                      <a:solidFill>
+                        <a:srgbClr val="CCCCCC"/>
+                      </a:solidFill>
+                      <a:prstDash val="solid"/>
+                      <a:round/>
+                      <a:headEnd type="none" w="med" len="med"/>
+                      <a:tailEnd type="none" w="med" len="med"/>
+                    </a:lnR>
+                    <a:lnT w="9525" cap="flat" cmpd="sng" algn="ctr">
+                      <a:solidFill>
+                        <a:srgbClr val="CCCCCC"/>
+                      </a:solidFill>
+                      <a:prstDash val="solid"/>
+                      <a:round/>
+                      <a:headEnd type="none" w="med" len="med"/>
+                      <a:tailEnd type="none" w="med" len="med"/>
+                    </a:lnT>
+                    <a:lnB w="9525" cap="flat" cmpd="sng" algn="ctr">
+                      <a:solidFill>
+                        <a:srgbClr val="000000"/>
+                      </a:solidFill>
+                      <a:prstDash val="solid"/>
+                      <a:round/>
+                      <a:headEnd type="none" w="med" len="med"/>
+                      <a:tailEnd type="none" w="med" len="med"/>
+                    </a:lnB>
+                  </a:tcPr>
+                </a:tc>
+                <a:tc>
+                  <a:txBody>
+                    <a:bodyPr/>
+                    <a:lstStyle/>
+                    <a:p>
+                      <a:pPr rtl="0" fontAlgn="b"/>
+                      <a:r>
+                        <a:rPr lang="pt-PT" sz="1000" dirty="0">
+                          <a:effectLst/>
+                        </a:rPr>
+                        <a:t>POST</a:t>
+                      </a:r>
+                    </a:p>
+                  </a:txBody>
+                  <a:tcPr marL="15516" marR="15516" marT="10344" marB="10344" anchor="b">
+                    <a:lnL w="9525" cap="flat" cmpd="sng" algn="ctr">
+                      <a:solidFill>
+                        <a:srgbClr val="CCCCCC"/>
+                      </a:solidFill>
+                      <a:prstDash val="solid"/>
+                      <a:round/>
+                      <a:headEnd type="none" w="med" len="med"/>
+                      <a:tailEnd type="none" w="med" len="med"/>
+                    </a:lnL>
+                    <a:lnR w="9525" cap="flat" cmpd="sng" algn="ctr">
+                      <a:solidFill>
+                        <a:srgbClr val="CCCCCC"/>
+                      </a:solidFill>
+                      <a:prstDash val="solid"/>
+                      <a:round/>
+                      <a:headEnd type="none" w="med" len="med"/>
+                      <a:tailEnd type="none" w="med" len="med"/>
+                    </a:lnR>
+                    <a:lnT w="9525" cap="flat" cmpd="sng" algn="ctr">
+                      <a:solidFill>
+                        <a:srgbClr val="CCCCCC"/>
+                      </a:solidFill>
+                      <a:prstDash val="solid"/>
+                      <a:round/>
+                      <a:headEnd type="none" w="med" len="med"/>
+                      <a:tailEnd type="none" w="med" len="med"/>
+                    </a:lnT>
+                    <a:lnB w="9525" cap="flat" cmpd="sng" algn="ctr">
+                      <a:solidFill>
+                        <a:srgbClr val="000000"/>
+                      </a:solidFill>
+                      <a:prstDash val="solid"/>
+                      <a:round/>
+                      <a:headEnd type="none" w="med" len="med"/>
+                      <a:tailEnd type="none" w="med" len="med"/>
+                    </a:lnB>
+                  </a:tcPr>
+                </a:tc>
+                <a:tc>
+                  <a:txBody>
+                    <a:bodyPr/>
+                    <a:lstStyle/>
+                    <a:p>
+                      <a:pPr rtl="0" fontAlgn="b"/>
+                      <a:r>
+                        <a:rPr lang="pt-PT" sz="1000" dirty="0">
+                          <a:effectLst/>
+                        </a:rPr>
+                        <a:t>Envia dataset com as respectivas operações</a:t>
+                      </a:r>
+                    </a:p>
+                  </a:txBody>
+                  <a:tcPr marL="15516" marR="15516" marT="10344" marB="10344" anchor="b">
+                    <a:lnL w="9525" cap="flat" cmpd="sng" algn="ctr">
+                      <a:solidFill>
+                        <a:srgbClr val="CCCCCC"/>
+                      </a:solidFill>
+                      <a:prstDash val="solid"/>
+                      <a:round/>
+                      <a:headEnd type="none" w="med" len="med"/>
+                      <a:tailEnd type="none" w="med" len="med"/>
+                    </a:lnL>
+                    <a:lnR w="9525" cap="flat" cmpd="sng" algn="ctr">
+                      <a:solidFill>
+                        <a:srgbClr val="000000"/>
+                      </a:solidFill>
+                      <a:prstDash val="solid"/>
+                      <a:round/>
+                      <a:headEnd type="none" w="med" len="med"/>
+                      <a:tailEnd type="none" w="med" len="med"/>
+                    </a:lnR>
+                    <a:lnT w="9525" cap="flat" cmpd="sng" algn="ctr">
+                      <a:solidFill>
+                        <a:srgbClr val="CCCCCC"/>
+                      </a:solidFill>
+                      <a:prstDash val="solid"/>
+                      <a:round/>
+                      <a:headEnd type="none" w="med" len="med"/>
+                      <a:tailEnd type="none" w="med" len="med"/>
+                    </a:lnT>
+                    <a:lnB w="9525" cap="flat" cmpd="sng" algn="ctr">
+                      <a:solidFill>
+                        <a:srgbClr val="000000"/>
+                      </a:solidFill>
+                      <a:prstDash val="solid"/>
+                      <a:round/>
+                      <a:headEnd type="none" w="med" len="med"/>
+                      <a:tailEnd type="none" w="med" len="med"/>
+                    </a:lnB>
+                  </a:tcPr>
+                </a:tc>
+              </a:tr>
+            </a:tbl>
+          </a:graphicData>
+        </a:graphic>
+      </p:graphicFrame>
+    </p:spTree>
+    <p:extLst>
+      <p:ext uri="{BB962C8B-B14F-4D97-AF65-F5344CB8AC3E}">
+        <p14:creationId xmlns:p14="http://schemas.microsoft.com/office/powerpoint/2010/main" val="1733610384"/>
+      </p:ext>
+    </p:extLst>
+  </p:cSld>
+  <p:clrMapOvr>
+    <a:masterClrMapping/>
+  </p:clrMapOvr>
+</p:sld>
+</file>
+
+<file path=ppt/slides/slide7.xml><?xml version="1.0" encoding="utf-8"?>
+<p:sld xmlns:a="http://schemas.openxmlformats.org/drawingml/2006/main" xmlns:r="http://schemas.openxmlformats.org/officeDocument/2006/relationships" xmlns:p="http://schemas.openxmlformats.org/presentationml/2006/main">
+  <p:cSld>
+    <p:spTree>
+      <p:nvGrpSpPr>
+        <p:cNvPr id="1" name=""/>
+        <p:cNvGrpSpPr/>
+        <p:nvPr/>
+      </p:nvGrpSpPr>
+      <p:grpSpPr>
+        <a:xfrm>
+          <a:off x="0" y="0"/>
+          <a:ext cx="0" cy="0"/>
+          <a:chOff x="0" y="0"/>
+          <a:chExt cx="0" cy="0"/>
+        </a:xfrm>
+      </p:grpSpPr>
+      <p:sp>
+        <p:nvSpPr>
+          <p:cNvPr id="2" name="Title 1"/>
+          <p:cNvSpPr>
+            <a:spLocks noGrp="1"/>
+          </p:cNvSpPr>
+          <p:nvPr>
+            <p:ph type="title"/>
+          </p:nvPr>
+        </p:nvSpPr>
+        <p:spPr/>
+        <p:txBody>
+          <a:bodyPr/>
+          <a:lstStyle/>
+          <a:p>
+            <a:r>
+              <a:rPr lang="pt-PT" dirty="0" smtClean="0"/>
+              <a:t>Aprendizagem</a:t>
+            </a:r>
+            <a:endParaRPr lang="pt-PT" dirty="0"/>
+          </a:p>
+        </p:txBody>
+      </p:sp>
+      <p:sp>
+        <p:nvSpPr>
+          <p:cNvPr id="3" name="Content Placeholder 2"/>
+          <p:cNvSpPr>
+            <a:spLocks noGrp="1"/>
+          </p:cNvSpPr>
+          <p:nvPr>
+            <p:ph sz="quarter" idx="13"/>
+          </p:nvPr>
+        </p:nvSpPr>
+        <p:spPr/>
+        <p:txBody>
+          <a:bodyPr/>
+          <a:lstStyle/>
+          <a:p>
+            <a:r>
+              <a:rPr lang="pt-PT" dirty="0" smtClean="0"/>
               <a:t>Códigos http</a:t>
             </a:r>
           </a:p>
           <a:p>
             <a:r>
-              <a:rPr lang="pt-PT" dirty="0"/>
+              <a:rPr lang="pt-PT" dirty="0" smtClean="0"/>
               <a:t>Swagger</a:t>
             </a:r>
           </a:p>
           <a:p>
-            <a:endParaRPr lang="pt-PT" dirty="0"/>
+            <a:endParaRPr lang="pt-PT" dirty="0" smtClean="0"/>
           </a:p>
         </p:txBody>
       </p:sp>
@@ -6011,3730 +9786,13 @@
   <p:clrMapOvr>
     <a:masterClrMapping/>
   </p:clrMapOvr>
-</p:sld>
-</file>
-
-<file path=ppt/slides/slide7.xml><?xml version="1.0" encoding="utf-8"?>
-<p:sld xmlns:a="http://schemas.openxmlformats.org/drawingml/2006/main" xmlns:r="http://schemas.openxmlformats.org/officeDocument/2006/relationships" xmlns:p="http://schemas.openxmlformats.org/presentationml/2006/main">
-  <p:cSld>
-    <p:spTree>
-      <p:nvGrpSpPr>
-        <p:cNvPr id="1" name=""/>
-        <p:cNvGrpSpPr/>
-        <p:nvPr/>
-      </p:nvGrpSpPr>
-      <p:grpSpPr>
-        <a:xfrm>
-          <a:off x="0" y="0"/>
-          <a:ext cx="0" cy="0"/>
-          <a:chOff x="0" y="0"/>
-          <a:chExt cx="0" cy="0"/>
-        </a:xfrm>
-      </p:grpSpPr>
-      <p:sp>
-        <p:nvSpPr>
-          <p:cNvPr id="2" name="Title 1"/>
-          <p:cNvSpPr>
-            <a:spLocks noGrp="1"/>
-          </p:cNvSpPr>
-          <p:nvPr>
-            <p:ph type="title"/>
-          </p:nvPr>
-        </p:nvSpPr>
-        <p:spPr/>
-        <p:txBody>
-          <a:bodyPr/>
-          <a:lstStyle/>
-          <a:p>
-            <a:r>
-              <a:rPr lang="pt-PT" dirty="0"/>
-              <a:t>Lista de </a:t>
-            </a:r>
-            <a:r>
-              <a:rPr lang="pt-PT" dirty="0" err="1"/>
-              <a:t>API’s</a:t>
-            </a:r>
-            <a:endParaRPr lang="pt-PT" dirty="0"/>
-          </a:p>
-        </p:txBody>
-      </p:sp>
-      <p:sp>
-        <p:nvSpPr>
-          <p:cNvPr id="3" name="Content Placeholder 2"/>
-          <p:cNvSpPr>
-            <a:spLocks noGrp="1"/>
-          </p:cNvSpPr>
-          <p:nvPr>
-            <p:ph sz="quarter" idx="13"/>
-          </p:nvPr>
-        </p:nvSpPr>
-        <p:spPr/>
-        <p:txBody>
-          <a:bodyPr/>
-          <a:lstStyle/>
-          <a:p>
-            <a:r>
-              <a:rPr lang="pt-PT" dirty="0"/>
-              <a:t>Datasheet </a:t>
-            </a:r>
-            <a:r>
-              <a:rPr lang="pt-PT" dirty="0" err="1"/>
-              <a:t>Service</a:t>
-            </a:r>
-            <a:r>
-              <a:rPr lang="pt-PT" dirty="0"/>
-              <a:t> + </a:t>
-            </a:r>
-            <a:r>
-              <a:rPr lang="pt-PT" dirty="0" err="1"/>
-              <a:t>HeavyOps</a:t>
-            </a:r>
-            <a:r>
-              <a:rPr lang="pt-PT" dirty="0"/>
-              <a:t> </a:t>
-            </a:r>
-            <a:r>
-              <a:rPr lang="pt-PT" dirty="0" err="1"/>
-              <a:t>Service</a:t>
-            </a:r>
-            <a:r>
-              <a:rPr lang="pt-PT" dirty="0"/>
-              <a:t> </a:t>
-            </a:r>
-          </a:p>
-          <a:p>
-            <a:endParaRPr lang="pt-PT" dirty="0"/>
-          </a:p>
-          <a:p>
-            <a:pPr lvl="5"/>
-            <a:r>
-              <a:rPr lang="pt-PT" dirty="0"/>
-              <a:t>				</a:t>
-            </a:r>
-          </a:p>
-          <a:p>
-            <a:pPr marL="0" indent="0">
-              <a:buNone/>
-            </a:pPr>
-            <a:endParaRPr lang="pt-PT" dirty="0"/>
-          </a:p>
-          <a:p>
-            <a:endParaRPr lang="pt-PT" dirty="0"/>
-          </a:p>
-        </p:txBody>
-      </p:sp>
-      <p:graphicFrame>
-        <p:nvGraphicFramePr>
-          <p:cNvPr id="5" name="Table 4"/>
-          <p:cNvGraphicFramePr>
-            <a:graphicFrameLocks noGrp="1"/>
-          </p:cNvGraphicFramePr>
-          <p:nvPr>
-            <p:extLst>
-              <p:ext uri="{D42A27DB-BD31-4B8C-83A1-F6EECF244321}">
-                <p14:modId xmlns:p14="http://schemas.microsoft.com/office/powerpoint/2010/main" val="255394489"/>
-              </p:ext>
-            </p:extLst>
-          </p:nvPr>
-        </p:nvGraphicFramePr>
-        <p:xfrm>
-          <a:off x="1066800" y="2286000"/>
-          <a:ext cx="3048927" cy="4464286"/>
-        </p:xfrm>
-        <a:graphic>
-          <a:graphicData uri="http://schemas.openxmlformats.org/drawingml/2006/table">
-            <a:tbl>
-              <a:tblPr/>
-              <a:tblGrid>
-                <a:gridCol w="1329020">
-                  <a:extLst>
-                    <a:ext uri="{9D8B030D-6E8A-4147-A177-3AD203B41FA5}">
-                      <a16:colId xmlns:a16="http://schemas.microsoft.com/office/drawing/2014/main" val="20000"/>
-                    </a:ext>
-                  </a:extLst>
-                </a:gridCol>
-                <a:gridCol w="459868">
-                  <a:extLst>
-                    <a:ext uri="{9D8B030D-6E8A-4147-A177-3AD203B41FA5}">
-                      <a16:colId xmlns:a16="http://schemas.microsoft.com/office/drawing/2014/main" val="20001"/>
-                    </a:ext>
-                  </a:extLst>
-                </a:gridCol>
-                <a:gridCol w="1260039">
-                  <a:extLst>
-                    <a:ext uri="{9D8B030D-6E8A-4147-A177-3AD203B41FA5}">
-                      <a16:colId xmlns:a16="http://schemas.microsoft.com/office/drawing/2014/main" val="20002"/>
-                    </a:ext>
-                  </a:extLst>
-                </a:gridCol>
-              </a:tblGrid>
-              <a:tr h="150837">
-                <a:tc>
-                  <a:txBody>
-                    <a:bodyPr/>
-                    <a:lstStyle/>
-                    <a:p>
-                      <a:pPr rtl="0" fontAlgn="b"/>
-                      <a:r>
-                        <a:rPr lang="pt-PT" sz="900" dirty="0">
-                          <a:effectLst/>
-                        </a:rPr>
-                        <a:t>URL</a:t>
-                      </a:r>
-                    </a:p>
-                  </a:txBody>
-                  <a:tcPr marL="13796" marR="13796" marT="9197" marB="9197" anchor="b">
-                    <a:lnL w="9525" cap="flat" cmpd="sng" algn="ctr">
-                      <a:solidFill>
-                        <a:srgbClr val="000000"/>
-                      </a:solidFill>
-                      <a:prstDash val="solid"/>
-                      <a:round/>
-                      <a:headEnd type="none" w="med" len="med"/>
-                      <a:tailEnd type="none" w="med" len="med"/>
-                    </a:lnL>
-                    <a:lnR w="9525" cap="flat" cmpd="sng" algn="ctr">
-                      <a:solidFill>
-                        <a:srgbClr val="CCCCCC"/>
-                      </a:solidFill>
-                      <a:prstDash val="solid"/>
-                      <a:round/>
-                      <a:headEnd type="none" w="med" len="med"/>
-                      <a:tailEnd type="none" w="med" len="med"/>
-                    </a:lnR>
-                    <a:lnT w="9525" cap="flat" cmpd="sng" algn="ctr">
-                      <a:solidFill>
-                        <a:srgbClr val="000000"/>
-                      </a:solidFill>
-                      <a:prstDash val="solid"/>
-                      <a:round/>
-                      <a:headEnd type="none" w="med" len="med"/>
-                      <a:tailEnd type="none" w="med" len="med"/>
-                    </a:lnT>
-                    <a:lnB w="9525" cap="flat" cmpd="sng" algn="ctr">
-                      <a:solidFill>
-                        <a:srgbClr val="CCCCCC"/>
-                      </a:solidFill>
-                      <a:prstDash val="solid"/>
-                      <a:round/>
-                      <a:headEnd type="none" w="med" len="med"/>
-                      <a:tailEnd type="none" w="med" len="med"/>
-                    </a:lnB>
-                    <a:solidFill>
-                      <a:srgbClr val="FF9900"/>
-                    </a:solidFill>
-                  </a:tcPr>
-                </a:tc>
-                <a:tc>
-                  <a:txBody>
-                    <a:bodyPr/>
-                    <a:lstStyle/>
-                    <a:p>
-                      <a:pPr rtl="0" fontAlgn="b"/>
-                      <a:r>
-                        <a:rPr lang="pt-PT" sz="900" dirty="0">
-                          <a:effectLst/>
-                        </a:rPr>
-                        <a:t>VERB</a:t>
-                      </a:r>
-                    </a:p>
-                  </a:txBody>
-                  <a:tcPr marL="13796" marR="13796" marT="9197" marB="9197" anchor="b">
-                    <a:lnL w="9525" cap="flat" cmpd="sng" algn="ctr">
-                      <a:solidFill>
-                        <a:srgbClr val="CCCCCC"/>
-                      </a:solidFill>
-                      <a:prstDash val="solid"/>
-                      <a:round/>
-                      <a:headEnd type="none" w="med" len="med"/>
-                      <a:tailEnd type="none" w="med" len="med"/>
-                    </a:lnL>
-                    <a:lnR w="9525" cap="flat" cmpd="sng" algn="ctr">
-                      <a:solidFill>
-                        <a:srgbClr val="CCCCCC"/>
-                      </a:solidFill>
-                      <a:prstDash val="solid"/>
-                      <a:round/>
-                      <a:headEnd type="none" w="med" len="med"/>
-                      <a:tailEnd type="none" w="med" len="med"/>
-                    </a:lnR>
-                    <a:lnT w="9525" cap="flat" cmpd="sng" algn="ctr">
-                      <a:solidFill>
-                        <a:srgbClr val="000000"/>
-                      </a:solidFill>
-                      <a:prstDash val="solid"/>
-                      <a:round/>
-                      <a:headEnd type="none" w="med" len="med"/>
-                      <a:tailEnd type="none" w="med" len="med"/>
-                    </a:lnT>
-                    <a:lnB w="9525" cap="flat" cmpd="sng" algn="ctr">
-                      <a:solidFill>
-                        <a:srgbClr val="CCCCCC"/>
-                      </a:solidFill>
-                      <a:prstDash val="solid"/>
-                      <a:round/>
-                      <a:headEnd type="none" w="med" len="med"/>
-                      <a:tailEnd type="none" w="med" len="med"/>
-                    </a:lnB>
-                    <a:solidFill>
-                      <a:srgbClr val="FF9900"/>
-                    </a:solidFill>
-                  </a:tcPr>
-                </a:tc>
-                <a:tc>
-                  <a:txBody>
-                    <a:bodyPr/>
-                    <a:lstStyle/>
-                    <a:p>
-                      <a:pPr rtl="0" fontAlgn="b"/>
-                      <a:r>
-                        <a:rPr lang="pt-PT" sz="900" dirty="0">
-                          <a:effectLst/>
-                        </a:rPr>
-                        <a:t>DESCRIPTION</a:t>
-                      </a:r>
-                    </a:p>
-                  </a:txBody>
-                  <a:tcPr marL="13796" marR="13796" marT="9197" marB="9197" anchor="b">
-                    <a:lnL w="9525" cap="flat" cmpd="sng" algn="ctr">
-                      <a:solidFill>
-                        <a:srgbClr val="CCCCCC"/>
-                      </a:solidFill>
-                      <a:prstDash val="solid"/>
-                      <a:round/>
-                      <a:headEnd type="none" w="med" len="med"/>
-                      <a:tailEnd type="none" w="med" len="med"/>
-                    </a:lnL>
-                    <a:lnR w="9525" cap="flat" cmpd="sng" algn="ctr">
-                      <a:solidFill>
-                        <a:srgbClr val="000000"/>
-                      </a:solidFill>
-                      <a:prstDash val="solid"/>
-                      <a:round/>
-                      <a:headEnd type="none" w="med" len="med"/>
-                      <a:tailEnd type="none" w="med" len="med"/>
-                    </a:lnR>
-                    <a:lnT w="9525" cap="flat" cmpd="sng" algn="ctr">
-                      <a:solidFill>
-                        <a:srgbClr val="000000"/>
-                      </a:solidFill>
-                      <a:prstDash val="solid"/>
-                      <a:round/>
-                      <a:headEnd type="none" w="med" len="med"/>
-                      <a:tailEnd type="none" w="med" len="med"/>
-                    </a:lnT>
-                    <a:lnB w="9525" cap="flat" cmpd="sng" algn="ctr">
-                      <a:solidFill>
-                        <a:srgbClr val="CCCCCC"/>
-                      </a:solidFill>
-                      <a:prstDash val="solid"/>
-                      <a:round/>
-                      <a:headEnd type="none" w="med" len="med"/>
-                      <a:tailEnd type="none" w="med" len="med"/>
-                    </a:lnB>
-                    <a:solidFill>
-                      <a:srgbClr val="FF9900"/>
-                    </a:solidFill>
-                  </a:tcPr>
-                </a:tc>
-                <a:extLst>
-                  <a:ext uri="{0D108BD9-81ED-4DB2-BD59-A6C34878D82A}">
-                    <a16:rowId xmlns:a16="http://schemas.microsoft.com/office/drawing/2014/main" val="10000"/>
-                  </a:ext>
-                </a:extLst>
-              </a:tr>
-              <a:tr h="150837">
-                <a:tc>
-                  <a:txBody>
-                    <a:bodyPr/>
-                    <a:lstStyle/>
-                    <a:p>
-                      <a:pPr rtl="0" fontAlgn="b"/>
-                      <a:r>
-                        <a:rPr lang="pt-PT" sz="900" dirty="0">
-                          <a:effectLst/>
-                        </a:rPr>
-                        <a:t>/Users</a:t>
-                      </a:r>
-                    </a:p>
-                  </a:txBody>
-                  <a:tcPr marL="13796" marR="13796" marT="9197" marB="9197" anchor="b">
-                    <a:lnL w="9525" cap="flat" cmpd="sng" algn="ctr">
-                      <a:solidFill>
-                        <a:srgbClr val="000000"/>
-                      </a:solidFill>
-                      <a:prstDash val="solid"/>
-                      <a:round/>
-                      <a:headEnd type="none" w="med" len="med"/>
-                      <a:tailEnd type="none" w="med" len="med"/>
-                    </a:lnL>
-                    <a:lnR w="9525" cap="flat" cmpd="sng" algn="ctr">
-                      <a:solidFill>
-                        <a:srgbClr val="CCCCCC"/>
-                      </a:solidFill>
-                      <a:prstDash val="solid"/>
-                      <a:round/>
-                      <a:headEnd type="none" w="med" len="med"/>
-                      <a:tailEnd type="none" w="med" len="med"/>
-                    </a:lnR>
-                    <a:lnT w="9525" cap="flat" cmpd="sng" algn="ctr">
-                      <a:solidFill>
-                        <a:srgbClr val="CCCCCC"/>
-                      </a:solidFill>
-                      <a:prstDash val="solid"/>
-                      <a:round/>
-                      <a:headEnd type="none" w="med" len="med"/>
-                      <a:tailEnd type="none" w="med" len="med"/>
-                    </a:lnT>
-                    <a:lnB w="9525" cap="flat" cmpd="sng" algn="ctr">
-                      <a:solidFill>
-                        <a:srgbClr val="CCCCCC"/>
-                      </a:solidFill>
-                      <a:prstDash val="solid"/>
-                      <a:round/>
-                      <a:headEnd type="none" w="med" len="med"/>
-                      <a:tailEnd type="none" w="med" len="med"/>
-                    </a:lnB>
-                  </a:tcPr>
-                </a:tc>
-                <a:tc>
-                  <a:txBody>
-                    <a:bodyPr/>
-                    <a:lstStyle/>
-                    <a:p>
-                      <a:pPr rtl="0" fontAlgn="b"/>
-                      <a:r>
-                        <a:rPr lang="pt-PT" sz="900" dirty="0">
-                          <a:effectLst/>
-                        </a:rPr>
-                        <a:t>POST</a:t>
-                      </a:r>
-                    </a:p>
-                  </a:txBody>
-                  <a:tcPr marL="13796" marR="13796" marT="9197" marB="9197" anchor="b">
-                    <a:lnL w="9525" cap="flat" cmpd="sng" algn="ctr">
-                      <a:solidFill>
-                        <a:srgbClr val="CCCCCC"/>
-                      </a:solidFill>
-                      <a:prstDash val="solid"/>
-                      <a:round/>
-                      <a:headEnd type="none" w="med" len="med"/>
-                      <a:tailEnd type="none" w="med" len="med"/>
-                    </a:lnL>
-                    <a:lnR w="9525" cap="flat" cmpd="sng" algn="ctr">
-                      <a:solidFill>
-                        <a:srgbClr val="CCCCCC"/>
-                      </a:solidFill>
-                      <a:prstDash val="solid"/>
-                      <a:round/>
-                      <a:headEnd type="none" w="med" len="med"/>
-                      <a:tailEnd type="none" w="med" len="med"/>
-                    </a:lnR>
-                    <a:lnT w="9525" cap="flat" cmpd="sng" algn="ctr">
-                      <a:solidFill>
-                        <a:srgbClr val="CCCCCC"/>
-                      </a:solidFill>
-                      <a:prstDash val="solid"/>
-                      <a:round/>
-                      <a:headEnd type="none" w="med" len="med"/>
-                      <a:tailEnd type="none" w="med" len="med"/>
-                    </a:lnT>
-                    <a:lnB w="9525" cap="flat" cmpd="sng" algn="ctr">
-                      <a:solidFill>
-                        <a:srgbClr val="CCCCCC"/>
-                      </a:solidFill>
-                      <a:prstDash val="solid"/>
-                      <a:round/>
-                      <a:headEnd type="none" w="med" len="med"/>
-                      <a:tailEnd type="none" w="med" len="med"/>
-                    </a:lnB>
-                  </a:tcPr>
-                </a:tc>
-                <a:tc>
-                  <a:txBody>
-                    <a:bodyPr/>
-                    <a:lstStyle/>
-                    <a:p>
-                      <a:pPr rtl="0" fontAlgn="b"/>
-                      <a:r>
-                        <a:rPr lang="pt-PT" sz="900" dirty="0">
-                          <a:effectLst/>
-                        </a:rPr>
-                        <a:t>Criar user</a:t>
-                      </a:r>
-                    </a:p>
-                  </a:txBody>
-                  <a:tcPr marL="13796" marR="13796" marT="9197" marB="9197" anchor="b">
-                    <a:lnL w="9525" cap="flat" cmpd="sng" algn="ctr">
-                      <a:solidFill>
-                        <a:srgbClr val="CCCCCC"/>
-                      </a:solidFill>
-                      <a:prstDash val="solid"/>
-                      <a:round/>
-                      <a:headEnd type="none" w="med" len="med"/>
-                      <a:tailEnd type="none" w="med" len="med"/>
-                    </a:lnL>
-                    <a:lnR w="9525" cap="flat" cmpd="sng" algn="ctr">
-                      <a:solidFill>
-                        <a:srgbClr val="000000"/>
-                      </a:solidFill>
-                      <a:prstDash val="solid"/>
-                      <a:round/>
-                      <a:headEnd type="none" w="med" len="med"/>
-                      <a:tailEnd type="none" w="med" len="med"/>
-                    </a:lnR>
-                    <a:lnT w="9525" cap="flat" cmpd="sng" algn="ctr">
-                      <a:solidFill>
-                        <a:srgbClr val="CCCCCC"/>
-                      </a:solidFill>
-                      <a:prstDash val="solid"/>
-                      <a:round/>
-                      <a:headEnd type="none" w="med" len="med"/>
-                      <a:tailEnd type="none" w="med" len="med"/>
-                    </a:lnT>
-                    <a:lnB w="9525" cap="flat" cmpd="sng" algn="ctr">
-                      <a:solidFill>
-                        <a:srgbClr val="CCCCCC"/>
-                      </a:solidFill>
-                      <a:prstDash val="solid"/>
-                      <a:round/>
-                      <a:headEnd type="none" w="med" len="med"/>
-                      <a:tailEnd type="none" w="med" len="med"/>
-                    </a:lnB>
-                  </a:tcPr>
-                </a:tc>
-                <a:extLst>
-                  <a:ext uri="{0D108BD9-81ED-4DB2-BD59-A6C34878D82A}">
-                    <a16:rowId xmlns:a16="http://schemas.microsoft.com/office/drawing/2014/main" val="10001"/>
-                  </a:ext>
-                </a:extLst>
-              </a:tr>
-              <a:tr h="150837">
-                <a:tc>
-                  <a:txBody>
-                    <a:bodyPr/>
-                    <a:lstStyle/>
-                    <a:p>
-                      <a:pPr rtl="0" fontAlgn="b"/>
-                      <a:r>
-                        <a:rPr lang="pt-PT" sz="900" dirty="0">
-                          <a:effectLst/>
-                        </a:rPr>
-                        <a:t>/Users</a:t>
-                      </a:r>
-                    </a:p>
-                  </a:txBody>
-                  <a:tcPr marL="13796" marR="13796" marT="9197" marB="9197" anchor="b">
-                    <a:lnL w="9525" cap="flat" cmpd="sng" algn="ctr">
-                      <a:solidFill>
-                        <a:srgbClr val="000000"/>
-                      </a:solidFill>
-                      <a:prstDash val="solid"/>
-                      <a:round/>
-                      <a:headEnd type="none" w="med" len="med"/>
-                      <a:tailEnd type="none" w="med" len="med"/>
-                    </a:lnL>
-                    <a:lnR w="9525" cap="flat" cmpd="sng" algn="ctr">
-                      <a:solidFill>
-                        <a:srgbClr val="CCCCCC"/>
-                      </a:solidFill>
-                      <a:prstDash val="solid"/>
-                      <a:round/>
-                      <a:headEnd type="none" w="med" len="med"/>
-                      <a:tailEnd type="none" w="med" len="med"/>
-                    </a:lnR>
-                    <a:lnT w="9525" cap="flat" cmpd="sng" algn="ctr">
-                      <a:solidFill>
-                        <a:srgbClr val="CCCCCC"/>
-                      </a:solidFill>
-                      <a:prstDash val="solid"/>
-                      <a:round/>
-                      <a:headEnd type="none" w="med" len="med"/>
-                      <a:tailEnd type="none" w="med" len="med"/>
-                    </a:lnT>
-                    <a:lnB w="9525" cap="flat" cmpd="sng" algn="ctr">
-                      <a:solidFill>
-                        <a:srgbClr val="CCCCCC"/>
-                      </a:solidFill>
-                      <a:prstDash val="solid"/>
-                      <a:round/>
-                      <a:headEnd type="none" w="med" len="med"/>
-                      <a:tailEnd type="none" w="med" len="med"/>
-                    </a:lnB>
-                  </a:tcPr>
-                </a:tc>
-                <a:tc>
-                  <a:txBody>
-                    <a:bodyPr/>
-                    <a:lstStyle/>
-                    <a:p>
-                      <a:pPr rtl="0" fontAlgn="b"/>
-                      <a:r>
-                        <a:rPr lang="pt-PT" sz="900" dirty="0">
-                          <a:effectLst/>
-                        </a:rPr>
-                        <a:t>GET</a:t>
-                      </a:r>
-                    </a:p>
-                  </a:txBody>
-                  <a:tcPr marL="13796" marR="13796" marT="9197" marB="9197" anchor="b">
-                    <a:lnL w="9525" cap="flat" cmpd="sng" algn="ctr">
-                      <a:solidFill>
-                        <a:srgbClr val="CCCCCC"/>
-                      </a:solidFill>
-                      <a:prstDash val="solid"/>
-                      <a:round/>
-                      <a:headEnd type="none" w="med" len="med"/>
-                      <a:tailEnd type="none" w="med" len="med"/>
-                    </a:lnL>
-                    <a:lnR w="9525" cap="flat" cmpd="sng" algn="ctr">
-                      <a:solidFill>
-                        <a:srgbClr val="CCCCCC"/>
-                      </a:solidFill>
-                      <a:prstDash val="solid"/>
-                      <a:round/>
-                      <a:headEnd type="none" w="med" len="med"/>
-                      <a:tailEnd type="none" w="med" len="med"/>
-                    </a:lnR>
-                    <a:lnT w="9525" cap="flat" cmpd="sng" algn="ctr">
-                      <a:solidFill>
-                        <a:srgbClr val="CCCCCC"/>
-                      </a:solidFill>
-                      <a:prstDash val="solid"/>
-                      <a:round/>
-                      <a:headEnd type="none" w="med" len="med"/>
-                      <a:tailEnd type="none" w="med" len="med"/>
-                    </a:lnT>
-                    <a:lnB w="9525" cap="flat" cmpd="sng" algn="ctr">
-                      <a:solidFill>
-                        <a:srgbClr val="CCCCCC"/>
-                      </a:solidFill>
-                      <a:prstDash val="solid"/>
-                      <a:round/>
-                      <a:headEnd type="none" w="med" len="med"/>
-                      <a:tailEnd type="none" w="med" len="med"/>
-                    </a:lnB>
-                  </a:tcPr>
-                </a:tc>
-                <a:tc>
-                  <a:txBody>
-                    <a:bodyPr/>
-                    <a:lstStyle/>
-                    <a:p>
-                      <a:pPr rtl="0" fontAlgn="b"/>
-                      <a:r>
-                        <a:rPr lang="pt-PT" sz="900" dirty="0">
-                          <a:effectLst/>
-                        </a:rPr>
-                        <a:t>Listar todos users</a:t>
-                      </a:r>
-                    </a:p>
-                  </a:txBody>
-                  <a:tcPr marL="13796" marR="13796" marT="9197" marB="9197" anchor="b">
-                    <a:lnL w="9525" cap="flat" cmpd="sng" algn="ctr">
-                      <a:solidFill>
-                        <a:srgbClr val="CCCCCC"/>
-                      </a:solidFill>
-                      <a:prstDash val="solid"/>
-                      <a:round/>
-                      <a:headEnd type="none" w="med" len="med"/>
-                      <a:tailEnd type="none" w="med" len="med"/>
-                    </a:lnL>
-                    <a:lnR w="9525" cap="flat" cmpd="sng" algn="ctr">
-                      <a:solidFill>
-                        <a:srgbClr val="000000"/>
-                      </a:solidFill>
-                      <a:prstDash val="solid"/>
-                      <a:round/>
-                      <a:headEnd type="none" w="med" len="med"/>
-                      <a:tailEnd type="none" w="med" len="med"/>
-                    </a:lnR>
-                    <a:lnT w="9525" cap="flat" cmpd="sng" algn="ctr">
-                      <a:solidFill>
-                        <a:srgbClr val="CCCCCC"/>
-                      </a:solidFill>
-                      <a:prstDash val="solid"/>
-                      <a:round/>
-                      <a:headEnd type="none" w="med" len="med"/>
-                      <a:tailEnd type="none" w="med" len="med"/>
-                    </a:lnT>
-                    <a:lnB w="9525" cap="flat" cmpd="sng" algn="ctr">
-                      <a:solidFill>
-                        <a:srgbClr val="CCCCCC"/>
-                      </a:solidFill>
-                      <a:prstDash val="solid"/>
-                      <a:round/>
-                      <a:headEnd type="none" w="med" len="med"/>
-                      <a:tailEnd type="none" w="med" len="med"/>
-                    </a:lnB>
-                  </a:tcPr>
-                </a:tc>
-                <a:extLst>
-                  <a:ext uri="{0D108BD9-81ED-4DB2-BD59-A6C34878D82A}">
-                    <a16:rowId xmlns:a16="http://schemas.microsoft.com/office/drawing/2014/main" val="10002"/>
-                  </a:ext>
-                </a:extLst>
-              </a:tr>
-              <a:tr h="150837">
-                <a:tc>
-                  <a:txBody>
-                    <a:bodyPr/>
-                    <a:lstStyle/>
-                    <a:p>
-                      <a:pPr rtl="0" fontAlgn="b"/>
-                      <a:r>
-                        <a:rPr lang="pt-PT" sz="900" dirty="0">
-                          <a:effectLst/>
-                        </a:rPr>
-                        <a:t>/Users/{UserID}</a:t>
-                      </a:r>
-                    </a:p>
-                  </a:txBody>
-                  <a:tcPr marL="13796" marR="13796" marT="9197" marB="9197" anchor="b">
-                    <a:lnL w="9525" cap="flat" cmpd="sng" algn="ctr">
-                      <a:solidFill>
-                        <a:srgbClr val="000000"/>
-                      </a:solidFill>
-                      <a:prstDash val="solid"/>
-                      <a:round/>
-                      <a:headEnd type="none" w="med" len="med"/>
-                      <a:tailEnd type="none" w="med" len="med"/>
-                    </a:lnL>
-                    <a:lnR w="9525" cap="flat" cmpd="sng" algn="ctr">
-                      <a:solidFill>
-                        <a:srgbClr val="CCCCCC"/>
-                      </a:solidFill>
-                      <a:prstDash val="solid"/>
-                      <a:round/>
-                      <a:headEnd type="none" w="med" len="med"/>
-                      <a:tailEnd type="none" w="med" len="med"/>
-                    </a:lnR>
-                    <a:lnT w="9525" cap="flat" cmpd="sng" algn="ctr">
-                      <a:solidFill>
-                        <a:srgbClr val="CCCCCC"/>
-                      </a:solidFill>
-                      <a:prstDash val="solid"/>
-                      <a:round/>
-                      <a:headEnd type="none" w="med" len="med"/>
-                      <a:tailEnd type="none" w="med" len="med"/>
-                    </a:lnT>
-                    <a:lnB w="9525" cap="flat" cmpd="sng" algn="ctr">
-                      <a:solidFill>
-                        <a:srgbClr val="CCCCCC"/>
-                      </a:solidFill>
-                      <a:prstDash val="solid"/>
-                      <a:round/>
-                      <a:headEnd type="none" w="med" len="med"/>
-                      <a:tailEnd type="none" w="med" len="med"/>
-                    </a:lnB>
-                  </a:tcPr>
-                </a:tc>
-                <a:tc>
-                  <a:txBody>
-                    <a:bodyPr/>
-                    <a:lstStyle/>
-                    <a:p>
-                      <a:pPr rtl="0" fontAlgn="b"/>
-                      <a:r>
-                        <a:rPr lang="pt-PT" sz="900" dirty="0">
-                          <a:effectLst/>
-                        </a:rPr>
-                        <a:t>GET</a:t>
-                      </a:r>
-                    </a:p>
-                  </a:txBody>
-                  <a:tcPr marL="13796" marR="13796" marT="9197" marB="9197" anchor="b">
-                    <a:lnL w="9525" cap="flat" cmpd="sng" algn="ctr">
-                      <a:solidFill>
-                        <a:srgbClr val="CCCCCC"/>
-                      </a:solidFill>
-                      <a:prstDash val="solid"/>
-                      <a:round/>
-                      <a:headEnd type="none" w="med" len="med"/>
-                      <a:tailEnd type="none" w="med" len="med"/>
-                    </a:lnL>
-                    <a:lnR w="9525" cap="flat" cmpd="sng" algn="ctr">
-                      <a:solidFill>
-                        <a:srgbClr val="CCCCCC"/>
-                      </a:solidFill>
-                      <a:prstDash val="solid"/>
-                      <a:round/>
-                      <a:headEnd type="none" w="med" len="med"/>
-                      <a:tailEnd type="none" w="med" len="med"/>
-                    </a:lnR>
-                    <a:lnT w="9525" cap="flat" cmpd="sng" algn="ctr">
-                      <a:solidFill>
-                        <a:srgbClr val="CCCCCC"/>
-                      </a:solidFill>
-                      <a:prstDash val="solid"/>
-                      <a:round/>
-                      <a:headEnd type="none" w="med" len="med"/>
-                      <a:tailEnd type="none" w="med" len="med"/>
-                    </a:lnT>
-                    <a:lnB w="9525" cap="flat" cmpd="sng" algn="ctr">
-                      <a:solidFill>
-                        <a:srgbClr val="CCCCCC"/>
-                      </a:solidFill>
-                      <a:prstDash val="solid"/>
-                      <a:round/>
-                      <a:headEnd type="none" w="med" len="med"/>
-                      <a:tailEnd type="none" w="med" len="med"/>
-                    </a:lnB>
-                  </a:tcPr>
-                </a:tc>
-                <a:tc>
-                  <a:txBody>
-                    <a:bodyPr/>
-                    <a:lstStyle/>
-                    <a:p>
-                      <a:pPr rtl="0" fontAlgn="b"/>
-                      <a:r>
-                        <a:rPr lang="pt-PT" sz="900" dirty="0">
-                          <a:effectLst/>
-                        </a:rPr>
-                        <a:t>Obter user</a:t>
-                      </a:r>
-                    </a:p>
-                  </a:txBody>
-                  <a:tcPr marL="13796" marR="13796" marT="9197" marB="9197" anchor="b">
-                    <a:lnL w="9525" cap="flat" cmpd="sng" algn="ctr">
-                      <a:solidFill>
-                        <a:srgbClr val="CCCCCC"/>
-                      </a:solidFill>
-                      <a:prstDash val="solid"/>
-                      <a:round/>
-                      <a:headEnd type="none" w="med" len="med"/>
-                      <a:tailEnd type="none" w="med" len="med"/>
-                    </a:lnL>
-                    <a:lnR w="9525" cap="flat" cmpd="sng" algn="ctr">
-                      <a:solidFill>
-                        <a:srgbClr val="000000"/>
-                      </a:solidFill>
-                      <a:prstDash val="solid"/>
-                      <a:round/>
-                      <a:headEnd type="none" w="med" len="med"/>
-                      <a:tailEnd type="none" w="med" len="med"/>
-                    </a:lnR>
-                    <a:lnT w="9525" cap="flat" cmpd="sng" algn="ctr">
-                      <a:solidFill>
-                        <a:srgbClr val="CCCCCC"/>
-                      </a:solidFill>
-                      <a:prstDash val="solid"/>
-                      <a:round/>
-                      <a:headEnd type="none" w="med" len="med"/>
-                      <a:tailEnd type="none" w="med" len="med"/>
-                    </a:lnT>
-                    <a:lnB w="9525" cap="flat" cmpd="sng" algn="ctr">
-                      <a:solidFill>
-                        <a:srgbClr val="CCCCCC"/>
-                      </a:solidFill>
-                      <a:prstDash val="solid"/>
-                      <a:round/>
-                      <a:headEnd type="none" w="med" len="med"/>
-                      <a:tailEnd type="none" w="med" len="med"/>
-                    </a:lnB>
-                  </a:tcPr>
-                </a:tc>
-                <a:extLst>
-                  <a:ext uri="{0D108BD9-81ED-4DB2-BD59-A6C34878D82A}">
-                    <a16:rowId xmlns:a16="http://schemas.microsoft.com/office/drawing/2014/main" val="10003"/>
-                  </a:ext>
-                </a:extLst>
-              </a:tr>
-              <a:tr h="150837">
-                <a:tc>
-                  <a:txBody>
-                    <a:bodyPr/>
-                    <a:lstStyle/>
-                    <a:p>
-                      <a:pPr rtl="0" fontAlgn="b"/>
-                      <a:r>
-                        <a:rPr lang="pt-PT" sz="900" dirty="0">
-                          <a:effectLst/>
-                        </a:rPr>
-                        <a:t>/Users/{UserID}</a:t>
-                      </a:r>
-                    </a:p>
-                  </a:txBody>
-                  <a:tcPr marL="13796" marR="13796" marT="9197" marB="9197" anchor="b">
-                    <a:lnL w="9525" cap="flat" cmpd="sng" algn="ctr">
-                      <a:solidFill>
-                        <a:srgbClr val="000000"/>
-                      </a:solidFill>
-                      <a:prstDash val="solid"/>
-                      <a:round/>
-                      <a:headEnd type="none" w="med" len="med"/>
-                      <a:tailEnd type="none" w="med" len="med"/>
-                    </a:lnL>
-                    <a:lnR w="9525" cap="flat" cmpd="sng" algn="ctr">
-                      <a:solidFill>
-                        <a:srgbClr val="CCCCCC"/>
-                      </a:solidFill>
-                      <a:prstDash val="solid"/>
-                      <a:round/>
-                      <a:headEnd type="none" w="med" len="med"/>
-                      <a:tailEnd type="none" w="med" len="med"/>
-                    </a:lnR>
-                    <a:lnT w="9525" cap="flat" cmpd="sng" algn="ctr">
-                      <a:solidFill>
-                        <a:srgbClr val="CCCCCC"/>
-                      </a:solidFill>
-                      <a:prstDash val="solid"/>
-                      <a:round/>
-                      <a:headEnd type="none" w="med" len="med"/>
-                      <a:tailEnd type="none" w="med" len="med"/>
-                    </a:lnT>
-                    <a:lnB w="9525" cap="flat" cmpd="sng" algn="ctr">
-                      <a:solidFill>
-                        <a:srgbClr val="CCCCCC"/>
-                      </a:solidFill>
-                      <a:prstDash val="solid"/>
-                      <a:round/>
-                      <a:headEnd type="none" w="med" len="med"/>
-                      <a:tailEnd type="none" w="med" len="med"/>
-                    </a:lnB>
-                  </a:tcPr>
-                </a:tc>
-                <a:tc>
-                  <a:txBody>
-                    <a:bodyPr/>
-                    <a:lstStyle/>
-                    <a:p>
-                      <a:pPr rtl="0" fontAlgn="b"/>
-                      <a:r>
-                        <a:rPr lang="pt-PT" sz="900" dirty="0">
-                          <a:effectLst/>
-                        </a:rPr>
-                        <a:t>PUT</a:t>
-                      </a:r>
-                    </a:p>
-                  </a:txBody>
-                  <a:tcPr marL="13796" marR="13796" marT="9197" marB="9197" anchor="b">
-                    <a:lnL w="9525" cap="flat" cmpd="sng" algn="ctr">
-                      <a:solidFill>
-                        <a:srgbClr val="CCCCCC"/>
-                      </a:solidFill>
-                      <a:prstDash val="solid"/>
-                      <a:round/>
-                      <a:headEnd type="none" w="med" len="med"/>
-                      <a:tailEnd type="none" w="med" len="med"/>
-                    </a:lnL>
-                    <a:lnR w="9525" cap="flat" cmpd="sng" algn="ctr">
-                      <a:solidFill>
-                        <a:srgbClr val="CCCCCC"/>
-                      </a:solidFill>
-                      <a:prstDash val="solid"/>
-                      <a:round/>
-                      <a:headEnd type="none" w="med" len="med"/>
-                      <a:tailEnd type="none" w="med" len="med"/>
-                    </a:lnR>
-                    <a:lnT w="9525" cap="flat" cmpd="sng" algn="ctr">
-                      <a:solidFill>
-                        <a:srgbClr val="CCCCCC"/>
-                      </a:solidFill>
-                      <a:prstDash val="solid"/>
-                      <a:round/>
-                      <a:headEnd type="none" w="med" len="med"/>
-                      <a:tailEnd type="none" w="med" len="med"/>
-                    </a:lnT>
-                    <a:lnB w="9525" cap="flat" cmpd="sng" algn="ctr">
-                      <a:solidFill>
-                        <a:srgbClr val="CCCCCC"/>
-                      </a:solidFill>
-                      <a:prstDash val="solid"/>
-                      <a:round/>
-                      <a:headEnd type="none" w="med" len="med"/>
-                      <a:tailEnd type="none" w="med" len="med"/>
-                    </a:lnB>
-                  </a:tcPr>
-                </a:tc>
-                <a:tc>
-                  <a:txBody>
-                    <a:bodyPr/>
-                    <a:lstStyle/>
-                    <a:p>
-                      <a:pPr rtl="0" fontAlgn="b"/>
-                      <a:r>
-                        <a:rPr lang="pt-PT" sz="900" dirty="0">
-                          <a:effectLst/>
-                        </a:rPr>
-                        <a:t>Modificar user</a:t>
-                      </a:r>
-                    </a:p>
-                  </a:txBody>
-                  <a:tcPr marL="13796" marR="13796" marT="9197" marB="9197" anchor="b">
-                    <a:lnL w="9525" cap="flat" cmpd="sng" algn="ctr">
-                      <a:solidFill>
-                        <a:srgbClr val="CCCCCC"/>
-                      </a:solidFill>
-                      <a:prstDash val="solid"/>
-                      <a:round/>
-                      <a:headEnd type="none" w="med" len="med"/>
-                      <a:tailEnd type="none" w="med" len="med"/>
-                    </a:lnL>
-                    <a:lnR w="9525" cap="flat" cmpd="sng" algn="ctr">
-                      <a:solidFill>
-                        <a:srgbClr val="000000"/>
-                      </a:solidFill>
-                      <a:prstDash val="solid"/>
-                      <a:round/>
-                      <a:headEnd type="none" w="med" len="med"/>
-                      <a:tailEnd type="none" w="med" len="med"/>
-                    </a:lnR>
-                    <a:lnT w="9525" cap="flat" cmpd="sng" algn="ctr">
-                      <a:solidFill>
-                        <a:srgbClr val="CCCCCC"/>
-                      </a:solidFill>
-                      <a:prstDash val="solid"/>
-                      <a:round/>
-                      <a:headEnd type="none" w="med" len="med"/>
-                      <a:tailEnd type="none" w="med" len="med"/>
-                    </a:lnT>
-                    <a:lnB w="9525" cap="flat" cmpd="sng" algn="ctr">
-                      <a:solidFill>
-                        <a:srgbClr val="CCCCCC"/>
-                      </a:solidFill>
-                      <a:prstDash val="solid"/>
-                      <a:round/>
-                      <a:headEnd type="none" w="med" len="med"/>
-                      <a:tailEnd type="none" w="med" len="med"/>
-                    </a:lnB>
-                  </a:tcPr>
-                </a:tc>
-                <a:extLst>
-                  <a:ext uri="{0D108BD9-81ED-4DB2-BD59-A6C34878D82A}">
-                    <a16:rowId xmlns:a16="http://schemas.microsoft.com/office/drawing/2014/main" val="10004"/>
-                  </a:ext>
-                </a:extLst>
-              </a:tr>
-              <a:tr h="150837">
-                <a:tc>
-                  <a:txBody>
-                    <a:bodyPr/>
-                    <a:lstStyle/>
-                    <a:p>
-                      <a:pPr rtl="0" fontAlgn="b"/>
-                      <a:r>
-                        <a:rPr lang="pt-PT" sz="900" dirty="0">
-                          <a:effectLst/>
-                        </a:rPr>
-                        <a:t>/Users/{UserID}/Datasets</a:t>
-                      </a:r>
-                    </a:p>
-                  </a:txBody>
-                  <a:tcPr marL="13796" marR="13796" marT="9197" marB="9197" anchor="b">
-                    <a:lnL w="9525" cap="flat" cmpd="sng" algn="ctr">
-                      <a:solidFill>
-                        <a:srgbClr val="000000"/>
-                      </a:solidFill>
-                      <a:prstDash val="solid"/>
-                      <a:round/>
-                      <a:headEnd type="none" w="med" len="med"/>
-                      <a:tailEnd type="none" w="med" len="med"/>
-                    </a:lnL>
-                    <a:lnR w="9525" cap="flat" cmpd="sng" algn="ctr">
-                      <a:solidFill>
-                        <a:srgbClr val="CCCCCC"/>
-                      </a:solidFill>
-                      <a:prstDash val="solid"/>
-                      <a:round/>
-                      <a:headEnd type="none" w="med" len="med"/>
-                      <a:tailEnd type="none" w="med" len="med"/>
-                    </a:lnR>
-                    <a:lnT w="9525" cap="flat" cmpd="sng" algn="ctr">
-                      <a:solidFill>
-                        <a:srgbClr val="CCCCCC"/>
-                      </a:solidFill>
-                      <a:prstDash val="solid"/>
-                      <a:round/>
-                      <a:headEnd type="none" w="med" len="med"/>
-                      <a:tailEnd type="none" w="med" len="med"/>
-                    </a:lnT>
-                    <a:lnB w="9525" cap="flat" cmpd="sng" algn="ctr">
-                      <a:solidFill>
-                        <a:srgbClr val="CCCCCC"/>
-                      </a:solidFill>
-                      <a:prstDash val="solid"/>
-                      <a:round/>
-                      <a:headEnd type="none" w="med" len="med"/>
-                      <a:tailEnd type="none" w="med" len="med"/>
-                    </a:lnB>
-                  </a:tcPr>
-                </a:tc>
-                <a:tc>
-                  <a:txBody>
-                    <a:bodyPr/>
-                    <a:lstStyle/>
-                    <a:p>
-                      <a:pPr rtl="0" fontAlgn="b"/>
-                      <a:r>
-                        <a:rPr lang="pt-PT" sz="900" dirty="0">
-                          <a:effectLst/>
-                        </a:rPr>
-                        <a:t>POST</a:t>
-                      </a:r>
-                    </a:p>
-                  </a:txBody>
-                  <a:tcPr marL="13796" marR="13796" marT="9197" marB="9197" anchor="b">
-                    <a:lnL w="9525" cap="flat" cmpd="sng" algn="ctr">
-                      <a:solidFill>
-                        <a:srgbClr val="CCCCCC"/>
-                      </a:solidFill>
-                      <a:prstDash val="solid"/>
-                      <a:round/>
-                      <a:headEnd type="none" w="med" len="med"/>
-                      <a:tailEnd type="none" w="med" len="med"/>
-                    </a:lnL>
-                    <a:lnR w="9525" cap="flat" cmpd="sng" algn="ctr">
-                      <a:solidFill>
-                        <a:srgbClr val="CCCCCC"/>
-                      </a:solidFill>
-                      <a:prstDash val="solid"/>
-                      <a:round/>
-                      <a:headEnd type="none" w="med" len="med"/>
-                      <a:tailEnd type="none" w="med" len="med"/>
-                    </a:lnR>
-                    <a:lnT w="9525" cap="flat" cmpd="sng" algn="ctr">
-                      <a:solidFill>
-                        <a:srgbClr val="CCCCCC"/>
-                      </a:solidFill>
-                      <a:prstDash val="solid"/>
-                      <a:round/>
-                      <a:headEnd type="none" w="med" len="med"/>
-                      <a:tailEnd type="none" w="med" len="med"/>
-                    </a:lnT>
-                    <a:lnB w="9525" cap="flat" cmpd="sng" algn="ctr">
-                      <a:solidFill>
-                        <a:srgbClr val="CCCCCC"/>
-                      </a:solidFill>
-                      <a:prstDash val="solid"/>
-                      <a:round/>
-                      <a:headEnd type="none" w="med" len="med"/>
-                      <a:tailEnd type="none" w="med" len="med"/>
-                    </a:lnB>
-                  </a:tcPr>
-                </a:tc>
-                <a:tc>
-                  <a:txBody>
-                    <a:bodyPr/>
-                    <a:lstStyle/>
-                    <a:p>
-                      <a:pPr rtl="0" fontAlgn="b"/>
-                      <a:r>
-                        <a:rPr lang="pt-PT" sz="900" dirty="0">
-                          <a:effectLst/>
-                        </a:rPr>
-                        <a:t>Criar dataset</a:t>
-                      </a:r>
-                    </a:p>
-                  </a:txBody>
-                  <a:tcPr marL="13796" marR="13796" marT="9197" marB="9197" anchor="b">
-                    <a:lnL w="9525" cap="flat" cmpd="sng" algn="ctr">
-                      <a:solidFill>
-                        <a:srgbClr val="CCCCCC"/>
-                      </a:solidFill>
-                      <a:prstDash val="solid"/>
-                      <a:round/>
-                      <a:headEnd type="none" w="med" len="med"/>
-                      <a:tailEnd type="none" w="med" len="med"/>
-                    </a:lnL>
-                    <a:lnR w="9525" cap="flat" cmpd="sng" algn="ctr">
-                      <a:solidFill>
-                        <a:srgbClr val="000000"/>
-                      </a:solidFill>
-                      <a:prstDash val="solid"/>
-                      <a:round/>
-                      <a:headEnd type="none" w="med" len="med"/>
-                      <a:tailEnd type="none" w="med" len="med"/>
-                    </a:lnR>
-                    <a:lnT w="9525" cap="flat" cmpd="sng" algn="ctr">
-                      <a:solidFill>
-                        <a:srgbClr val="CCCCCC"/>
-                      </a:solidFill>
-                      <a:prstDash val="solid"/>
-                      <a:round/>
-                      <a:headEnd type="none" w="med" len="med"/>
-                      <a:tailEnd type="none" w="med" len="med"/>
-                    </a:lnT>
-                    <a:lnB w="9525" cap="flat" cmpd="sng" algn="ctr">
-                      <a:solidFill>
-                        <a:srgbClr val="CCCCCC"/>
-                      </a:solidFill>
-                      <a:prstDash val="solid"/>
-                      <a:round/>
-                      <a:headEnd type="none" w="med" len="med"/>
-                      <a:tailEnd type="none" w="med" len="med"/>
-                    </a:lnB>
-                  </a:tcPr>
-                </a:tc>
-                <a:extLst>
-                  <a:ext uri="{0D108BD9-81ED-4DB2-BD59-A6C34878D82A}">
-                    <a16:rowId xmlns:a16="http://schemas.microsoft.com/office/drawing/2014/main" val="10005"/>
-                  </a:ext>
-                </a:extLst>
-              </a:tr>
-              <a:tr h="283279">
-                <a:tc>
-                  <a:txBody>
-                    <a:bodyPr/>
-                    <a:lstStyle/>
-                    <a:p>
-                      <a:pPr rtl="0" fontAlgn="b"/>
-                      <a:r>
-                        <a:rPr lang="pt-PT" sz="900" dirty="0">
-                          <a:effectLst/>
-                        </a:rPr>
-                        <a:t>/Users/{UserID}/Datasets</a:t>
-                      </a:r>
-                    </a:p>
-                  </a:txBody>
-                  <a:tcPr marL="13796" marR="13796" marT="9197" marB="9197" anchor="b">
-                    <a:lnL w="9525" cap="flat" cmpd="sng" algn="ctr">
-                      <a:solidFill>
-                        <a:srgbClr val="000000"/>
-                      </a:solidFill>
-                      <a:prstDash val="solid"/>
-                      <a:round/>
-                      <a:headEnd type="none" w="med" len="med"/>
-                      <a:tailEnd type="none" w="med" len="med"/>
-                    </a:lnL>
-                    <a:lnR w="9525" cap="flat" cmpd="sng" algn="ctr">
-                      <a:solidFill>
-                        <a:srgbClr val="CCCCCC"/>
-                      </a:solidFill>
-                      <a:prstDash val="solid"/>
-                      <a:round/>
-                      <a:headEnd type="none" w="med" len="med"/>
-                      <a:tailEnd type="none" w="med" len="med"/>
-                    </a:lnR>
-                    <a:lnT w="9525" cap="flat" cmpd="sng" algn="ctr">
-                      <a:solidFill>
-                        <a:srgbClr val="CCCCCC"/>
-                      </a:solidFill>
-                      <a:prstDash val="solid"/>
-                      <a:round/>
-                      <a:headEnd type="none" w="med" len="med"/>
-                      <a:tailEnd type="none" w="med" len="med"/>
-                    </a:lnT>
-                    <a:lnB w="9525" cap="flat" cmpd="sng" algn="ctr">
-                      <a:solidFill>
-                        <a:srgbClr val="CCCCCC"/>
-                      </a:solidFill>
-                      <a:prstDash val="solid"/>
-                      <a:round/>
-                      <a:headEnd type="none" w="med" len="med"/>
-                      <a:tailEnd type="none" w="med" len="med"/>
-                    </a:lnB>
-                  </a:tcPr>
-                </a:tc>
-                <a:tc>
-                  <a:txBody>
-                    <a:bodyPr/>
-                    <a:lstStyle/>
-                    <a:p>
-                      <a:pPr rtl="0" fontAlgn="b"/>
-                      <a:r>
-                        <a:rPr lang="pt-PT" sz="900" dirty="0">
-                          <a:effectLst/>
-                        </a:rPr>
-                        <a:t>GET</a:t>
-                      </a:r>
-                    </a:p>
-                  </a:txBody>
-                  <a:tcPr marL="13796" marR="13796" marT="9197" marB="9197" anchor="b">
-                    <a:lnL w="9525" cap="flat" cmpd="sng" algn="ctr">
-                      <a:solidFill>
-                        <a:srgbClr val="CCCCCC"/>
-                      </a:solidFill>
-                      <a:prstDash val="solid"/>
-                      <a:round/>
-                      <a:headEnd type="none" w="med" len="med"/>
-                      <a:tailEnd type="none" w="med" len="med"/>
-                    </a:lnL>
-                    <a:lnR w="9525" cap="flat" cmpd="sng" algn="ctr">
-                      <a:solidFill>
-                        <a:srgbClr val="CCCCCC"/>
-                      </a:solidFill>
-                      <a:prstDash val="solid"/>
-                      <a:round/>
-                      <a:headEnd type="none" w="med" len="med"/>
-                      <a:tailEnd type="none" w="med" len="med"/>
-                    </a:lnR>
-                    <a:lnT w="9525" cap="flat" cmpd="sng" algn="ctr">
-                      <a:solidFill>
-                        <a:srgbClr val="CCCCCC"/>
-                      </a:solidFill>
-                      <a:prstDash val="solid"/>
-                      <a:round/>
-                      <a:headEnd type="none" w="med" len="med"/>
-                      <a:tailEnd type="none" w="med" len="med"/>
-                    </a:lnT>
-                    <a:lnB w="9525" cap="flat" cmpd="sng" algn="ctr">
-                      <a:solidFill>
-                        <a:srgbClr val="CCCCCC"/>
-                      </a:solidFill>
-                      <a:prstDash val="solid"/>
-                      <a:round/>
-                      <a:headEnd type="none" w="med" len="med"/>
-                      <a:tailEnd type="none" w="med" len="med"/>
-                    </a:lnB>
-                  </a:tcPr>
-                </a:tc>
-                <a:tc>
-                  <a:txBody>
-                    <a:bodyPr/>
-                    <a:lstStyle/>
-                    <a:p>
-                      <a:pPr rtl="0" fontAlgn="b"/>
-                      <a:r>
-                        <a:rPr lang="pt-PT" sz="900" dirty="0">
-                          <a:effectLst/>
-                        </a:rPr>
-                        <a:t>Listar todos datasets do user</a:t>
-                      </a:r>
-                    </a:p>
-                  </a:txBody>
-                  <a:tcPr marL="13796" marR="13796" marT="9197" marB="9197" anchor="b">
-                    <a:lnL w="9525" cap="flat" cmpd="sng" algn="ctr">
-                      <a:solidFill>
-                        <a:srgbClr val="CCCCCC"/>
-                      </a:solidFill>
-                      <a:prstDash val="solid"/>
-                      <a:round/>
-                      <a:headEnd type="none" w="med" len="med"/>
-                      <a:tailEnd type="none" w="med" len="med"/>
-                    </a:lnL>
-                    <a:lnR w="9525" cap="flat" cmpd="sng" algn="ctr">
-                      <a:solidFill>
-                        <a:srgbClr val="000000"/>
-                      </a:solidFill>
-                      <a:prstDash val="solid"/>
-                      <a:round/>
-                      <a:headEnd type="none" w="med" len="med"/>
-                      <a:tailEnd type="none" w="med" len="med"/>
-                    </a:lnR>
-                    <a:lnT w="9525" cap="flat" cmpd="sng" algn="ctr">
-                      <a:solidFill>
-                        <a:srgbClr val="CCCCCC"/>
-                      </a:solidFill>
-                      <a:prstDash val="solid"/>
-                      <a:round/>
-                      <a:headEnd type="none" w="med" len="med"/>
-                      <a:tailEnd type="none" w="med" len="med"/>
-                    </a:lnT>
-                    <a:lnB w="9525" cap="flat" cmpd="sng" algn="ctr">
-                      <a:solidFill>
-                        <a:srgbClr val="CCCCCC"/>
-                      </a:solidFill>
-                      <a:prstDash val="solid"/>
-                      <a:round/>
-                      <a:headEnd type="none" w="med" len="med"/>
-                      <a:tailEnd type="none" w="med" len="med"/>
-                    </a:lnB>
-                  </a:tcPr>
-                </a:tc>
-                <a:extLst>
-                  <a:ext uri="{0D108BD9-81ED-4DB2-BD59-A6C34878D82A}">
-                    <a16:rowId xmlns:a16="http://schemas.microsoft.com/office/drawing/2014/main" val="10006"/>
-                  </a:ext>
-                </a:extLst>
-              </a:tr>
-              <a:tr h="283279">
-                <a:tc>
-                  <a:txBody>
-                    <a:bodyPr/>
-                    <a:lstStyle/>
-                    <a:p>
-                      <a:pPr rtl="0" fontAlgn="b"/>
-                      <a:r>
-                        <a:rPr lang="pt-PT" sz="900" dirty="0">
-                          <a:effectLst/>
-                        </a:rPr>
-                        <a:t>/Users/{UserID}/Datasets/{DatasetID}</a:t>
-                      </a:r>
-                    </a:p>
-                  </a:txBody>
-                  <a:tcPr marL="13796" marR="13796" marT="9197" marB="9197" anchor="b">
-                    <a:lnL w="9525" cap="flat" cmpd="sng" algn="ctr">
-                      <a:solidFill>
-                        <a:srgbClr val="000000"/>
-                      </a:solidFill>
-                      <a:prstDash val="solid"/>
-                      <a:round/>
-                      <a:headEnd type="none" w="med" len="med"/>
-                      <a:tailEnd type="none" w="med" len="med"/>
-                    </a:lnL>
-                    <a:lnR w="9525" cap="flat" cmpd="sng" algn="ctr">
-                      <a:solidFill>
-                        <a:srgbClr val="CCCCCC"/>
-                      </a:solidFill>
-                      <a:prstDash val="solid"/>
-                      <a:round/>
-                      <a:headEnd type="none" w="med" len="med"/>
-                      <a:tailEnd type="none" w="med" len="med"/>
-                    </a:lnR>
-                    <a:lnT w="9525" cap="flat" cmpd="sng" algn="ctr">
-                      <a:solidFill>
-                        <a:srgbClr val="CCCCCC"/>
-                      </a:solidFill>
-                      <a:prstDash val="solid"/>
-                      <a:round/>
-                      <a:headEnd type="none" w="med" len="med"/>
-                      <a:tailEnd type="none" w="med" len="med"/>
-                    </a:lnT>
-                    <a:lnB w="9525" cap="flat" cmpd="sng" algn="ctr">
-                      <a:solidFill>
-                        <a:srgbClr val="CCCCCC"/>
-                      </a:solidFill>
-                      <a:prstDash val="solid"/>
-                      <a:round/>
-                      <a:headEnd type="none" w="med" len="med"/>
-                      <a:tailEnd type="none" w="med" len="med"/>
-                    </a:lnB>
-                  </a:tcPr>
-                </a:tc>
-                <a:tc>
-                  <a:txBody>
-                    <a:bodyPr/>
-                    <a:lstStyle/>
-                    <a:p>
-                      <a:pPr rtl="0" fontAlgn="b"/>
-                      <a:r>
-                        <a:rPr lang="pt-PT" sz="900" dirty="0">
-                          <a:effectLst/>
-                        </a:rPr>
-                        <a:t>GET</a:t>
-                      </a:r>
-                    </a:p>
-                  </a:txBody>
-                  <a:tcPr marL="13796" marR="13796" marT="9197" marB="9197" anchor="b">
-                    <a:lnL w="9525" cap="flat" cmpd="sng" algn="ctr">
-                      <a:solidFill>
-                        <a:srgbClr val="CCCCCC"/>
-                      </a:solidFill>
-                      <a:prstDash val="solid"/>
-                      <a:round/>
-                      <a:headEnd type="none" w="med" len="med"/>
-                      <a:tailEnd type="none" w="med" len="med"/>
-                    </a:lnL>
-                    <a:lnR w="9525" cap="flat" cmpd="sng" algn="ctr">
-                      <a:solidFill>
-                        <a:srgbClr val="CCCCCC"/>
-                      </a:solidFill>
-                      <a:prstDash val="solid"/>
-                      <a:round/>
-                      <a:headEnd type="none" w="med" len="med"/>
-                      <a:tailEnd type="none" w="med" len="med"/>
-                    </a:lnR>
-                    <a:lnT w="9525" cap="flat" cmpd="sng" algn="ctr">
-                      <a:solidFill>
-                        <a:srgbClr val="CCCCCC"/>
-                      </a:solidFill>
-                      <a:prstDash val="solid"/>
-                      <a:round/>
-                      <a:headEnd type="none" w="med" len="med"/>
-                      <a:tailEnd type="none" w="med" len="med"/>
-                    </a:lnT>
-                    <a:lnB w="9525" cap="flat" cmpd="sng" algn="ctr">
-                      <a:solidFill>
-                        <a:srgbClr val="CCCCCC"/>
-                      </a:solidFill>
-                      <a:prstDash val="solid"/>
-                      <a:round/>
-                      <a:headEnd type="none" w="med" len="med"/>
-                      <a:tailEnd type="none" w="med" len="med"/>
-                    </a:lnB>
-                  </a:tcPr>
-                </a:tc>
-                <a:tc>
-                  <a:txBody>
-                    <a:bodyPr/>
-                    <a:lstStyle/>
-                    <a:p>
-                      <a:pPr rtl="0" fontAlgn="b"/>
-                      <a:r>
-                        <a:rPr lang="pt-PT" sz="900" dirty="0">
-                          <a:effectLst/>
-                        </a:rPr>
-                        <a:t>Obter dataset</a:t>
-                      </a:r>
-                    </a:p>
-                  </a:txBody>
-                  <a:tcPr marL="13796" marR="13796" marT="9197" marB="9197" anchor="b">
-                    <a:lnL w="9525" cap="flat" cmpd="sng" algn="ctr">
-                      <a:solidFill>
-                        <a:srgbClr val="CCCCCC"/>
-                      </a:solidFill>
-                      <a:prstDash val="solid"/>
-                      <a:round/>
-                      <a:headEnd type="none" w="med" len="med"/>
-                      <a:tailEnd type="none" w="med" len="med"/>
-                    </a:lnL>
-                    <a:lnR w="9525" cap="flat" cmpd="sng" algn="ctr">
-                      <a:solidFill>
-                        <a:srgbClr val="000000"/>
-                      </a:solidFill>
-                      <a:prstDash val="solid"/>
-                      <a:round/>
-                      <a:headEnd type="none" w="med" len="med"/>
-                      <a:tailEnd type="none" w="med" len="med"/>
-                    </a:lnR>
-                    <a:lnT w="9525" cap="flat" cmpd="sng" algn="ctr">
-                      <a:solidFill>
-                        <a:srgbClr val="CCCCCC"/>
-                      </a:solidFill>
-                      <a:prstDash val="solid"/>
-                      <a:round/>
-                      <a:headEnd type="none" w="med" len="med"/>
-                      <a:tailEnd type="none" w="med" len="med"/>
-                    </a:lnT>
-                    <a:lnB w="9525" cap="flat" cmpd="sng" algn="ctr">
-                      <a:solidFill>
-                        <a:srgbClr val="CCCCCC"/>
-                      </a:solidFill>
-                      <a:prstDash val="solid"/>
-                      <a:round/>
-                      <a:headEnd type="none" w="med" len="med"/>
-                      <a:tailEnd type="none" w="med" len="med"/>
-                    </a:lnB>
-                  </a:tcPr>
-                </a:tc>
-                <a:extLst>
-                  <a:ext uri="{0D108BD9-81ED-4DB2-BD59-A6C34878D82A}">
-                    <a16:rowId xmlns:a16="http://schemas.microsoft.com/office/drawing/2014/main" val="10007"/>
-                  </a:ext>
-                </a:extLst>
-              </a:tr>
-              <a:tr h="283279">
-                <a:tc>
-                  <a:txBody>
-                    <a:bodyPr/>
-                    <a:lstStyle/>
-                    <a:p>
-                      <a:pPr rtl="0" fontAlgn="b"/>
-                      <a:r>
-                        <a:rPr lang="pt-PT" sz="900" dirty="0">
-                          <a:effectLst/>
-                        </a:rPr>
-                        <a:t>/Users/{UserID}/Datasets/{DatasetID}</a:t>
-                      </a:r>
-                    </a:p>
-                  </a:txBody>
-                  <a:tcPr marL="13796" marR="13796" marT="9197" marB="9197" anchor="b">
-                    <a:lnL w="9525" cap="flat" cmpd="sng" algn="ctr">
-                      <a:solidFill>
-                        <a:srgbClr val="000000"/>
-                      </a:solidFill>
-                      <a:prstDash val="solid"/>
-                      <a:round/>
-                      <a:headEnd type="none" w="med" len="med"/>
-                      <a:tailEnd type="none" w="med" len="med"/>
-                    </a:lnL>
-                    <a:lnR w="9525" cap="flat" cmpd="sng" algn="ctr">
-                      <a:solidFill>
-                        <a:srgbClr val="CCCCCC"/>
-                      </a:solidFill>
-                      <a:prstDash val="solid"/>
-                      <a:round/>
-                      <a:headEnd type="none" w="med" len="med"/>
-                      <a:tailEnd type="none" w="med" len="med"/>
-                    </a:lnR>
-                    <a:lnT w="9525" cap="flat" cmpd="sng" algn="ctr">
-                      <a:solidFill>
-                        <a:srgbClr val="CCCCCC"/>
-                      </a:solidFill>
-                      <a:prstDash val="solid"/>
-                      <a:round/>
-                      <a:headEnd type="none" w="med" len="med"/>
-                      <a:tailEnd type="none" w="med" len="med"/>
-                    </a:lnT>
-                    <a:lnB w="9525" cap="flat" cmpd="sng" algn="ctr">
-                      <a:solidFill>
-                        <a:srgbClr val="CCCCCC"/>
-                      </a:solidFill>
-                      <a:prstDash val="solid"/>
-                      <a:round/>
-                      <a:headEnd type="none" w="med" len="med"/>
-                      <a:tailEnd type="none" w="med" len="med"/>
-                    </a:lnB>
-                  </a:tcPr>
-                </a:tc>
-                <a:tc>
-                  <a:txBody>
-                    <a:bodyPr/>
-                    <a:lstStyle/>
-                    <a:p>
-                      <a:pPr rtl="0" fontAlgn="b"/>
-                      <a:r>
-                        <a:rPr lang="pt-PT" sz="900" dirty="0">
-                          <a:effectLst/>
-                        </a:rPr>
-                        <a:t>PUT</a:t>
-                      </a:r>
-                    </a:p>
-                  </a:txBody>
-                  <a:tcPr marL="13796" marR="13796" marT="9197" marB="9197" anchor="b">
-                    <a:lnL w="9525" cap="flat" cmpd="sng" algn="ctr">
-                      <a:solidFill>
-                        <a:srgbClr val="CCCCCC"/>
-                      </a:solidFill>
-                      <a:prstDash val="solid"/>
-                      <a:round/>
-                      <a:headEnd type="none" w="med" len="med"/>
-                      <a:tailEnd type="none" w="med" len="med"/>
-                    </a:lnL>
-                    <a:lnR w="9525" cap="flat" cmpd="sng" algn="ctr">
-                      <a:solidFill>
-                        <a:srgbClr val="CCCCCC"/>
-                      </a:solidFill>
-                      <a:prstDash val="solid"/>
-                      <a:round/>
-                      <a:headEnd type="none" w="med" len="med"/>
-                      <a:tailEnd type="none" w="med" len="med"/>
-                    </a:lnR>
-                    <a:lnT w="9525" cap="flat" cmpd="sng" algn="ctr">
-                      <a:solidFill>
-                        <a:srgbClr val="CCCCCC"/>
-                      </a:solidFill>
-                      <a:prstDash val="solid"/>
-                      <a:round/>
-                      <a:headEnd type="none" w="med" len="med"/>
-                      <a:tailEnd type="none" w="med" len="med"/>
-                    </a:lnT>
-                    <a:lnB w="9525" cap="flat" cmpd="sng" algn="ctr">
-                      <a:solidFill>
-                        <a:srgbClr val="CCCCCC"/>
-                      </a:solidFill>
-                      <a:prstDash val="solid"/>
-                      <a:round/>
-                      <a:headEnd type="none" w="med" len="med"/>
-                      <a:tailEnd type="none" w="med" len="med"/>
-                    </a:lnB>
-                  </a:tcPr>
-                </a:tc>
-                <a:tc>
-                  <a:txBody>
-                    <a:bodyPr/>
-                    <a:lstStyle/>
-                    <a:p>
-                      <a:pPr rtl="0" fontAlgn="b"/>
-                      <a:r>
-                        <a:rPr lang="pt-PT" sz="900" dirty="0">
-                          <a:effectLst/>
-                        </a:rPr>
-                        <a:t>Modificar dataset</a:t>
-                      </a:r>
-                    </a:p>
-                  </a:txBody>
-                  <a:tcPr marL="13796" marR="13796" marT="9197" marB="9197" anchor="b">
-                    <a:lnL w="9525" cap="flat" cmpd="sng" algn="ctr">
-                      <a:solidFill>
-                        <a:srgbClr val="CCCCCC"/>
-                      </a:solidFill>
-                      <a:prstDash val="solid"/>
-                      <a:round/>
-                      <a:headEnd type="none" w="med" len="med"/>
-                      <a:tailEnd type="none" w="med" len="med"/>
-                    </a:lnL>
-                    <a:lnR w="9525" cap="flat" cmpd="sng" algn="ctr">
-                      <a:solidFill>
-                        <a:srgbClr val="000000"/>
-                      </a:solidFill>
-                      <a:prstDash val="solid"/>
-                      <a:round/>
-                      <a:headEnd type="none" w="med" len="med"/>
-                      <a:tailEnd type="none" w="med" len="med"/>
-                    </a:lnR>
-                    <a:lnT w="9525" cap="flat" cmpd="sng" algn="ctr">
-                      <a:solidFill>
-                        <a:srgbClr val="CCCCCC"/>
-                      </a:solidFill>
-                      <a:prstDash val="solid"/>
-                      <a:round/>
-                      <a:headEnd type="none" w="med" len="med"/>
-                      <a:tailEnd type="none" w="med" len="med"/>
-                    </a:lnT>
-                    <a:lnB w="9525" cap="flat" cmpd="sng" algn="ctr">
-                      <a:solidFill>
-                        <a:srgbClr val="CCCCCC"/>
-                      </a:solidFill>
-                      <a:prstDash val="solid"/>
-                      <a:round/>
-                      <a:headEnd type="none" w="med" len="med"/>
-                      <a:tailEnd type="none" w="med" len="med"/>
-                    </a:lnB>
-                  </a:tcPr>
-                </a:tc>
-                <a:extLst>
-                  <a:ext uri="{0D108BD9-81ED-4DB2-BD59-A6C34878D82A}">
-                    <a16:rowId xmlns:a16="http://schemas.microsoft.com/office/drawing/2014/main" val="10008"/>
-                  </a:ext>
-                </a:extLst>
-              </a:tr>
-              <a:tr h="283279">
-                <a:tc>
-                  <a:txBody>
-                    <a:bodyPr/>
-                    <a:lstStyle/>
-                    <a:p>
-                      <a:pPr rtl="0" fontAlgn="b"/>
-                      <a:r>
-                        <a:rPr lang="pt-PT" sz="900" dirty="0">
-                          <a:effectLst/>
-                        </a:rPr>
-                        <a:t>/Users/{UserID}/Datasets/{DatasetID}</a:t>
-                      </a:r>
-                    </a:p>
-                  </a:txBody>
-                  <a:tcPr marL="13796" marR="13796" marT="9197" marB="9197" anchor="b">
-                    <a:lnL w="9525" cap="flat" cmpd="sng" algn="ctr">
-                      <a:solidFill>
-                        <a:srgbClr val="000000"/>
-                      </a:solidFill>
-                      <a:prstDash val="solid"/>
-                      <a:round/>
-                      <a:headEnd type="none" w="med" len="med"/>
-                      <a:tailEnd type="none" w="med" len="med"/>
-                    </a:lnL>
-                    <a:lnR w="9525" cap="flat" cmpd="sng" algn="ctr">
-                      <a:solidFill>
-                        <a:srgbClr val="CCCCCC"/>
-                      </a:solidFill>
-                      <a:prstDash val="solid"/>
-                      <a:round/>
-                      <a:headEnd type="none" w="med" len="med"/>
-                      <a:tailEnd type="none" w="med" len="med"/>
-                    </a:lnR>
-                    <a:lnT w="9525" cap="flat" cmpd="sng" algn="ctr">
-                      <a:solidFill>
-                        <a:srgbClr val="CCCCCC"/>
-                      </a:solidFill>
-                      <a:prstDash val="solid"/>
-                      <a:round/>
-                      <a:headEnd type="none" w="med" len="med"/>
-                      <a:tailEnd type="none" w="med" len="med"/>
-                    </a:lnT>
-                    <a:lnB w="9525" cap="flat" cmpd="sng" algn="ctr">
-                      <a:solidFill>
-                        <a:srgbClr val="CCCCCC"/>
-                      </a:solidFill>
-                      <a:prstDash val="solid"/>
-                      <a:round/>
-                      <a:headEnd type="none" w="med" len="med"/>
-                      <a:tailEnd type="none" w="med" len="med"/>
-                    </a:lnB>
-                  </a:tcPr>
-                </a:tc>
-                <a:tc>
-                  <a:txBody>
-                    <a:bodyPr/>
-                    <a:lstStyle/>
-                    <a:p>
-                      <a:pPr rtl="0" fontAlgn="b"/>
-                      <a:r>
-                        <a:rPr lang="pt-PT" sz="900" dirty="0">
-                          <a:effectLst/>
-                        </a:rPr>
-                        <a:t>DELETE</a:t>
-                      </a:r>
-                    </a:p>
-                  </a:txBody>
-                  <a:tcPr marL="13796" marR="13796" marT="9197" marB="9197" anchor="b">
-                    <a:lnL w="9525" cap="flat" cmpd="sng" algn="ctr">
-                      <a:solidFill>
-                        <a:srgbClr val="CCCCCC"/>
-                      </a:solidFill>
-                      <a:prstDash val="solid"/>
-                      <a:round/>
-                      <a:headEnd type="none" w="med" len="med"/>
-                      <a:tailEnd type="none" w="med" len="med"/>
-                    </a:lnL>
-                    <a:lnR w="9525" cap="flat" cmpd="sng" algn="ctr">
-                      <a:solidFill>
-                        <a:srgbClr val="CCCCCC"/>
-                      </a:solidFill>
-                      <a:prstDash val="solid"/>
-                      <a:round/>
-                      <a:headEnd type="none" w="med" len="med"/>
-                      <a:tailEnd type="none" w="med" len="med"/>
-                    </a:lnR>
-                    <a:lnT w="9525" cap="flat" cmpd="sng" algn="ctr">
-                      <a:solidFill>
-                        <a:srgbClr val="CCCCCC"/>
-                      </a:solidFill>
-                      <a:prstDash val="solid"/>
-                      <a:round/>
-                      <a:headEnd type="none" w="med" len="med"/>
-                      <a:tailEnd type="none" w="med" len="med"/>
-                    </a:lnT>
-                    <a:lnB w="9525" cap="flat" cmpd="sng" algn="ctr">
-                      <a:solidFill>
-                        <a:srgbClr val="CCCCCC"/>
-                      </a:solidFill>
-                      <a:prstDash val="solid"/>
-                      <a:round/>
-                      <a:headEnd type="none" w="med" len="med"/>
-                      <a:tailEnd type="none" w="med" len="med"/>
-                    </a:lnB>
-                  </a:tcPr>
-                </a:tc>
-                <a:tc>
-                  <a:txBody>
-                    <a:bodyPr/>
-                    <a:lstStyle/>
-                    <a:p>
-                      <a:pPr rtl="0" fontAlgn="b"/>
-                      <a:r>
-                        <a:rPr lang="pt-PT" sz="900" dirty="0">
-                          <a:effectLst/>
-                        </a:rPr>
-                        <a:t>Eliminar dataset</a:t>
-                      </a:r>
-                    </a:p>
-                  </a:txBody>
-                  <a:tcPr marL="13796" marR="13796" marT="9197" marB="9197" anchor="b">
-                    <a:lnL w="9525" cap="flat" cmpd="sng" algn="ctr">
-                      <a:solidFill>
-                        <a:srgbClr val="CCCCCC"/>
-                      </a:solidFill>
-                      <a:prstDash val="solid"/>
-                      <a:round/>
-                      <a:headEnd type="none" w="med" len="med"/>
-                      <a:tailEnd type="none" w="med" len="med"/>
-                    </a:lnL>
-                    <a:lnR w="9525" cap="flat" cmpd="sng" algn="ctr">
-                      <a:solidFill>
-                        <a:srgbClr val="000000"/>
-                      </a:solidFill>
-                      <a:prstDash val="solid"/>
-                      <a:round/>
-                      <a:headEnd type="none" w="med" len="med"/>
-                      <a:tailEnd type="none" w="med" len="med"/>
-                    </a:lnR>
-                    <a:lnT w="9525" cap="flat" cmpd="sng" algn="ctr">
-                      <a:solidFill>
-                        <a:srgbClr val="CCCCCC"/>
-                      </a:solidFill>
-                      <a:prstDash val="solid"/>
-                      <a:round/>
-                      <a:headEnd type="none" w="med" len="med"/>
-                      <a:tailEnd type="none" w="med" len="med"/>
-                    </a:lnT>
-                    <a:lnB w="9525" cap="flat" cmpd="sng" algn="ctr">
-                      <a:solidFill>
-                        <a:srgbClr val="CCCCCC"/>
-                      </a:solidFill>
-                      <a:prstDash val="solid"/>
-                      <a:round/>
-                      <a:headEnd type="none" w="med" len="med"/>
-                      <a:tailEnd type="none" w="med" len="med"/>
-                    </a:lnB>
-                  </a:tcPr>
-                </a:tc>
-                <a:extLst>
-                  <a:ext uri="{0D108BD9-81ED-4DB2-BD59-A6C34878D82A}">
-                    <a16:rowId xmlns:a16="http://schemas.microsoft.com/office/drawing/2014/main" val="10009"/>
-                  </a:ext>
-                </a:extLst>
-              </a:tr>
-              <a:tr h="150837">
-                <a:tc>
-                  <a:txBody>
-                    <a:bodyPr/>
-                    <a:lstStyle/>
-                    <a:p>
-                      <a:pPr rtl="0" fontAlgn="b"/>
-                      <a:r>
-                        <a:rPr lang="pt-PT" sz="900" dirty="0">
-                          <a:effectLst/>
-                        </a:rPr>
-                        <a:t>/Users/{UserID}/Macros</a:t>
-                      </a:r>
-                    </a:p>
-                  </a:txBody>
-                  <a:tcPr marL="13796" marR="13796" marT="9197" marB="9197" anchor="b">
-                    <a:lnL w="9525" cap="flat" cmpd="sng" algn="ctr">
-                      <a:solidFill>
-                        <a:srgbClr val="000000"/>
-                      </a:solidFill>
-                      <a:prstDash val="solid"/>
-                      <a:round/>
-                      <a:headEnd type="none" w="med" len="med"/>
-                      <a:tailEnd type="none" w="med" len="med"/>
-                    </a:lnL>
-                    <a:lnR w="9525" cap="flat" cmpd="sng" algn="ctr">
-                      <a:solidFill>
-                        <a:srgbClr val="CCCCCC"/>
-                      </a:solidFill>
-                      <a:prstDash val="solid"/>
-                      <a:round/>
-                      <a:headEnd type="none" w="med" len="med"/>
-                      <a:tailEnd type="none" w="med" len="med"/>
-                    </a:lnR>
-                    <a:lnT w="9525" cap="flat" cmpd="sng" algn="ctr">
-                      <a:solidFill>
-                        <a:srgbClr val="CCCCCC"/>
-                      </a:solidFill>
-                      <a:prstDash val="solid"/>
-                      <a:round/>
-                      <a:headEnd type="none" w="med" len="med"/>
-                      <a:tailEnd type="none" w="med" len="med"/>
-                    </a:lnT>
-                    <a:lnB w="9525" cap="flat" cmpd="sng" algn="ctr">
-                      <a:solidFill>
-                        <a:srgbClr val="CCCCCC"/>
-                      </a:solidFill>
-                      <a:prstDash val="solid"/>
-                      <a:round/>
-                      <a:headEnd type="none" w="med" len="med"/>
-                      <a:tailEnd type="none" w="med" len="med"/>
-                    </a:lnB>
-                  </a:tcPr>
-                </a:tc>
-                <a:tc>
-                  <a:txBody>
-                    <a:bodyPr/>
-                    <a:lstStyle/>
-                    <a:p>
-                      <a:pPr rtl="0" fontAlgn="b"/>
-                      <a:r>
-                        <a:rPr lang="pt-PT" sz="900" dirty="0">
-                          <a:effectLst/>
-                        </a:rPr>
-                        <a:t>POST</a:t>
-                      </a:r>
-                    </a:p>
-                  </a:txBody>
-                  <a:tcPr marL="13796" marR="13796" marT="9197" marB="9197" anchor="b">
-                    <a:lnL w="9525" cap="flat" cmpd="sng" algn="ctr">
-                      <a:solidFill>
-                        <a:srgbClr val="CCCCCC"/>
-                      </a:solidFill>
-                      <a:prstDash val="solid"/>
-                      <a:round/>
-                      <a:headEnd type="none" w="med" len="med"/>
-                      <a:tailEnd type="none" w="med" len="med"/>
-                    </a:lnL>
-                    <a:lnR w="9525" cap="flat" cmpd="sng" algn="ctr">
-                      <a:solidFill>
-                        <a:srgbClr val="CCCCCC"/>
-                      </a:solidFill>
-                      <a:prstDash val="solid"/>
-                      <a:round/>
-                      <a:headEnd type="none" w="med" len="med"/>
-                      <a:tailEnd type="none" w="med" len="med"/>
-                    </a:lnR>
-                    <a:lnT w="9525" cap="flat" cmpd="sng" algn="ctr">
-                      <a:solidFill>
-                        <a:srgbClr val="CCCCCC"/>
-                      </a:solidFill>
-                      <a:prstDash val="solid"/>
-                      <a:round/>
-                      <a:headEnd type="none" w="med" len="med"/>
-                      <a:tailEnd type="none" w="med" len="med"/>
-                    </a:lnT>
-                    <a:lnB w="9525" cap="flat" cmpd="sng" algn="ctr">
-                      <a:solidFill>
-                        <a:srgbClr val="CCCCCC"/>
-                      </a:solidFill>
-                      <a:prstDash val="solid"/>
-                      <a:round/>
-                      <a:headEnd type="none" w="med" len="med"/>
-                      <a:tailEnd type="none" w="med" len="med"/>
-                    </a:lnB>
-                  </a:tcPr>
-                </a:tc>
-                <a:tc>
-                  <a:txBody>
-                    <a:bodyPr/>
-                    <a:lstStyle/>
-                    <a:p>
-                      <a:pPr rtl="0" fontAlgn="b"/>
-                      <a:r>
-                        <a:rPr lang="pt-PT" sz="900" dirty="0">
-                          <a:effectLst/>
-                        </a:rPr>
-                        <a:t>Criar macro</a:t>
-                      </a:r>
-                    </a:p>
-                  </a:txBody>
-                  <a:tcPr marL="13796" marR="13796" marT="9197" marB="9197" anchor="b">
-                    <a:lnL w="9525" cap="flat" cmpd="sng" algn="ctr">
-                      <a:solidFill>
-                        <a:srgbClr val="CCCCCC"/>
-                      </a:solidFill>
-                      <a:prstDash val="solid"/>
-                      <a:round/>
-                      <a:headEnd type="none" w="med" len="med"/>
-                      <a:tailEnd type="none" w="med" len="med"/>
-                    </a:lnL>
-                    <a:lnR w="9525" cap="flat" cmpd="sng" algn="ctr">
-                      <a:solidFill>
-                        <a:srgbClr val="000000"/>
-                      </a:solidFill>
-                      <a:prstDash val="solid"/>
-                      <a:round/>
-                      <a:headEnd type="none" w="med" len="med"/>
-                      <a:tailEnd type="none" w="med" len="med"/>
-                    </a:lnR>
-                    <a:lnT w="9525" cap="flat" cmpd="sng" algn="ctr">
-                      <a:solidFill>
-                        <a:srgbClr val="CCCCCC"/>
-                      </a:solidFill>
-                      <a:prstDash val="solid"/>
-                      <a:round/>
-                      <a:headEnd type="none" w="med" len="med"/>
-                      <a:tailEnd type="none" w="med" len="med"/>
-                    </a:lnT>
-                    <a:lnB w="9525" cap="flat" cmpd="sng" algn="ctr">
-                      <a:solidFill>
-                        <a:srgbClr val="CCCCCC"/>
-                      </a:solidFill>
-                      <a:prstDash val="solid"/>
-                      <a:round/>
-                      <a:headEnd type="none" w="med" len="med"/>
-                      <a:tailEnd type="none" w="med" len="med"/>
-                    </a:lnB>
-                  </a:tcPr>
-                </a:tc>
-                <a:extLst>
-                  <a:ext uri="{0D108BD9-81ED-4DB2-BD59-A6C34878D82A}">
-                    <a16:rowId xmlns:a16="http://schemas.microsoft.com/office/drawing/2014/main" val="10010"/>
-                  </a:ext>
-                </a:extLst>
-              </a:tr>
-              <a:tr h="150837">
-                <a:tc>
-                  <a:txBody>
-                    <a:bodyPr/>
-                    <a:lstStyle/>
-                    <a:p>
-                      <a:pPr rtl="0" fontAlgn="b"/>
-                      <a:r>
-                        <a:rPr lang="pt-PT" sz="900" dirty="0">
-                          <a:effectLst/>
-                        </a:rPr>
-                        <a:t>/Users/{UserID}/Macros</a:t>
-                      </a:r>
-                    </a:p>
-                  </a:txBody>
-                  <a:tcPr marL="13796" marR="13796" marT="9197" marB="9197" anchor="b">
-                    <a:lnL w="9525" cap="flat" cmpd="sng" algn="ctr">
-                      <a:solidFill>
-                        <a:srgbClr val="000000"/>
-                      </a:solidFill>
-                      <a:prstDash val="solid"/>
-                      <a:round/>
-                      <a:headEnd type="none" w="med" len="med"/>
-                      <a:tailEnd type="none" w="med" len="med"/>
-                    </a:lnL>
-                    <a:lnR w="9525" cap="flat" cmpd="sng" algn="ctr">
-                      <a:solidFill>
-                        <a:srgbClr val="CCCCCC"/>
-                      </a:solidFill>
-                      <a:prstDash val="solid"/>
-                      <a:round/>
-                      <a:headEnd type="none" w="med" len="med"/>
-                      <a:tailEnd type="none" w="med" len="med"/>
-                    </a:lnR>
-                    <a:lnT w="9525" cap="flat" cmpd="sng" algn="ctr">
-                      <a:solidFill>
-                        <a:srgbClr val="CCCCCC"/>
-                      </a:solidFill>
-                      <a:prstDash val="solid"/>
-                      <a:round/>
-                      <a:headEnd type="none" w="med" len="med"/>
-                      <a:tailEnd type="none" w="med" len="med"/>
-                    </a:lnT>
-                    <a:lnB w="9525" cap="flat" cmpd="sng" algn="ctr">
-                      <a:solidFill>
-                        <a:srgbClr val="CCCCCC"/>
-                      </a:solidFill>
-                      <a:prstDash val="solid"/>
-                      <a:round/>
-                      <a:headEnd type="none" w="med" len="med"/>
-                      <a:tailEnd type="none" w="med" len="med"/>
-                    </a:lnB>
-                  </a:tcPr>
-                </a:tc>
-                <a:tc>
-                  <a:txBody>
-                    <a:bodyPr/>
-                    <a:lstStyle/>
-                    <a:p>
-                      <a:pPr rtl="0" fontAlgn="b"/>
-                      <a:r>
-                        <a:rPr lang="pt-PT" sz="900" dirty="0">
-                          <a:effectLst/>
-                        </a:rPr>
-                        <a:t>GET</a:t>
-                      </a:r>
-                    </a:p>
-                  </a:txBody>
-                  <a:tcPr marL="13796" marR="13796" marT="9197" marB="9197" anchor="b">
-                    <a:lnL w="9525" cap="flat" cmpd="sng" algn="ctr">
-                      <a:solidFill>
-                        <a:srgbClr val="CCCCCC"/>
-                      </a:solidFill>
-                      <a:prstDash val="solid"/>
-                      <a:round/>
-                      <a:headEnd type="none" w="med" len="med"/>
-                      <a:tailEnd type="none" w="med" len="med"/>
-                    </a:lnL>
-                    <a:lnR w="9525" cap="flat" cmpd="sng" algn="ctr">
-                      <a:solidFill>
-                        <a:srgbClr val="CCCCCC"/>
-                      </a:solidFill>
-                      <a:prstDash val="solid"/>
-                      <a:round/>
-                      <a:headEnd type="none" w="med" len="med"/>
-                      <a:tailEnd type="none" w="med" len="med"/>
-                    </a:lnR>
-                    <a:lnT w="9525" cap="flat" cmpd="sng" algn="ctr">
-                      <a:solidFill>
-                        <a:srgbClr val="CCCCCC"/>
-                      </a:solidFill>
-                      <a:prstDash val="solid"/>
-                      <a:round/>
-                      <a:headEnd type="none" w="med" len="med"/>
-                      <a:tailEnd type="none" w="med" len="med"/>
-                    </a:lnT>
-                    <a:lnB w="9525" cap="flat" cmpd="sng" algn="ctr">
-                      <a:solidFill>
-                        <a:srgbClr val="CCCCCC"/>
-                      </a:solidFill>
-                      <a:prstDash val="solid"/>
-                      <a:round/>
-                      <a:headEnd type="none" w="med" len="med"/>
-                      <a:tailEnd type="none" w="med" len="med"/>
-                    </a:lnB>
-                  </a:tcPr>
-                </a:tc>
-                <a:tc>
-                  <a:txBody>
-                    <a:bodyPr/>
-                    <a:lstStyle/>
-                    <a:p>
-                      <a:pPr rtl="0" fontAlgn="b"/>
-                      <a:r>
-                        <a:rPr lang="pt-PT" sz="900" dirty="0">
-                          <a:effectLst/>
-                        </a:rPr>
-                        <a:t>Listar macros do user</a:t>
-                      </a:r>
-                    </a:p>
-                  </a:txBody>
-                  <a:tcPr marL="13796" marR="13796" marT="9197" marB="9197" anchor="b">
-                    <a:lnL w="9525" cap="flat" cmpd="sng" algn="ctr">
-                      <a:solidFill>
-                        <a:srgbClr val="CCCCCC"/>
-                      </a:solidFill>
-                      <a:prstDash val="solid"/>
-                      <a:round/>
-                      <a:headEnd type="none" w="med" len="med"/>
-                      <a:tailEnd type="none" w="med" len="med"/>
-                    </a:lnL>
-                    <a:lnR w="9525" cap="flat" cmpd="sng" algn="ctr">
-                      <a:solidFill>
-                        <a:srgbClr val="000000"/>
-                      </a:solidFill>
-                      <a:prstDash val="solid"/>
-                      <a:round/>
-                      <a:headEnd type="none" w="med" len="med"/>
-                      <a:tailEnd type="none" w="med" len="med"/>
-                    </a:lnR>
-                    <a:lnT w="9525" cap="flat" cmpd="sng" algn="ctr">
-                      <a:solidFill>
-                        <a:srgbClr val="CCCCCC"/>
-                      </a:solidFill>
-                      <a:prstDash val="solid"/>
-                      <a:round/>
-                      <a:headEnd type="none" w="med" len="med"/>
-                      <a:tailEnd type="none" w="med" len="med"/>
-                    </a:lnT>
-                    <a:lnB w="9525" cap="flat" cmpd="sng" algn="ctr">
-                      <a:solidFill>
-                        <a:srgbClr val="CCCCCC"/>
-                      </a:solidFill>
-                      <a:prstDash val="solid"/>
-                      <a:round/>
-                      <a:headEnd type="none" w="med" len="med"/>
-                      <a:tailEnd type="none" w="med" len="med"/>
-                    </a:lnB>
-                  </a:tcPr>
-                </a:tc>
-                <a:extLst>
-                  <a:ext uri="{0D108BD9-81ED-4DB2-BD59-A6C34878D82A}">
-                    <a16:rowId xmlns:a16="http://schemas.microsoft.com/office/drawing/2014/main" val="10011"/>
-                  </a:ext>
-                </a:extLst>
-              </a:tr>
-              <a:tr h="283279">
-                <a:tc>
-                  <a:txBody>
-                    <a:bodyPr/>
-                    <a:lstStyle/>
-                    <a:p>
-                      <a:pPr rtl="0" fontAlgn="b"/>
-                      <a:r>
-                        <a:rPr lang="pt-PT" sz="900" dirty="0">
-                          <a:effectLst/>
-                        </a:rPr>
-                        <a:t>/Users/{UserID}/Macros/{MarcoID}</a:t>
-                      </a:r>
-                    </a:p>
-                  </a:txBody>
-                  <a:tcPr marL="13796" marR="13796" marT="9197" marB="9197" anchor="b">
-                    <a:lnL w="9525" cap="flat" cmpd="sng" algn="ctr">
-                      <a:solidFill>
-                        <a:srgbClr val="000000"/>
-                      </a:solidFill>
-                      <a:prstDash val="solid"/>
-                      <a:round/>
-                      <a:headEnd type="none" w="med" len="med"/>
-                      <a:tailEnd type="none" w="med" len="med"/>
-                    </a:lnL>
-                    <a:lnR w="9525" cap="flat" cmpd="sng" algn="ctr">
-                      <a:solidFill>
-                        <a:srgbClr val="CCCCCC"/>
-                      </a:solidFill>
-                      <a:prstDash val="solid"/>
-                      <a:round/>
-                      <a:headEnd type="none" w="med" len="med"/>
-                      <a:tailEnd type="none" w="med" len="med"/>
-                    </a:lnR>
-                    <a:lnT w="9525" cap="flat" cmpd="sng" algn="ctr">
-                      <a:solidFill>
-                        <a:srgbClr val="CCCCCC"/>
-                      </a:solidFill>
-                      <a:prstDash val="solid"/>
-                      <a:round/>
-                      <a:headEnd type="none" w="med" len="med"/>
-                      <a:tailEnd type="none" w="med" len="med"/>
-                    </a:lnT>
-                    <a:lnB w="9525" cap="flat" cmpd="sng" algn="ctr">
-                      <a:solidFill>
-                        <a:srgbClr val="CCCCCC"/>
-                      </a:solidFill>
-                      <a:prstDash val="solid"/>
-                      <a:round/>
-                      <a:headEnd type="none" w="med" len="med"/>
-                      <a:tailEnd type="none" w="med" len="med"/>
-                    </a:lnB>
-                  </a:tcPr>
-                </a:tc>
-                <a:tc>
-                  <a:txBody>
-                    <a:bodyPr/>
-                    <a:lstStyle/>
-                    <a:p>
-                      <a:pPr rtl="0" fontAlgn="b"/>
-                      <a:r>
-                        <a:rPr lang="pt-PT" sz="900" dirty="0">
-                          <a:effectLst/>
-                        </a:rPr>
-                        <a:t>GET</a:t>
-                      </a:r>
-                    </a:p>
-                  </a:txBody>
-                  <a:tcPr marL="13796" marR="13796" marT="9197" marB="9197" anchor="b">
-                    <a:lnL w="9525" cap="flat" cmpd="sng" algn="ctr">
-                      <a:solidFill>
-                        <a:srgbClr val="CCCCCC"/>
-                      </a:solidFill>
-                      <a:prstDash val="solid"/>
-                      <a:round/>
-                      <a:headEnd type="none" w="med" len="med"/>
-                      <a:tailEnd type="none" w="med" len="med"/>
-                    </a:lnL>
-                    <a:lnR w="9525" cap="flat" cmpd="sng" algn="ctr">
-                      <a:solidFill>
-                        <a:srgbClr val="CCCCCC"/>
-                      </a:solidFill>
-                      <a:prstDash val="solid"/>
-                      <a:round/>
-                      <a:headEnd type="none" w="med" len="med"/>
-                      <a:tailEnd type="none" w="med" len="med"/>
-                    </a:lnR>
-                    <a:lnT w="9525" cap="flat" cmpd="sng" algn="ctr">
-                      <a:solidFill>
-                        <a:srgbClr val="CCCCCC"/>
-                      </a:solidFill>
-                      <a:prstDash val="solid"/>
-                      <a:round/>
-                      <a:headEnd type="none" w="med" len="med"/>
-                      <a:tailEnd type="none" w="med" len="med"/>
-                    </a:lnT>
-                    <a:lnB w="9525" cap="flat" cmpd="sng" algn="ctr">
-                      <a:solidFill>
-                        <a:srgbClr val="CCCCCC"/>
-                      </a:solidFill>
-                      <a:prstDash val="solid"/>
-                      <a:round/>
-                      <a:headEnd type="none" w="med" len="med"/>
-                      <a:tailEnd type="none" w="med" len="med"/>
-                    </a:lnB>
-                  </a:tcPr>
-                </a:tc>
-                <a:tc>
-                  <a:txBody>
-                    <a:bodyPr/>
-                    <a:lstStyle/>
-                    <a:p>
-                      <a:pPr rtl="0" fontAlgn="b"/>
-                      <a:r>
-                        <a:rPr lang="pt-PT" sz="900" dirty="0">
-                          <a:effectLst/>
-                        </a:rPr>
-                        <a:t>Obter macro</a:t>
-                      </a:r>
-                    </a:p>
-                  </a:txBody>
-                  <a:tcPr marL="13796" marR="13796" marT="9197" marB="9197" anchor="b">
-                    <a:lnL w="9525" cap="flat" cmpd="sng" algn="ctr">
-                      <a:solidFill>
-                        <a:srgbClr val="CCCCCC"/>
-                      </a:solidFill>
-                      <a:prstDash val="solid"/>
-                      <a:round/>
-                      <a:headEnd type="none" w="med" len="med"/>
-                      <a:tailEnd type="none" w="med" len="med"/>
-                    </a:lnL>
-                    <a:lnR w="9525" cap="flat" cmpd="sng" algn="ctr">
-                      <a:solidFill>
-                        <a:srgbClr val="000000"/>
-                      </a:solidFill>
-                      <a:prstDash val="solid"/>
-                      <a:round/>
-                      <a:headEnd type="none" w="med" len="med"/>
-                      <a:tailEnd type="none" w="med" len="med"/>
-                    </a:lnR>
-                    <a:lnT w="9525" cap="flat" cmpd="sng" algn="ctr">
-                      <a:solidFill>
-                        <a:srgbClr val="CCCCCC"/>
-                      </a:solidFill>
-                      <a:prstDash val="solid"/>
-                      <a:round/>
-                      <a:headEnd type="none" w="med" len="med"/>
-                      <a:tailEnd type="none" w="med" len="med"/>
-                    </a:lnT>
-                    <a:lnB w="9525" cap="flat" cmpd="sng" algn="ctr">
-                      <a:solidFill>
-                        <a:srgbClr val="CCCCCC"/>
-                      </a:solidFill>
-                      <a:prstDash val="solid"/>
-                      <a:round/>
-                      <a:headEnd type="none" w="med" len="med"/>
-                      <a:tailEnd type="none" w="med" len="med"/>
-                    </a:lnB>
-                  </a:tcPr>
-                </a:tc>
-                <a:extLst>
-                  <a:ext uri="{0D108BD9-81ED-4DB2-BD59-A6C34878D82A}">
-                    <a16:rowId xmlns:a16="http://schemas.microsoft.com/office/drawing/2014/main" val="10012"/>
-                  </a:ext>
-                </a:extLst>
-              </a:tr>
-              <a:tr h="283279">
-                <a:tc>
-                  <a:txBody>
-                    <a:bodyPr/>
-                    <a:lstStyle/>
-                    <a:p>
-                      <a:pPr rtl="0" fontAlgn="b"/>
-                      <a:r>
-                        <a:rPr lang="pt-PT" sz="900" dirty="0">
-                          <a:effectLst/>
-                        </a:rPr>
-                        <a:t>/Users/{UserID}/Macros/{MacroID}</a:t>
-                      </a:r>
-                    </a:p>
-                  </a:txBody>
-                  <a:tcPr marL="13796" marR="13796" marT="9197" marB="9197" anchor="b">
-                    <a:lnL w="9525" cap="flat" cmpd="sng" algn="ctr">
-                      <a:solidFill>
-                        <a:srgbClr val="000000"/>
-                      </a:solidFill>
-                      <a:prstDash val="solid"/>
-                      <a:round/>
-                      <a:headEnd type="none" w="med" len="med"/>
-                      <a:tailEnd type="none" w="med" len="med"/>
-                    </a:lnL>
-                    <a:lnR w="9525" cap="flat" cmpd="sng" algn="ctr">
-                      <a:solidFill>
-                        <a:srgbClr val="CCCCCC"/>
-                      </a:solidFill>
-                      <a:prstDash val="solid"/>
-                      <a:round/>
-                      <a:headEnd type="none" w="med" len="med"/>
-                      <a:tailEnd type="none" w="med" len="med"/>
-                    </a:lnR>
-                    <a:lnT w="9525" cap="flat" cmpd="sng" algn="ctr">
-                      <a:solidFill>
-                        <a:srgbClr val="CCCCCC"/>
-                      </a:solidFill>
-                      <a:prstDash val="solid"/>
-                      <a:round/>
-                      <a:headEnd type="none" w="med" len="med"/>
-                      <a:tailEnd type="none" w="med" len="med"/>
-                    </a:lnT>
-                    <a:lnB w="9525" cap="flat" cmpd="sng" algn="ctr">
-                      <a:solidFill>
-                        <a:srgbClr val="CCCCCC"/>
-                      </a:solidFill>
-                      <a:prstDash val="solid"/>
-                      <a:round/>
-                      <a:headEnd type="none" w="med" len="med"/>
-                      <a:tailEnd type="none" w="med" len="med"/>
-                    </a:lnB>
-                  </a:tcPr>
-                </a:tc>
-                <a:tc>
-                  <a:txBody>
-                    <a:bodyPr/>
-                    <a:lstStyle/>
-                    <a:p>
-                      <a:pPr rtl="0" fontAlgn="b"/>
-                      <a:r>
-                        <a:rPr lang="pt-PT" sz="900" dirty="0">
-                          <a:effectLst/>
-                        </a:rPr>
-                        <a:t>PUT</a:t>
-                      </a:r>
-                    </a:p>
-                  </a:txBody>
-                  <a:tcPr marL="13796" marR="13796" marT="9197" marB="9197" anchor="b">
-                    <a:lnL w="9525" cap="flat" cmpd="sng" algn="ctr">
-                      <a:solidFill>
-                        <a:srgbClr val="CCCCCC"/>
-                      </a:solidFill>
-                      <a:prstDash val="solid"/>
-                      <a:round/>
-                      <a:headEnd type="none" w="med" len="med"/>
-                      <a:tailEnd type="none" w="med" len="med"/>
-                    </a:lnL>
-                    <a:lnR w="9525" cap="flat" cmpd="sng" algn="ctr">
-                      <a:solidFill>
-                        <a:srgbClr val="CCCCCC"/>
-                      </a:solidFill>
-                      <a:prstDash val="solid"/>
-                      <a:round/>
-                      <a:headEnd type="none" w="med" len="med"/>
-                      <a:tailEnd type="none" w="med" len="med"/>
-                    </a:lnR>
-                    <a:lnT w="9525" cap="flat" cmpd="sng" algn="ctr">
-                      <a:solidFill>
-                        <a:srgbClr val="CCCCCC"/>
-                      </a:solidFill>
-                      <a:prstDash val="solid"/>
-                      <a:round/>
-                      <a:headEnd type="none" w="med" len="med"/>
-                      <a:tailEnd type="none" w="med" len="med"/>
-                    </a:lnT>
-                    <a:lnB w="9525" cap="flat" cmpd="sng" algn="ctr">
-                      <a:solidFill>
-                        <a:srgbClr val="CCCCCC"/>
-                      </a:solidFill>
-                      <a:prstDash val="solid"/>
-                      <a:round/>
-                      <a:headEnd type="none" w="med" len="med"/>
-                      <a:tailEnd type="none" w="med" len="med"/>
-                    </a:lnB>
-                  </a:tcPr>
-                </a:tc>
-                <a:tc>
-                  <a:txBody>
-                    <a:bodyPr/>
-                    <a:lstStyle/>
-                    <a:p>
-                      <a:pPr rtl="0" fontAlgn="b"/>
-                      <a:r>
-                        <a:rPr lang="pt-PT" sz="900" dirty="0">
-                          <a:effectLst/>
-                        </a:rPr>
-                        <a:t>Modificar macro</a:t>
-                      </a:r>
-                    </a:p>
-                  </a:txBody>
-                  <a:tcPr marL="13796" marR="13796" marT="9197" marB="9197" anchor="b">
-                    <a:lnL w="9525" cap="flat" cmpd="sng" algn="ctr">
-                      <a:solidFill>
-                        <a:srgbClr val="CCCCCC"/>
-                      </a:solidFill>
-                      <a:prstDash val="solid"/>
-                      <a:round/>
-                      <a:headEnd type="none" w="med" len="med"/>
-                      <a:tailEnd type="none" w="med" len="med"/>
-                    </a:lnL>
-                    <a:lnR w="9525" cap="flat" cmpd="sng" algn="ctr">
-                      <a:solidFill>
-                        <a:srgbClr val="000000"/>
-                      </a:solidFill>
-                      <a:prstDash val="solid"/>
-                      <a:round/>
-                      <a:headEnd type="none" w="med" len="med"/>
-                      <a:tailEnd type="none" w="med" len="med"/>
-                    </a:lnR>
-                    <a:lnT w="9525" cap="flat" cmpd="sng" algn="ctr">
-                      <a:solidFill>
-                        <a:srgbClr val="CCCCCC"/>
-                      </a:solidFill>
-                      <a:prstDash val="solid"/>
-                      <a:round/>
-                      <a:headEnd type="none" w="med" len="med"/>
-                      <a:tailEnd type="none" w="med" len="med"/>
-                    </a:lnT>
-                    <a:lnB w="9525" cap="flat" cmpd="sng" algn="ctr">
-                      <a:solidFill>
-                        <a:srgbClr val="CCCCCC"/>
-                      </a:solidFill>
-                      <a:prstDash val="solid"/>
-                      <a:round/>
-                      <a:headEnd type="none" w="med" len="med"/>
-                      <a:tailEnd type="none" w="med" len="med"/>
-                    </a:lnB>
-                  </a:tcPr>
-                </a:tc>
-                <a:extLst>
-                  <a:ext uri="{0D108BD9-81ED-4DB2-BD59-A6C34878D82A}">
-                    <a16:rowId xmlns:a16="http://schemas.microsoft.com/office/drawing/2014/main" val="10013"/>
-                  </a:ext>
-                </a:extLst>
-              </a:tr>
-              <a:tr h="283279">
-                <a:tc>
-                  <a:txBody>
-                    <a:bodyPr/>
-                    <a:lstStyle/>
-                    <a:p>
-                      <a:pPr rtl="0" fontAlgn="b"/>
-                      <a:r>
-                        <a:rPr lang="pt-PT" sz="900" dirty="0">
-                          <a:effectLst/>
-                        </a:rPr>
-                        <a:t>/Stats</a:t>
-                      </a:r>
-                    </a:p>
-                  </a:txBody>
-                  <a:tcPr marL="13796" marR="13796" marT="9197" marB="9197" anchor="b">
-                    <a:lnL w="9525" cap="flat" cmpd="sng" algn="ctr">
-                      <a:solidFill>
-                        <a:srgbClr val="000000"/>
-                      </a:solidFill>
-                      <a:prstDash val="solid"/>
-                      <a:round/>
-                      <a:headEnd type="none" w="med" len="med"/>
-                      <a:tailEnd type="none" w="med" len="med"/>
-                    </a:lnL>
-                    <a:lnR w="9525" cap="flat" cmpd="sng" algn="ctr">
-                      <a:solidFill>
-                        <a:srgbClr val="CCCCCC"/>
-                      </a:solidFill>
-                      <a:prstDash val="solid"/>
-                      <a:round/>
-                      <a:headEnd type="none" w="med" len="med"/>
-                      <a:tailEnd type="none" w="med" len="med"/>
-                    </a:lnR>
-                    <a:lnT w="9525" cap="flat" cmpd="sng" algn="ctr">
-                      <a:solidFill>
-                        <a:srgbClr val="CCCCCC"/>
-                      </a:solidFill>
-                      <a:prstDash val="solid"/>
-                      <a:round/>
-                      <a:headEnd type="none" w="med" len="med"/>
-                      <a:tailEnd type="none" w="med" len="med"/>
-                    </a:lnT>
-                    <a:lnB w="9525" cap="flat" cmpd="sng" algn="ctr">
-                      <a:solidFill>
-                        <a:srgbClr val="CCCCCC"/>
-                      </a:solidFill>
-                      <a:prstDash val="solid"/>
-                      <a:round/>
-                      <a:headEnd type="none" w="med" len="med"/>
-                      <a:tailEnd type="none" w="med" len="med"/>
-                    </a:lnB>
-                  </a:tcPr>
-                </a:tc>
-                <a:tc>
-                  <a:txBody>
-                    <a:bodyPr/>
-                    <a:lstStyle/>
-                    <a:p>
-                      <a:pPr rtl="0" fontAlgn="b"/>
-                      <a:r>
-                        <a:rPr lang="pt-PT" sz="900" dirty="0">
-                          <a:effectLst/>
-                        </a:rPr>
-                        <a:t>GET</a:t>
-                      </a:r>
-                    </a:p>
-                  </a:txBody>
-                  <a:tcPr marL="13796" marR="13796" marT="9197" marB="9197" anchor="b">
-                    <a:lnL w="9525" cap="flat" cmpd="sng" algn="ctr">
-                      <a:solidFill>
-                        <a:srgbClr val="CCCCCC"/>
-                      </a:solidFill>
-                      <a:prstDash val="solid"/>
-                      <a:round/>
-                      <a:headEnd type="none" w="med" len="med"/>
-                      <a:tailEnd type="none" w="med" len="med"/>
-                    </a:lnL>
-                    <a:lnR w="9525" cap="flat" cmpd="sng" algn="ctr">
-                      <a:solidFill>
-                        <a:srgbClr val="CCCCCC"/>
-                      </a:solidFill>
-                      <a:prstDash val="solid"/>
-                      <a:round/>
-                      <a:headEnd type="none" w="med" len="med"/>
-                      <a:tailEnd type="none" w="med" len="med"/>
-                    </a:lnR>
-                    <a:lnT w="9525" cap="flat" cmpd="sng" algn="ctr">
-                      <a:solidFill>
-                        <a:srgbClr val="CCCCCC"/>
-                      </a:solidFill>
-                      <a:prstDash val="solid"/>
-                      <a:round/>
-                      <a:headEnd type="none" w="med" len="med"/>
-                      <a:tailEnd type="none" w="med" len="med"/>
-                    </a:lnT>
-                    <a:lnB w="9525" cap="flat" cmpd="sng" algn="ctr">
-                      <a:solidFill>
-                        <a:srgbClr val="CCCCCC"/>
-                      </a:solidFill>
-                      <a:prstDash val="solid"/>
-                      <a:round/>
-                      <a:headEnd type="none" w="med" len="med"/>
-                      <a:tailEnd type="none" w="med" len="med"/>
-                    </a:lnB>
-                  </a:tcPr>
-                </a:tc>
-                <a:tc>
-                  <a:txBody>
-                    <a:bodyPr/>
-                    <a:lstStyle/>
-                    <a:p>
-                      <a:pPr rtl="0" fontAlgn="b"/>
-                      <a:r>
-                        <a:rPr lang="pt-PT" sz="900" dirty="0">
-                          <a:effectLst/>
-                        </a:rPr>
-                        <a:t>Listar estatísticas disponíveis</a:t>
-                      </a:r>
-                    </a:p>
-                  </a:txBody>
-                  <a:tcPr marL="13796" marR="13796" marT="9197" marB="9197" anchor="b">
-                    <a:lnL w="9525" cap="flat" cmpd="sng" algn="ctr">
-                      <a:solidFill>
-                        <a:srgbClr val="CCCCCC"/>
-                      </a:solidFill>
-                      <a:prstDash val="solid"/>
-                      <a:round/>
-                      <a:headEnd type="none" w="med" len="med"/>
-                      <a:tailEnd type="none" w="med" len="med"/>
-                    </a:lnL>
-                    <a:lnR w="9525" cap="flat" cmpd="sng" algn="ctr">
-                      <a:solidFill>
-                        <a:srgbClr val="000000"/>
-                      </a:solidFill>
-                      <a:prstDash val="solid"/>
-                      <a:round/>
-                      <a:headEnd type="none" w="med" len="med"/>
-                      <a:tailEnd type="none" w="med" len="med"/>
-                    </a:lnR>
-                    <a:lnT w="9525" cap="flat" cmpd="sng" algn="ctr">
-                      <a:solidFill>
-                        <a:srgbClr val="CCCCCC"/>
-                      </a:solidFill>
-                      <a:prstDash val="solid"/>
-                      <a:round/>
-                      <a:headEnd type="none" w="med" len="med"/>
-                      <a:tailEnd type="none" w="med" len="med"/>
-                    </a:lnT>
-                    <a:lnB w="9525" cap="flat" cmpd="sng" algn="ctr">
-                      <a:solidFill>
-                        <a:srgbClr val="CCCCCC"/>
-                      </a:solidFill>
-                      <a:prstDash val="solid"/>
-                      <a:round/>
-                      <a:headEnd type="none" w="med" len="med"/>
-                      <a:tailEnd type="none" w="med" len="med"/>
-                    </a:lnB>
-                  </a:tcPr>
-                </a:tc>
-                <a:extLst>
-                  <a:ext uri="{0D108BD9-81ED-4DB2-BD59-A6C34878D82A}">
-                    <a16:rowId xmlns:a16="http://schemas.microsoft.com/office/drawing/2014/main" val="10014"/>
-                  </a:ext>
-                </a:extLst>
-              </a:tr>
-              <a:tr h="283279">
-                <a:tc>
-                  <a:txBody>
-                    <a:bodyPr/>
-                    <a:lstStyle/>
-                    <a:p>
-                      <a:pPr rtl="0" fontAlgn="b"/>
-                      <a:r>
-                        <a:rPr lang="pt-PT" sz="900" dirty="0">
-                          <a:effectLst/>
-                        </a:rPr>
-                        <a:t>/Transfs</a:t>
-                      </a:r>
-                    </a:p>
-                  </a:txBody>
-                  <a:tcPr marL="13796" marR="13796" marT="9197" marB="9197" anchor="b">
-                    <a:lnL w="9525" cap="flat" cmpd="sng" algn="ctr">
-                      <a:solidFill>
-                        <a:srgbClr val="000000"/>
-                      </a:solidFill>
-                      <a:prstDash val="solid"/>
-                      <a:round/>
-                      <a:headEnd type="none" w="med" len="med"/>
-                      <a:tailEnd type="none" w="med" len="med"/>
-                    </a:lnL>
-                    <a:lnR w="9525" cap="flat" cmpd="sng" algn="ctr">
-                      <a:solidFill>
-                        <a:srgbClr val="CCCCCC"/>
-                      </a:solidFill>
-                      <a:prstDash val="solid"/>
-                      <a:round/>
-                      <a:headEnd type="none" w="med" len="med"/>
-                      <a:tailEnd type="none" w="med" len="med"/>
-                    </a:lnR>
-                    <a:lnT w="9525" cap="flat" cmpd="sng" algn="ctr">
-                      <a:solidFill>
-                        <a:srgbClr val="CCCCCC"/>
-                      </a:solidFill>
-                      <a:prstDash val="solid"/>
-                      <a:round/>
-                      <a:headEnd type="none" w="med" len="med"/>
-                      <a:tailEnd type="none" w="med" len="med"/>
-                    </a:lnT>
-                    <a:lnB w="9525" cap="flat" cmpd="sng" algn="ctr">
-                      <a:solidFill>
-                        <a:srgbClr val="CCCCCC"/>
-                      </a:solidFill>
-                      <a:prstDash val="solid"/>
-                      <a:round/>
-                      <a:headEnd type="none" w="med" len="med"/>
-                      <a:tailEnd type="none" w="med" len="med"/>
-                    </a:lnB>
-                  </a:tcPr>
-                </a:tc>
-                <a:tc>
-                  <a:txBody>
-                    <a:bodyPr/>
-                    <a:lstStyle/>
-                    <a:p>
-                      <a:pPr rtl="0" fontAlgn="b"/>
-                      <a:r>
-                        <a:rPr lang="pt-PT" sz="900" dirty="0">
-                          <a:effectLst/>
-                        </a:rPr>
-                        <a:t>GET</a:t>
-                      </a:r>
-                    </a:p>
-                  </a:txBody>
-                  <a:tcPr marL="13796" marR="13796" marT="9197" marB="9197" anchor="b">
-                    <a:lnL w="9525" cap="flat" cmpd="sng" algn="ctr">
-                      <a:solidFill>
-                        <a:srgbClr val="CCCCCC"/>
-                      </a:solidFill>
-                      <a:prstDash val="solid"/>
-                      <a:round/>
-                      <a:headEnd type="none" w="med" len="med"/>
-                      <a:tailEnd type="none" w="med" len="med"/>
-                    </a:lnL>
-                    <a:lnR w="9525" cap="flat" cmpd="sng" algn="ctr">
-                      <a:solidFill>
-                        <a:srgbClr val="CCCCCC"/>
-                      </a:solidFill>
-                      <a:prstDash val="solid"/>
-                      <a:round/>
-                      <a:headEnd type="none" w="med" len="med"/>
-                      <a:tailEnd type="none" w="med" len="med"/>
-                    </a:lnR>
-                    <a:lnT w="9525" cap="flat" cmpd="sng" algn="ctr">
-                      <a:solidFill>
-                        <a:srgbClr val="CCCCCC"/>
-                      </a:solidFill>
-                      <a:prstDash val="solid"/>
-                      <a:round/>
-                      <a:headEnd type="none" w="med" len="med"/>
-                      <a:tailEnd type="none" w="med" len="med"/>
-                    </a:lnT>
-                    <a:lnB w="9525" cap="flat" cmpd="sng" algn="ctr">
-                      <a:solidFill>
-                        <a:srgbClr val="CCCCCC"/>
-                      </a:solidFill>
-                      <a:prstDash val="solid"/>
-                      <a:round/>
-                      <a:headEnd type="none" w="med" len="med"/>
-                      <a:tailEnd type="none" w="med" len="med"/>
-                    </a:lnB>
-                  </a:tcPr>
-                </a:tc>
-                <a:tc>
-                  <a:txBody>
-                    <a:bodyPr/>
-                    <a:lstStyle/>
-                    <a:p>
-                      <a:pPr rtl="0" fontAlgn="b"/>
-                      <a:r>
-                        <a:rPr lang="pt-PT" sz="900" dirty="0">
-                          <a:effectLst/>
-                        </a:rPr>
-                        <a:t>Listar transformações disponíveis</a:t>
-                      </a:r>
-                    </a:p>
-                  </a:txBody>
-                  <a:tcPr marL="13796" marR="13796" marT="9197" marB="9197" anchor="b">
-                    <a:lnL w="9525" cap="flat" cmpd="sng" algn="ctr">
-                      <a:solidFill>
-                        <a:srgbClr val="CCCCCC"/>
-                      </a:solidFill>
-                      <a:prstDash val="solid"/>
-                      <a:round/>
-                      <a:headEnd type="none" w="med" len="med"/>
-                      <a:tailEnd type="none" w="med" len="med"/>
-                    </a:lnL>
-                    <a:lnR w="9525" cap="flat" cmpd="sng" algn="ctr">
-                      <a:solidFill>
-                        <a:srgbClr val="000000"/>
-                      </a:solidFill>
-                      <a:prstDash val="solid"/>
-                      <a:round/>
-                      <a:headEnd type="none" w="med" len="med"/>
-                      <a:tailEnd type="none" w="med" len="med"/>
-                    </a:lnR>
-                    <a:lnT w="9525" cap="flat" cmpd="sng" algn="ctr">
-                      <a:solidFill>
-                        <a:srgbClr val="CCCCCC"/>
-                      </a:solidFill>
-                      <a:prstDash val="solid"/>
-                      <a:round/>
-                      <a:headEnd type="none" w="med" len="med"/>
-                      <a:tailEnd type="none" w="med" len="med"/>
-                    </a:lnT>
-                    <a:lnB w="9525" cap="flat" cmpd="sng" algn="ctr">
-                      <a:solidFill>
-                        <a:srgbClr val="CCCCCC"/>
-                      </a:solidFill>
-                      <a:prstDash val="solid"/>
-                      <a:round/>
-                      <a:headEnd type="none" w="med" len="med"/>
-                      <a:tailEnd type="none" w="med" len="med"/>
-                    </a:lnB>
-                  </a:tcPr>
-                </a:tc>
-                <a:extLst>
-                  <a:ext uri="{0D108BD9-81ED-4DB2-BD59-A6C34878D82A}">
-                    <a16:rowId xmlns:a16="http://schemas.microsoft.com/office/drawing/2014/main" val="10015"/>
-                  </a:ext>
-                </a:extLst>
-              </a:tr>
-              <a:tr h="283279">
-                <a:tc>
-                  <a:txBody>
-                    <a:bodyPr/>
-                    <a:lstStyle/>
-                    <a:p>
-                      <a:pPr rtl="0" fontAlgn="b"/>
-                      <a:r>
-                        <a:rPr lang="pt-PT" sz="900" dirty="0">
-                          <a:effectLst/>
-                        </a:rPr>
-                        <a:t>/Users/{UserID}/Datasets/{DatasetID}/Stats</a:t>
-                      </a:r>
-                    </a:p>
-                  </a:txBody>
-                  <a:tcPr marL="13796" marR="13796" marT="9197" marB="9197" anchor="b">
-                    <a:lnL w="9525" cap="flat" cmpd="sng" algn="ctr">
-                      <a:solidFill>
-                        <a:srgbClr val="000000"/>
-                      </a:solidFill>
-                      <a:prstDash val="solid"/>
-                      <a:round/>
-                      <a:headEnd type="none" w="med" len="med"/>
-                      <a:tailEnd type="none" w="med" len="med"/>
-                    </a:lnL>
-                    <a:lnR w="9525" cap="flat" cmpd="sng" algn="ctr">
-                      <a:solidFill>
-                        <a:srgbClr val="CCCCCC"/>
-                      </a:solidFill>
-                      <a:prstDash val="solid"/>
-                      <a:round/>
-                      <a:headEnd type="none" w="med" len="med"/>
-                      <a:tailEnd type="none" w="med" len="med"/>
-                    </a:lnR>
-                    <a:lnT w="9525" cap="flat" cmpd="sng" algn="ctr">
-                      <a:solidFill>
-                        <a:srgbClr val="CCCCCC"/>
-                      </a:solidFill>
-                      <a:prstDash val="solid"/>
-                      <a:round/>
-                      <a:headEnd type="none" w="med" len="med"/>
-                      <a:tailEnd type="none" w="med" len="med"/>
-                    </a:lnT>
-                    <a:lnB w="9525" cap="flat" cmpd="sng" algn="ctr">
-                      <a:solidFill>
-                        <a:srgbClr val="CCCCCC"/>
-                      </a:solidFill>
-                      <a:prstDash val="solid"/>
-                      <a:round/>
-                      <a:headEnd type="none" w="med" len="med"/>
-                      <a:tailEnd type="none" w="med" len="med"/>
-                    </a:lnB>
-                  </a:tcPr>
-                </a:tc>
-                <a:tc>
-                  <a:txBody>
-                    <a:bodyPr/>
-                    <a:lstStyle/>
-                    <a:p>
-                      <a:pPr rtl="0" fontAlgn="b"/>
-                      <a:r>
-                        <a:rPr lang="pt-PT" sz="900" dirty="0">
-                          <a:effectLst/>
-                        </a:rPr>
-                        <a:t>GET</a:t>
-                      </a:r>
-                    </a:p>
-                  </a:txBody>
-                  <a:tcPr marL="13796" marR="13796" marT="9197" marB="9197" anchor="b">
-                    <a:lnL w="9525" cap="flat" cmpd="sng" algn="ctr">
-                      <a:solidFill>
-                        <a:srgbClr val="CCCCCC"/>
-                      </a:solidFill>
-                      <a:prstDash val="solid"/>
-                      <a:round/>
-                      <a:headEnd type="none" w="med" len="med"/>
-                      <a:tailEnd type="none" w="med" len="med"/>
-                    </a:lnL>
-                    <a:lnR w="9525" cap="flat" cmpd="sng" algn="ctr">
-                      <a:solidFill>
-                        <a:srgbClr val="CCCCCC"/>
-                      </a:solidFill>
-                      <a:prstDash val="solid"/>
-                      <a:round/>
-                      <a:headEnd type="none" w="med" len="med"/>
-                      <a:tailEnd type="none" w="med" len="med"/>
-                    </a:lnR>
-                    <a:lnT w="9525" cap="flat" cmpd="sng" algn="ctr">
-                      <a:solidFill>
-                        <a:srgbClr val="CCCCCC"/>
-                      </a:solidFill>
-                      <a:prstDash val="solid"/>
-                      <a:round/>
-                      <a:headEnd type="none" w="med" len="med"/>
-                      <a:tailEnd type="none" w="med" len="med"/>
-                    </a:lnT>
-                    <a:lnB w="9525" cap="flat" cmpd="sng" algn="ctr">
-                      <a:solidFill>
-                        <a:srgbClr val="CCCCCC"/>
-                      </a:solidFill>
-                      <a:prstDash val="solid"/>
-                      <a:round/>
-                      <a:headEnd type="none" w="med" len="med"/>
-                      <a:tailEnd type="none" w="med" len="med"/>
-                    </a:lnB>
-                  </a:tcPr>
-                </a:tc>
-                <a:tc>
-                  <a:txBody>
-                    <a:bodyPr/>
-                    <a:lstStyle/>
-                    <a:p>
-                      <a:pPr rtl="0" fontAlgn="b"/>
-                      <a:r>
-                        <a:rPr lang="pt-PT" sz="900" dirty="0">
-                          <a:effectLst/>
-                        </a:rPr>
-                        <a:t>Obter estatísticas do dataset</a:t>
-                      </a:r>
-                    </a:p>
-                  </a:txBody>
-                  <a:tcPr marL="13796" marR="13796" marT="9197" marB="9197" anchor="b">
-                    <a:lnL w="9525" cap="flat" cmpd="sng" algn="ctr">
-                      <a:solidFill>
-                        <a:srgbClr val="CCCCCC"/>
-                      </a:solidFill>
-                      <a:prstDash val="solid"/>
-                      <a:round/>
-                      <a:headEnd type="none" w="med" len="med"/>
-                      <a:tailEnd type="none" w="med" len="med"/>
-                    </a:lnL>
-                    <a:lnR w="9525" cap="flat" cmpd="sng" algn="ctr">
-                      <a:solidFill>
-                        <a:srgbClr val="000000"/>
-                      </a:solidFill>
-                      <a:prstDash val="solid"/>
-                      <a:round/>
-                      <a:headEnd type="none" w="med" len="med"/>
-                      <a:tailEnd type="none" w="med" len="med"/>
-                    </a:lnR>
-                    <a:lnT w="9525" cap="flat" cmpd="sng" algn="ctr">
-                      <a:solidFill>
-                        <a:srgbClr val="CCCCCC"/>
-                      </a:solidFill>
-                      <a:prstDash val="solid"/>
-                      <a:round/>
-                      <a:headEnd type="none" w="med" len="med"/>
-                      <a:tailEnd type="none" w="med" len="med"/>
-                    </a:lnT>
-                    <a:lnB w="9525" cap="flat" cmpd="sng" algn="ctr">
-                      <a:solidFill>
-                        <a:srgbClr val="CCCCCC"/>
-                      </a:solidFill>
-                      <a:prstDash val="solid"/>
-                      <a:round/>
-                      <a:headEnd type="none" w="med" len="med"/>
-                      <a:tailEnd type="none" w="med" len="med"/>
-                    </a:lnB>
-                  </a:tcPr>
-                </a:tc>
-                <a:extLst>
-                  <a:ext uri="{0D108BD9-81ED-4DB2-BD59-A6C34878D82A}">
-                    <a16:rowId xmlns:a16="http://schemas.microsoft.com/office/drawing/2014/main" val="10016"/>
-                  </a:ext>
-                </a:extLst>
-              </a:tr>
-              <a:tr h="283279">
-                <a:tc>
-                  <a:txBody>
-                    <a:bodyPr/>
-                    <a:lstStyle/>
-                    <a:p>
-                      <a:pPr rtl="0" fontAlgn="b"/>
-                      <a:r>
-                        <a:rPr lang="pt-PT" sz="900" dirty="0">
-                          <a:effectLst/>
-                        </a:rPr>
-                        <a:t>/Users/{UserID}/Datasets/{DatasetID}/Transfs</a:t>
-                      </a:r>
-                    </a:p>
-                  </a:txBody>
-                  <a:tcPr marL="13796" marR="13796" marT="9197" marB="9197" anchor="b">
-                    <a:lnL w="9525" cap="flat" cmpd="sng" algn="ctr">
-                      <a:solidFill>
-                        <a:srgbClr val="000000"/>
-                      </a:solidFill>
-                      <a:prstDash val="solid"/>
-                      <a:round/>
-                      <a:headEnd type="none" w="med" len="med"/>
-                      <a:tailEnd type="none" w="med" len="med"/>
-                    </a:lnL>
-                    <a:lnR w="9525" cap="flat" cmpd="sng" algn="ctr">
-                      <a:solidFill>
-                        <a:srgbClr val="CCCCCC"/>
-                      </a:solidFill>
-                      <a:prstDash val="solid"/>
-                      <a:round/>
-                      <a:headEnd type="none" w="med" len="med"/>
-                      <a:tailEnd type="none" w="med" len="med"/>
-                    </a:lnR>
-                    <a:lnT w="9525" cap="flat" cmpd="sng" algn="ctr">
-                      <a:solidFill>
-                        <a:srgbClr val="CCCCCC"/>
-                      </a:solidFill>
-                      <a:prstDash val="solid"/>
-                      <a:round/>
-                      <a:headEnd type="none" w="med" len="med"/>
-                      <a:tailEnd type="none" w="med" len="med"/>
-                    </a:lnT>
-                    <a:lnB w="9525" cap="flat" cmpd="sng" algn="ctr">
-                      <a:solidFill>
-                        <a:srgbClr val="CCCCCC"/>
-                      </a:solidFill>
-                      <a:prstDash val="solid"/>
-                      <a:round/>
-                      <a:headEnd type="none" w="med" len="med"/>
-                      <a:tailEnd type="none" w="med" len="med"/>
-                    </a:lnB>
-                  </a:tcPr>
-                </a:tc>
-                <a:tc>
-                  <a:txBody>
-                    <a:bodyPr/>
-                    <a:lstStyle/>
-                    <a:p>
-                      <a:pPr rtl="0" fontAlgn="b"/>
-                      <a:r>
-                        <a:rPr lang="pt-PT" sz="900" dirty="0">
-                          <a:effectLst/>
-                        </a:rPr>
-                        <a:t>GET</a:t>
-                      </a:r>
-                    </a:p>
-                  </a:txBody>
-                  <a:tcPr marL="13796" marR="13796" marT="9197" marB="9197" anchor="b">
-                    <a:lnL w="9525" cap="flat" cmpd="sng" algn="ctr">
-                      <a:solidFill>
-                        <a:srgbClr val="CCCCCC"/>
-                      </a:solidFill>
-                      <a:prstDash val="solid"/>
-                      <a:round/>
-                      <a:headEnd type="none" w="med" len="med"/>
-                      <a:tailEnd type="none" w="med" len="med"/>
-                    </a:lnL>
-                    <a:lnR w="9525" cap="flat" cmpd="sng" algn="ctr">
-                      <a:solidFill>
-                        <a:srgbClr val="CCCCCC"/>
-                      </a:solidFill>
-                      <a:prstDash val="solid"/>
-                      <a:round/>
-                      <a:headEnd type="none" w="med" len="med"/>
-                      <a:tailEnd type="none" w="med" len="med"/>
-                    </a:lnR>
-                    <a:lnT w="9525" cap="flat" cmpd="sng" algn="ctr">
-                      <a:solidFill>
-                        <a:srgbClr val="CCCCCC"/>
-                      </a:solidFill>
-                      <a:prstDash val="solid"/>
-                      <a:round/>
-                      <a:headEnd type="none" w="med" len="med"/>
-                      <a:tailEnd type="none" w="med" len="med"/>
-                    </a:lnT>
-                    <a:lnB w="9525" cap="flat" cmpd="sng" algn="ctr">
-                      <a:solidFill>
-                        <a:srgbClr val="CCCCCC"/>
-                      </a:solidFill>
-                      <a:prstDash val="solid"/>
-                      <a:round/>
-                      <a:headEnd type="none" w="med" len="med"/>
-                      <a:tailEnd type="none" w="med" len="med"/>
-                    </a:lnB>
-                  </a:tcPr>
-                </a:tc>
-                <a:tc>
-                  <a:txBody>
-                    <a:bodyPr/>
-                    <a:lstStyle/>
-                    <a:p>
-                      <a:pPr rtl="0" fontAlgn="b"/>
-                      <a:r>
-                        <a:rPr lang="pt-PT" sz="900" dirty="0">
-                          <a:effectLst/>
-                        </a:rPr>
-                        <a:t>Obter transformações do dataset</a:t>
-                      </a:r>
-                    </a:p>
-                  </a:txBody>
-                  <a:tcPr marL="13796" marR="13796" marT="9197" marB="9197" anchor="b">
-                    <a:lnL w="9525" cap="flat" cmpd="sng" algn="ctr">
-                      <a:solidFill>
-                        <a:srgbClr val="CCCCCC"/>
-                      </a:solidFill>
-                      <a:prstDash val="solid"/>
-                      <a:round/>
-                      <a:headEnd type="none" w="med" len="med"/>
-                      <a:tailEnd type="none" w="med" len="med"/>
-                    </a:lnL>
-                    <a:lnR w="9525" cap="flat" cmpd="sng" algn="ctr">
-                      <a:solidFill>
-                        <a:srgbClr val="000000"/>
-                      </a:solidFill>
-                      <a:prstDash val="solid"/>
-                      <a:round/>
-                      <a:headEnd type="none" w="med" len="med"/>
-                      <a:tailEnd type="none" w="med" len="med"/>
-                    </a:lnR>
-                    <a:lnT w="9525" cap="flat" cmpd="sng" algn="ctr">
-                      <a:solidFill>
-                        <a:srgbClr val="CCCCCC"/>
-                      </a:solidFill>
-                      <a:prstDash val="solid"/>
-                      <a:round/>
-                      <a:headEnd type="none" w="med" len="med"/>
-                      <a:tailEnd type="none" w="med" len="med"/>
-                    </a:lnT>
-                    <a:lnB w="9525" cap="flat" cmpd="sng" algn="ctr">
-                      <a:solidFill>
-                        <a:srgbClr val="CCCCCC"/>
-                      </a:solidFill>
-                      <a:prstDash val="solid"/>
-                      <a:round/>
-                      <a:headEnd type="none" w="med" len="med"/>
-                      <a:tailEnd type="none" w="med" len="med"/>
-                    </a:lnB>
-                  </a:tcPr>
-                </a:tc>
-                <a:extLst>
-                  <a:ext uri="{0D108BD9-81ED-4DB2-BD59-A6C34878D82A}">
-                    <a16:rowId xmlns:a16="http://schemas.microsoft.com/office/drawing/2014/main" val="10017"/>
-                  </a:ext>
-                </a:extLst>
-              </a:tr>
-              <a:tr h="283279">
-                <a:tc>
-                  <a:txBody>
-                    <a:bodyPr/>
-                    <a:lstStyle/>
-                    <a:p>
-                      <a:pPr rtl="0" fontAlgn="b"/>
-                      <a:r>
-                        <a:rPr lang="pt-PT" sz="900" dirty="0">
-                          <a:effectLst/>
-                        </a:rPr>
-                        <a:t>/Users/{UserID}/Datasets/{DatasetID}/{MacroID}/</a:t>
-                      </a:r>
-                    </a:p>
-                  </a:txBody>
-                  <a:tcPr marL="13796" marR="13796" marT="9197" marB="9197" anchor="b">
-                    <a:lnL w="9525" cap="flat" cmpd="sng" algn="ctr">
-                      <a:solidFill>
-                        <a:srgbClr val="000000"/>
-                      </a:solidFill>
-                      <a:prstDash val="solid"/>
-                      <a:round/>
-                      <a:headEnd type="none" w="med" len="med"/>
-                      <a:tailEnd type="none" w="med" len="med"/>
-                    </a:lnL>
-                    <a:lnR w="9525" cap="flat" cmpd="sng" algn="ctr">
-                      <a:solidFill>
-                        <a:srgbClr val="CCCCCC"/>
-                      </a:solidFill>
-                      <a:prstDash val="solid"/>
-                      <a:round/>
-                      <a:headEnd type="none" w="med" len="med"/>
-                      <a:tailEnd type="none" w="med" len="med"/>
-                    </a:lnR>
-                    <a:lnT w="9525" cap="flat" cmpd="sng" algn="ctr">
-                      <a:solidFill>
-                        <a:srgbClr val="CCCCCC"/>
-                      </a:solidFill>
-                      <a:prstDash val="solid"/>
-                      <a:round/>
-                      <a:headEnd type="none" w="med" len="med"/>
-                      <a:tailEnd type="none" w="med" len="med"/>
-                    </a:lnT>
-                    <a:lnB w="9525" cap="flat" cmpd="sng" algn="ctr">
-                      <a:solidFill>
-                        <a:srgbClr val="000000"/>
-                      </a:solidFill>
-                      <a:prstDash val="solid"/>
-                      <a:round/>
-                      <a:headEnd type="none" w="med" len="med"/>
-                      <a:tailEnd type="none" w="med" len="med"/>
-                    </a:lnB>
-                  </a:tcPr>
-                </a:tc>
-                <a:tc>
-                  <a:txBody>
-                    <a:bodyPr/>
-                    <a:lstStyle/>
-                    <a:p>
-                      <a:pPr rtl="0" fontAlgn="b"/>
-                      <a:r>
-                        <a:rPr lang="pt-PT" sz="900" dirty="0">
-                          <a:effectLst/>
-                        </a:rPr>
-                        <a:t>GET</a:t>
-                      </a:r>
-                    </a:p>
-                  </a:txBody>
-                  <a:tcPr marL="13796" marR="13796" marT="9197" marB="9197" anchor="b">
-                    <a:lnL w="9525" cap="flat" cmpd="sng" algn="ctr">
-                      <a:solidFill>
-                        <a:srgbClr val="CCCCCC"/>
-                      </a:solidFill>
-                      <a:prstDash val="solid"/>
-                      <a:round/>
-                      <a:headEnd type="none" w="med" len="med"/>
-                      <a:tailEnd type="none" w="med" len="med"/>
-                    </a:lnL>
-                    <a:lnR w="9525" cap="flat" cmpd="sng" algn="ctr">
-                      <a:solidFill>
-                        <a:srgbClr val="CCCCCC"/>
-                      </a:solidFill>
-                      <a:prstDash val="solid"/>
-                      <a:round/>
-                      <a:headEnd type="none" w="med" len="med"/>
-                      <a:tailEnd type="none" w="med" len="med"/>
-                    </a:lnR>
-                    <a:lnT w="9525" cap="flat" cmpd="sng" algn="ctr">
-                      <a:solidFill>
-                        <a:srgbClr val="CCCCCC"/>
-                      </a:solidFill>
-                      <a:prstDash val="solid"/>
-                      <a:round/>
-                      <a:headEnd type="none" w="med" len="med"/>
-                      <a:tailEnd type="none" w="med" len="med"/>
-                    </a:lnT>
-                    <a:lnB w="9525" cap="flat" cmpd="sng" algn="ctr">
-                      <a:solidFill>
-                        <a:srgbClr val="000000"/>
-                      </a:solidFill>
-                      <a:prstDash val="solid"/>
-                      <a:round/>
-                      <a:headEnd type="none" w="med" len="med"/>
-                      <a:tailEnd type="none" w="med" len="med"/>
-                    </a:lnB>
-                  </a:tcPr>
-                </a:tc>
-                <a:tc>
-                  <a:txBody>
-                    <a:bodyPr/>
-                    <a:lstStyle/>
-                    <a:p>
-                      <a:pPr rtl="0" fontAlgn="b"/>
-                      <a:r>
-                        <a:rPr lang="pt-PT" sz="900" dirty="0">
-                          <a:effectLst/>
-                        </a:rPr>
-                        <a:t>Obter aplicação de macro a um dataset</a:t>
-                      </a:r>
-                    </a:p>
-                  </a:txBody>
-                  <a:tcPr marL="13796" marR="13796" marT="9197" marB="9197" anchor="b">
-                    <a:lnL w="9525" cap="flat" cmpd="sng" algn="ctr">
-                      <a:solidFill>
-                        <a:srgbClr val="CCCCCC"/>
-                      </a:solidFill>
-                      <a:prstDash val="solid"/>
-                      <a:round/>
-                      <a:headEnd type="none" w="med" len="med"/>
-                      <a:tailEnd type="none" w="med" len="med"/>
-                    </a:lnL>
-                    <a:lnR w="9525" cap="flat" cmpd="sng" algn="ctr">
-                      <a:solidFill>
-                        <a:srgbClr val="000000"/>
-                      </a:solidFill>
-                      <a:prstDash val="solid"/>
-                      <a:round/>
-                      <a:headEnd type="none" w="med" len="med"/>
-                      <a:tailEnd type="none" w="med" len="med"/>
-                    </a:lnR>
-                    <a:lnT w="9525" cap="flat" cmpd="sng" algn="ctr">
-                      <a:solidFill>
-                        <a:srgbClr val="CCCCCC"/>
-                      </a:solidFill>
-                      <a:prstDash val="solid"/>
-                      <a:round/>
-                      <a:headEnd type="none" w="med" len="med"/>
-                      <a:tailEnd type="none" w="med" len="med"/>
-                    </a:lnT>
-                    <a:lnB w="9525" cap="flat" cmpd="sng" algn="ctr">
-                      <a:solidFill>
-                        <a:srgbClr val="000000"/>
-                      </a:solidFill>
-                      <a:prstDash val="solid"/>
-                      <a:round/>
-                      <a:headEnd type="none" w="med" len="med"/>
-                      <a:tailEnd type="none" w="med" len="med"/>
-                    </a:lnB>
-                  </a:tcPr>
-                </a:tc>
-                <a:extLst>
-                  <a:ext uri="{0D108BD9-81ED-4DB2-BD59-A6C34878D82A}">
-                    <a16:rowId xmlns:a16="http://schemas.microsoft.com/office/drawing/2014/main" val="10018"/>
-                  </a:ext>
-                </a:extLst>
-              </a:tr>
-            </a:tbl>
-          </a:graphicData>
-        </a:graphic>
-      </p:graphicFrame>
-      <p:graphicFrame>
-        <p:nvGraphicFramePr>
-          <p:cNvPr id="6" name="Table 5"/>
-          <p:cNvGraphicFramePr>
-            <a:graphicFrameLocks noGrp="1"/>
-          </p:cNvGraphicFramePr>
-          <p:nvPr>
-            <p:extLst>
-              <p:ext uri="{D42A27DB-BD31-4B8C-83A1-F6EECF244321}">
-                <p14:modId xmlns:p14="http://schemas.microsoft.com/office/powerpoint/2010/main" val="743984823"/>
-              </p:ext>
-            </p:extLst>
-          </p:nvPr>
-        </p:nvGraphicFramePr>
-        <p:xfrm>
-          <a:off x="4343400" y="2286000"/>
-          <a:ext cx="3428999" cy="357898"/>
-        </p:xfrm>
-        <a:graphic>
-          <a:graphicData uri="http://schemas.openxmlformats.org/drawingml/2006/table">
-            <a:tbl>
-              <a:tblPr/>
-              <a:tblGrid>
-                <a:gridCol w="642937">
-                  <a:extLst>
-                    <a:ext uri="{9D8B030D-6E8A-4147-A177-3AD203B41FA5}">
-                      <a16:colId xmlns:a16="http://schemas.microsoft.com/office/drawing/2014/main" val="20000"/>
-                    </a:ext>
-                  </a:extLst>
-                </a:gridCol>
-                <a:gridCol w="428625">
-                  <a:extLst>
-                    <a:ext uri="{9D8B030D-6E8A-4147-A177-3AD203B41FA5}">
-                      <a16:colId xmlns:a16="http://schemas.microsoft.com/office/drawing/2014/main" val="20001"/>
-                    </a:ext>
-                  </a:extLst>
-                </a:gridCol>
-                <a:gridCol w="2357437">
-                  <a:extLst>
-                    <a:ext uri="{9D8B030D-6E8A-4147-A177-3AD203B41FA5}">
-                      <a16:colId xmlns:a16="http://schemas.microsoft.com/office/drawing/2014/main" val="20002"/>
-                    </a:ext>
-                  </a:extLst>
-                </a:gridCol>
-              </a:tblGrid>
-              <a:tr h="178949">
-                <a:tc>
-                  <a:txBody>
-                    <a:bodyPr/>
-                    <a:lstStyle/>
-                    <a:p>
-                      <a:pPr rtl="0" fontAlgn="b"/>
-                      <a:r>
-                        <a:rPr lang="pt-PT" sz="1000" dirty="0">
-                          <a:effectLst/>
-                        </a:rPr>
-                        <a:t>URL</a:t>
-                      </a:r>
-                    </a:p>
-                  </a:txBody>
-                  <a:tcPr marL="15516" marR="15516" marT="10344" marB="10344" anchor="b">
-                    <a:lnL w="9525" cap="flat" cmpd="sng" algn="ctr">
-                      <a:solidFill>
-                        <a:srgbClr val="000000"/>
-                      </a:solidFill>
-                      <a:prstDash val="solid"/>
-                      <a:round/>
-                      <a:headEnd type="none" w="med" len="med"/>
-                      <a:tailEnd type="none" w="med" len="med"/>
-                    </a:lnL>
-                    <a:lnR w="9525" cap="flat" cmpd="sng" algn="ctr">
-                      <a:solidFill>
-                        <a:srgbClr val="CCCCCC"/>
-                      </a:solidFill>
-                      <a:prstDash val="solid"/>
-                      <a:round/>
-                      <a:headEnd type="none" w="med" len="med"/>
-                      <a:tailEnd type="none" w="med" len="med"/>
-                    </a:lnR>
-                    <a:lnT w="9525" cap="flat" cmpd="sng" algn="ctr">
-                      <a:solidFill>
-                        <a:srgbClr val="000000"/>
-                      </a:solidFill>
-                      <a:prstDash val="solid"/>
-                      <a:round/>
-                      <a:headEnd type="none" w="med" len="med"/>
-                      <a:tailEnd type="none" w="med" len="med"/>
-                    </a:lnT>
-                    <a:lnB w="9525" cap="flat" cmpd="sng" algn="ctr">
-                      <a:solidFill>
-                        <a:srgbClr val="CCCCCC"/>
-                      </a:solidFill>
-                      <a:prstDash val="solid"/>
-                      <a:round/>
-                      <a:headEnd type="none" w="med" len="med"/>
-                      <a:tailEnd type="none" w="med" len="med"/>
-                    </a:lnB>
-                    <a:solidFill>
-                      <a:srgbClr val="FF9900"/>
-                    </a:solidFill>
-                  </a:tcPr>
-                </a:tc>
-                <a:tc>
-                  <a:txBody>
-                    <a:bodyPr/>
-                    <a:lstStyle/>
-                    <a:p>
-                      <a:pPr rtl="0" fontAlgn="b"/>
-                      <a:r>
-                        <a:rPr lang="pt-PT" sz="1000" dirty="0">
-                          <a:effectLst/>
-                        </a:rPr>
-                        <a:t>VERB</a:t>
-                      </a:r>
-                    </a:p>
-                  </a:txBody>
-                  <a:tcPr marL="15516" marR="15516" marT="10344" marB="10344" anchor="b">
-                    <a:lnL w="9525" cap="flat" cmpd="sng" algn="ctr">
-                      <a:solidFill>
-                        <a:srgbClr val="CCCCCC"/>
-                      </a:solidFill>
-                      <a:prstDash val="solid"/>
-                      <a:round/>
-                      <a:headEnd type="none" w="med" len="med"/>
-                      <a:tailEnd type="none" w="med" len="med"/>
-                    </a:lnL>
-                    <a:lnR w="9525" cap="flat" cmpd="sng" algn="ctr">
-                      <a:solidFill>
-                        <a:srgbClr val="CCCCCC"/>
-                      </a:solidFill>
-                      <a:prstDash val="solid"/>
-                      <a:round/>
-                      <a:headEnd type="none" w="med" len="med"/>
-                      <a:tailEnd type="none" w="med" len="med"/>
-                    </a:lnR>
-                    <a:lnT w="9525" cap="flat" cmpd="sng" algn="ctr">
-                      <a:solidFill>
-                        <a:srgbClr val="000000"/>
-                      </a:solidFill>
-                      <a:prstDash val="solid"/>
-                      <a:round/>
-                      <a:headEnd type="none" w="med" len="med"/>
-                      <a:tailEnd type="none" w="med" len="med"/>
-                    </a:lnT>
-                    <a:lnB w="9525" cap="flat" cmpd="sng" algn="ctr">
-                      <a:solidFill>
-                        <a:srgbClr val="CCCCCC"/>
-                      </a:solidFill>
-                      <a:prstDash val="solid"/>
-                      <a:round/>
-                      <a:headEnd type="none" w="med" len="med"/>
-                      <a:tailEnd type="none" w="med" len="med"/>
-                    </a:lnB>
-                    <a:solidFill>
-                      <a:srgbClr val="FF9900"/>
-                    </a:solidFill>
-                  </a:tcPr>
-                </a:tc>
-                <a:tc>
-                  <a:txBody>
-                    <a:bodyPr/>
-                    <a:lstStyle/>
-                    <a:p>
-                      <a:pPr rtl="0" fontAlgn="b"/>
-                      <a:r>
-                        <a:rPr lang="pt-PT" sz="1000" dirty="0">
-                          <a:effectLst/>
-                        </a:rPr>
-                        <a:t>DESCRIPTION</a:t>
-                      </a:r>
-                    </a:p>
-                  </a:txBody>
-                  <a:tcPr marL="15516" marR="15516" marT="10344" marB="10344" anchor="b">
-                    <a:lnL w="9525" cap="flat" cmpd="sng" algn="ctr">
-                      <a:solidFill>
-                        <a:srgbClr val="CCCCCC"/>
-                      </a:solidFill>
-                      <a:prstDash val="solid"/>
-                      <a:round/>
-                      <a:headEnd type="none" w="med" len="med"/>
-                      <a:tailEnd type="none" w="med" len="med"/>
-                    </a:lnL>
-                    <a:lnR w="9525" cap="flat" cmpd="sng" algn="ctr">
-                      <a:solidFill>
-                        <a:srgbClr val="000000"/>
-                      </a:solidFill>
-                      <a:prstDash val="solid"/>
-                      <a:round/>
-                      <a:headEnd type="none" w="med" len="med"/>
-                      <a:tailEnd type="none" w="med" len="med"/>
-                    </a:lnR>
-                    <a:lnT w="9525" cap="flat" cmpd="sng" algn="ctr">
-                      <a:solidFill>
-                        <a:srgbClr val="000000"/>
-                      </a:solidFill>
-                      <a:prstDash val="solid"/>
-                      <a:round/>
-                      <a:headEnd type="none" w="med" len="med"/>
-                      <a:tailEnd type="none" w="med" len="med"/>
-                    </a:lnT>
-                    <a:lnB w="9525" cap="flat" cmpd="sng" algn="ctr">
-                      <a:solidFill>
-                        <a:srgbClr val="CCCCCC"/>
-                      </a:solidFill>
-                      <a:prstDash val="solid"/>
-                      <a:round/>
-                      <a:headEnd type="none" w="med" len="med"/>
-                      <a:tailEnd type="none" w="med" len="med"/>
-                    </a:lnB>
-                    <a:solidFill>
-                      <a:srgbClr val="FF9900"/>
-                    </a:solidFill>
-                  </a:tcPr>
-                </a:tc>
-                <a:extLst>
-                  <a:ext uri="{0D108BD9-81ED-4DB2-BD59-A6C34878D82A}">
-                    <a16:rowId xmlns:a16="http://schemas.microsoft.com/office/drawing/2014/main" val="10000"/>
-                  </a:ext>
-                </a:extLst>
-              </a:tr>
-              <a:tr h="178949">
-                <a:tc>
-                  <a:txBody>
-                    <a:bodyPr/>
-                    <a:lstStyle/>
-                    <a:p>
-                      <a:pPr rtl="0" fontAlgn="b"/>
-                      <a:r>
-                        <a:rPr lang="pt-PT" sz="1000" dirty="0">
-                          <a:effectLst/>
-                        </a:rPr>
-                        <a:t>/Trnsf/</a:t>
-                      </a:r>
-                    </a:p>
-                  </a:txBody>
-                  <a:tcPr marL="15516" marR="15516" marT="10344" marB="10344" anchor="b">
-                    <a:lnL w="9525" cap="flat" cmpd="sng" algn="ctr">
-                      <a:solidFill>
-                        <a:srgbClr val="000000"/>
-                      </a:solidFill>
-                      <a:prstDash val="solid"/>
-                      <a:round/>
-                      <a:headEnd type="none" w="med" len="med"/>
-                      <a:tailEnd type="none" w="med" len="med"/>
-                    </a:lnL>
-                    <a:lnR w="9525" cap="flat" cmpd="sng" algn="ctr">
-                      <a:solidFill>
-                        <a:srgbClr val="CCCCCC"/>
-                      </a:solidFill>
-                      <a:prstDash val="solid"/>
-                      <a:round/>
-                      <a:headEnd type="none" w="med" len="med"/>
-                      <a:tailEnd type="none" w="med" len="med"/>
-                    </a:lnR>
-                    <a:lnT w="9525" cap="flat" cmpd="sng" algn="ctr">
-                      <a:solidFill>
-                        <a:srgbClr val="CCCCCC"/>
-                      </a:solidFill>
-                      <a:prstDash val="solid"/>
-                      <a:round/>
-                      <a:headEnd type="none" w="med" len="med"/>
-                      <a:tailEnd type="none" w="med" len="med"/>
-                    </a:lnT>
-                    <a:lnB w="9525" cap="flat" cmpd="sng" algn="ctr">
-                      <a:solidFill>
-                        <a:srgbClr val="000000"/>
-                      </a:solidFill>
-                      <a:prstDash val="solid"/>
-                      <a:round/>
-                      <a:headEnd type="none" w="med" len="med"/>
-                      <a:tailEnd type="none" w="med" len="med"/>
-                    </a:lnB>
-                  </a:tcPr>
-                </a:tc>
-                <a:tc>
-                  <a:txBody>
-                    <a:bodyPr/>
-                    <a:lstStyle/>
-                    <a:p>
-                      <a:pPr rtl="0" fontAlgn="b"/>
-                      <a:r>
-                        <a:rPr lang="pt-PT" sz="1000" dirty="0">
-                          <a:effectLst/>
-                        </a:rPr>
-                        <a:t>POST</a:t>
-                      </a:r>
-                    </a:p>
-                  </a:txBody>
-                  <a:tcPr marL="15516" marR="15516" marT="10344" marB="10344" anchor="b">
-                    <a:lnL w="9525" cap="flat" cmpd="sng" algn="ctr">
-                      <a:solidFill>
-                        <a:srgbClr val="CCCCCC"/>
-                      </a:solidFill>
-                      <a:prstDash val="solid"/>
-                      <a:round/>
-                      <a:headEnd type="none" w="med" len="med"/>
-                      <a:tailEnd type="none" w="med" len="med"/>
-                    </a:lnL>
-                    <a:lnR w="9525" cap="flat" cmpd="sng" algn="ctr">
-                      <a:solidFill>
-                        <a:srgbClr val="CCCCCC"/>
-                      </a:solidFill>
-                      <a:prstDash val="solid"/>
-                      <a:round/>
-                      <a:headEnd type="none" w="med" len="med"/>
-                      <a:tailEnd type="none" w="med" len="med"/>
-                    </a:lnR>
-                    <a:lnT w="9525" cap="flat" cmpd="sng" algn="ctr">
-                      <a:solidFill>
-                        <a:srgbClr val="CCCCCC"/>
-                      </a:solidFill>
-                      <a:prstDash val="solid"/>
-                      <a:round/>
-                      <a:headEnd type="none" w="med" len="med"/>
-                      <a:tailEnd type="none" w="med" len="med"/>
-                    </a:lnT>
-                    <a:lnB w="9525" cap="flat" cmpd="sng" algn="ctr">
-                      <a:solidFill>
-                        <a:srgbClr val="000000"/>
-                      </a:solidFill>
-                      <a:prstDash val="solid"/>
-                      <a:round/>
-                      <a:headEnd type="none" w="med" len="med"/>
-                      <a:tailEnd type="none" w="med" len="med"/>
-                    </a:lnB>
-                  </a:tcPr>
-                </a:tc>
-                <a:tc>
-                  <a:txBody>
-                    <a:bodyPr/>
-                    <a:lstStyle/>
-                    <a:p>
-                      <a:pPr rtl="0" fontAlgn="b"/>
-                      <a:r>
-                        <a:rPr lang="pt-PT" sz="1000" dirty="0">
-                          <a:effectLst/>
-                        </a:rPr>
-                        <a:t>Envia dataset com as respectivas operações</a:t>
-                      </a:r>
-                    </a:p>
-                  </a:txBody>
-                  <a:tcPr marL="15516" marR="15516" marT="10344" marB="10344" anchor="b">
-                    <a:lnL w="9525" cap="flat" cmpd="sng" algn="ctr">
-                      <a:solidFill>
-                        <a:srgbClr val="CCCCCC"/>
-                      </a:solidFill>
-                      <a:prstDash val="solid"/>
-                      <a:round/>
-                      <a:headEnd type="none" w="med" len="med"/>
-                      <a:tailEnd type="none" w="med" len="med"/>
-                    </a:lnL>
-                    <a:lnR w="9525" cap="flat" cmpd="sng" algn="ctr">
-                      <a:solidFill>
-                        <a:srgbClr val="000000"/>
-                      </a:solidFill>
-                      <a:prstDash val="solid"/>
-                      <a:round/>
-                      <a:headEnd type="none" w="med" len="med"/>
-                      <a:tailEnd type="none" w="med" len="med"/>
-                    </a:lnR>
-                    <a:lnT w="9525" cap="flat" cmpd="sng" algn="ctr">
-                      <a:solidFill>
-                        <a:srgbClr val="CCCCCC"/>
-                      </a:solidFill>
-                      <a:prstDash val="solid"/>
-                      <a:round/>
-                      <a:headEnd type="none" w="med" len="med"/>
-                      <a:tailEnd type="none" w="med" len="med"/>
-                    </a:lnT>
-                    <a:lnB w="9525" cap="flat" cmpd="sng" algn="ctr">
-                      <a:solidFill>
-                        <a:srgbClr val="000000"/>
-                      </a:solidFill>
-                      <a:prstDash val="solid"/>
-                      <a:round/>
-                      <a:headEnd type="none" w="med" len="med"/>
-                      <a:tailEnd type="none" w="med" len="med"/>
-                    </a:lnB>
-                  </a:tcPr>
-                </a:tc>
-                <a:extLst>
-                  <a:ext uri="{0D108BD9-81ED-4DB2-BD59-A6C34878D82A}">
-                    <a16:rowId xmlns:a16="http://schemas.microsoft.com/office/drawing/2014/main" val="10001"/>
-                  </a:ext>
-                </a:extLst>
-              </a:tr>
-            </a:tbl>
-          </a:graphicData>
-        </a:graphic>
-      </p:graphicFrame>
-    </p:spTree>
-    <p:extLst>
-      <p:ext uri="{BB962C8B-B14F-4D97-AF65-F5344CB8AC3E}">
-        <p14:creationId xmlns:p14="http://schemas.microsoft.com/office/powerpoint/2010/main" val="1733610384"/>
-      </p:ext>
-    </p:extLst>
-  </p:cSld>
-  <p:clrMapOvr>
-    <a:masterClrMapping/>
-  </p:clrMapOvr>
+  <p:timing>
+    <p:tnLst>
+      <p:par>
+        <p:cTn id="1" dur="indefinite" restart="never" nodeType="tmRoot"/>
+      </p:par>
+    </p:tnLst>
+  </p:timing>
 </p:sld>
 </file>
 
@@ -9779,8 +9837,13 @@
           <a:p>
             <a:r>
               <a:rPr lang="pt-PT" dirty="0"/>
-              <a:t>Descrição dos pedidos (Datasheet)</a:t>
-            </a:r>
+              <a:t>Descrição dos </a:t>
+            </a:r>
+            <a:r>
+              <a:rPr lang="pt-PT" dirty="0" smtClean="0"/>
+              <a:t>pedidos (Datasheet)</a:t>
+            </a:r>
+            <a:endParaRPr lang="pt-PT" dirty="0"/>
           </a:p>
         </p:txBody>
       </p:sp>
@@ -9832,7 +9895,7 @@
         </p:spPr>
         <p:txBody>
           <a:bodyPr vert="horz">
-            <a:normAutofit fontScale="85000" lnSpcReduction="20000"/>
+            <a:normAutofit fontScale="92500" lnSpcReduction="10000"/>
           </a:bodyPr>
           <a:lstStyle>
             <a:lvl1pPr marL="320040" indent="-320040" algn="l" rtl="0" eaLnBrk="1" latinLnBrk="0" hangingPunct="1">
@@ -10006,78 +10069,91 @@
           </a:lstStyle>
           <a:p>
             <a:r>
+              <a:rPr lang="pt-PT" dirty="0" smtClean="0"/>
+              <a:t>/Users</a:t>
+            </a:r>
+          </a:p>
+          <a:p>
+            <a:r>
+              <a:rPr lang="pt-PT" dirty="0" smtClean="0"/>
+              <a:t>/Users/{userID}</a:t>
+            </a:r>
+          </a:p>
+          <a:p>
+            <a:r>
+              <a:rPr lang="pt-PT" dirty="0" smtClean="0"/>
+              <a:t>/Users/{UserID}/Datasets</a:t>
+            </a:r>
+          </a:p>
+          <a:p>
+            <a:r>
               <a:rPr lang="pt-PT" dirty="0"/>
-              <a:t>/Users</a:t>
+              <a:t>/Users/{UserID}/</a:t>
+            </a:r>
+            <a:r>
+              <a:rPr lang="pt-PT" dirty="0" smtClean="0"/>
+              <a:t>Datasets/{DatasetID}</a:t>
             </a:r>
           </a:p>
           <a:p>
             <a:r>
               <a:rPr lang="pt-PT" dirty="0"/>
-              <a:t>/Users/{userID}</a:t>
+              <a:t>/Users/{UserID</a:t>
+            </a:r>
+            <a:r>
+              <a:rPr lang="pt-PT" dirty="0" smtClean="0"/>
+              <a:t>}/Macros</a:t>
             </a:r>
           </a:p>
           <a:p>
             <a:r>
               <a:rPr lang="pt-PT" dirty="0"/>
-              <a:t>/Users/{UserID}/Datasets</a:t>
+              <a:t>/Users/{UserID}/</a:t>
+            </a:r>
+            <a:r>
+              <a:rPr lang="pt-PT" dirty="0" smtClean="0"/>
+              <a:t>Macros/{MacroID}</a:t>
+            </a:r>
+            <a:endParaRPr lang="pt-PT" dirty="0"/>
+          </a:p>
+          <a:p>
+            <a:r>
+              <a:rPr lang="pt-PT" dirty="0" smtClean="0"/>
+              <a:t>/</a:t>
+            </a:r>
+            <a:r>
+              <a:rPr lang="pt-PT" dirty="0" smtClean="0"/>
+              <a:t>Charts</a:t>
+            </a:r>
+          </a:p>
+          <a:p>
+            <a:r>
+              <a:rPr lang="pt-PT" dirty="0" smtClean="0"/>
+              <a:t>/Users/{UserID}/Datasets/{DatasetID}/Stats</a:t>
             </a:r>
           </a:p>
           <a:p>
             <a:r>
               <a:rPr lang="pt-PT" dirty="0"/>
-              <a:t>/Users/{UserID}/Datasets/{DatasetID}</a:t>
+              <a:t>/Users/{UserID}/Datasets/{DatasetID</a:t>
+            </a:r>
+            <a:r>
+              <a:rPr lang="pt-PT" dirty="0" smtClean="0"/>
+              <a:t>}/Trnsf</a:t>
             </a:r>
           </a:p>
           <a:p>
             <a:r>
               <a:rPr lang="pt-PT" dirty="0"/>
-              <a:t>/Users/{UserID}/Macros</a:t>
-            </a:r>
-          </a:p>
-          <a:p>
-            <a:r>
-              <a:rPr lang="pt-PT" dirty="0"/>
-              <a:t>/Users/{UserID}/Macros/{MacroID}</a:t>
-            </a:r>
-          </a:p>
-          <a:p>
-            <a:r>
-              <a:rPr lang="pt-PT" dirty="0"/>
-              <a:t>/Stats</a:t>
-            </a:r>
-          </a:p>
-          <a:p>
-            <a:r>
-              <a:rPr lang="pt-PT" dirty="0"/>
-              <a:t>/Trnsfs</a:t>
-            </a:r>
-          </a:p>
-          <a:p>
-            <a:r>
-              <a:rPr lang="pt-PT" dirty="0"/>
-              <a:t>/Charts</a:t>
-            </a:r>
-          </a:p>
-          <a:p>
-            <a:r>
-              <a:rPr lang="pt-PT" dirty="0"/>
-              <a:t>/Users/{UserID}/Datasets/{DatasetID}/Stats</a:t>
-            </a:r>
-          </a:p>
-          <a:p>
-            <a:r>
-              <a:rPr lang="pt-PT" dirty="0"/>
-              <a:t>/Users/{UserID}/Datasets/{DatasetID}/Trnsf</a:t>
-            </a:r>
-          </a:p>
-          <a:p>
-            <a:r>
-              <a:rPr lang="pt-PT" dirty="0"/>
-              <a:t>/Users/{UserID}/Datasets/{DatasetID}/{MacroID}/</a:t>
-            </a:r>
-          </a:p>
-          <a:p>
-            <a:endParaRPr lang="pt-PT" dirty="0"/>
+              <a:t>/Users/{UserID}/Datasets/{DatasetID</a:t>
+            </a:r>
+            <a:r>
+              <a:rPr lang="pt-PT" dirty="0" smtClean="0"/>
+              <a:t>}/{MacroID}/</a:t>
+            </a:r>
+          </a:p>
+          <a:p>
+            <a:endParaRPr lang="pt-PT" dirty="0" smtClean="0"/>
           </a:p>
         </p:txBody>
       </p:sp>
@@ -10091,6 +10167,13 @@
   <p:clrMapOvr>
     <a:masterClrMapping/>
   </p:clrMapOvr>
+  <p:timing>
+    <p:tnLst>
+      <p:par>
+        <p:cTn id="1" dur="indefinite" restart="never" nodeType="tmRoot"/>
+      </p:par>
+    </p:tnLst>
+  </p:timing>
 </p:sld>
 </file>
 
@@ -10127,9 +10210,10 @@
           <a:lstStyle/>
           <a:p>
             <a:r>
-              <a:rPr lang="pt-PT" dirty="0"/>
+              <a:rPr lang="pt-PT" dirty="0" smtClean="0"/>
               <a:t>Modelos (Datasheet)</a:t>
             </a:r>
+            <a:endParaRPr lang="pt-PT" dirty="0"/>
           </a:p>
         </p:txBody>
       </p:sp>
@@ -10263,6 +10347,13 @@
   <p:clrMapOvr>
     <a:masterClrMapping/>
   </p:clrMapOvr>
+  <p:timing>
+    <p:tnLst>
+      <p:par>
+        <p:cTn id="1" dur="indefinite" restart="never" nodeType="tmRoot"/>
+      </p:par>
+    </p:tnLst>
+  </p:timing>
 </p:sld>
 </file>
 

--- a/documents/T1_Restify.pptx
+++ b/documents/T1_Restify.pptx
@@ -221,7 +221,7 @@
           <a:p>
             <a:fld id="{A930B388-303A-7841-B305-11C117731671}" type="datetimeFigureOut">
               <a:rPr lang="en-US" smtClean="0"/>
-              <a:t>1/5/2017</a:t>
+              <a:t>1/12/2017</a:t>
             </a:fld>
             <a:endParaRPr lang="en-US"/>
           </a:p>
@@ -389,7 +389,7 @@
             <a:fld id="{A8ADFD5B-A66C-449C-B6E8-FB716D07777D}" type="datetimeFigureOut">
               <a:rPr lang="en-US" smtClean="0"/>
               <a:pPr/>
-              <a:t>1/5/2017</a:t>
+              <a:t>1/12/2017</a:t>
             </a:fld>
             <a:endParaRPr lang="en-US"/>
           </a:p>
@@ -1422,7 +1422,7 @@
                 </a:solidFill>
               </a:rPr>
               <a:pPr algn="ctr"/>
-              <a:t>1/5/2017</a:t>
+              <a:t>1/12/2017</a:t>
             </a:fld>
             <a:endParaRPr lang="en-US" sz="2000" dirty="0">
               <a:solidFill>
@@ -1935,7 +1935,7 @@
             <a:fld id="{E4606EA6-EFEA-4C30-9264-4F9291A5780D}" type="datetime1">
               <a:rPr lang="en-US" smtClean="0"/>
               <a:pPr/>
-              <a:t>1/5/2017</a:t>
+              <a:t>1/12/2017</a:t>
             </a:fld>
             <a:endParaRPr lang="en-US"/>
           </a:p>
@@ -2076,7 +2076,7 @@
             <a:fld id="{E4606EA6-EFEA-4C30-9264-4F9291A5780D}" type="datetime1">
               <a:rPr lang="en-US" smtClean="0"/>
               <a:pPr/>
-              <a:t>1/5/2017</a:t>
+              <a:t>1/12/2017</a:t>
             </a:fld>
             <a:endParaRPr lang="en-US"/>
           </a:p>
@@ -2507,7 +2507,7 @@
             <a:fld id="{6FCF9F07-3BC7-4570-B054-79111B0A380C}" type="datetime1">
               <a:rPr lang="en-US" smtClean="0"/>
               <a:pPr/>
-              <a:t>1/5/2017</a:t>
+              <a:t>1/12/2017</a:t>
             </a:fld>
             <a:endParaRPr lang="en-US"/>
           </a:p>
@@ -2649,7 +2649,7 @@
             <a:fld id="{E4606EA6-EFEA-4C30-9264-4F9291A5780D}" type="datetime1">
               <a:rPr lang="en-US" smtClean="0"/>
               <a:pPr/>
-              <a:t>1/5/2017</a:t>
+              <a:t>1/12/2017</a:t>
             </a:fld>
             <a:endParaRPr lang="en-US" sz="1400" dirty="0">
               <a:solidFill>
@@ -2968,7 +2968,7 @@
             <a:fld id="{E4606EA6-EFEA-4C30-9264-4F9291A5780D}" type="datetime1">
               <a:rPr lang="en-US" smtClean="0"/>
               <a:pPr/>
-              <a:t>1/5/2017</a:t>
+              <a:t>1/12/2017</a:t>
             </a:fld>
             <a:endParaRPr lang="en-US"/>
           </a:p>
@@ -3222,7 +3222,7 @@
             <a:fld id="{E4606EA6-EFEA-4C30-9264-4F9291A5780D}" type="datetime1">
               <a:rPr lang="en-US" smtClean="0"/>
               <a:pPr/>
-              <a:t>1/5/2017</a:t>
+              <a:t>1/12/2017</a:t>
             </a:fld>
             <a:endParaRPr lang="en-US"/>
           </a:p>
@@ -3434,7 +3434,7 @@
             <a:fld id="{6DFADB5D-B7A0-47E3-AD2D-B1A6F8614213}" type="datetime1">
               <a:rPr lang="en-US" smtClean="0"/>
               <a:pPr/>
-              <a:t>1/5/2017</a:t>
+              <a:t>1/12/2017</a:t>
             </a:fld>
             <a:endParaRPr lang="en-US"/>
           </a:p>
@@ -3547,7 +3547,7 @@
             <a:fld id="{72968126-03FC-49C0-B9B8-2B561CCC3D90}" type="datetime1">
               <a:rPr lang="en-US" smtClean="0"/>
               <a:pPr/>
-              <a:t>1/5/2017</a:t>
+              <a:t>1/12/2017</a:t>
             </a:fld>
             <a:endParaRPr lang="en-US"/>
           </a:p>
@@ -3699,7 +3699,7 @@
             <a:fld id="{F49A8198-4617-485E-9585-4840B69DBBA6}" type="datetime1">
               <a:rPr lang="en-US" smtClean="0"/>
               <a:pPr/>
-              <a:t>1/5/2017</a:t>
+              <a:t>1/12/2017</a:t>
             </a:fld>
             <a:endParaRPr lang="en-US"/>
           </a:p>
@@ -4030,7 +4030,7 @@
             <a:fld id="{E4606EA6-EFEA-4C30-9264-4F9291A5780D}" type="datetime1">
               <a:rPr lang="en-US" smtClean="0"/>
               <a:pPr/>
-              <a:t>1/5/2017</a:t>
+              <a:t>1/12/2017</a:t>
             </a:fld>
             <a:endParaRPr lang="en-US" sz="1400" dirty="0">
               <a:solidFill>
@@ -5812,26 +5812,86 @@
         </p:nvSpPr>
         <p:spPr/>
         <p:txBody>
-          <a:bodyPr/>
+          <a:bodyPr>
+            <a:normAutofit fontScale="90000"/>
+          </a:bodyPr>
           <a:lstStyle/>
           <a:p>
+            <a:pPr algn="ctr"/>
             <a:r>
               <a:rPr lang="pt-PT" dirty="0" smtClean="0"/>
-              <a:t>Arquitetura de Sistema (Parte II)</a:t>
+              <a:t>Arquitetura de </a:t>
+            </a:r>
+            <a:r>
+              <a:rPr lang="pt-PT" dirty="0" smtClean="0"/>
+              <a:t>Sistema vs. </a:t>
+            </a:r>
+            <a:br>
+              <a:rPr lang="pt-PT" dirty="0" smtClean="0"/>
+            </a:br>
+            <a:r>
+              <a:rPr lang="pt-PT" dirty="0" smtClean="0"/>
+              <a:t>Arquitetura de Sistema Real </a:t>
             </a:r>
             <a:endParaRPr lang="pt-PT" dirty="0"/>
           </a:p>
         </p:txBody>
       </p:sp>
-      <p:pic>
-        <p:nvPicPr>
-          <p:cNvPr id="4" name="Content Placeholder 3"/>
-          <p:cNvPicPr>
-            <a:picLocks noGrp="1" noChangeAspect="1"/>
-          </p:cNvPicPr>
+      <p:sp>
+        <p:nvSpPr>
+          <p:cNvPr id="3" name="Content Placeholder 2"/>
+          <p:cNvSpPr>
+            <a:spLocks noGrp="1"/>
+          </p:cNvSpPr>
           <p:nvPr>
             <p:ph sz="quarter" idx="13"/>
           </p:nvPr>
+        </p:nvSpPr>
+        <p:spPr/>
+        <p:txBody>
+          <a:bodyPr/>
+          <a:lstStyle/>
+          <a:p>
+            <a:pPr marL="0" indent="0">
+              <a:buNone/>
+            </a:pPr>
+            <a:endParaRPr lang="pt-PT" dirty="0" smtClean="0"/>
+          </a:p>
+          <a:p>
+            <a:pPr marL="0" indent="0">
+              <a:buNone/>
+            </a:pPr>
+            <a:endParaRPr lang="pt-PT" dirty="0"/>
+          </a:p>
+          <a:p>
+            <a:pPr marL="0" indent="0">
+              <a:buNone/>
+            </a:pPr>
+            <a:endParaRPr lang="pt-PT" dirty="0"/>
+          </a:p>
+          <a:p>
+            <a:pPr marL="0" indent="0">
+              <a:buNone/>
+            </a:pPr>
+            <a:endParaRPr lang="pt-PT" dirty="0" smtClean="0"/>
+          </a:p>
+          <a:p>
+            <a:pPr lvl="1"/>
+            <a:r>
+              <a:rPr lang="pt-PT" dirty="0" smtClean="0"/>
+              <a:t>Vs.</a:t>
+            </a:r>
+            <a:endParaRPr lang="pt-PT" dirty="0"/>
+          </a:p>
+        </p:txBody>
+      </p:sp>
+      <p:pic>
+        <p:nvPicPr>
+          <p:cNvPr id="6" name="Picture 5"/>
+          <p:cNvPicPr>
+            <a:picLocks noChangeAspect="1"/>
+          </p:cNvPicPr>
+          <p:nvPr/>
         </p:nvPicPr>
         <p:blipFill>
           <a:blip r:embed="rId3">
@@ -5847,9 +5907,45 @@
         </p:blipFill>
         <p:spPr>
           <a:xfrm>
-            <a:off x="609600" y="1930400"/>
-            <a:ext cx="8153400" cy="4114799"/>
+            <a:off x="1371601" y="4686093"/>
+            <a:ext cx="5714999" cy="1431043"/>
           </a:xfrm>
+          <a:prstGeom prst="rect">
+            <a:avLst/>
+          </a:prstGeom>
+        </p:spPr>
+      </p:pic>
+      <p:pic>
+        <p:nvPicPr>
+          <p:cNvPr id="7" name="Picture 6" descr="C:\Users\Paulo\Desktop\System_Architecture.jpg"/>
+          <p:cNvPicPr/>
+          <p:nvPr/>
+        </p:nvPicPr>
+        <p:blipFill>
+          <a:blip r:embed="rId4">
+            <a:extLst>
+              <a:ext uri="{28A0092B-C50C-407E-A947-70E740481C1C}">
+                <a14:useLocalDpi xmlns:a14="http://schemas.microsoft.com/office/drawing/2010/main" val="0"/>
+              </a:ext>
+            </a:extLst>
+          </a:blip>
+          <a:srcRect/>
+          <a:stretch>
+            <a:fillRect/>
+          </a:stretch>
+        </p:blipFill>
+        <p:spPr bwMode="auto">
+          <a:xfrm>
+            <a:off x="1371600" y="2057400"/>
+            <a:ext cx="6477000" cy="1859929"/>
+          </a:xfrm>
+          <a:prstGeom prst="rect">
+            <a:avLst/>
+          </a:prstGeom>
+          <a:noFill/>
+          <a:ln>
+            <a:noFill/>
+          </a:ln>
         </p:spPr>
       </p:pic>
     </p:spTree>
@@ -9813,6 +9909,30 @@
           <a:chExt cx="0" cy="0"/>
         </a:xfrm>
       </p:grpSpPr>
+      <p:pic>
+        <p:nvPicPr>
+          <p:cNvPr id="5" name="Picture 4"/>
+          <p:cNvPicPr>
+            <a:picLocks noChangeAspect="1"/>
+          </p:cNvPicPr>
+          <p:nvPr/>
+        </p:nvPicPr>
+        <p:blipFill>
+          <a:blip r:embed="rId2"/>
+          <a:stretch>
+            <a:fillRect/>
+          </a:stretch>
+        </p:blipFill>
+        <p:spPr>
+          <a:xfrm>
+            <a:off x="7149582" y="1780138"/>
+            <a:ext cx="1912798" cy="5077861"/>
+          </a:xfrm>
+          <a:prstGeom prst="rect">
+            <a:avLst/>
+          </a:prstGeom>
+        </p:spPr>
+      </p:pic>
       <p:sp>
         <p:nvSpPr>
           <p:cNvPr id="2" name="Title 1"/>
@@ -9847,35 +9967,6 @@
           </a:p>
         </p:txBody>
       </p:sp>
-      <p:pic>
-        <p:nvPicPr>
-          <p:cNvPr id="4" name="Content Placeholder 3"/>
-          <p:cNvPicPr>
-            <a:picLocks noGrp="1" noChangeAspect="1"/>
-          </p:cNvPicPr>
-          <p:nvPr>
-            <p:ph sz="quarter" idx="13"/>
-          </p:nvPr>
-        </p:nvPicPr>
-        <p:blipFill>
-          <a:blip r:embed="rId2">
-            <a:extLst>
-              <a:ext uri="{28A0092B-C50C-407E-A947-70E740481C1C}">
-                <a14:useLocalDpi xmlns:a14="http://schemas.microsoft.com/office/drawing/2010/main" val="0"/>
-              </a:ext>
-            </a:extLst>
-          </a:blip>
-          <a:stretch>
-            <a:fillRect/>
-          </a:stretch>
-        </p:blipFill>
-        <p:spPr>
-          <a:xfrm>
-            <a:off x="7315200" y="1752600"/>
-            <a:ext cx="1555468" cy="4265342"/>
-          </a:xfrm>
-        </p:spPr>
-      </p:pic>
       <p:sp>
         <p:nvSpPr>
           <p:cNvPr id="6" name="Content Placeholder 2"/>
@@ -9895,7 +9986,7 @@
         </p:spPr>
         <p:txBody>
           <a:bodyPr vert="horz">
-            <a:normAutofit fontScale="92500" lnSpcReduction="10000"/>
+            <a:normAutofit fontScale="70000" lnSpcReduction="20000"/>
           </a:bodyPr>
           <a:lstStyle>
             <a:lvl1pPr marL="320040" indent="-320040" algn="l" rtl="0" eaLnBrk="1" latinLnBrk="0" hangingPunct="1">
@@ -10112,25 +10203,42 @@
             </a:r>
             <a:r>
               <a:rPr lang="pt-PT" dirty="0" smtClean="0"/>
-              <a:t>Macros/{MacroID}</a:t>
+              <a:t>Macros/{MacroID</a:t>
+            </a:r>
+            <a:r>
+              <a:rPr lang="pt-PT" dirty="0" smtClean="0"/>
+              <a:t>}</a:t>
+            </a:r>
+          </a:p>
+          <a:p>
+            <a:r>
+              <a:rPr lang="pt-PT" dirty="0" smtClean="0"/>
+              <a:t>/Stats</a:t>
+            </a:r>
+          </a:p>
+          <a:p>
+            <a:r>
+              <a:rPr lang="pt-PT" dirty="0" smtClean="0"/>
+              <a:t>/Tranfs</a:t>
             </a:r>
             <a:endParaRPr lang="pt-PT" dirty="0"/>
           </a:p>
           <a:p>
             <a:r>
               <a:rPr lang="pt-PT" dirty="0" smtClean="0"/>
-              <a:t>/</a:t>
-            </a:r>
+              <a:t>/Charts</a:t>
+            </a:r>
+          </a:p>
+          <a:p>
             <a:r>
               <a:rPr lang="pt-PT" dirty="0" smtClean="0"/>
-              <a:t>Charts</a:t>
-            </a:r>
-          </a:p>
-          <a:p>
+              <a:t>/Users/{UserID}/Datasets/{DatasetID}/</a:t>
+            </a:r>
             <a:r>
               <a:rPr lang="pt-PT" dirty="0" smtClean="0"/>
-              <a:t>/Users/{UserID}/Datasets/{DatasetID}/Stats</a:t>
-            </a:r>
+              <a:t>Stats?StatID=StatID</a:t>
+            </a:r>
+            <a:endParaRPr lang="pt-PT" dirty="0" smtClean="0"/>
           </a:p>
           <a:p>
             <a:r>
@@ -10139,8 +10247,13 @@
             </a:r>
             <a:r>
               <a:rPr lang="pt-PT" dirty="0" smtClean="0"/>
-              <a:t>}/Trnsf</a:t>
-            </a:r>
+              <a:t>}/</a:t>
+            </a:r>
+            <a:r>
+              <a:rPr lang="pt-PT" dirty="0" smtClean="0"/>
+              <a:t>Trnsf?TranfsID=TransfsID</a:t>
+            </a:r>
+            <a:endParaRPr lang="pt-PT" dirty="0" smtClean="0"/>
           </a:p>
           <a:p>
             <a:r>
@@ -10149,8 +10262,19 @@
             </a:r>
             <a:r>
               <a:rPr lang="pt-PT" dirty="0" smtClean="0"/>
-              <a:t>}/{MacroID}/</a:t>
-            </a:r>
+              <a:t>}/{MacroID</a:t>
+            </a:r>
+            <a:r>
+              <a:rPr lang="pt-PT" dirty="0" smtClean="0"/>
+              <a:t>}/MacroID=MacroID</a:t>
+            </a:r>
+          </a:p>
+          <a:p>
+            <a:r>
+              <a:rPr lang="pt-PT" dirty="0" smtClean="0"/>
+              <a:t>Users/{UserID}/Results/{ResultID}</a:t>
+            </a:r>
+            <a:endParaRPr lang="pt-PT" dirty="0" smtClean="0"/>
           </a:p>
           <a:p>
             <a:endParaRPr lang="pt-PT" dirty="0" smtClean="0"/>

--- a/documents/T1_Restify.pptx
+++ b/documents/T1_Restify.pptx
@@ -5907,7 +5907,7 @@
         </p:blipFill>
         <p:spPr>
           <a:xfrm>
-            <a:off x="1371601" y="4686093"/>
+            <a:off x="1371600" y="4723511"/>
             <a:ext cx="5714999" cy="1431043"/>
           </a:xfrm>
           <a:prstGeom prst="rect">
@@ -5948,6 +5948,66 @@
           </a:ln>
         </p:spPr>
       </p:pic>
+      <p:sp>
+        <p:nvSpPr>
+          <p:cNvPr id="8" name="TextBox 7"/>
+          <p:cNvSpPr txBox="1"/>
+          <p:nvPr/>
+        </p:nvSpPr>
+        <p:spPr>
+          <a:xfrm>
+            <a:off x="8305800" y="5254366"/>
+            <a:ext cx="1219200" cy="369332"/>
+          </a:xfrm>
+          <a:prstGeom prst="rect">
+            <a:avLst/>
+          </a:prstGeom>
+          <a:noFill/>
+        </p:spPr>
+        <p:txBody>
+          <a:bodyPr wrap="square" rtlCol="0">
+            <a:spAutoFit/>
+          </a:bodyPr>
+          <a:lstStyle/>
+          <a:p>
+            <a:r>
+              <a:rPr lang="pt-PT" dirty="0" smtClean="0"/>
+              <a:t>REAL</a:t>
+            </a:r>
+            <a:endParaRPr lang="pt-PT" dirty="0"/>
+          </a:p>
+        </p:txBody>
+      </p:sp>
+      <p:sp>
+        <p:nvSpPr>
+          <p:cNvPr id="9" name="TextBox 8"/>
+          <p:cNvSpPr txBox="1"/>
+          <p:nvPr/>
+        </p:nvSpPr>
+        <p:spPr>
+          <a:xfrm>
+            <a:off x="8153400" y="2802698"/>
+            <a:ext cx="1219200" cy="369332"/>
+          </a:xfrm>
+          <a:prstGeom prst="rect">
+            <a:avLst/>
+          </a:prstGeom>
+          <a:noFill/>
+        </p:spPr>
+        <p:txBody>
+          <a:bodyPr wrap="square" rtlCol="0">
+            <a:spAutoFit/>
+          </a:bodyPr>
+          <a:lstStyle/>
+          <a:p>
+            <a:r>
+              <a:rPr lang="pt-PT" dirty="0" smtClean="0"/>
+              <a:t>TEÓRICA</a:t>
+            </a:r>
+            <a:endParaRPr lang="pt-PT" dirty="0"/>
+          </a:p>
+        </p:txBody>
+      </p:sp>
     </p:spTree>
     <p:extLst>
       <p:ext uri="{BB962C8B-B14F-4D97-AF65-F5344CB8AC3E}">
